--- a/Meetings/2019.04.24-ISCSummary-JessAdrianBobbyMeeting.pptx
+++ b/Meetings/2019.04.24-ISCSummary-JessAdrianBobbyMeeting.pptx
@@ -5,7 +5,7 @@
     <p:sldMasterId id="2147483660" r:id="rId1"/>
   </p:sldMasterIdLst>
   <p:notesMasterIdLst>
-    <p:notesMasterId r:id="rId11"/>
+    <p:notesMasterId r:id="rId13"/>
   </p:notesMasterIdLst>
   <p:sldIdLst>
     <p:sldId id="263" r:id="rId2"/>
@@ -13,10 +13,12 @@
     <p:sldId id="281" r:id="rId4"/>
     <p:sldId id="276" r:id="rId5"/>
     <p:sldId id="277" r:id="rId6"/>
-    <p:sldId id="278" r:id="rId7"/>
-    <p:sldId id="280" r:id="rId8"/>
-    <p:sldId id="279" r:id="rId9"/>
-    <p:sldId id="274" r:id="rId10"/>
+    <p:sldId id="282" r:id="rId7"/>
+    <p:sldId id="283" r:id="rId8"/>
+    <p:sldId id="278" r:id="rId9"/>
+    <p:sldId id="280" r:id="rId10"/>
+    <p:sldId id="279" r:id="rId11"/>
+    <p:sldId id="274" r:id="rId12"/>
   </p:sldIdLst>
   <p:sldSz cx="9144000" cy="6858000" type="screen4x3"/>
   <p:notesSz cx="6858000" cy="9144000"/>
@@ -216,7 +218,7 @@
           <a:p>
             <a:fld id="{EA3C5DAC-6FE6-4316-87B7-6031F2D95D9A}" type="datetimeFigureOut">
               <a:rPr lang="en-CA" smtClean="0"/>
-              <a:t>2019-04-17</a:t>
+              <a:t>2019-04-18</a:t>
             </a:fld>
             <a:endParaRPr lang="en-CA"/>
           </a:p>
@@ -699,7 +701,7 @@
           <a:p>
             <a:fld id="{C2FC7127-3C0D-4B0F-A0B9-42504EB5A386}" type="datetimeFigureOut">
               <a:rPr lang="en-CA" smtClean="0"/>
-              <a:t>2019-04-17</a:t>
+              <a:t>2019-04-18</a:t>
             </a:fld>
             <a:endParaRPr lang="en-CA"/>
           </a:p>
@@ -869,7 +871,7 @@
           <a:p>
             <a:fld id="{C2FC7127-3C0D-4B0F-A0B9-42504EB5A386}" type="datetimeFigureOut">
               <a:rPr lang="en-CA" smtClean="0"/>
-              <a:t>2019-04-17</a:t>
+              <a:t>2019-04-18</a:t>
             </a:fld>
             <a:endParaRPr lang="en-CA"/>
           </a:p>
@@ -1049,7 +1051,7 @@
           <a:p>
             <a:fld id="{C2FC7127-3C0D-4B0F-A0B9-42504EB5A386}" type="datetimeFigureOut">
               <a:rPr lang="en-CA" smtClean="0"/>
-              <a:t>2019-04-17</a:t>
+              <a:t>2019-04-18</a:t>
             </a:fld>
             <a:endParaRPr lang="en-CA"/>
           </a:p>
@@ -1219,7 +1221,7 @@
           <a:p>
             <a:fld id="{C2FC7127-3C0D-4B0F-A0B9-42504EB5A386}" type="datetimeFigureOut">
               <a:rPr lang="en-CA" smtClean="0"/>
-              <a:t>2019-04-17</a:t>
+              <a:t>2019-04-18</a:t>
             </a:fld>
             <a:endParaRPr lang="en-CA"/>
           </a:p>
@@ -1463,7 +1465,7 @@
           <a:p>
             <a:fld id="{C2FC7127-3C0D-4B0F-A0B9-42504EB5A386}" type="datetimeFigureOut">
               <a:rPr lang="en-CA" smtClean="0"/>
-              <a:t>2019-04-17</a:t>
+              <a:t>2019-04-18</a:t>
             </a:fld>
             <a:endParaRPr lang="en-CA"/>
           </a:p>
@@ -1695,7 +1697,7 @@
           <a:p>
             <a:fld id="{C2FC7127-3C0D-4B0F-A0B9-42504EB5A386}" type="datetimeFigureOut">
               <a:rPr lang="en-CA" smtClean="0"/>
-              <a:t>2019-04-17</a:t>
+              <a:t>2019-04-18</a:t>
             </a:fld>
             <a:endParaRPr lang="en-CA"/>
           </a:p>
@@ -2062,7 +2064,7 @@
           <a:p>
             <a:fld id="{C2FC7127-3C0D-4B0F-A0B9-42504EB5A386}" type="datetimeFigureOut">
               <a:rPr lang="en-CA" smtClean="0"/>
-              <a:t>2019-04-17</a:t>
+              <a:t>2019-04-18</a:t>
             </a:fld>
             <a:endParaRPr lang="en-CA"/>
           </a:p>
@@ -2180,7 +2182,7 @@
           <a:p>
             <a:fld id="{C2FC7127-3C0D-4B0F-A0B9-42504EB5A386}" type="datetimeFigureOut">
               <a:rPr lang="en-CA" smtClean="0"/>
-              <a:t>2019-04-17</a:t>
+              <a:t>2019-04-18</a:t>
             </a:fld>
             <a:endParaRPr lang="en-CA"/>
           </a:p>
@@ -2275,7 +2277,7 @@
           <a:p>
             <a:fld id="{C2FC7127-3C0D-4B0F-A0B9-42504EB5A386}" type="datetimeFigureOut">
               <a:rPr lang="en-CA" smtClean="0"/>
-              <a:t>2019-04-17</a:t>
+              <a:t>2019-04-18</a:t>
             </a:fld>
             <a:endParaRPr lang="en-CA"/>
           </a:p>
@@ -2552,7 +2554,7 @@
           <a:p>
             <a:fld id="{C2FC7127-3C0D-4B0F-A0B9-42504EB5A386}" type="datetimeFigureOut">
               <a:rPr lang="en-CA" smtClean="0"/>
-              <a:t>2019-04-17</a:t>
+              <a:t>2019-04-18</a:t>
             </a:fld>
             <a:endParaRPr lang="en-CA"/>
           </a:p>
@@ -2809,7 +2811,7 @@
           <a:p>
             <a:fld id="{C2FC7127-3C0D-4B0F-A0B9-42504EB5A386}" type="datetimeFigureOut">
               <a:rPr lang="en-CA" smtClean="0"/>
-              <a:t>2019-04-17</a:t>
+              <a:t>2019-04-18</a:t>
             </a:fld>
             <a:endParaRPr lang="en-CA"/>
           </a:p>
@@ -3022,7 +3024,7 @@
           <a:p>
             <a:fld id="{C2FC7127-3C0D-4B0F-A0B9-42504EB5A386}" type="datetimeFigureOut">
               <a:rPr lang="en-CA" smtClean="0"/>
-              <a:t>2019-04-17</a:t>
+              <a:t>2019-04-18</a:t>
             </a:fld>
             <a:endParaRPr lang="en-CA"/>
           </a:p>
@@ -4854,112 +4856,7 @@
 </p:sld>
 </file>
 
-<file path=ppt/slides/slide2.xml><?xml version="1.0" encoding="utf-8"?>
-<p:sld xmlns:a="http://schemas.openxmlformats.org/drawingml/2006/main" xmlns:r="http://schemas.openxmlformats.org/officeDocument/2006/relationships" xmlns:p="http://schemas.openxmlformats.org/presentationml/2006/main" show="0">
-  <p:cSld>
-    <p:spTree>
-      <p:nvGrpSpPr>
-        <p:cNvPr id="1" name=""/>
-        <p:cNvGrpSpPr/>
-        <p:nvPr/>
-      </p:nvGrpSpPr>
-      <p:grpSpPr>
-        <a:xfrm>
-          <a:off x="0" y="0"/>
-          <a:ext cx="0" cy="0"/>
-          <a:chOff x="0" y="0"/>
-          <a:chExt cx="0" cy="0"/>
-        </a:xfrm>
-      </p:grpSpPr>
-      <p:pic>
-        <p:nvPicPr>
-          <p:cNvPr id="4" name="Picture 3"/>
-          <p:cNvPicPr>
-            <a:picLocks noChangeAspect="1"/>
-          </p:cNvPicPr>
-          <p:nvPr/>
-        </p:nvPicPr>
-        <p:blipFill>
-          <a:blip r:embed="rId2">
-            <a:extLst>
-              <a:ext uri="{28A0092B-C50C-407E-A947-70E740481C1C}">
-                <a14:useLocalDpi xmlns:a14="http://schemas.microsoft.com/office/drawing/2010/main" val="0"/>
-              </a:ext>
-            </a:extLst>
-          </a:blip>
-          <a:stretch>
-            <a:fillRect/>
-          </a:stretch>
-        </p:blipFill>
-        <p:spPr>
-          <a:xfrm>
-            <a:off x="470915" y="380574"/>
-            <a:ext cx="8202170" cy="6096851"/>
-          </a:xfrm>
-          <a:prstGeom prst="rect">
-            <a:avLst/>
-          </a:prstGeom>
-        </p:spPr>
-      </p:pic>
-      <p:sp>
-        <p:nvSpPr>
-          <p:cNvPr id="5" name="TextBox 4"/>
-          <p:cNvSpPr txBox="1"/>
-          <p:nvPr/>
-        </p:nvSpPr>
-        <p:spPr>
-          <a:xfrm>
-            <a:off x="233082" y="111633"/>
-            <a:ext cx="6635534" cy="369332"/>
-          </a:xfrm>
-          <a:prstGeom prst="rect">
-            <a:avLst/>
-          </a:prstGeom>
-          <a:noFill/>
-        </p:spPr>
-        <p:txBody>
-          <a:bodyPr wrap="none" rtlCol="0">
-            <a:spAutoFit/>
-          </a:bodyPr>
-          <a:lstStyle/>
-          <a:p>
-            <a:r>
-              <a:rPr lang="en-CA" dirty="0" smtClean="0"/>
-              <a:t>Lyric modification score – participants are learning the lyrics to songs</a:t>
-            </a:r>
-            <a:endParaRPr lang="en-CA" dirty="0"/>
-          </a:p>
-        </p:txBody>
-      </p:sp>
-    </p:spTree>
-    <p:extLst>
-      <p:ext uri="{BB962C8B-B14F-4D97-AF65-F5344CB8AC3E}">
-        <p14:creationId xmlns:p14="http://schemas.microsoft.com/office/powerpoint/2010/main" val="1875382392"/>
-      </p:ext>
-    </p:extLst>
-  </p:cSld>
-  <p:clrMapOvr>
-    <a:masterClrMapping/>
-  </p:clrMapOvr>
-  <mc:AlternateContent xmlns:mc="http://schemas.openxmlformats.org/markup-compatibility/2006">
-    <mc:Choice xmlns:p14="http://schemas.microsoft.com/office/powerpoint/2010/main" Requires="p14">
-      <p:transition spd="slow" p14:dur="2000"/>
-    </mc:Choice>
-    <mc:Fallback>
-      <p:transition spd="slow"/>
-    </mc:Fallback>
-  </mc:AlternateContent>
-  <p:timing>
-    <p:tnLst>
-      <p:par>
-        <p:cTn id="1" dur="indefinite" restart="never" nodeType="tmRoot"/>
-      </p:par>
-    </p:tnLst>
-  </p:timing>
-</p:sld>
-</file>
-
-<file path=ppt/slides/slide3.xml><?xml version="1.0" encoding="utf-8"?>
+<file path=ppt/slides/slide10.xml><?xml version="1.0" encoding="utf-8"?>
 <p:sld xmlns:a="http://schemas.openxmlformats.org/drawingml/2006/main" xmlns:r="http://schemas.openxmlformats.org/officeDocument/2006/relationships" xmlns:p="http://schemas.openxmlformats.org/presentationml/2006/main">
   <p:cSld>
     <p:spTree>
@@ -4993,607 +4890,6 @@
           <a:p>
             <a:r>
               <a:rPr lang="en-US" dirty="0" smtClean="0"/>
-              <a:t>GLM vs ISC results</a:t>
-            </a:r>
-            <a:endParaRPr lang="en-CA" dirty="0"/>
-          </a:p>
-        </p:txBody>
-      </p:sp>
-      <p:sp>
-        <p:nvSpPr>
-          <p:cNvPr id="3" name="Content Placeholder 2"/>
-          <p:cNvSpPr>
-            <a:spLocks noGrp="1"/>
-          </p:cNvSpPr>
-          <p:nvPr>
-            <p:ph idx="1"/>
-          </p:nvPr>
-        </p:nvSpPr>
-        <p:spPr/>
-        <p:txBody>
-          <a:bodyPr/>
-          <a:lstStyle/>
-          <a:p>
-            <a:r>
-              <a:rPr lang="en-US" dirty="0" smtClean="0"/>
-              <a:t>No systematic differences based on familiarity</a:t>
-            </a:r>
-          </a:p>
-          <a:p>
-            <a:pPr lvl="1"/>
-            <a:r>
-              <a:rPr lang="en-US" dirty="0" smtClean="0"/>
-              <a:t>In GLM or ISC</a:t>
-            </a:r>
-          </a:p>
-          <a:p>
-            <a:pPr lvl="1"/>
-            <a:endParaRPr lang="en-US" dirty="0"/>
-          </a:p>
-          <a:p>
-            <a:r>
-              <a:rPr lang="en-US" dirty="0" smtClean="0"/>
-              <a:t>Stim type differences</a:t>
-            </a:r>
-          </a:p>
-          <a:p>
-            <a:pPr lvl="1"/>
-            <a:r>
-              <a:rPr lang="en-US" dirty="0" smtClean="0"/>
-              <a:t>GLM and ISC show S &gt;A&gt;W&gt;I (across whole brain)</a:t>
-            </a:r>
-          </a:p>
-          <a:p>
-            <a:endParaRPr lang="en-US" dirty="0"/>
-          </a:p>
-          <a:p>
-            <a:r>
-              <a:rPr lang="en-US" sz="2400" dirty="0" smtClean="0">
-                <a:solidFill>
-                  <a:schemeClr val="bg2">
-                    <a:lumMod val="75000"/>
-                  </a:schemeClr>
-                </a:solidFill>
-              </a:rPr>
-              <a:t>Pattern analysis to differentiate stim</a:t>
-            </a:r>
-          </a:p>
-          <a:p>
-            <a:pPr lvl="1"/>
-            <a:r>
-              <a:rPr lang="en-US" sz="2000" dirty="0" smtClean="0">
-                <a:solidFill>
-                  <a:schemeClr val="bg2">
-                    <a:lumMod val="75000"/>
-                  </a:schemeClr>
-                </a:solidFill>
-              </a:rPr>
-              <a:t>Does MVPA show different areas beyond GLM/ISC?</a:t>
-            </a:r>
-          </a:p>
-          <a:p>
-            <a:pPr lvl="1"/>
-            <a:r>
-              <a:rPr lang="en-US" sz="2000" dirty="0" smtClean="0">
-                <a:solidFill>
-                  <a:schemeClr val="bg2">
-                    <a:lumMod val="75000"/>
-                  </a:schemeClr>
-                </a:solidFill>
-              </a:rPr>
-              <a:t>still working on this</a:t>
-            </a:r>
-            <a:endParaRPr lang="en-US" sz="2000" dirty="0">
-              <a:solidFill>
-                <a:schemeClr val="bg2">
-                  <a:lumMod val="75000"/>
-                </a:schemeClr>
-              </a:solidFill>
-            </a:endParaRPr>
-          </a:p>
-        </p:txBody>
-      </p:sp>
-    </p:spTree>
-    <p:extLst>
-      <p:ext uri="{BB962C8B-B14F-4D97-AF65-F5344CB8AC3E}">
-        <p14:creationId xmlns:p14="http://schemas.microsoft.com/office/powerpoint/2010/main" val="2736446539"/>
-      </p:ext>
-    </p:extLst>
-  </p:cSld>
-  <p:clrMapOvr>
-    <a:masterClrMapping/>
-  </p:clrMapOvr>
-</p:sld>
-</file>
-
-<file path=ppt/slides/slide4.xml><?xml version="1.0" encoding="utf-8"?>
-<p:sld xmlns:a="http://schemas.openxmlformats.org/drawingml/2006/main" xmlns:r="http://schemas.openxmlformats.org/officeDocument/2006/relationships" xmlns:p="http://schemas.openxmlformats.org/presentationml/2006/main">
-  <p:cSld>
-    <p:spTree>
-      <p:nvGrpSpPr>
-        <p:cNvPr id="1" name=""/>
-        <p:cNvGrpSpPr/>
-        <p:nvPr/>
-      </p:nvGrpSpPr>
-      <p:grpSpPr>
-        <a:xfrm>
-          <a:off x="0" y="0"/>
-          <a:ext cx="0" cy="0"/>
-          <a:chOff x="0" y="0"/>
-          <a:chExt cx="0" cy="0"/>
-        </a:xfrm>
-      </p:grpSpPr>
-      <p:sp>
-        <p:nvSpPr>
-          <p:cNvPr id="2" name="Title 1"/>
-          <p:cNvSpPr>
-            <a:spLocks noGrp="1"/>
-          </p:cNvSpPr>
-          <p:nvPr>
-            <p:ph type="title"/>
-          </p:nvPr>
-        </p:nvSpPr>
-        <p:spPr/>
-        <p:txBody>
-          <a:bodyPr/>
-          <a:lstStyle/>
-          <a:p>
-            <a:r>
-              <a:rPr lang="en-US" dirty="0" err="1" smtClean="0"/>
-              <a:t>Intersubject</a:t>
-            </a:r>
-            <a:r>
-              <a:rPr lang="en-US" dirty="0" smtClean="0"/>
-              <a:t> synchrony in ROIs</a:t>
-            </a:r>
-            <a:endParaRPr lang="en-CA" dirty="0"/>
-          </a:p>
-        </p:txBody>
-      </p:sp>
-      <p:sp>
-        <p:nvSpPr>
-          <p:cNvPr id="3" name="Content Placeholder 2"/>
-          <p:cNvSpPr>
-            <a:spLocks noGrp="1"/>
-          </p:cNvSpPr>
-          <p:nvPr>
-            <p:ph idx="1"/>
-          </p:nvPr>
-        </p:nvSpPr>
-        <p:spPr/>
-        <p:txBody>
-          <a:bodyPr/>
-          <a:lstStyle/>
-          <a:p>
-            <a:r>
-              <a:rPr lang="en-US" dirty="0" smtClean="0"/>
-              <a:t>Frontal, Auditory, Cingulate, Basal Ganglia, Cerebellum</a:t>
-            </a:r>
-          </a:p>
-          <a:p>
-            <a:endParaRPr lang="en-US" dirty="0" smtClean="0"/>
-          </a:p>
-          <a:p>
-            <a:r>
-              <a:rPr lang="en-US" dirty="0" smtClean="0"/>
-              <a:t>Method:</a:t>
-            </a:r>
-          </a:p>
-          <a:p>
-            <a:pPr lvl="1"/>
-            <a:r>
-              <a:rPr lang="en-US" dirty="0" smtClean="0"/>
-              <a:t>Extract mean synchrony value from each ROI, for each participant</a:t>
-            </a:r>
-          </a:p>
-          <a:p>
-            <a:pPr lvl="1"/>
-            <a:r>
-              <a:rPr lang="en-US" dirty="0" smtClean="0"/>
-              <a:t>‘how synchronized was the activity in this participant’s ROI to everyone else’s activity’</a:t>
-            </a:r>
-          </a:p>
-          <a:p>
-            <a:pPr lvl="1"/>
-            <a:r>
-              <a:rPr lang="en-US" dirty="0" smtClean="0"/>
-              <a:t>Ran stats on the mean values</a:t>
-            </a:r>
-            <a:endParaRPr lang="en-CA" dirty="0"/>
-          </a:p>
-        </p:txBody>
-      </p:sp>
-    </p:spTree>
-    <p:extLst>
-      <p:ext uri="{BB962C8B-B14F-4D97-AF65-F5344CB8AC3E}">
-        <p14:creationId xmlns:p14="http://schemas.microsoft.com/office/powerpoint/2010/main" val="2164063355"/>
-      </p:ext>
-    </p:extLst>
-  </p:cSld>
-  <p:clrMapOvr>
-    <a:masterClrMapping/>
-  </p:clrMapOvr>
-</p:sld>
-</file>
-
-<file path=ppt/slides/slide5.xml><?xml version="1.0" encoding="utf-8"?>
-<p:sld xmlns:a="http://schemas.openxmlformats.org/drawingml/2006/main" xmlns:r="http://schemas.openxmlformats.org/officeDocument/2006/relationships" xmlns:p="http://schemas.openxmlformats.org/presentationml/2006/main">
-  <p:cSld>
-    <p:spTree>
-      <p:nvGrpSpPr>
-        <p:cNvPr id="1" name=""/>
-        <p:cNvGrpSpPr/>
-        <p:nvPr/>
-      </p:nvGrpSpPr>
-      <p:grpSpPr>
-        <a:xfrm>
-          <a:off x="0" y="0"/>
-          <a:ext cx="0" cy="0"/>
-          <a:chOff x="0" y="0"/>
-          <a:chExt cx="0" cy="0"/>
-        </a:xfrm>
-      </p:grpSpPr>
-      <p:sp>
-        <p:nvSpPr>
-          <p:cNvPr id="2" name="Title 1"/>
-          <p:cNvSpPr>
-            <a:spLocks noGrp="1"/>
-          </p:cNvSpPr>
-          <p:nvPr>
-            <p:ph type="title"/>
-          </p:nvPr>
-        </p:nvSpPr>
-        <p:spPr/>
-        <p:txBody>
-          <a:bodyPr/>
-          <a:lstStyle/>
-          <a:p>
-            <a:r>
-              <a:rPr lang="en-US" dirty="0" smtClean="0"/>
-              <a:t>ISC stats</a:t>
-            </a:r>
-            <a:endParaRPr lang="en-CA" dirty="0"/>
-          </a:p>
-        </p:txBody>
-      </p:sp>
-      <p:sp>
-        <p:nvSpPr>
-          <p:cNvPr id="3" name="Content Placeholder 2"/>
-          <p:cNvSpPr>
-            <a:spLocks noGrp="1"/>
-          </p:cNvSpPr>
-          <p:nvPr>
-            <p:ph idx="1"/>
-          </p:nvPr>
-        </p:nvSpPr>
-        <p:spPr/>
-        <p:txBody>
-          <a:bodyPr/>
-          <a:lstStyle/>
-          <a:p>
-            <a:r>
-              <a:rPr lang="en-US" dirty="0" smtClean="0"/>
-              <a:t>Ignoring Session:</a:t>
-            </a:r>
-          </a:p>
-          <a:p>
-            <a:pPr lvl="1"/>
-            <a:r>
-              <a:rPr lang="en-US" dirty="0" smtClean="0"/>
-              <a:t>ROIs that differentiate 4 stimuli</a:t>
-            </a:r>
-          </a:p>
-          <a:p>
-            <a:r>
-              <a:rPr lang="en-US" dirty="0" smtClean="0"/>
-              <a:t>Session 1</a:t>
-            </a:r>
-          </a:p>
-          <a:p>
-            <a:pPr lvl="1"/>
-            <a:r>
-              <a:rPr lang="en-US" dirty="0" smtClean="0"/>
-              <a:t>ROIs that differentiate 4 stimuli</a:t>
-            </a:r>
-          </a:p>
-          <a:p>
-            <a:r>
-              <a:rPr lang="en-US" dirty="0" smtClean="0"/>
-              <a:t>Session 2</a:t>
-            </a:r>
-          </a:p>
-          <a:p>
-            <a:pPr lvl="1"/>
-            <a:r>
-              <a:rPr lang="en-US" dirty="0" smtClean="0"/>
-              <a:t>ROIS that differentiate 4 stimuli</a:t>
-            </a:r>
-            <a:endParaRPr lang="en-CA" dirty="0"/>
-          </a:p>
-        </p:txBody>
-      </p:sp>
-    </p:spTree>
-    <p:extLst>
-      <p:ext uri="{BB962C8B-B14F-4D97-AF65-F5344CB8AC3E}">
-        <p14:creationId xmlns:p14="http://schemas.microsoft.com/office/powerpoint/2010/main" val="3985494976"/>
-      </p:ext>
-    </p:extLst>
-  </p:cSld>
-  <p:clrMapOvr>
-    <a:masterClrMapping/>
-  </p:clrMapOvr>
-</p:sld>
-</file>
-
-<file path=ppt/slides/slide6.xml><?xml version="1.0" encoding="utf-8"?>
-<p:sld xmlns:a="http://schemas.openxmlformats.org/drawingml/2006/main" xmlns:r="http://schemas.openxmlformats.org/officeDocument/2006/relationships" xmlns:p="http://schemas.openxmlformats.org/presentationml/2006/main">
-  <p:cSld>
-    <p:spTree>
-      <p:nvGrpSpPr>
-        <p:cNvPr id="1" name=""/>
-        <p:cNvGrpSpPr/>
-        <p:nvPr/>
-      </p:nvGrpSpPr>
-      <p:grpSpPr>
-        <a:xfrm>
-          <a:off x="0" y="0"/>
-          <a:ext cx="0" cy="0"/>
-          <a:chOff x="0" y="0"/>
-          <a:chExt cx="0" cy="0"/>
-        </a:xfrm>
-      </p:grpSpPr>
-      <p:sp>
-        <p:nvSpPr>
-          <p:cNvPr id="2" name="Title 1"/>
-          <p:cNvSpPr>
-            <a:spLocks noGrp="1"/>
-          </p:cNvSpPr>
-          <p:nvPr>
-            <p:ph type="title"/>
-          </p:nvPr>
-        </p:nvSpPr>
-        <p:spPr/>
-        <p:txBody>
-          <a:bodyPr/>
-          <a:lstStyle/>
-          <a:p>
-            <a:r>
-              <a:rPr lang="en-US" dirty="0" smtClean="0"/>
-              <a:t>ISC stats</a:t>
-            </a:r>
-            <a:endParaRPr lang="en-CA" dirty="0"/>
-          </a:p>
-        </p:txBody>
-      </p:sp>
-      <p:sp>
-        <p:nvSpPr>
-          <p:cNvPr id="3" name="Content Placeholder 2"/>
-          <p:cNvSpPr>
-            <a:spLocks noGrp="1"/>
-          </p:cNvSpPr>
-          <p:nvPr>
-            <p:ph idx="1"/>
-          </p:nvPr>
-        </p:nvSpPr>
-        <p:spPr/>
-        <p:txBody>
-          <a:bodyPr>
-            <a:normAutofit lnSpcReduction="10000"/>
-          </a:bodyPr>
-          <a:lstStyle/>
-          <a:p>
-            <a:r>
-              <a:rPr lang="en-US" dirty="0"/>
-              <a:t>2x4 ANOVA (</a:t>
-            </a:r>
-            <a:r>
-              <a:rPr lang="en-US" dirty="0" err="1"/>
-              <a:t>ses</a:t>
-            </a:r>
-            <a:r>
-              <a:rPr lang="en-US" dirty="0"/>
-              <a:t> x stim type)</a:t>
-            </a:r>
-          </a:p>
-          <a:p>
-            <a:pPr lvl="1"/>
-            <a:r>
-              <a:rPr lang="en-US" dirty="0"/>
-              <a:t>No interactions between type and session</a:t>
-            </a:r>
-          </a:p>
-          <a:p>
-            <a:r>
-              <a:rPr lang="en-US" dirty="0" smtClean="0"/>
-              <a:t>Within Session 2:</a:t>
-            </a:r>
-          </a:p>
-          <a:p>
-            <a:pPr lvl="1"/>
-            <a:r>
-              <a:rPr lang="en-US" dirty="0" smtClean="0"/>
-              <a:t>Familiar stimuli differentiated by Cerebellum 7b_R only</a:t>
-            </a:r>
-          </a:p>
-          <a:p>
-            <a:pPr lvl="1"/>
-            <a:r>
-              <a:rPr lang="en-US" dirty="0" smtClean="0"/>
-              <a:t>Unfamiliar stim differentiate by Frontal Operculum only</a:t>
-            </a:r>
-          </a:p>
-          <a:p>
-            <a:pPr lvl="1"/>
-            <a:endParaRPr lang="en-US" dirty="0"/>
-          </a:p>
-          <a:p>
-            <a:r>
-              <a:rPr lang="en-US" dirty="0" smtClean="0"/>
-              <a:t>T-tests show no difference between synchrony in familiar and unfamiliar stim in Session 2</a:t>
-            </a:r>
-          </a:p>
-          <a:p>
-            <a:r>
-              <a:rPr lang="en-US" dirty="0" smtClean="0"/>
-              <a:t>T-tests show differences in some ROIs between synchrony in familiar stim between </a:t>
-            </a:r>
-            <a:r>
-              <a:rPr lang="en-US" dirty="0" err="1" smtClean="0"/>
-              <a:t>ses</a:t>
-            </a:r>
-            <a:r>
-              <a:rPr lang="en-US" dirty="0" smtClean="0"/>
-              <a:t> 1 and </a:t>
-            </a:r>
-            <a:r>
-              <a:rPr lang="en-US" dirty="0" err="1" smtClean="0"/>
-              <a:t>ses</a:t>
-            </a:r>
-            <a:r>
-              <a:rPr lang="en-US" dirty="0" smtClean="0"/>
-              <a:t> 2 with </a:t>
-            </a:r>
-            <a:r>
-              <a:rPr lang="en-US" dirty="0" err="1" smtClean="0"/>
-              <a:t>ses</a:t>
-            </a:r>
-            <a:r>
-              <a:rPr lang="en-US" dirty="0" smtClean="0"/>
-              <a:t> 1 &gt; </a:t>
-            </a:r>
-            <a:r>
-              <a:rPr lang="en-US" dirty="0" err="1" smtClean="0"/>
-              <a:t>ses</a:t>
-            </a:r>
-            <a:r>
-              <a:rPr lang="en-US" dirty="0" smtClean="0"/>
-              <a:t> 2</a:t>
-            </a:r>
-          </a:p>
-          <a:p>
-            <a:endParaRPr lang="en-CA" dirty="0"/>
-          </a:p>
-        </p:txBody>
-      </p:sp>
-    </p:spTree>
-    <p:extLst>
-      <p:ext uri="{BB962C8B-B14F-4D97-AF65-F5344CB8AC3E}">
-        <p14:creationId xmlns:p14="http://schemas.microsoft.com/office/powerpoint/2010/main" val="1327257544"/>
-      </p:ext>
-    </p:extLst>
-  </p:cSld>
-  <p:clrMapOvr>
-    <a:masterClrMapping/>
-  </p:clrMapOvr>
-</p:sld>
-</file>
-
-<file path=ppt/slides/slide7.xml><?xml version="1.0" encoding="utf-8"?>
-<p:sld xmlns:a="http://schemas.openxmlformats.org/drawingml/2006/main" xmlns:r="http://schemas.openxmlformats.org/officeDocument/2006/relationships" xmlns:p="http://schemas.openxmlformats.org/presentationml/2006/main">
-  <p:cSld>
-    <p:spTree>
-      <p:nvGrpSpPr>
-        <p:cNvPr id="1" name=""/>
-        <p:cNvGrpSpPr/>
-        <p:nvPr/>
-      </p:nvGrpSpPr>
-      <p:grpSpPr>
-        <a:xfrm>
-          <a:off x="0" y="0"/>
-          <a:ext cx="0" cy="0"/>
-          <a:chOff x="0" y="0"/>
-          <a:chExt cx="0" cy="0"/>
-        </a:xfrm>
-      </p:grpSpPr>
-      <p:sp>
-        <p:nvSpPr>
-          <p:cNvPr id="2" name="Title 1"/>
-          <p:cNvSpPr>
-            <a:spLocks noGrp="1"/>
-          </p:cNvSpPr>
-          <p:nvPr>
-            <p:ph type="title"/>
-          </p:nvPr>
-        </p:nvSpPr>
-        <p:spPr/>
-        <p:txBody>
-          <a:bodyPr/>
-          <a:lstStyle/>
-          <a:p>
-            <a:r>
-              <a:rPr lang="en-US" dirty="0" smtClean="0"/>
-              <a:t>Summary</a:t>
-            </a:r>
-            <a:endParaRPr lang="en-CA" dirty="0"/>
-          </a:p>
-        </p:txBody>
-      </p:sp>
-      <p:sp>
-        <p:nvSpPr>
-          <p:cNvPr id="3" name="Content Placeholder 2"/>
-          <p:cNvSpPr>
-            <a:spLocks noGrp="1"/>
-          </p:cNvSpPr>
-          <p:nvPr>
-            <p:ph idx="1"/>
-          </p:nvPr>
-        </p:nvSpPr>
-        <p:spPr/>
-        <p:txBody>
-          <a:bodyPr/>
-          <a:lstStyle/>
-          <a:p>
-            <a:endParaRPr lang="en-CA"/>
-          </a:p>
-        </p:txBody>
-      </p:sp>
-    </p:spTree>
-    <p:extLst>
-      <p:ext uri="{BB962C8B-B14F-4D97-AF65-F5344CB8AC3E}">
-        <p14:creationId xmlns:p14="http://schemas.microsoft.com/office/powerpoint/2010/main" val="3064615176"/>
-      </p:ext>
-    </p:extLst>
-  </p:cSld>
-  <p:clrMapOvr>
-    <a:masterClrMapping/>
-  </p:clrMapOvr>
-</p:sld>
-</file>
-
-<file path=ppt/slides/slide8.xml><?xml version="1.0" encoding="utf-8"?>
-<p:sld xmlns:a="http://schemas.openxmlformats.org/drawingml/2006/main" xmlns:r="http://schemas.openxmlformats.org/officeDocument/2006/relationships" xmlns:p="http://schemas.openxmlformats.org/presentationml/2006/main">
-  <p:cSld>
-    <p:spTree>
-      <p:nvGrpSpPr>
-        <p:cNvPr id="1" name=""/>
-        <p:cNvGrpSpPr/>
-        <p:nvPr/>
-      </p:nvGrpSpPr>
-      <p:grpSpPr>
-        <a:xfrm>
-          <a:off x="0" y="0"/>
-          <a:ext cx="0" cy="0"/>
-          <a:chOff x="0" y="0"/>
-          <a:chExt cx="0" cy="0"/>
-        </a:xfrm>
-      </p:grpSpPr>
-      <p:sp>
-        <p:nvSpPr>
-          <p:cNvPr id="2" name="Title 1"/>
-          <p:cNvSpPr>
-            <a:spLocks noGrp="1"/>
-          </p:cNvSpPr>
-          <p:nvPr>
-            <p:ph type="title"/>
-          </p:nvPr>
-        </p:nvSpPr>
-        <p:spPr/>
-        <p:txBody>
-          <a:bodyPr/>
-          <a:lstStyle/>
-          <a:p>
-            <a:r>
-              <a:rPr lang="en-US" dirty="0" smtClean="0"/>
               <a:t>Cognition?</a:t>
             </a:r>
             <a:endParaRPr lang="en-CA" dirty="0"/>
@@ -5632,7 +4928,7 @@
 </p:sld>
 </file>
 
-<file path=ppt/slides/slide9.xml><?xml version="1.0" encoding="utf-8"?>
+<file path=ppt/slides/slide11.xml><?xml version="1.0" encoding="utf-8"?>
 <p:sld xmlns:a="http://schemas.openxmlformats.org/drawingml/2006/main" xmlns:r="http://schemas.openxmlformats.org/officeDocument/2006/relationships" xmlns:p="http://schemas.openxmlformats.org/presentationml/2006/main">
   <p:cSld>
     <p:spTree>
@@ -6389,6 +5685,858 @@
       <p:bldP spid="7" grpId="0"/>
     </p:bldLst>
   </p:timing>
+</p:sld>
+</file>
+
+<file path=ppt/slides/slide2.xml><?xml version="1.0" encoding="utf-8"?>
+<p:sld xmlns:a="http://schemas.openxmlformats.org/drawingml/2006/main" xmlns:r="http://schemas.openxmlformats.org/officeDocument/2006/relationships" xmlns:p="http://schemas.openxmlformats.org/presentationml/2006/main" show="0">
+  <p:cSld>
+    <p:spTree>
+      <p:nvGrpSpPr>
+        <p:cNvPr id="1" name=""/>
+        <p:cNvGrpSpPr/>
+        <p:nvPr/>
+      </p:nvGrpSpPr>
+      <p:grpSpPr>
+        <a:xfrm>
+          <a:off x="0" y="0"/>
+          <a:ext cx="0" cy="0"/>
+          <a:chOff x="0" y="0"/>
+          <a:chExt cx="0" cy="0"/>
+        </a:xfrm>
+      </p:grpSpPr>
+      <p:pic>
+        <p:nvPicPr>
+          <p:cNvPr id="4" name="Picture 3"/>
+          <p:cNvPicPr>
+            <a:picLocks noChangeAspect="1"/>
+          </p:cNvPicPr>
+          <p:nvPr/>
+        </p:nvPicPr>
+        <p:blipFill>
+          <a:blip r:embed="rId2">
+            <a:extLst>
+              <a:ext uri="{28A0092B-C50C-407E-A947-70E740481C1C}">
+                <a14:useLocalDpi xmlns:a14="http://schemas.microsoft.com/office/drawing/2010/main" val="0"/>
+              </a:ext>
+            </a:extLst>
+          </a:blip>
+          <a:stretch>
+            <a:fillRect/>
+          </a:stretch>
+        </p:blipFill>
+        <p:spPr>
+          <a:xfrm>
+            <a:off x="470915" y="380574"/>
+            <a:ext cx="8202170" cy="6096851"/>
+          </a:xfrm>
+          <a:prstGeom prst="rect">
+            <a:avLst/>
+          </a:prstGeom>
+        </p:spPr>
+      </p:pic>
+      <p:sp>
+        <p:nvSpPr>
+          <p:cNvPr id="5" name="TextBox 4"/>
+          <p:cNvSpPr txBox="1"/>
+          <p:nvPr/>
+        </p:nvSpPr>
+        <p:spPr>
+          <a:xfrm>
+            <a:off x="233082" y="111633"/>
+            <a:ext cx="6635534" cy="369332"/>
+          </a:xfrm>
+          <a:prstGeom prst="rect">
+            <a:avLst/>
+          </a:prstGeom>
+          <a:noFill/>
+        </p:spPr>
+        <p:txBody>
+          <a:bodyPr wrap="none" rtlCol="0">
+            <a:spAutoFit/>
+          </a:bodyPr>
+          <a:lstStyle/>
+          <a:p>
+            <a:r>
+              <a:rPr lang="en-CA" dirty="0" smtClean="0"/>
+              <a:t>Lyric modification score – participants are learning the lyrics to songs</a:t>
+            </a:r>
+            <a:endParaRPr lang="en-CA" dirty="0"/>
+          </a:p>
+        </p:txBody>
+      </p:sp>
+    </p:spTree>
+    <p:extLst>
+      <p:ext uri="{BB962C8B-B14F-4D97-AF65-F5344CB8AC3E}">
+        <p14:creationId xmlns:p14="http://schemas.microsoft.com/office/powerpoint/2010/main" val="1875382392"/>
+      </p:ext>
+    </p:extLst>
+  </p:cSld>
+  <p:clrMapOvr>
+    <a:masterClrMapping/>
+  </p:clrMapOvr>
+  <mc:AlternateContent xmlns:mc="http://schemas.openxmlformats.org/markup-compatibility/2006" xmlns:p14="http://schemas.microsoft.com/office/powerpoint/2010/main">
+    <mc:Choice Requires="p14">
+      <p:transition spd="slow" p14:dur="2000"/>
+    </mc:Choice>
+    <mc:Fallback xmlns="">
+      <p:transition spd="slow"/>
+    </mc:Fallback>
+  </mc:AlternateContent>
+  <p:timing>
+    <p:tnLst>
+      <p:par>
+        <p:cTn id="1" dur="indefinite" restart="never" nodeType="tmRoot"/>
+      </p:par>
+    </p:tnLst>
+  </p:timing>
+</p:sld>
+</file>
+
+<file path=ppt/slides/slide3.xml><?xml version="1.0" encoding="utf-8"?>
+<p:sld xmlns:a="http://schemas.openxmlformats.org/drawingml/2006/main" xmlns:r="http://schemas.openxmlformats.org/officeDocument/2006/relationships" xmlns:p="http://schemas.openxmlformats.org/presentationml/2006/main">
+  <p:cSld>
+    <p:spTree>
+      <p:nvGrpSpPr>
+        <p:cNvPr id="1" name=""/>
+        <p:cNvGrpSpPr/>
+        <p:nvPr/>
+      </p:nvGrpSpPr>
+      <p:grpSpPr>
+        <a:xfrm>
+          <a:off x="0" y="0"/>
+          <a:ext cx="0" cy="0"/>
+          <a:chOff x="0" y="0"/>
+          <a:chExt cx="0" cy="0"/>
+        </a:xfrm>
+      </p:grpSpPr>
+      <p:sp>
+        <p:nvSpPr>
+          <p:cNvPr id="2" name="Title 1"/>
+          <p:cNvSpPr>
+            <a:spLocks noGrp="1"/>
+          </p:cNvSpPr>
+          <p:nvPr>
+            <p:ph type="title"/>
+          </p:nvPr>
+        </p:nvSpPr>
+        <p:spPr/>
+        <p:txBody>
+          <a:bodyPr/>
+          <a:lstStyle/>
+          <a:p>
+            <a:r>
+              <a:rPr lang="en-US" dirty="0" smtClean="0"/>
+              <a:t>GLM vs ISC results</a:t>
+            </a:r>
+            <a:endParaRPr lang="en-CA" dirty="0"/>
+          </a:p>
+        </p:txBody>
+      </p:sp>
+      <p:sp>
+        <p:nvSpPr>
+          <p:cNvPr id="3" name="Content Placeholder 2"/>
+          <p:cNvSpPr>
+            <a:spLocks noGrp="1"/>
+          </p:cNvSpPr>
+          <p:nvPr>
+            <p:ph idx="1"/>
+          </p:nvPr>
+        </p:nvSpPr>
+        <p:spPr/>
+        <p:txBody>
+          <a:bodyPr/>
+          <a:lstStyle/>
+          <a:p>
+            <a:r>
+              <a:rPr lang="en-US" dirty="0" smtClean="0"/>
+              <a:t>No systematic differences based on familiarity</a:t>
+            </a:r>
+          </a:p>
+          <a:p>
+            <a:pPr lvl="1"/>
+            <a:r>
+              <a:rPr lang="en-US" dirty="0" smtClean="0"/>
+              <a:t>In GLM or ISC</a:t>
+            </a:r>
+          </a:p>
+          <a:p>
+            <a:pPr lvl="1"/>
+            <a:endParaRPr lang="en-US" dirty="0"/>
+          </a:p>
+          <a:p>
+            <a:r>
+              <a:rPr lang="en-US" dirty="0" smtClean="0"/>
+              <a:t>Stim type differences</a:t>
+            </a:r>
+          </a:p>
+          <a:p>
+            <a:pPr lvl="1"/>
+            <a:r>
+              <a:rPr lang="en-US" dirty="0" smtClean="0"/>
+              <a:t>GLM and ISC show S &gt;A&gt;W&gt;I (across whole brain)</a:t>
+            </a:r>
+          </a:p>
+          <a:p>
+            <a:endParaRPr lang="en-US" dirty="0"/>
+          </a:p>
+          <a:p>
+            <a:r>
+              <a:rPr lang="en-US" sz="2400" dirty="0" smtClean="0">
+                <a:solidFill>
+                  <a:schemeClr val="bg2">
+                    <a:lumMod val="75000"/>
+                  </a:schemeClr>
+                </a:solidFill>
+              </a:rPr>
+              <a:t>Pattern analysis to differentiate stim</a:t>
+            </a:r>
+          </a:p>
+          <a:p>
+            <a:pPr lvl="1"/>
+            <a:r>
+              <a:rPr lang="en-US" sz="2000" dirty="0" smtClean="0">
+                <a:solidFill>
+                  <a:schemeClr val="bg2">
+                    <a:lumMod val="75000"/>
+                  </a:schemeClr>
+                </a:solidFill>
+              </a:rPr>
+              <a:t>Does MVPA show different areas beyond GLM/ISC?</a:t>
+            </a:r>
+          </a:p>
+          <a:p>
+            <a:pPr lvl="1"/>
+            <a:r>
+              <a:rPr lang="en-US" sz="2000" dirty="0" smtClean="0">
+                <a:solidFill>
+                  <a:schemeClr val="bg2">
+                    <a:lumMod val="75000"/>
+                  </a:schemeClr>
+                </a:solidFill>
+              </a:rPr>
+              <a:t>still working on this</a:t>
+            </a:r>
+            <a:endParaRPr lang="en-US" sz="2000" dirty="0">
+              <a:solidFill>
+                <a:schemeClr val="bg2">
+                  <a:lumMod val="75000"/>
+                </a:schemeClr>
+              </a:solidFill>
+            </a:endParaRPr>
+          </a:p>
+        </p:txBody>
+      </p:sp>
+    </p:spTree>
+    <p:extLst>
+      <p:ext uri="{BB962C8B-B14F-4D97-AF65-F5344CB8AC3E}">
+        <p14:creationId xmlns:p14="http://schemas.microsoft.com/office/powerpoint/2010/main" val="2736446539"/>
+      </p:ext>
+    </p:extLst>
+  </p:cSld>
+  <p:clrMapOvr>
+    <a:masterClrMapping/>
+  </p:clrMapOvr>
+</p:sld>
+</file>
+
+<file path=ppt/slides/slide4.xml><?xml version="1.0" encoding="utf-8"?>
+<p:sld xmlns:a="http://schemas.openxmlformats.org/drawingml/2006/main" xmlns:r="http://schemas.openxmlformats.org/officeDocument/2006/relationships" xmlns:p="http://schemas.openxmlformats.org/presentationml/2006/main">
+  <p:cSld>
+    <p:spTree>
+      <p:nvGrpSpPr>
+        <p:cNvPr id="1" name=""/>
+        <p:cNvGrpSpPr/>
+        <p:nvPr/>
+      </p:nvGrpSpPr>
+      <p:grpSpPr>
+        <a:xfrm>
+          <a:off x="0" y="0"/>
+          <a:ext cx="0" cy="0"/>
+          <a:chOff x="0" y="0"/>
+          <a:chExt cx="0" cy="0"/>
+        </a:xfrm>
+      </p:grpSpPr>
+      <p:sp>
+        <p:nvSpPr>
+          <p:cNvPr id="2" name="Title 1"/>
+          <p:cNvSpPr>
+            <a:spLocks noGrp="1"/>
+          </p:cNvSpPr>
+          <p:nvPr>
+            <p:ph type="title"/>
+          </p:nvPr>
+        </p:nvSpPr>
+        <p:spPr/>
+        <p:txBody>
+          <a:bodyPr/>
+          <a:lstStyle/>
+          <a:p>
+            <a:r>
+              <a:rPr lang="en-US" dirty="0" err="1" smtClean="0"/>
+              <a:t>Intersubject</a:t>
+            </a:r>
+            <a:r>
+              <a:rPr lang="en-US" dirty="0" smtClean="0"/>
+              <a:t> synchrony in ROIs</a:t>
+            </a:r>
+            <a:endParaRPr lang="en-CA" dirty="0"/>
+          </a:p>
+        </p:txBody>
+      </p:sp>
+      <p:sp>
+        <p:nvSpPr>
+          <p:cNvPr id="3" name="Content Placeholder 2"/>
+          <p:cNvSpPr>
+            <a:spLocks noGrp="1"/>
+          </p:cNvSpPr>
+          <p:nvPr>
+            <p:ph idx="1"/>
+          </p:nvPr>
+        </p:nvSpPr>
+        <p:spPr/>
+        <p:txBody>
+          <a:bodyPr/>
+          <a:lstStyle/>
+          <a:p>
+            <a:r>
+              <a:rPr lang="en-US" dirty="0" smtClean="0"/>
+              <a:t>Frontal, Auditory, Cingulate, Basal Ganglia, Cerebellum</a:t>
+            </a:r>
+          </a:p>
+          <a:p>
+            <a:endParaRPr lang="en-US" dirty="0" smtClean="0"/>
+          </a:p>
+          <a:p>
+            <a:r>
+              <a:rPr lang="en-US" dirty="0" smtClean="0"/>
+              <a:t>Method:</a:t>
+            </a:r>
+          </a:p>
+          <a:p>
+            <a:pPr lvl="1"/>
+            <a:r>
+              <a:rPr lang="en-US" dirty="0" smtClean="0"/>
+              <a:t>Extract mean synchrony value from each ROI, for each participant</a:t>
+            </a:r>
+          </a:p>
+          <a:p>
+            <a:pPr lvl="1"/>
+            <a:r>
+              <a:rPr lang="en-US" dirty="0" smtClean="0"/>
+              <a:t>‘how synchronized was the activity in this participant’s ROI to everyone else’s activity’</a:t>
+            </a:r>
+          </a:p>
+          <a:p>
+            <a:pPr lvl="1"/>
+            <a:r>
+              <a:rPr lang="en-US" dirty="0" smtClean="0"/>
+              <a:t>Ran stats on the mean values</a:t>
+            </a:r>
+            <a:endParaRPr lang="en-CA" dirty="0"/>
+          </a:p>
+        </p:txBody>
+      </p:sp>
+    </p:spTree>
+    <p:extLst>
+      <p:ext uri="{BB962C8B-B14F-4D97-AF65-F5344CB8AC3E}">
+        <p14:creationId xmlns:p14="http://schemas.microsoft.com/office/powerpoint/2010/main" val="2164063355"/>
+      </p:ext>
+    </p:extLst>
+  </p:cSld>
+  <p:clrMapOvr>
+    <a:masterClrMapping/>
+  </p:clrMapOvr>
+</p:sld>
+</file>
+
+<file path=ppt/slides/slide5.xml><?xml version="1.0" encoding="utf-8"?>
+<p:sld xmlns:a="http://schemas.openxmlformats.org/drawingml/2006/main" xmlns:r="http://schemas.openxmlformats.org/officeDocument/2006/relationships" xmlns:p="http://schemas.openxmlformats.org/presentationml/2006/main">
+  <p:cSld>
+    <p:spTree>
+      <p:nvGrpSpPr>
+        <p:cNvPr id="1" name=""/>
+        <p:cNvGrpSpPr/>
+        <p:nvPr/>
+      </p:nvGrpSpPr>
+      <p:grpSpPr>
+        <a:xfrm>
+          <a:off x="0" y="0"/>
+          <a:ext cx="0" cy="0"/>
+          <a:chOff x="0" y="0"/>
+          <a:chExt cx="0" cy="0"/>
+        </a:xfrm>
+      </p:grpSpPr>
+      <p:sp>
+        <p:nvSpPr>
+          <p:cNvPr id="2" name="Title 1"/>
+          <p:cNvSpPr>
+            <a:spLocks noGrp="1"/>
+          </p:cNvSpPr>
+          <p:nvPr>
+            <p:ph type="title"/>
+          </p:nvPr>
+        </p:nvSpPr>
+        <p:spPr/>
+        <p:txBody>
+          <a:bodyPr/>
+          <a:lstStyle/>
+          <a:p>
+            <a:r>
+              <a:rPr lang="en-US" dirty="0" smtClean="0"/>
+              <a:t>ISC stats</a:t>
+            </a:r>
+            <a:endParaRPr lang="en-CA" dirty="0"/>
+          </a:p>
+        </p:txBody>
+      </p:sp>
+      <p:sp>
+        <p:nvSpPr>
+          <p:cNvPr id="3" name="Content Placeholder 2"/>
+          <p:cNvSpPr>
+            <a:spLocks noGrp="1"/>
+          </p:cNvSpPr>
+          <p:nvPr>
+            <p:ph idx="1"/>
+          </p:nvPr>
+        </p:nvSpPr>
+        <p:spPr/>
+        <p:txBody>
+          <a:bodyPr/>
+          <a:lstStyle/>
+          <a:p>
+            <a:r>
+              <a:rPr lang="en-US" dirty="0" smtClean="0"/>
+              <a:t>Ignoring Session:</a:t>
+            </a:r>
+          </a:p>
+          <a:p>
+            <a:pPr lvl="1"/>
+            <a:r>
+              <a:rPr lang="en-US" dirty="0" smtClean="0"/>
+              <a:t>ROIs that differentiate 4 </a:t>
+            </a:r>
+            <a:r>
+              <a:rPr lang="en-US" dirty="0" smtClean="0"/>
+              <a:t>stimuli</a:t>
+            </a:r>
+            <a:endParaRPr lang="en-US" dirty="0" smtClean="0"/>
+          </a:p>
+        </p:txBody>
+      </p:sp>
+    </p:spTree>
+    <p:extLst>
+      <p:ext uri="{BB962C8B-B14F-4D97-AF65-F5344CB8AC3E}">
+        <p14:creationId xmlns:p14="http://schemas.microsoft.com/office/powerpoint/2010/main" val="3985494976"/>
+      </p:ext>
+    </p:extLst>
+  </p:cSld>
+  <p:clrMapOvr>
+    <a:masterClrMapping/>
+  </p:clrMapOvr>
+</p:sld>
+</file>
+
+<file path=ppt/slides/slide6.xml><?xml version="1.0" encoding="utf-8"?>
+<p:sld xmlns:a="http://schemas.openxmlformats.org/drawingml/2006/main" xmlns:r="http://schemas.openxmlformats.org/officeDocument/2006/relationships" xmlns:p="http://schemas.openxmlformats.org/presentationml/2006/main">
+  <p:cSld>
+    <p:spTree>
+      <p:nvGrpSpPr>
+        <p:cNvPr id="1" name=""/>
+        <p:cNvGrpSpPr/>
+        <p:nvPr/>
+      </p:nvGrpSpPr>
+      <p:grpSpPr>
+        <a:xfrm>
+          <a:off x="0" y="0"/>
+          <a:ext cx="0" cy="0"/>
+          <a:chOff x="0" y="0"/>
+          <a:chExt cx="0" cy="0"/>
+        </a:xfrm>
+      </p:grpSpPr>
+      <p:sp>
+        <p:nvSpPr>
+          <p:cNvPr id="2" name="Title 1"/>
+          <p:cNvSpPr>
+            <a:spLocks noGrp="1"/>
+          </p:cNvSpPr>
+          <p:nvPr>
+            <p:ph type="title"/>
+          </p:nvPr>
+        </p:nvSpPr>
+        <p:spPr/>
+        <p:txBody>
+          <a:bodyPr/>
+          <a:lstStyle/>
+          <a:p>
+            <a:endParaRPr lang="en-CA"/>
+          </a:p>
+        </p:txBody>
+      </p:sp>
+      <p:sp>
+        <p:nvSpPr>
+          <p:cNvPr id="3" name="Content Placeholder 2"/>
+          <p:cNvSpPr>
+            <a:spLocks noGrp="1"/>
+          </p:cNvSpPr>
+          <p:nvPr>
+            <p:ph idx="1"/>
+          </p:nvPr>
+        </p:nvSpPr>
+        <p:spPr/>
+        <p:txBody>
+          <a:bodyPr/>
+          <a:lstStyle/>
+          <a:p>
+            <a:r>
+              <a:rPr lang="en-US" dirty="0"/>
+              <a:t>Session 1</a:t>
+            </a:r>
+          </a:p>
+          <a:p>
+            <a:pPr lvl="1"/>
+            <a:r>
+              <a:rPr lang="en-US" dirty="0"/>
+              <a:t>ROIs that differentiate 4 </a:t>
+            </a:r>
+            <a:r>
+              <a:rPr lang="en-US" dirty="0" smtClean="0"/>
+              <a:t>stimuli</a:t>
+            </a:r>
+            <a:endParaRPr lang="en-US" dirty="0"/>
+          </a:p>
+        </p:txBody>
+      </p:sp>
+    </p:spTree>
+    <p:extLst>
+      <p:ext uri="{BB962C8B-B14F-4D97-AF65-F5344CB8AC3E}">
+        <p14:creationId xmlns:p14="http://schemas.microsoft.com/office/powerpoint/2010/main" val="372387389"/>
+      </p:ext>
+    </p:extLst>
+  </p:cSld>
+  <p:clrMapOvr>
+    <a:masterClrMapping/>
+  </p:clrMapOvr>
+</p:sld>
+</file>
+
+<file path=ppt/slides/slide7.xml><?xml version="1.0" encoding="utf-8"?>
+<p:sld xmlns:a="http://schemas.openxmlformats.org/drawingml/2006/main" xmlns:r="http://schemas.openxmlformats.org/officeDocument/2006/relationships" xmlns:p="http://schemas.openxmlformats.org/presentationml/2006/main">
+  <p:cSld>
+    <p:spTree>
+      <p:nvGrpSpPr>
+        <p:cNvPr id="1" name=""/>
+        <p:cNvGrpSpPr/>
+        <p:nvPr/>
+      </p:nvGrpSpPr>
+      <p:grpSpPr>
+        <a:xfrm>
+          <a:off x="0" y="0"/>
+          <a:ext cx="0" cy="0"/>
+          <a:chOff x="0" y="0"/>
+          <a:chExt cx="0" cy="0"/>
+        </a:xfrm>
+      </p:grpSpPr>
+      <p:sp>
+        <p:nvSpPr>
+          <p:cNvPr id="2" name="Title 1"/>
+          <p:cNvSpPr>
+            <a:spLocks noGrp="1"/>
+          </p:cNvSpPr>
+          <p:nvPr>
+            <p:ph type="title"/>
+          </p:nvPr>
+        </p:nvSpPr>
+        <p:spPr/>
+        <p:txBody>
+          <a:bodyPr/>
+          <a:lstStyle/>
+          <a:p>
+            <a:endParaRPr lang="en-CA"/>
+          </a:p>
+        </p:txBody>
+      </p:sp>
+      <p:sp>
+        <p:nvSpPr>
+          <p:cNvPr id="3" name="Content Placeholder 2"/>
+          <p:cNvSpPr>
+            <a:spLocks noGrp="1"/>
+          </p:cNvSpPr>
+          <p:nvPr>
+            <p:ph idx="1"/>
+          </p:nvPr>
+        </p:nvSpPr>
+        <p:spPr/>
+        <p:txBody>
+          <a:bodyPr/>
+          <a:lstStyle/>
+          <a:p>
+            <a:r>
+              <a:rPr lang="en-US" dirty="0"/>
+              <a:t>Session 2</a:t>
+            </a:r>
+          </a:p>
+          <a:p>
+            <a:pPr lvl="1"/>
+            <a:r>
+              <a:rPr lang="en-US" dirty="0"/>
+              <a:t>ROIS that differentiate 4 stimuli</a:t>
+            </a:r>
+            <a:endParaRPr lang="en-CA" dirty="0"/>
+          </a:p>
+          <a:p>
+            <a:endParaRPr lang="en-CA" dirty="0"/>
+          </a:p>
+          <a:p>
+            <a:endParaRPr lang="en-CA" dirty="0"/>
+          </a:p>
+        </p:txBody>
+      </p:sp>
+    </p:spTree>
+    <p:extLst>
+      <p:ext uri="{BB962C8B-B14F-4D97-AF65-F5344CB8AC3E}">
+        <p14:creationId xmlns:p14="http://schemas.microsoft.com/office/powerpoint/2010/main" val="1094768388"/>
+      </p:ext>
+    </p:extLst>
+  </p:cSld>
+  <p:clrMapOvr>
+    <a:masterClrMapping/>
+  </p:clrMapOvr>
+</p:sld>
+</file>
+
+<file path=ppt/slides/slide8.xml><?xml version="1.0" encoding="utf-8"?>
+<p:sld xmlns:a="http://schemas.openxmlformats.org/drawingml/2006/main" xmlns:r="http://schemas.openxmlformats.org/officeDocument/2006/relationships" xmlns:p="http://schemas.openxmlformats.org/presentationml/2006/main">
+  <p:cSld>
+    <p:spTree>
+      <p:nvGrpSpPr>
+        <p:cNvPr id="1" name=""/>
+        <p:cNvGrpSpPr/>
+        <p:nvPr/>
+      </p:nvGrpSpPr>
+      <p:grpSpPr>
+        <a:xfrm>
+          <a:off x="0" y="0"/>
+          <a:ext cx="0" cy="0"/>
+          <a:chOff x="0" y="0"/>
+          <a:chExt cx="0" cy="0"/>
+        </a:xfrm>
+      </p:grpSpPr>
+      <p:sp>
+        <p:nvSpPr>
+          <p:cNvPr id="2" name="Title 1"/>
+          <p:cNvSpPr>
+            <a:spLocks noGrp="1"/>
+          </p:cNvSpPr>
+          <p:nvPr>
+            <p:ph type="title"/>
+          </p:nvPr>
+        </p:nvSpPr>
+        <p:spPr/>
+        <p:txBody>
+          <a:bodyPr/>
+          <a:lstStyle/>
+          <a:p>
+            <a:r>
+              <a:rPr lang="en-US" dirty="0" smtClean="0"/>
+              <a:t>ISC stats</a:t>
+            </a:r>
+            <a:endParaRPr lang="en-CA" dirty="0"/>
+          </a:p>
+        </p:txBody>
+      </p:sp>
+      <p:sp>
+        <p:nvSpPr>
+          <p:cNvPr id="3" name="Content Placeholder 2"/>
+          <p:cNvSpPr>
+            <a:spLocks noGrp="1"/>
+          </p:cNvSpPr>
+          <p:nvPr>
+            <p:ph idx="1"/>
+          </p:nvPr>
+        </p:nvSpPr>
+        <p:spPr/>
+        <p:txBody>
+          <a:bodyPr>
+            <a:normAutofit lnSpcReduction="10000"/>
+          </a:bodyPr>
+          <a:lstStyle/>
+          <a:p>
+            <a:r>
+              <a:rPr lang="en-US" dirty="0"/>
+              <a:t>2x4 ANOVA (</a:t>
+            </a:r>
+            <a:r>
+              <a:rPr lang="en-US" dirty="0" err="1"/>
+              <a:t>ses</a:t>
+            </a:r>
+            <a:r>
+              <a:rPr lang="en-US" dirty="0"/>
+              <a:t> x stim type)</a:t>
+            </a:r>
+          </a:p>
+          <a:p>
+            <a:pPr lvl="1"/>
+            <a:r>
+              <a:rPr lang="en-US" dirty="0"/>
+              <a:t>No interactions between type and session</a:t>
+            </a:r>
+          </a:p>
+          <a:p>
+            <a:r>
+              <a:rPr lang="en-US" dirty="0" smtClean="0"/>
+              <a:t>Within Session 2:</a:t>
+            </a:r>
+          </a:p>
+          <a:p>
+            <a:pPr lvl="1"/>
+            <a:r>
+              <a:rPr lang="en-US" dirty="0" smtClean="0"/>
+              <a:t>Familiar stimuli differentiated by Cerebellum 7b_R only</a:t>
+            </a:r>
+          </a:p>
+          <a:p>
+            <a:pPr lvl="1"/>
+            <a:r>
+              <a:rPr lang="en-US" dirty="0" smtClean="0"/>
+              <a:t>Unfamiliar stim differentiate by Frontal Operculum only</a:t>
+            </a:r>
+          </a:p>
+          <a:p>
+            <a:pPr lvl="1"/>
+            <a:endParaRPr lang="en-US" dirty="0"/>
+          </a:p>
+          <a:p>
+            <a:r>
+              <a:rPr lang="en-US" dirty="0" smtClean="0"/>
+              <a:t>T-tests show no difference between synchrony in familiar and unfamiliar stim in Session 2</a:t>
+            </a:r>
+          </a:p>
+          <a:p>
+            <a:r>
+              <a:rPr lang="en-US" dirty="0" smtClean="0"/>
+              <a:t>T-tests show differences in some ROIs between synchrony in familiar stim between </a:t>
+            </a:r>
+            <a:r>
+              <a:rPr lang="en-US" dirty="0" err="1" smtClean="0"/>
+              <a:t>ses</a:t>
+            </a:r>
+            <a:r>
+              <a:rPr lang="en-US" dirty="0" smtClean="0"/>
+              <a:t> 1 and </a:t>
+            </a:r>
+            <a:r>
+              <a:rPr lang="en-US" dirty="0" err="1" smtClean="0"/>
+              <a:t>ses</a:t>
+            </a:r>
+            <a:r>
+              <a:rPr lang="en-US" dirty="0" smtClean="0"/>
+              <a:t> 2 with </a:t>
+            </a:r>
+            <a:r>
+              <a:rPr lang="en-US" dirty="0" err="1" smtClean="0"/>
+              <a:t>ses</a:t>
+            </a:r>
+            <a:r>
+              <a:rPr lang="en-US" dirty="0" smtClean="0"/>
+              <a:t> 1 &gt; </a:t>
+            </a:r>
+            <a:r>
+              <a:rPr lang="en-US" dirty="0" err="1" smtClean="0"/>
+              <a:t>ses</a:t>
+            </a:r>
+            <a:r>
+              <a:rPr lang="en-US" dirty="0" smtClean="0"/>
+              <a:t> 2</a:t>
+            </a:r>
+          </a:p>
+          <a:p>
+            <a:endParaRPr lang="en-CA" dirty="0"/>
+          </a:p>
+        </p:txBody>
+      </p:sp>
+    </p:spTree>
+    <p:extLst>
+      <p:ext uri="{BB962C8B-B14F-4D97-AF65-F5344CB8AC3E}">
+        <p14:creationId xmlns:p14="http://schemas.microsoft.com/office/powerpoint/2010/main" val="1327257544"/>
+      </p:ext>
+    </p:extLst>
+  </p:cSld>
+  <p:clrMapOvr>
+    <a:masterClrMapping/>
+  </p:clrMapOvr>
+</p:sld>
+</file>
+
+<file path=ppt/slides/slide9.xml><?xml version="1.0" encoding="utf-8"?>
+<p:sld xmlns:a="http://schemas.openxmlformats.org/drawingml/2006/main" xmlns:r="http://schemas.openxmlformats.org/officeDocument/2006/relationships" xmlns:p="http://schemas.openxmlformats.org/presentationml/2006/main">
+  <p:cSld>
+    <p:spTree>
+      <p:nvGrpSpPr>
+        <p:cNvPr id="1" name=""/>
+        <p:cNvGrpSpPr/>
+        <p:nvPr/>
+      </p:nvGrpSpPr>
+      <p:grpSpPr>
+        <a:xfrm>
+          <a:off x="0" y="0"/>
+          <a:ext cx="0" cy="0"/>
+          <a:chOff x="0" y="0"/>
+          <a:chExt cx="0" cy="0"/>
+        </a:xfrm>
+      </p:grpSpPr>
+      <p:sp>
+        <p:nvSpPr>
+          <p:cNvPr id="2" name="Title 1"/>
+          <p:cNvSpPr>
+            <a:spLocks noGrp="1"/>
+          </p:cNvSpPr>
+          <p:nvPr>
+            <p:ph type="title"/>
+          </p:nvPr>
+        </p:nvSpPr>
+        <p:spPr/>
+        <p:txBody>
+          <a:bodyPr/>
+          <a:lstStyle/>
+          <a:p>
+            <a:r>
+              <a:rPr lang="en-US" dirty="0" smtClean="0"/>
+              <a:t>Summary</a:t>
+            </a:r>
+            <a:endParaRPr lang="en-CA" dirty="0"/>
+          </a:p>
+        </p:txBody>
+      </p:sp>
+      <p:sp>
+        <p:nvSpPr>
+          <p:cNvPr id="3" name="Content Placeholder 2"/>
+          <p:cNvSpPr>
+            <a:spLocks noGrp="1"/>
+          </p:cNvSpPr>
+          <p:nvPr>
+            <p:ph idx="1"/>
+          </p:nvPr>
+        </p:nvSpPr>
+        <p:spPr/>
+        <p:txBody>
+          <a:bodyPr/>
+          <a:lstStyle/>
+          <a:p>
+            <a:endParaRPr lang="en-CA"/>
+          </a:p>
+        </p:txBody>
+      </p:sp>
+    </p:spTree>
+    <p:extLst>
+      <p:ext uri="{BB962C8B-B14F-4D97-AF65-F5344CB8AC3E}">
+        <p14:creationId xmlns:p14="http://schemas.microsoft.com/office/powerpoint/2010/main" val="3064615176"/>
+      </p:ext>
+    </p:extLst>
+  </p:cSld>
+  <p:clrMapOvr>
+    <a:masterClrMapping/>
+  </p:clrMapOvr>
 </p:sld>
 </file>
 

--- a/Meetings/2019.04.24-ISCSummary-JessAdrianBobbyMeeting.pptx
+++ b/Meetings/2019.04.24-ISCSummary-JessAdrianBobbyMeeting.pptx
@@ -5,7 +5,7 @@
     <p:sldMasterId id="2147483660" r:id="rId1"/>
   </p:sldMasterIdLst>
   <p:notesMasterIdLst>
-    <p:notesMasterId r:id="rId13"/>
+    <p:notesMasterId r:id="rId17"/>
   </p:notesMasterIdLst>
   <p:sldIdLst>
     <p:sldId id="263" r:id="rId2"/>
@@ -13,12 +13,16 @@
     <p:sldId id="281" r:id="rId4"/>
     <p:sldId id="276" r:id="rId5"/>
     <p:sldId id="277" r:id="rId6"/>
-    <p:sldId id="282" r:id="rId7"/>
-    <p:sldId id="283" r:id="rId8"/>
-    <p:sldId id="278" r:id="rId9"/>
-    <p:sldId id="280" r:id="rId10"/>
-    <p:sldId id="279" r:id="rId11"/>
-    <p:sldId id="274" r:id="rId12"/>
+    <p:sldId id="284" r:id="rId7"/>
+    <p:sldId id="285" r:id="rId8"/>
+    <p:sldId id="286" r:id="rId9"/>
+    <p:sldId id="287" r:id="rId10"/>
+    <p:sldId id="288" r:id="rId11"/>
+    <p:sldId id="289" r:id="rId12"/>
+    <p:sldId id="290" r:id="rId13"/>
+    <p:sldId id="291" r:id="rId14"/>
+    <p:sldId id="280" r:id="rId15"/>
+    <p:sldId id="279" r:id="rId16"/>
   </p:sldIdLst>
   <p:sldSz cx="9144000" cy="6858000" type="screen4x3"/>
   <p:notesSz cx="6858000" cy="9144000"/>
@@ -119,7 +123,7 @@
   </p:defaultTextStyle>
   <p:extLst>
     <p:ext uri="{EFAFB233-063F-42B5-8137-9DF3F51BA10A}">
-      <p15:sldGuideLst xmlns:p15="http://schemas.microsoft.com/office/powerpoint/2012/main">
+      <p15:sldGuideLst xmlns:p15="http://schemas.microsoft.com/office/powerpoint/2012/main" xmlns="">
         <p15:guide id="1" orient="horz" pos="2160">
           <p15:clr>
             <a:srgbClr val="A4A3A4"/>
@@ -218,7 +222,7 @@
           <a:p>
             <a:fld id="{EA3C5DAC-6FE6-4316-87B7-6031F2D95D9A}" type="datetimeFigureOut">
               <a:rPr lang="en-CA" smtClean="0"/>
-              <a:t>2019-04-18</a:t>
+              <a:t>19-04-19</a:t>
             </a:fld>
             <a:endParaRPr lang="en-CA"/>
           </a:p>
@@ -701,7 +705,7 @@
           <a:p>
             <a:fld id="{C2FC7127-3C0D-4B0F-A0B9-42504EB5A386}" type="datetimeFigureOut">
               <a:rPr lang="en-CA" smtClean="0"/>
-              <a:t>2019-04-18</a:t>
+              <a:t>19-04-19</a:t>
             </a:fld>
             <a:endParaRPr lang="en-CA"/>
           </a:p>
@@ -871,7 +875,7 @@
           <a:p>
             <a:fld id="{C2FC7127-3C0D-4B0F-A0B9-42504EB5A386}" type="datetimeFigureOut">
               <a:rPr lang="en-CA" smtClean="0"/>
-              <a:t>2019-04-18</a:t>
+              <a:t>19-04-19</a:t>
             </a:fld>
             <a:endParaRPr lang="en-CA"/>
           </a:p>
@@ -1051,7 +1055,7 @@
           <a:p>
             <a:fld id="{C2FC7127-3C0D-4B0F-A0B9-42504EB5A386}" type="datetimeFigureOut">
               <a:rPr lang="en-CA" smtClean="0"/>
-              <a:t>2019-04-18</a:t>
+              <a:t>19-04-19</a:t>
             </a:fld>
             <a:endParaRPr lang="en-CA"/>
           </a:p>
@@ -1221,7 +1225,7 @@
           <a:p>
             <a:fld id="{C2FC7127-3C0D-4B0F-A0B9-42504EB5A386}" type="datetimeFigureOut">
               <a:rPr lang="en-CA" smtClean="0"/>
-              <a:t>2019-04-18</a:t>
+              <a:t>19-04-19</a:t>
             </a:fld>
             <a:endParaRPr lang="en-CA"/>
           </a:p>
@@ -1465,7 +1469,7 @@
           <a:p>
             <a:fld id="{C2FC7127-3C0D-4B0F-A0B9-42504EB5A386}" type="datetimeFigureOut">
               <a:rPr lang="en-CA" smtClean="0"/>
-              <a:t>2019-04-18</a:t>
+              <a:t>19-04-19</a:t>
             </a:fld>
             <a:endParaRPr lang="en-CA"/>
           </a:p>
@@ -1697,7 +1701,7 @@
           <a:p>
             <a:fld id="{C2FC7127-3C0D-4B0F-A0B9-42504EB5A386}" type="datetimeFigureOut">
               <a:rPr lang="en-CA" smtClean="0"/>
-              <a:t>2019-04-18</a:t>
+              <a:t>19-04-19</a:t>
             </a:fld>
             <a:endParaRPr lang="en-CA"/>
           </a:p>
@@ -2064,7 +2068,7 @@
           <a:p>
             <a:fld id="{C2FC7127-3C0D-4B0F-A0B9-42504EB5A386}" type="datetimeFigureOut">
               <a:rPr lang="en-CA" smtClean="0"/>
-              <a:t>2019-04-18</a:t>
+              <a:t>19-04-19</a:t>
             </a:fld>
             <a:endParaRPr lang="en-CA"/>
           </a:p>
@@ -2182,7 +2186,7 @@
           <a:p>
             <a:fld id="{C2FC7127-3C0D-4B0F-A0B9-42504EB5A386}" type="datetimeFigureOut">
               <a:rPr lang="en-CA" smtClean="0"/>
-              <a:t>2019-04-18</a:t>
+              <a:t>19-04-19</a:t>
             </a:fld>
             <a:endParaRPr lang="en-CA"/>
           </a:p>
@@ -2277,7 +2281,7 @@
           <a:p>
             <a:fld id="{C2FC7127-3C0D-4B0F-A0B9-42504EB5A386}" type="datetimeFigureOut">
               <a:rPr lang="en-CA" smtClean="0"/>
-              <a:t>2019-04-18</a:t>
+              <a:t>19-04-19</a:t>
             </a:fld>
             <a:endParaRPr lang="en-CA"/>
           </a:p>
@@ -2554,7 +2558,7 @@
           <a:p>
             <a:fld id="{C2FC7127-3C0D-4B0F-A0B9-42504EB5A386}" type="datetimeFigureOut">
               <a:rPr lang="en-CA" smtClean="0"/>
-              <a:t>2019-04-18</a:t>
+              <a:t>19-04-19</a:t>
             </a:fld>
             <a:endParaRPr lang="en-CA"/>
           </a:p>
@@ -2811,7 +2815,7 @@
           <a:p>
             <a:fld id="{C2FC7127-3C0D-4B0F-A0B9-42504EB5A386}" type="datetimeFigureOut">
               <a:rPr lang="en-CA" smtClean="0"/>
-              <a:t>2019-04-18</a:t>
+              <a:t>19-04-19</a:t>
             </a:fld>
             <a:endParaRPr lang="en-CA"/>
           </a:p>
@@ -3024,7 +3028,7 @@
           <a:p>
             <a:fld id="{C2FC7127-3C0D-4B0F-A0B9-42504EB5A386}" type="datetimeFigureOut">
               <a:rPr lang="en-CA" smtClean="0"/>
-              <a:t>2019-04-18</a:t>
+              <a:t>19-04-19</a:t>
             </a:fld>
             <a:endParaRPr lang="en-CA"/>
           </a:p>
@@ -4325,7 +4329,7 @@
   <p:timing>
     <p:tnLst>
       <p:par>
-        <p:cTn id="1" dur="indefinite" restart="never" nodeType="tmRoot">
+        <p:cTn xmlns:p14="http://schemas.microsoft.com/office/powerpoint/2010/main" id="1" dur="indefinite" restart="never" nodeType="tmRoot">
           <p:childTnLst>
             <p:seq concurrent="1" nextAc="seek">
               <p:cTn id="2" dur="indefinite" nodeType="mainSeq">
@@ -4873,58 +4877,674 @@
           <a:chExt cx="0" cy="0"/>
         </a:xfrm>
       </p:grpSpPr>
-      <p:sp>
-        <p:nvSpPr>
-          <p:cNvPr id="2" name="Title 1"/>
-          <p:cNvSpPr>
-            <a:spLocks noGrp="1"/>
-          </p:cNvSpPr>
-          <p:nvPr>
-            <p:ph type="title"/>
-          </p:nvPr>
-        </p:nvSpPr>
-        <p:spPr/>
-        <p:txBody>
-          <a:bodyPr/>
+      <p:pic>
+        <p:nvPicPr>
+          <p:cNvPr id="24" name="Picture 23" descr="ISCTimecoursesSTG_ant.png"/>
+          <p:cNvPicPr>
+            <a:picLocks noChangeAspect="1"/>
+          </p:cNvPicPr>
+          <p:nvPr/>
+        </p:nvPicPr>
+        <p:blipFill>
+          <a:blip r:embed="rId2">
+            <a:extLst>
+              <a:ext uri="{28A0092B-C50C-407E-A947-70E740481C1C}">
+                <a14:useLocalDpi xmlns:a14="http://schemas.microsoft.com/office/drawing/2010/main" val="0"/>
+              </a:ext>
+            </a:extLst>
+          </a:blip>
+          <a:stretch>
+            <a:fillRect/>
+          </a:stretch>
+        </p:blipFill>
+        <p:spPr>
+          <a:xfrm>
+            <a:off x="-1017750" y="796935"/>
+            <a:ext cx="11341025" cy="6061065"/>
+          </a:xfrm>
+          <a:prstGeom prst="rect">
+            <a:avLst/>
+          </a:prstGeom>
+        </p:spPr>
+      </p:pic>
+      <p:grpSp>
+        <p:nvGrpSpPr>
+          <p:cNvPr id="23" name="Group 22"/>
+          <p:cNvGrpSpPr/>
+          <p:nvPr/>
+        </p:nvGrpSpPr>
+        <p:grpSpPr>
+          <a:xfrm>
+            <a:off x="37354" y="519876"/>
+            <a:ext cx="7787512" cy="5711288"/>
+            <a:chOff x="249028" y="519876"/>
+            <a:chExt cx="7787512" cy="5711288"/>
+          </a:xfrm>
+        </p:grpSpPr>
+        <p:sp>
+          <p:nvSpPr>
+            <p:cNvPr id="4" name="TextBox 3"/>
+            <p:cNvSpPr txBox="1"/>
+            <p:nvPr/>
+          </p:nvSpPr>
+          <p:spPr>
+            <a:xfrm>
+              <a:off x="311286" y="1291907"/>
+              <a:ext cx="290727" cy="369332"/>
+            </a:xfrm>
+            <a:prstGeom prst="rect">
+              <a:avLst/>
+            </a:prstGeom>
+            <a:noFill/>
+          </p:spPr>
+          <p:txBody>
+            <a:bodyPr wrap="none" rtlCol="0">
+              <a:spAutoFit/>
+            </a:bodyPr>
+            <a:lstStyle/>
+            <a:p>
+              <a:r>
+                <a:rPr lang="en-CA" dirty="0" smtClean="0"/>
+                <a:t>S</a:t>
+              </a:r>
+            </a:p>
+          </p:txBody>
+        </p:sp>
+        <p:sp>
+          <p:nvSpPr>
+            <p:cNvPr id="5" name="TextBox 4"/>
+            <p:cNvSpPr txBox="1"/>
+            <p:nvPr/>
+          </p:nvSpPr>
+          <p:spPr>
+            <a:xfrm>
+              <a:off x="314269" y="1867679"/>
+              <a:ext cx="290727" cy="369332"/>
+            </a:xfrm>
+            <a:prstGeom prst="rect">
+              <a:avLst/>
+            </a:prstGeom>
+            <a:noFill/>
+          </p:spPr>
+          <p:txBody>
+            <a:bodyPr wrap="none" rtlCol="0">
+              <a:spAutoFit/>
+            </a:bodyPr>
+            <a:lstStyle/>
+            <a:p>
+              <a:r>
+                <a:rPr lang="en-CA" dirty="0" smtClean="0"/>
+                <a:t>S</a:t>
+              </a:r>
+            </a:p>
+          </p:txBody>
+        </p:sp>
+        <p:sp>
+          <p:nvSpPr>
+            <p:cNvPr id="6" name="TextBox 5"/>
+            <p:cNvSpPr txBox="1"/>
+            <p:nvPr/>
+          </p:nvSpPr>
+          <p:spPr>
+            <a:xfrm>
+              <a:off x="301817" y="2502736"/>
+              <a:ext cx="318229" cy="369332"/>
+            </a:xfrm>
+            <a:prstGeom prst="rect">
+              <a:avLst/>
+            </a:prstGeom>
+            <a:noFill/>
+          </p:spPr>
+          <p:txBody>
+            <a:bodyPr wrap="none" rtlCol="0">
+              <a:spAutoFit/>
+            </a:bodyPr>
+            <a:lstStyle/>
+            <a:p>
+              <a:r>
+                <a:rPr lang="en-CA" dirty="0" smtClean="0"/>
+                <a:t>A</a:t>
+              </a:r>
+            </a:p>
+          </p:txBody>
+        </p:sp>
+        <p:sp>
+          <p:nvSpPr>
+            <p:cNvPr id="7" name="TextBox 6"/>
+            <p:cNvSpPr txBox="1"/>
+            <p:nvPr/>
+          </p:nvSpPr>
+          <p:spPr>
+            <a:xfrm>
+              <a:off x="314267" y="3187602"/>
+              <a:ext cx="318229" cy="369332"/>
+            </a:xfrm>
+            <a:prstGeom prst="rect">
+              <a:avLst/>
+            </a:prstGeom>
+            <a:noFill/>
+          </p:spPr>
+          <p:txBody>
+            <a:bodyPr wrap="none" rtlCol="0">
+              <a:spAutoFit/>
+            </a:bodyPr>
+            <a:lstStyle/>
+            <a:p>
+              <a:r>
+                <a:rPr lang="en-CA" dirty="0" smtClean="0"/>
+                <a:t>A</a:t>
+              </a:r>
+            </a:p>
+          </p:txBody>
+        </p:sp>
+        <p:sp>
+          <p:nvSpPr>
+            <p:cNvPr id="8" name="TextBox 7"/>
+            <p:cNvSpPr txBox="1"/>
+            <p:nvPr/>
+          </p:nvSpPr>
+          <p:spPr>
+            <a:xfrm>
+              <a:off x="289365" y="3835112"/>
+              <a:ext cx="242825" cy="369332"/>
+            </a:xfrm>
+            <a:prstGeom prst="rect">
+              <a:avLst/>
+            </a:prstGeom>
+            <a:noFill/>
+          </p:spPr>
+          <p:txBody>
+            <a:bodyPr wrap="none" rtlCol="0">
+              <a:spAutoFit/>
+            </a:bodyPr>
+            <a:lstStyle/>
+            <a:p>
+              <a:r>
+                <a:rPr lang="en-CA" dirty="0" smtClean="0"/>
+                <a:t>I</a:t>
+              </a:r>
+            </a:p>
+          </p:txBody>
+        </p:sp>
+        <p:sp>
+          <p:nvSpPr>
+            <p:cNvPr id="9" name="TextBox 8"/>
+            <p:cNvSpPr txBox="1"/>
+            <p:nvPr/>
+          </p:nvSpPr>
+          <p:spPr>
+            <a:xfrm>
+              <a:off x="298833" y="4504552"/>
+              <a:ext cx="242825" cy="369332"/>
+            </a:xfrm>
+            <a:prstGeom prst="rect">
+              <a:avLst/>
+            </a:prstGeom>
+            <a:noFill/>
+          </p:spPr>
+          <p:txBody>
+            <a:bodyPr wrap="none" rtlCol="0">
+              <a:spAutoFit/>
+            </a:bodyPr>
+            <a:lstStyle/>
+            <a:p>
+              <a:r>
+                <a:rPr lang="en-CA" dirty="0"/>
+                <a:t>I</a:t>
+              </a:r>
+              <a:endParaRPr lang="en-CA" dirty="0" smtClean="0"/>
+            </a:p>
+          </p:txBody>
+        </p:sp>
+        <p:sp>
+          <p:nvSpPr>
+            <p:cNvPr id="10" name="TextBox 9"/>
+            <p:cNvSpPr txBox="1"/>
+            <p:nvPr/>
+          </p:nvSpPr>
+          <p:spPr>
+            <a:xfrm>
+              <a:off x="249028" y="5189418"/>
+              <a:ext cx="390026" cy="369332"/>
+            </a:xfrm>
+            <a:prstGeom prst="rect">
+              <a:avLst/>
+            </a:prstGeom>
+            <a:noFill/>
+          </p:spPr>
+          <p:txBody>
+            <a:bodyPr wrap="none" rtlCol="0">
+              <a:spAutoFit/>
+            </a:bodyPr>
+            <a:lstStyle/>
+            <a:p>
+              <a:r>
+                <a:rPr lang="en-CA" dirty="0" smtClean="0"/>
+                <a:t>W</a:t>
+              </a:r>
+            </a:p>
+          </p:txBody>
+        </p:sp>
+        <p:sp>
+          <p:nvSpPr>
+            <p:cNvPr id="11" name="TextBox 10"/>
+            <p:cNvSpPr txBox="1"/>
+            <p:nvPr/>
+          </p:nvSpPr>
+          <p:spPr>
+            <a:xfrm>
+              <a:off x="286383" y="5861832"/>
+              <a:ext cx="390026" cy="369332"/>
+            </a:xfrm>
+            <a:prstGeom prst="rect">
+              <a:avLst/>
+            </a:prstGeom>
+            <a:noFill/>
+          </p:spPr>
+          <p:txBody>
+            <a:bodyPr wrap="none" rtlCol="0">
+              <a:spAutoFit/>
+            </a:bodyPr>
+            <a:lstStyle/>
+            <a:p>
+              <a:r>
+                <a:rPr lang="en-CA" dirty="0"/>
+                <a:t>W</a:t>
+              </a:r>
+              <a:endParaRPr lang="en-CA" dirty="0" smtClean="0"/>
+            </a:p>
+          </p:txBody>
+        </p:sp>
+        <p:sp>
+          <p:nvSpPr>
+            <p:cNvPr id="12" name="TextBox 11"/>
+            <p:cNvSpPr txBox="1"/>
+            <p:nvPr/>
+          </p:nvSpPr>
+          <p:spPr>
+            <a:xfrm>
+              <a:off x="1133077" y="694206"/>
+              <a:ext cx="1051302" cy="369332"/>
+            </a:xfrm>
+            <a:prstGeom prst="rect">
+              <a:avLst/>
+            </a:prstGeom>
+            <a:noFill/>
+          </p:spPr>
+          <p:txBody>
+            <a:bodyPr wrap="none" rtlCol="0">
+              <a:spAutoFit/>
+            </a:bodyPr>
+            <a:lstStyle/>
+            <a:p>
+              <a:r>
+                <a:rPr lang="en-CA" dirty="0" smtClean="0"/>
+                <a:t>Session 1</a:t>
+              </a:r>
+              <a:endParaRPr lang="en-CA" dirty="0"/>
+            </a:p>
+          </p:txBody>
+        </p:sp>
+        <p:sp>
+          <p:nvSpPr>
+            <p:cNvPr id="13" name="TextBox 12"/>
+            <p:cNvSpPr txBox="1"/>
+            <p:nvPr/>
+          </p:nvSpPr>
+          <p:spPr>
+            <a:xfrm>
+              <a:off x="4009353" y="544781"/>
+              <a:ext cx="1051302" cy="646331"/>
+            </a:xfrm>
+            <a:prstGeom prst="rect">
+              <a:avLst/>
+            </a:prstGeom>
+            <a:noFill/>
+          </p:spPr>
+          <p:txBody>
+            <a:bodyPr wrap="none" rtlCol="0">
+              <a:spAutoFit/>
+            </a:bodyPr>
+            <a:lstStyle/>
+            <a:p>
+              <a:r>
+                <a:rPr lang="en-CA" dirty="0" smtClean="0"/>
+                <a:t>Session 2 </a:t>
+              </a:r>
+            </a:p>
+            <a:p>
+              <a:r>
+                <a:rPr lang="en-CA" dirty="0" smtClean="0"/>
+                <a:t>Group A</a:t>
+              </a:r>
+              <a:endParaRPr lang="en-CA" dirty="0"/>
+            </a:p>
+          </p:txBody>
+        </p:sp>
+        <p:sp>
+          <p:nvSpPr>
+            <p:cNvPr id="14" name="TextBox 13"/>
+            <p:cNvSpPr txBox="1"/>
+            <p:nvPr/>
+          </p:nvSpPr>
+          <p:spPr>
+            <a:xfrm>
+              <a:off x="6985238" y="519876"/>
+              <a:ext cx="1051302" cy="646331"/>
+            </a:xfrm>
+            <a:prstGeom prst="rect">
+              <a:avLst/>
+            </a:prstGeom>
+            <a:noFill/>
+          </p:spPr>
+          <p:txBody>
+            <a:bodyPr wrap="none" rtlCol="0">
+              <a:spAutoFit/>
+            </a:bodyPr>
+            <a:lstStyle/>
+            <a:p>
+              <a:r>
+                <a:rPr lang="en-CA" dirty="0" smtClean="0"/>
+                <a:t>Session 2 </a:t>
+              </a:r>
+            </a:p>
+            <a:p>
+              <a:r>
+                <a:rPr lang="en-CA" dirty="0" smtClean="0"/>
+                <a:t>Group B</a:t>
+              </a:r>
+              <a:endParaRPr lang="en-CA" dirty="0"/>
+            </a:p>
+          </p:txBody>
+        </p:sp>
+        <p:sp>
+          <p:nvSpPr>
+            <p:cNvPr id="15" name="TextBox 14"/>
+            <p:cNvSpPr txBox="1"/>
+            <p:nvPr/>
+          </p:nvSpPr>
+          <p:spPr>
+            <a:xfrm>
+              <a:off x="3112852" y="1267003"/>
+              <a:ext cx="573094" cy="338554"/>
+            </a:xfrm>
+            <a:prstGeom prst="rect">
+              <a:avLst/>
+            </a:prstGeom>
+            <a:noFill/>
+          </p:spPr>
+          <p:txBody>
+            <a:bodyPr wrap="none" rtlCol="0">
+              <a:spAutoFit/>
+            </a:bodyPr>
+            <a:lstStyle/>
+            <a:p>
+              <a:r>
+                <a:rPr lang="en-CA" sz="1600" dirty="0" smtClean="0"/>
+                <a:t>FAM</a:t>
+              </a:r>
+              <a:endParaRPr lang="en-CA" sz="1600" dirty="0"/>
+            </a:p>
+          </p:txBody>
+        </p:sp>
+        <p:sp>
+          <p:nvSpPr>
+            <p:cNvPr id="16" name="TextBox 15"/>
+            <p:cNvSpPr txBox="1"/>
+            <p:nvPr/>
+          </p:nvSpPr>
+          <p:spPr>
+            <a:xfrm>
+              <a:off x="3165641" y="2577449"/>
+              <a:ext cx="573094" cy="338554"/>
+            </a:xfrm>
+            <a:prstGeom prst="rect">
+              <a:avLst/>
+            </a:prstGeom>
+            <a:noFill/>
+          </p:spPr>
+          <p:txBody>
+            <a:bodyPr wrap="none" rtlCol="0">
+              <a:spAutoFit/>
+            </a:bodyPr>
+            <a:lstStyle/>
+            <a:p>
+              <a:r>
+                <a:rPr lang="en-CA" sz="1600" dirty="0" smtClean="0"/>
+                <a:t>FAM</a:t>
+              </a:r>
+              <a:endParaRPr lang="en-CA" sz="1600" dirty="0"/>
+            </a:p>
+          </p:txBody>
+        </p:sp>
+        <p:sp>
+          <p:nvSpPr>
+            <p:cNvPr id="17" name="TextBox 16"/>
+            <p:cNvSpPr txBox="1"/>
+            <p:nvPr/>
+          </p:nvSpPr>
+          <p:spPr>
+            <a:xfrm>
+              <a:off x="3140736" y="3897373"/>
+              <a:ext cx="573094" cy="338554"/>
+            </a:xfrm>
+            <a:prstGeom prst="rect">
+              <a:avLst/>
+            </a:prstGeom>
+            <a:noFill/>
+          </p:spPr>
+          <p:txBody>
+            <a:bodyPr wrap="none" rtlCol="0">
+              <a:spAutoFit/>
+            </a:bodyPr>
+            <a:lstStyle/>
+            <a:p>
+              <a:r>
+                <a:rPr lang="en-CA" sz="1600" dirty="0" smtClean="0"/>
+                <a:t>FAM</a:t>
+              </a:r>
+              <a:endParaRPr lang="en-CA" sz="1600" dirty="0"/>
+            </a:p>
+          </p:txBody>
+        </p:sp>
+        <p:sp>
+          <p:nvSpPr>
+            <p:cNvPr id="18" name="TextBox 17"/>
+            <p:cNvSpPr txBox="1"/>
+            <p:nvPr/>
+          </p:nvSpPr>
+          <p:spPr>
+            <a:xfrm>
+              <a:off x="3140735" y="5204845"/>
+              <a:ext cx="573094" cy="338554"/>
+            </a:xfrm>
+            <a:prstGeom prst="rect">
+              <a:avLst/>
+            </a:prstGeom>
+            <a:noFill/>
+          </p:spPr>
+          <p:txBody>
+            <a:bodyPr wrap="none" rtlCol="0">
+              <a:spAutoFit/>
+            </a:bodyPr>
+            <a:lstStyle/>
+            <a:p>
+              <a:r>
+                <a:rPr lang="en-CA" sz="1600" dirty="0" smtClean="0"/>
+                <a:t>FAM</a:t>
+              </a:r>
+              <a:endParaRPr lang="en-CA" sz="1600" dirty="0"/>
+            </a:p>
+          </p:txBody>
+        </p:sp>
+        <p:sp>
+          <p:nvSpPr>
+            <p:cNvPr id="19" name="TextBox 18"/>
+            <p:cNvSpPr txBox="1"/>
+            <p:nvPr/>
+          </p:nvSpPr>
+          <p:spPr>
+            <a:xfrm>
+              <a:off x="6365636" y="1929940"/>
+              <a:ext cx="573094" cy="338554"/>
+            </a:xfrm>
+            <a:prstGeom prst="rect">
+              <a:avLst/>
+            </a:prstGeom>
+            <a:noFill/>
+          </p:spPr>
+          <p:txBody>
+            <a:bodyPr wrap="none" rtlCol="0">
+              <a:spAutoFit/>
+            </a:bodyPr>
+            <a:lstStyle/>
+            <a:p>
+              <a:r>
+                <a:rPr lang="en-CA" sz="1600" dirty="0" smtClean="0"/>
+                <a:t>FAM</a:t>
+              </a:r>
+              <a:endParaRPr lang="en-CA" sz="1600" dirty="0"/>
+            </a:p>
+          </p:txBody>
+        </p:sp>
+        <p:sp>
+          <p:nvSpPr>
+            <p:cNvPr id="20" name="TextBox 19"/>
+            <p:cNvSpPr txBox="1"/>
+            <p:nvPr/>
+          </p:nvSpPr>
+          <p:spPr>
+            <a:xfrm>
+              <a:off x="6418425" y="3240386"/>
+              <a:ext cx="573094" cy="338554"/>
+            </a:xfrm>
+            <a:prstGeom prst="rect">
+              <a:avLst/>
+            </a:prstGeom>
+            <a:noFill/>
+          </p:spPr>
+          <p:txBody>
+            <a:bodyPr wrap="none" rtlCol="0">
+              <a:spAutoFit/>
+            </a:bodyPr>
+            <a:lstStyle/>
+            <a:p>
+              <a:r>
+                <a:rPr lang="en-CA" sz="1600" dirty="0" smtClean="0"/>
+                <a:t>FAM</a:t>
+              </a:r>
+              <a:endParaRPr lang="en-CA" sz="1600" dirty="0"/>
+            </a:p>
+          </p:txBody>
+        </p:sp>
+        <p:sp>
+          <p:nvSpPr>
+            <p:cNvPr id="21" name="TextBox 20"/>
+            <p:cNvSpPr txBox="1"/>
+            <p:nvPr/>
+          </p:nvSpPr>
+          <p:spPr>
+            <a:xfrm>
+              <a:off x="6393520" y="4560310"/>
+              <a:ext cx="573094" cy="338554"/>
+            </a:xfrm>
+            <a:prstGeom prst="rect">
+              <a:avLst/>
+            </a:prstGeom>
+            <a:noFill/>
+          </p:spPr>
+          <p:txBody>
+            <a:bodyPr wrap="none" rtlCol="0">
+              <a:spAutoFit/>
+            </a:bodyPr>
+            <a:lstStyle/>
+            <a:p>
+              <a:r>
+                <a:rPr lang="en-CA" sz="1600" dirty="0" smtClean="0"/>
+                <a:t>FAM</a:t>
+              </a:r>
+              <a:endParaRPr lang="en-CA" sz="1600" dirty="0"/>
+            </a:p>
+          </p:txBody>
+        </p:sp>
+        <p:sp>
+          <p:nvSpPr>
+            <p:cNvPr id="22" name="TextBox 21"/>
+            <p:cNvSpPr txBox="1"/>
+            <p:nvPr/>
+          </p:nvSpPr>
+          <p:spPr>
+            <a:xfrm>
+              <a:off x="6393519" y="5867782"/>
+              <a:ext cx="573094" cy="338554"/>
+            </a:xfrm>
+            <a:prstGeom prst="rect">
+              <a:avLst/>
+            </a:prstGeom>
+            <a:noFill/>
+          </p:spPr>
+          <p:txBody>
+            <a:bodyPr wrap="none" rtlCol="0">
+              <a:spAutoFit/>
+            </a:bodyPr>
+            <a:lstStyle/>
+            <a:p>
+              <a:r>
+                <a:rPr lang="en-CA" sz="1600" dirty="0" smtClean="0"/>
+                <a:t>FAM</a:t>
+              </a:r>
+              <a:endParaRPr lang="en-CA" sz="1600" dirty="0"/>
+            </a:p>
+          </p:txBody>
+        </p:sp>
+      </p:grpSp>
+      <p:sp>
+        <p:nvSpPr>
+          <p:cNvPr id="25" name="TextBox 24"/>
+          <p:cNvSpPr txBox="1"/>
+          <p:nvPr/>
+        </p:nvSpPr>
+        <p:spPr>
+          <a:xfrm>
+            <a:off x="2154093" y="186781"/>
+            <a:ext cx="1383687" cy="369332"/>
+          </a:xfrm>
+          <a:prstGeom prst="rect">
+            <a:avLst/>
+          </a:prstGeom>
+          <a:noFill/>
+        </p:spPr>
+        <p:txBody>
+          <a:bodyPr wrap="none" rtlCol="0">
+            <a:spAutoFit/>
+          </a:bodyPr>
           <a:lstStyle/>
           <a:p>
             <a:r>
-              <a:rPr lang="en-US" dirty="0" smtClean="0"/>
-              <a:t>Cognition?</a:t>
+              <a:rPr lang="en-CA" dirty="0" smtClean="0"/>
+              <a:t>Anterior STG</a:t>
             </a:r>
             <a:endParaRPr lang="en-CA" dirty="0"/>
-          </a:p>
-        </p:txBody>
-      </p:sp>
-      <p:sp>
-        <p:nvSpPr>
-          <p:cNvPr id="3" name="Content Placeholder 2"/>
-          <p:cNvSpPr>
-            <a:spLocks noGrp="1"/>
-          </p:cNvSpPr>
-          <p:nvPr>
-            <p:ph idx="1"/>
-          </p:nvPr>
-        </p:nvSpPr>
-        <p:spPr/>
-        <p:txBody>
-          <a:bodyPr/>
-          <a:lstStyle/>
-          <a:p>
-            <a:endParaRPr lang="en-CA"/>
           </a:p>
         </p:txBody>
       </p:sp>
     </p:spTree>
     <p:extLst>
       <p:ext uri="{BB962C8B-B14F-4D97-AF65-F5344CB8AC3E}">
-        <p14:creationId xmlns:p14="http://schemas.microsoft.com/office/powerpoint/2010/main" val="1732101624"/>
+        <p14:creationId xmlns:p14="http://schemas.microsoft.com/office/powerpoint/2010/main" val="1570740589"/>
       </p:ext>
     </p:extLst>
   </p:cSld>
   <p:clrMapOvr>
     <a:masterClrMapping/>
   </p:clrMapOvr>
+  <p:timing>
+    <p:tnLst>
+      <p:par>
+        <p:cTn xmlns:p14="http://schemas.microsoft.com/office/powerpoint/2010/main" id="1" dur="indefinite" restart="never" nodeType="tmRoot"/>
+      </p:par>
+    </p:tnLst>
+  </p:timing>
 </p:sld>
 </file>
 
@@ -4945,137 +5565,15 @@
           <a:chExt cx="0" cy="0"/>
         </a:xfrm>
       </p:grpSpPr>
-      <p:sp>
-        <p:nvSpPr>
-          <p:cNvPr id="4" name="TextBox 3"/>
-          <p:cNvSpPr txBox="1"/>
-          <p:nvPr/>
-        </p:nvSpPr>
-        <p:spPr>
-          <a:xfrm>
-            <a:off x="4965983" y="159894"/>
-            <a:ext cx="1031239" cy="369332"/>
-          </a:xfrm>
-          <a:prstGeom prst="rect">
-            <a:avLst/>
-          </a:prstGeom>
-          <a:noFill/>
-        </p:spPr>
-        <p:txBody>
-          <a:bodyPr wrap="none" rtlCol="0">
-            <a:spAutoFit/>
-          </a:bodyPr>
-          <a:lstStyle/>
-          <a:p>
-            <a:r>
-              <a:rPr lang="en-CA" dirty="0" smtClean="0"/>
-              <a:t>A </a:t>
-            </a:r>
-            <a:r>
-              <a:rPr lang="en-CA" dirty="0" err="1" smtClean="0"/>
-              <a:t>capella</a:t>
-            </a:r>
-            <a:endParaRPr lang="en-CA" dirty="0"/>
-          </a:p>
-        </p:txBody>
-      </p:sp>
-      <p:sp>
-        <p:nvSpPr>
-          <p:cNvPr id="5" name="TextBox 4"/>
-          <p:cNvSpPr txBox="1"/>
-          <p:nvPr/>
-        </p:nvSpPr>
-        <p:spPr>
-          <a:xfrm>
-            <a:off x="263913" y="154354"/>
-            <a:ext cx="1394845" cy="369332"/>
-          </a:xfrm>
-          <a:prstGeom prst="rect">
-            <a:avLst/>
-          </a:prstGeom>
-          <a:noFill/>
-        </p:spPr>
-        <p:txBody>
-          <a:bodyPr wrap="none" rtlCol="0">
-            <a:spAutoFit/>
-          </a:bodyPr>
-          <a:lstStyle/>
-          <a:p>
-            <a:r>
-              <a:rPr lang="en-CA" dirty="0" smtClean="0"/>
-              <a:t>Instrumental</a:t>
-            </a:r>
-            <a:endParaRPr lang="en-CA" dirty="0"/>
-          </a:p>
-        </p:txBody>
-      </p:sp>
-      <p:sp>
-        <p:nvSpPr>
-          <p:cNvPr id="6" name="TextBox 5"/>
-          <p:cNvSpPr txBox="1"/>
-          <p:nvPr/>
-        </p:nvSpPr>
-        <p:spPr>
-          <a:xfrm>
-            <a:off x="2631633" y="188116"/>
-            <a:ext cx="859017" cy="369332"/>
-          </a:xfrm>
-          <a:prstGeom prst="rect">
-            <a:avLst/>
-          </a:prstGeom>
-          <a:noFill/>
-        </p:spPr>
-        <p:txBody>
-          <a:bodyPr wrap="none" rtlCol="0">
-            <a:spAutoFit/>
-          </a:bodyPr>
-          <a:lstStyle/>
-          <a:p>
-            <a:r>
-              <a:rPr lang="en-CA" dirty="0" smtClean="0"/>
-              <a:t>spoken</a:t>
-            </a:r>
-            <a:endParaRPr lang="en-CA" dirty="0"/>
-          </a:p>
-        </p:txBody>
-      </p:sp>
-      <p:sp>
-        <p:nvSpPr>
-          <p:cNvPr id="7" name="TextBox 6"/>
-          <p:cNvSpPr txBox="1"/>
-          <p:nvPr/>
-        </p:nvSpPr>
-        <p:spPr>
-          <a:xfrm>
-            <a:off x="7525479" y="190631"/>
-            <a:ext cx="760507" cy="369332"/>
-          </a:xfrm>
-          <a:prstGeom prst="rect">
-            <a:avLst/>
-          </a:prstGeom>
-          <a:noFill/>
-        </p:spPr>
-        <p:txBody>
-          <a:bodyPr wrap="none" rtlCol="0">
-            <a:spAutoFit/>
-          </a:bodyPr>
-          <a:lstStyle/>
-          <a:p>
-            <a:r>
-              <a:rPr lang="en-CA" dirty="0" smtClean="0"/>
-              <a:t>whole</a:t>
-            </a:r>
-            <a:endParaRPr lang="en-CA" dirty="0"/>
-          </a:p>
-        </p:txBody>
-      </p:sp>
       <p:pic>
         <p:nvPicPr>
-          <p:cNvPr id="8" name="Picture 7" descr="Screen Shot 2018-09-13 at 4.42.13 PM.png"/>
+          <p:cNvPr id="26" name="Content Placeholder 25" descr="ISCTimecoursesSTG_post.png"/>
           <p:cNvPicPr>
-            <a:picLocks noChangeAspect="1"/>
+            <a:picLocks noGrp="1" noChangeAspect="1"/>
           </p:cNvPicPr>
-          <p:nvPr/>
+          <p:nvPr>
+            <p:ph idx="1"/>
+          </p:nvPr>
         </p:nvPicPr>
         <p:blipFill>
           <a:blip r:embed="rId2">
@@ -5085,240 +5583,619 @@
               </a:ext>
             </a:extLst>
           </a:blip>
+          <a:srcRect l="1639" r="1639"/>
           <a:stretch>
             <a:fillRect/>
           </a:stretch>
         </p:blipFill>
         <p:spPr>
           <a:xfrm>
-            <a:off x="4473223" y="542571"/>
-            <a:ext cx="1999989" cy="2039761"/>
+            <a:off x="-784438" y="879263"/>
+            <a:ext cx="10836324" cy="5978737"/>
           </a:xfrm>
-          <a:prstGeom prst="rect">
-            <a:avLst/>
-          </a:prstGeom>
         </p:spPr>
       </p:pic>
-      <p:pic>
-        <p:nvPicPr>
-          <p:cNvPr id="9" name="Picture 8" descr="Screen Shot 2018-09-13 at 4.44.00 PM.png"/>
-          <p:cNvPicPr>
-            <a:picLocks noChangeAspect="1"/>
-          </p:cNvPicPr>
+      <p:grpSp>
+        <p:nvGrpSpPr>
+          <p:cNvPr id="5" name="Group 4"/>
+          <p:cNvGrpSpPr/>
           <p:nvPr/>
-        </p:nvPicPr>
-        <p:blipFill>
-          <a:blip r:embed="rId3">
-            <a:extLst>
-              <a:ext uri="{28A0092B-C50C-407E-A947-70E740481C1C}">
-                <a14:useLocalDpi xmlns:a14="http://schemas.microsoft.com/office/drawing/2010/main" val="0"/>
-              </a:ext>
-            </a:extLst>
-          </a:blip>
-          <a:stretch>
-            <a:fillRect/>
-          </a:stretch>
-        </p:blipFill>
+        </p:nvGrpSpPr>
+        <p:grpSpPr>
+          <a:xfrm>
+            <a:off x="37354" y="519876"/>
+            <a:ext cx="7787512" cy="5711288"/>
+            <a:chOff x="249028" y="519876"/>
+            <a:chExt cx="7787512" cy="5711288"/>
+          </a:xfrm>
+        </p:grpSpPr>
+        <p:sp>
+          <p:nvSpPr>
+            <p:cNvPr id="6" name="TextBox 5"/>
+            <p:cNvSpPr txBox="1"/>
+            <p:nvPr/>
+          </p:nvSpPr>
+          <p:spPr>
+            <a:xfrm>
+              <a:off x="311286" y="1291907"/>
+              <a:ext cx="290727" cy="369332"/>
+            </a:xfrm>
+            <a:prstGeom prst="rect">
+              <a:avLst/>
+            </a:prstGeom>
+            <a:noFill/>
+          </p:spPr>
+          <p:txBody>
+            <a:bodyPr wrap="none" rtlCol="0">
+              <a:spAutoFit/>
+            </a:bodyPr>
+            <a:lstStyle/>
+            <a:p>
+              <a:r>
+                <a:rPr lang="en-CA" dirty="0" smtClean="0"/>
+                <a:t>S</a:t>
+              </a:r>
+            </a:p>
+          </p:txBody>
+        </p:sp>
+        <p:sp>
+          <p:nvSpPr>
+            <p:cNvPr id="7" name="TextBox 6"/>
+            <p:cNvSpPr txBox="1"/>
+            <p:nvPr/>
+          </p:nvSpPr>
+          <p:spPr>
+            <a:xfrm>
+              <a:off x="314269" y="1867679"/>
+              <a:ext cx="290727" cy="369332"/>
+            </a:xfrm>
+            <a:prstGeom prst="rect">
+              <a:avLst/>
+            </a:prstGeom>
+            <a:noFill/>
+          </p:spPr>
+          <p:txBody>
+            <a:bodyPr wrap="none" rtlCol="0">
+              <a:spAutoFit/>
+            </a:bodyPr>
+            <a:lstStyle/>
+            <a:p>
+              <a:r>
+                <a:rPr lang="en-CA" dirty="0" smtClean="0"/>
+                <a:t>S</a:t>
+              </a:r>
+            </a:p>
+          </p:txBody>
+        </p:sp>
+        <p:sp>
+          <p:nvSpPr>
+            <p:cNvPr id="8" name="TextBox 7"/>
+            <p:cNvSpPr txBox="1"/>
+            <p:nvPr/>
+          </p:nvSpPr>
+          <p:spPr>
+            <a:xfrm>
+              <a:off x="301817" y="2502736"/>
+              <a:ext cx="318229" cy="369332"/>
+            </a:xfrm>
+            <a:prstGeom prst="rect">
+              <a:avLst/>
+            </a:prstGeom>
+            <a:noFill/>
+          </p:spPr>
+          <p:txBody>
+            <a:bodyPr wrap="none" rtlCol="0">
+              <a:spAutoFit/>
+            </a:bodyPr>
+            <a:lstStyle/>
+            <a:p>
+              <a:r>
+                <a:rPr lang="en-CA" dirty="0" smtClean="0"/>
+                <a:t>A</a:t>
+              </a:r>
+            </a:p>
+          </p:txBody>
+        </p:sp>
+        <p:sp>
+          <p:nvSpPr>
+            <p:cNvPr id="9" name="TextBox 8"/>
+            <p:cNvSpPr txBox="1"/>
+            <p:nvPr/>
+          </p:nvSpPr>
+          <p:spPr>
+            <a:xfrm>
+              <a:off x="314267" y="3187602"/>
+              <a:ext cx="318229" cy="369332"/>
+            </a:xfrm>
+            <a:prstGeom prst="rect">
+              <a:avLst/>
+            </a:prstGeom>
+            <a:noFill/>
+          </p:spPr>
+          <p:txBody>
+            <a:bodyPr wrap="none" rtlCol="0">
+              <a:spAutoFit/>
+            </a:bodyPr>
+            <a:lstStyle/>
+            <a:p>
+              <a:r>
+                <a:rPr lang="en-CA" dirty="0" smtClean="0"/>
+                <a:t>A</a:t>
+              </a:r>
+            </a:p>
+          </p:txBody>
+        </p:sp>
+        <p:sp>
+          <p:nvSpPr>
+            <p:cNvPr id="10" name="TextBox 9"/>
+            <p:cNvSpPr txBox="1"/>
+            <p:nvPr/>
+          </p:nvSpPr>
+          <p:spPr>
+            <a:xfrm>
+              <a:off x="289365" y="3835112"/>
+              <a:ext cx="242825" cy="369332"/>
+            </a:xfrm>
+            <a:prstGeom prst="rect">
+              <a:avLst/>
+            </a:prstGeom>
+            <a:noFill/>
+          </p:spPr>
+          <p:txBody>
+            <a:bodyPr wrap="none" rtlCol="0">
+              <a:spAutoFit/>
+            </a:bodyPr>
+            <a:lstStyle/>
+            <a:p>
+              <a:r>
+                <a:rPr lang="en-CA" dirty="0" smtClean="0"/>
+                <a:t>I</a:t>
+              </a:r>
+            </a:p>
+          </p:txBody>
+        </p:sp>
+        <p:sp>
+          <p:nvSpPr>
+            <p:cNvPr id="11" name="TextBox 10"/>
+            <p:cNvSpPr txBox="1"/>
+            <p:nvPr/>
+          </p:nvSpPr>
+          <p:spPr>
+            <a:xfrm>
+              <a:off x="298833" y="4504552"/>
+              <a:ext cx="242825" cy="369332"/>
+            </a:xfrm>
+            <a:prstGeom prst="rect">
+              <a:avLst/>
+            </a:prstGeom>
+            <a:noFill/>
+          </p:spPr>
+          <p:txBody>
+            <a:bodyPr wrap="none" rtlCol="0">
+              <a:spAutoFit/>
+            </a:bodyPr>
+            <a:lstStyle/>
+            <a:p>
+              <a:r>
+                <a:rPr lang="en-CA" dirty="0"/>
+                <a:t>I</a:t>
+              </a:r>
+              <a:endParaRPr lang="en-CA" dirty="0" smtClean="0"/>
+            </a:p>
+          </p:txBody>
+        </p:sp>
+        <p:sp>
+          <p:nvSpPr>
+            <p:cNvPr id="12" name="TextBox 11"/>
+            <p:cNvSpPr txBox="1"/>
+            <p:nvPr/>
+          </p:nvSpPr>
+          <p:spPr>
+            <a:xfrm>
+              <a:off x="249028" y="5189418"/>
+              <a:ext cx="390026" cy="369332"/>
+            </a:xfrm>
+            <a:prstGeom prst="rect">
+              <a:avLst/>
+            </a:prstGeom>
+            <a:noFill/>
+          </p:spPr>
+          <p:txBody>
+            <a:bodyPr wrap="none" rtlCol="0">
+              <a:spAutoFit/>
+            </a:bodyPr>
+            <a:lstStyle/>
+            <a:p>
+              <a:r>
+                <a:rPr lang="en-CA" dirty="0" smtClean="0"/>
+                <a:t>W</a:t>
+              </a:r>
+            </a:p>
+          </p:txBody>
+        </p:sp>
+        <p:sp>
+          <p:nvSpPr>
+            <p:cNvPr id="13" name="TextBox 12"/>
+            <p:cNvSpPr txBox="1"/>
+            <p:nvPr/>
+          </p:nvSpPr>
+          <p:spPr>
+            <a:xfrm>
+              <a:off x="286383" y="5861832"/>
+              <a:ext cx="390026" cy="369332"/>
+            </a:xfrm>
+            <a:prstGeom prst="rect">
+              <a:avLst/>
+            </a:prstGeom>
+            <a:noFill/>
+          </p:spPr>
+          <p:txBody>
+            <a:bodyPr wrap="none" rtlCol="0">
+              <a:spAutoFit/>
+            </a:bodyPr>
+            <a:lstStyle/>
+            <a:p>
+              <a:r>
+                <a:rPr lang="en-CA" dirty="0"/>
+                <a:t>W</a:t>
+              </a:r>
+              <a:endParaRPr lang="en-CA" dirty="0" smtClean="0"/>
+            </a:p>
+          </p:txBody>
+        </p:sp>
+        <p:sp>
+          <p:nvSpPr>
+            <p:cNvPr id="14" name="TextBox 13"/>
+            <p:cNvSpPr txBox="1"/>
+            <p:nvPr/>
+          </p:nvSpPr>
+          <p:spPr>
+            <a:xfrm>
+              <a:off x="1133077" y="694206"/>
+              <a:ext cx="1051302" cy="369332"/>
+            </a:xfrm>
+            <a:prstGeom prst="rect">
+              <a:avLst/>
+            </a:prstGeom>
+            <a:noFill/>
+          </p:spPr>
+          <p:txBody>
+            <a:bodyPr wrap="none" rtlCol="0">
+              <a:spAutoFit/>
+            </a:bodyPr>
+            <a:lstStyle/>
+            <a:p>
+              <a:r>
+                <a:rPr lang="en-CA" dirty="0" smtClean="0"/>
+                <a:t>Session 1</a:t>
+              </a:r>
+              <a:endParaRPr lang="en-CA" dirty="0"/>
+            </a:p>
+          </p:txBody>
+        </p:sp>
+        <p:sp>
+          <p:nvSpPr>
+            <p:cNvPr id="15" name="TextBox 14"/>
+            <p:cNvSpPr txBox="1"/>
+            <p:nvPr/>
+          </p:nvSpPr>
+          <p:spPr>
+            <a:xfrm>
+              <a:off x="4009353" y="544781"/>
+              <a:ext cx="1051302" cy="646331"/>
+            </a:xfrm>
+            <a:prstGeom prst="rect">
+              <a:avLst/>
+            </a:prstGeom>
+            <a:noFill/>
+          </p:spPr>
+          <p:txBody>
+            <a:bodyPr wrap="none" rtlCol="0">
+              <a:spAutoFit/>
+            </a:bodyPr>
+            <a:lstStyle/>
+            <a:p>
+              <a:r>
+                <a:rPr lang="en-CA" dirty="0" smtClean="0"/>
+                <a:t>Session 2 </a:t>
+              </a:r>
+            </a:p>
+            <a:p>
+              <a:r>
+                <a:rPr lang="en-CA" dirty="0" smtClean="0"/>
+                <a:t>Group A</a:t>
+              </a:r>
+              <a:endParaRPr lang="en-CA" dirty="0"/>
+            </a:p>
+          </p:txBody>
+        </p:sp>
+        <p:sp>
+          <p:nvSpPr>
+            <p:cNvPr id="16" name="TextBox 15"/>
+            <p:cNvSpPr txBox="1"/>
+            <p:nvPr/>
+          </p:nvSpPr>
+          <p:spPr>
+            <a:xfrm>
+              <a:off x="6985238" y="519876"/>
+              <a:ext cx="1051302" cy="646331"/>
+            </a:xfrm>
+            <a:prstGeom prst="rect">
+              <a:avLst/>
+            </a:prstGeom>
+            <a:noFill/>
+          </p:spPr>
+          <p:txBody>
+            <a:bodyPr wrap="none" rtlCol="0">
+              <a:spAutoFit/>
+            </a:bodyPr>
+            <a:lstStyle/>
+            <a:p>
+              <a:r>
+                <a:rPr lang="en-CA" dirty="0" smtClean="0"/>
+                <a:t>Session 2 </a:t>
+              </a:r>
+            </a:p>
+            <a:p>
+              <a:r>
+                <a:rPr lang="en-CA" dirty="0" smtClean="0"/>
+                <a:t>Group B</a:t>
+              </a:r>
+              <a:endParaRPr lang="en-CA" dirty="0"/>
+            </a:p>
+          </p:txBody>
+        </p:sp>
+        <p:sp>
+          <p:nvSpPr>
+            <p:cNvPr id="17" name="TextBox 16"/>
+            <p:cNvSpPr txBox="1"/>
+            <p:nvPr/>
+          </p:nvSpPr>
+          <p:spPr>
+            <a:xfrm>
+              <a:off x="3112852" y="1267003"/>
+              <a:ext cx="573094" cy="338554"/>
+            </a:xfrm>
+            <a:prstGeom prst="rect">
+              <a:avLst/>
+            </a:prstGeom>
+            <a:noFill/>
+          </p:spPr>
+          <p:txBody>
+            <a:bodyPr wrap="none" rtlCol="0">
+              <a:spAutoFit/>
+            </a:bodyPr>
+            <a:lstStyle/>
+            <a:p>
+              <a:r>
+                <a:rPr lang="en-CA" sz="1600" dirty="0" smtClean="0"/>
+                <a:t>FAM</a:t>
+              </a:r>
+              <a:endParaRPr lang="en-CA" sz="1600" dirty="0"/>
+            </a:p>
+          </p:txBody>
+        </p:sp>
+        <p:sp>
+          <p:nvSpPr>
+            <p:cNvPr id="18" name="TextBox 17"/>
+            <p:cNvSpPr txBox="1"/>
+            <p:nvPr/>
+          </p:nvSpPr>
+          <p:spPr>
+            <a:xfrm>
+              <a:off x="3165641" y="2577449"/>
+              <a:ext cx="573094" cy="338554"/>
+            </a:xfrm>
+            <a:prstGeom prst="rect">
+              <a:avLst/>
+            </a:prstGeom>
+            <a:noFill/>
+          </p:spPr>
+          <p:txBody>
+            <a:bodyPr wrap="none" rtlCol="0">
+              <a:spAutoFit/>
+            </a:bodyPr>
+            <a:lstStyle/>
+            <a:p>
+              <a:r>
+                <a:rPr lang="en-CA" sz="1600" dirty="0" smtClean="0"/>
+                <a:t>FAM</a:t>
+              </a:r>
+              <a:endParaRPr lang="en-CA" sz="1600" dirty="0"/>
+            </a:p>
+          </p:txBody>
+        </p:sp>
+        <p:sp>
+          <p:nvSpPr>
+            <p:cNvPr id="19" name="TextBox 18"/>
+            <p:cNvSpPr txBox="1"/>
+            <p:nvPr/>
+          </p:nvSpPr>
+          <p:spPr>
+            <a:xfrm>
+              <a:off x="3140736" y="3897373"/>
+              <a:ext cx="573094" cy="338554"/>
+            </a:xfrm>
+            <a:prstGeom prst="rect">
+              <a:avLst/>
+            </a:prstGeom>
+            <a:noFill/>
+          </p:spPr>
+          <p:txBody>
+            <a:bodyPr wrap="none" rtlCol="0">
+              <a:spAutoFit/>
+            </a:bodyPr>
+            <a:lstStyle/>
+            <a:p>
+              <a:r>
+                <a:rPr lang="en-CA" sz="1600" dirty="0" smtClean="0"/>
+                <a:t>FAM</a:t>
+              </a:r>
+              <a:endParaRPr lang="en-CA" sz="1600" dirty="0"/>
+            </a:p>
+          </p:txBody>
+        </p:sp>
+        <p:sp>
+          <p:nvSpPr>
+            <p:cNvPr id="20" name="TextBox 19"/>
+            <p:cNvSpPr txBox="1"/>
+            <p:nvPr/>
+          </p:nvSpPr>
+          <p:spPr>
+            <a:xfrm>
+              <a:off x="3140735" y="5204845"/>
+              <a:ext cx="573094" cy="338554"/>
+            </a:xfrm>
+            <a:prstGeom prst="rect">
+              <a:avLst/>
+            </a:prstGeom>
+            <a:noFill/>
+          </p:spPr>
+          <p:txBody>
+            <a:bodyPr wrap="none" rtlCol="0">
+              <a:spAutoFit/>
+            </a:bodyPr>
+            <a:lstStyle/>
+            <a:p>
+              <a:r>
+                <a:rPr lang="en-CA" sz="1600" dirty="0" smtClean="0"/>
+                <a:t>FAM</a:t>
+              </a:r>
+              <a:endParaRPr lang="en-CA" sz="1600" dirty="0"/>
+            </a:p>
+          </p:txBody>
+        </p:sp>
+        <p:sp>
+          <p:nvSpPr>
+            <p:cNvPr id="21" name="TextBox 20"/>
+            <p:cNvSpPr txBox="1"/>
+            <p:nvPr/>
+          </p:nvSpPr>
+          <p:spPr>
+            <a:xfrm>
+              <a:off x="6365636" y="1929940"/>
+              <a:ext cx="573094" cy="338554"/>
+            </a:xfrm>
+            <a:prstGeom prst="rect">
+              <a:avLst/>
+            </a:prstGeom>
+            <a:noFill/>
+          </p:spPr>
+          <p:txBody>
+            <a:bodyPr wrap="none" rtlCol="0">
+              <a:spAutoFit/>
+            </a:bodyPr>
+            <a:lstStyle/>
+            <a:p>
+              <a:r>
+                <a:rPr lang="en-CA" sz="1600" dirty="0" smtClean="0"/>
+                <a:t>FAM</a:t>
+              </a:r>
+              <a:endParaRPr lang="en-CA" sz="1600" dirty="0"/>
+            </a:p>
+          </p:txBody>
+        </p:sp>
+        <p:sp>
+          <p:nvSpPr>
+            <p:cNvPr id="22" name="TextBox 21"/>
+            <p:cNvSpPr txBox="1"/>
+            <p:nvPr/>
+          </p:nvSpPr>
+          <p:spPr>
+            <a:xfrm>
+              <a:off x="6418425" y="3240386"/>
+              <a:ext cx="573094" cy="338554"/>
+            </a:xfrm>
+            <a:prstGeom prst="rect">
+              <a:avLst/>
+            </a:prstGeom>
+            <a:noFill/>
+          </p:spPr>
+          <p:txBody>
+            <a:bodyPr wrap="none" rtlCol="0">
+              <a:spAutoFit/>
+            </a:bodyPr>
+            <a:lstStyle/>
+            <a:p>
+              <a:r>
+                <a:rPr lang="en-CA" sz="1600" dirty="0" smtClean="0"/>
+                <a:t>FAM</a:t>
+              </a:r>
+              <a:endParaRPr lang="en-CA" sz="1600" dirty="0"/>
+            </a:p>
+          </p:txBody>
+        </p:sp>
+        <p:sp>
+          <p:nvSpPr>
+            <p:cNvPr id="23" name="TextBox 22"/>
+            <p:cNvSpPr txBox="1"/>
+            <p:nvPr/>
+          </p:nvSpPr>
+          <p:spPr>
+            <a:xfrm>
+              <a:off x="6393520" y="4560310"/>
+              <a:ext cx="573094" cy="338554"/>
+            </a:xfrm>
+            <a:prstGeom prst="rect">
+              <a:avLst/>
+            </a:prstGeom>
+            <a:noFill/>
+          </p:spPr>
+          <p:txBody>
+            <a:bodyPr wrap="none" rtlCol="0">
+              <a:spAutoFit/>
+            </a:bodyPr>
+            <a:lstStyle/>
+            <a:p>
+              <a:r>
+                <a:rPr lang="en-CA" sz="1600" dirty="0" smtClean="0"/>
+                <a:t>FAM</a:t>
+              </a:r>
+              <a:endParaRPr lang="en-CA" sz="1600" dirty="0"/>
+            </a:p>
+          </p:txBody>
+        </p:sp>
+        <p:sp>
+          <p:nvSpPr>
+            <p:cNvPr id="24" name="TextBox 23"/>
+            <p:cNvSpPr txBox="1"/>
+            <p:nvPr/>
+          </p:nvSpPr>
+          <p:spPr>
+            <a:xfrm>
+              <a:off x="6393519" y="5867782"/>
+              <a:ext cx="573094" cy="338554"/>
+            </a:xfrm>
+            <a:prstGeom prst="rect">
+              <a:avLst/>
+            </a:prstGeom>
+            <a:noFill/>
+          </p:spPr>
+          <p:txBody>
+            <a:bodyPr wrap="none" rtlCol="0">
+              <a:spAutoFit/>
+            </a:bodyPr>
+            <a:lstStyle/>
+            <a:p>
+              <a:r>
+                <a:rPr lang="en-CA" sz="1600" dirty="0" smtClean="0"/>
+                <a:t>FAM</a:t>
+              </a:r>
+              <a:endParaRPr lang="en-CA" sz="1600" dirty="0"/>
+            </a:p>
+          </p:txBody>
+        </p:sp>
+      </p:grpSp>
+      <p:sp>
+        <p:nvSpPr>
+          <p:cNvPr id="25" name="TextBox 24"/>
+          <p:cNvSpPr txBox="1"/>
+          <p:nvPr/>
+        </p:nvSpPr>
         <p:spPr>
           <a:xfrm>
-            <a:off x="66339" y="542572"/>
-            <a:ext cx="2036234" cy="2064994"/>
-          </a:xfrm>
-          <a:prstGeom prst="rect">
-            <a:avLst/>
-          </a:prstGeom>
-        </p:spPr>
-      </p:pic>
-      <p:pic>
-        <p:nvPicPr>
-          <p:cNvPr id="10" name="Picture 9" descr="Screen Shot 2018-09-13 at 4.44.32 PM.png"/>
-          <p:cNvPicPr>
-            <a:picLocks noChangeAspect="1"/>
-          </p:cNvPicPr>
-          <p:nvPr/>
-        </p:nvPicPr>
-        <p:blipFill>
-          <a:blip r:embed="rId4">
-            <a:extLst>
-              <a:ext uri="{28A0092B-C50C-407E-A947-70E740481C1C}">
-                <a14:useLocalDpi xmlns:a14="http://schemas.microsoft.com/office/drawing/2010/main" val="0"/>
-              </a:ext>
-            </a:extLst>
-          </a:blip>
-          <a:stretch>
-            <a:fillRect/>
-          </a:stretch>
-        </p:blipFill>
-        <p:spPr>
-          <a:xfrm>
-            <a:off x="2275434" y="522111"/>
-            <a:ext cx="2082578" cy="2088444"/>
-          </a:xfrm>
-          <a:prstGeom prst="rect">
-            <a:avLst/>
-          </a:prstGeom>
-        </p:spPr>
-      </p:pic>
-      <p:pic>
-        <p:nvPicPr>
-          <p:cNvPr id="11" name="Picture 10" descr="Screen Shot 2018-09-13 at 4.44.54 PM.png"/>
-          <p:cNvPicPr>
-            <a:picLocks noChangeAspect="1"/>
-          </p:cNvPicPr>
-          <p:nvPr/>
-        </p:nvPicPr>
-        <p:blipFill>
-          <a:blip r:embed="rId5">
-            <a:extLst>
-              <a:ext uri="{28A0092B-C50C-407E-A947-70E740481C1C}">
-                <a14:useLocalDpi xmlns:a14="http://schemas.microsoft.com/office/drawing/2010/main" val="0"/>
-              </a:ext>
-            </a:extLst>
-          </a:blip>
-          <a:stretch>
-            <a:fillRect/>
-          </a:stretch>
-        </p:blipFill>
-        <p:spPr>
-          <a:xfrm>
-            <a:off x="6791678" y="564447"/>
-            <a:ext cx="2055989" cy="2061813"/>
-          </a:xfrm>
-          <a:prstGeom prst="rect">
-            <a:avLst/>
-          </a:prstGeom>
-        </p:spPr>
-      </p:pic>
-      <p:pic>
-        <p:nvPicPr>
-          <p:cNvPr id="12" name="Picture 11" descr="Screen Shot 2018-09-13 at 4.49.01 PM.png"/>
-          <p:cNvPicPr>
-            <a:picLocks noChangeAspect="1"/>
-          </p:cNvPicPr>
-          <p:nvPr/>
-        </p:nvPicPr>
-        <p:blipFill>
-          <a:blip r:embed="rId6">
-            <a:extLst>
-              <a:ext uri="{28A0092B-C50C-407E-A947-70E740481C1C}">
-                <a14:useLocalDpi xmlns:a14="http://schemas.microsoft.com/office/drawing/2010/main" val="0"/>
-              </a:ext>
-            </a:extLst>
-          </a:blip>
-          <a:stretch>
-            <a:fillRect/>
-          </a:stretch>
-        </p:blipFill>
-        <p:spPr>
-          <a:xfrm>
-            <a:off x="6716412" y="3019777"/>
-            <a:ext cx="2427588" cy="2461684"/>
-          </a:xfrm>
-          <a:prstGeom prst="rect">
-            <a:avLst/>
-          </a:prstGeom>
-        </p:spPr>
-      </p:pic>
-      <p:pic>
-        <p:nvPicPr>
-          <p:cNvPr id="13" name="Picture 12" descr="Screen Shot 2018-09-13 at 4.48.44 PM.png"/>
-          <p:cNvPicPr>
-            <a:picLocks noChangeAspect="1"/>
-          </p:cNvPicPr>
-          <p:nvPr/>
-        </p:nvPicPr>
-        <p:blipFill>
-          <a:blip r:embed="rId7">
-            <a:extLst>
-              <a:ext uri="{28A0092B-C50C-407E-A947-70E740481C1C}">
-                <a14:useLocalDpi xmlns:a14="http://schemas.microsoft.com/office/drawing/2010/main" val="0"/>
-              </a:ext>
-            </a:extLst>
-          </a:blip>
-          <a:stretch>
-            <a:fillRect/>
-          </a:stretch>
-        </p:blipFill>
-        <p:spPr>
-          <a:xfrm>
-            <a:off x="2237910" y="3033888"/>
-            <a:ext cx="2275545" cy="2314223"/>
-          </a:xfrm>
-          <a:prstGeom prst="rect">
-            <a:avLst/>
-          </a:prstGeom>
-        </p:spPr>
-      </p:pic>
-      <p:pic>
-        <p:nvPicPr>
-          <p:cNvPr id="14" name="Picture 13" descr="Screen Shot 2018-09-13 at 4.48.16 PM.png"/>
-          <p:cNvPicPr>
-            <a:picLocks noChangeAspect="1"/>
-          </p:cNvPicPr>
-          <p:nvPr/>
-        </p:nvPicPr>
-        <p:blipFill>
-          <a:blip r:embed="rId8">
-            <a:extLst>
-              <a:ext uri="{28A0092B-C50C-407E-A947-70E740481C1C}">
-                <a14:useLocalDpi xmlns:a14="http://schemas.microsoft.com/office/drawing/2010/main" val="0"/>
-              </a:ext>
-            </a:extLst>
-          </a:blip>
-          <a:stretch>
-            <a:fillRect/>
-          </a:stretch>
-        </p:blipFill>
-        <p:spPr>
-          <a:xfrm>
-            <a:off x="27923" y="3076222"/>
-            <a:ext cx="2208704" cy="2259188"/>
-          </a:xfrm>
-          <a:prstGeom prst="rect">
-            <a:avLst/>
-          </a:prstGeom>
-        </p:spPr>
-      </p:pic>
-      <p:pic>
-        <p:nvPicPr>
-          <p:cNvPr id="15" name="Picture 14" descr="Screen Shot 2018-09-13 at 4.47.44 PM.png"/>
-          <p:cNvPicPr>
-            <a:picLocks noChangeAspect="1"/>
-          </p:cNvPicPr>
-          <p:nvPr/>
-        </p:nvPicPr>
-        <p:blipFill>
-          <a:blip r:embed="rId9">
-            <a:extLst>
-              <a:ext uri="{28A0092B-C50C-407E-A947-70E740481C1C}">
-                <a14:useLocalDpi xmlns:a14="http://schemas.microsoft.com/office/drawing/2010/main" val="0"/>
-              </a:ext>
-            </a:extLst>
-          </a:blip>
-          <a:stretch>
-            <a:fillRect/>
-          </a:stretch>
-        </p:blipFill>
-        <p:spPr>
-          <a:xfrm>
-            <a:off x="4445000" y="3016956"/>
-            <a:ext cx="2371617" cy="2345266"/>
-          </a:xfrm>
-          <a:prstGeom prst="rect">
-            <a:avLst/>
-          </a:prstGeom>
-        </p:spPr>
-      </p:pic>
-      <p:sp>
-        <p:nvSpPr>
-          <p:cNvPr id="16" name="TextBox 15"/>
-          <p:cNvSpPr txBox="1"/>
-          <p:nvPr/>
-        </p:nvSpPr>
-        <p:spPr>
-          <a:xfrm>
-            <a:off x="465666" y="6237111"/>
-            <a:ext cx="1390563" cy="369332"/>
+            <a:off x="2154093" y="186781"/>
+            <a:ext cx="1460105" cy="369332"/>
           </a:xfrm>
           <a:prstGeom prst="rect">
             <a:avLst/>
@@ -5332,12 +6209,8 @@
           <a:lstStyle/>
           <a:p>
             <a:r>
-              <a:rPr lang="en-CA" dirty="0" err="1" smtClean="0"/>
-              <a:t>Uncor</a:t>
-            </a:r>
-            <a:r>
               <a:rPr lang="en-CA" dirty="0" smtClean="0"/>
-              <a:t>. 0.001</a:t>
+              <a:t>Posterior STG</a:t>
             </a:r>
             <a:endParaRPr lang="en-CA" dirty="0"/>
           </a:p>
@@ -5346,7 +6219,7 @@
     </p:spTree>
     <p:extLst>
       <p:ext uri="{BB962C8B-B14F-4D97-AF65-F5344CB8AC3E}">
-        <p14:creationId xmlns:p14="http://schemas.microsoft.com/office/powerpoint/2010/main" val="1561139606"/>
+        <p14:creationId xmlns:p14="http://schemas.microsoft.com/office/powerpoint/2010/main" val="2159884338"/>
       </p:ext>
     </p:extLst>
   </p:cSld>
@@ -5356,334 +6229,1547 @@
   <p:timing>
     <p:tnLst>
       <p:par>
-        <p:cTn id="1" dur="indefinite" restart="never" nodeType="tmRoot">
-          <p:childTnLst>
-            <p:seq concurrent="1" nextAc="seek">
-              <p:cTn id="2" dur="indefinite" nodeType="mainSeq">
-                <p:childTnLst>
-                  <p:par>
-                    <p:cTn id="3" fill="hold">
-                      <p:stCondLst>
-                        <p:cond delay="indefinite"/>
-                      </p:stCondLst>
-                      <p:childTnLst>
-                        <p:par>
-                          <p:cTn id="4" fill="hold">
-                            <p:stCondLst>
-                              <p:cond delay="0"/>
-                            </p:stCondLst>
-                            <p:childTnLst>
-                              <p:par>
-                                <p:cTn id="5" presetID="1" presetClass="entr" presetSubtype="0" fill="hold" grpId="0" nodeType="clickEffect">
-                                  <p:stCondLst>
-                                    <p:cond delay="0"/>
-                                  </p:stCondLst>
-                                  <p:childTnLst>
-                                    <p:set>
-                                      <p:cBhvr>
-                                        <p:cTn id="6" dur="1" fill="hold">
-                                          <p:stCondLst>
-                                            <p:cond delay="0"/>
-                                          </p:stCondLst>
-                                        </p:cTn>
-                                        <p:tgtEl>
-                                          <p:spTgt spid="6"/>
-                                        </p:tgtEl>
-                                        <p:attrNameLst>
-                                          <p:attrName>style.visibility</p:attrName>
-                                        </p:attrNameLst>
-                                      </p:cBhvr>
-                                      <p:to>
-                                        <p:strVal val="visible"/>
-                                      </p:to>
-                                    </p:set>
-                                  </p:childTnLst>
-                                </p:cTn>
-                              </p:par>
-                              <p:par>
-                                <p:cTn id="7" presetID="1" presetClass="entr" presetSubtype="0" fill="hold" nodeType="withEffect">
-                                  <p:stCondLst>
-                                    <p:cond delay="0"/>
-                                  </p:stCondLst>
-                                  <p:childTnLst>
-                                    <p:set>
-                                      <p:cBhvr>
-                                        <p:cTn id="8" dur="1" fill="hold">
-                                          <p:stCondLst>
-                                            <p:cond delay="0"/>
-                                          </p:stCondLst>
-                                        </p:cTn>
-                                        <p:tgtEl>
-                                          <p:spTgt spid="10"/>
-                                        </p:tgtEl>
-                                        <p:attrNameLst>
-                                          <p:attrName>style.visibility</p:attrName>
-                                        </p:attrNameLst>
-                                      </p:cBhvr>
-                                      <p:to>
-                                        <p:strVal val="visible"/>
-                                      </p:to>
-                                    </p:set>
-                                  </p:childTnLst>
-                                </p:cTn>
-                              </p:par>
-                              <p:par>
-                                <p:cTn id="9" presetID="1" presetClass="entr" presetSubtype="0" fill="hold" nodeType="withEffect">
-                                  <p:stCondLst>
-                                    <p:cond delay="0"/>
-                                  </p:stCondLst>
-                                  <p:childTnLst>
-                                    <p:set>
-                                      <p:cBhvr>
-                                        <p:cTn id="10" dur="1" fill="hold">
-                                          <p:stCondLst>
-                                            <p:cond delay="0"/>
-                                          </p:stCondLst>
-                                        </p:cTn>
-                                        <p:tgtEl>
-                                          <p:spTgt spid="13"/>
-                                        </p:tgtEl>
-                                        <p:attrNameLst>
-                                          <p:attrName>style.visibility</p:attrName>
-                                        </p:attrNameLst>
-                                      </p:cBhvr>
-                                      <p:to>
-                                        <p:strVal val="visible"/>
-                                      </p:to>
-                                    </p:set>
-                                  </p:childTnLst>
-                                </p:cTn>
-                              </p:par>
-                            </p:childTnLst>
-                          </p:cTn>
-                        </p:par>
-                      </p:childTnLst>
-                    </p:cTn>
-                  </p:par>
-                  <p:par>
-                    <p:cTn id="11" fill="hold">
-                      <p:stCondLst>
-                        <p:cond delay="indefinite"/>
-                      </p:stCondLst>
-                      <p:childTnLst>
-                        <p:par>
-                          <p:cTn id="12" fill="hold">
-                            <p:stCondLst>
-                              <p:cond delay="0"/>
-                            </p:stCondLst>
-                            <p:childTnLst>
-                              <p:par>
-                                <p:cTn id="13" presetID="1" presetClass="entr" presetSubtype="0" fill="hold" nodeType="clickEffect">
-                                  <p:stCondLst>
-                                    <p:cond delay="0"/>
-                                  </p:stCondLst>
-                                  <p:childTnLst>
-                                    <p:set>
-                                      <p:cBhvr>
-                                        <p:cTn id="14" dur="1" fill="hold">
-                                          <p:stCondLst>
-                                            <p:cond delay="0"/>
-                                          </p:stCondLst>
-                                        </p:cTn>
-                                        <p:tgtEl>
-                                          <p:spTgt spid="8"/>
-                                        </p:tgtEl>
-                                        <p:attrNameLst>
-                                          <p:attrName>style.visibility</p:attrName>
-                                        </p:attrNameLst>
-                                      </p:cBhvr>
-                                      <p:to>
-                                        <p:strVal val="visible"/>
-                                      </p:to>
-                                    </p:set>
-                                  </p:childTnLst>
-                                </p:cTn>
-                              </p:par>
-                              <p:par>
-                                <p:cTn id="15" presetID="1" presetClass="entr" presetSubtype="0" fill="hold" grpId="0" nodeType="withEffect">
-                                  <p:stCondLst>
-                                    <p:cond delay="0"/>
-                                  </p:stCondLst>
-                                  <p:childTnLst>
-                                    <p:set>
-                                      <p:cBhvr>
-                                        <p:cTn id="16" dur="1" fill="hold">
-                                          <p:stCondLst>
-                                            <p:cond delay="0"/>
-                                          </p:stCondLst>
-                                        </p:cTn>
-                                        <p:tgtEl>
-                                          <p:spTgt spid="4"/>
-                                        </p:tgtEl>
-                                        <p:attrNameLst>
-                                          <p:attrName>style.visibility</p:attrName>
-                                        </p:attrNameLst>
-                                      </p:cBhvr>
-                                      <p:to>
-                                        <p:strVal val="visible"/>
-                                      </p:to>
-                                    </p:set>
-                                  </p:childTnLst>
-                                </p:cTn>
-                              </p:par>
-                              <p:par>
-                                <p:cTn id="17" presetID="1" presetClass="entr" presetSubtype="0" fill="hold" nodeType="withEffect">
-                                  <p:stCondLst>
-                                    <p:cond delay="0"/>
-                                  </p:stCondLst>
-                                  <p:childTnLst>
-                                    <p:set>
-                                      <p:cBhvr>
-                                        <p:cTn id="18" dur="1" fill="hold">
-                                          <p:stCondLst>
-                                            <p:cond delay="0"/>
-                                          </p:stCondLst>
-                                        </p:cTn>
-                                        <p:tgtEl>
-                                          <p:spTgt spid="15"/>
-                                        </p:tgtEl>
-                                        <p:attrNameLst>
-                                          <p:attrName>style.visibility</p:attrName>
-                                        </p:attrNameLst>
-                                      </p:cBhvr>
-                                      <p:to>
-                                        <p:strVal val="visible"/>
-                                      </p:to>
-                                    </p:set>
-                                  </p:childTnLst>
-                                </p:cTn>
-                              </p:par>
-                            </p:childTnLst>
-                          </p:cTn>
-                        </p:par>
-                      </p:childTnLst>
-                    </p:cTn>
-                  </p:par>
-                  <p:par>
-                    <p:cTn id="19" fill="hold">
-                      <p:stCondLst>
-                        <p:cond delay="indefinite"/>
-                      </p:stCondLst>
-                      <p:childTnLst>
-                        <p:par>
-                          <p:cTn id="20" fill="hold">
-                            <p:stCondLst>
-                              <p:cond delay="0"/>
-                            </p:stCondLst>
-                            <p:childTnLst>
-                              <p:par>
-                                <p:cTn id="21" presetID="1" presetClass="entr" presetSubtype="0" fill="hold" grpId="0" nodeType="clickEffect">
-                                  <p:stCondLst>
-                                    <p:cond delay="0"/>
-                                  </p:stCondLst>
-                                  <p:childTnLst>
-                                    <p:set>
-                                      <p:cBhvr>
-                                        <p:cTn id="22" dur="1" fill="hold">
-                                          <p:stCondLst>
-                                            <p:cond delay="0"/>
-                                          </p:stCondLst>
-                                        </p:cTn>
-                                        <p:tgtEl>
-                                          <p:spTgt spid="7"/>
-                                        </p:tgtEl>
-                                        <p:attrNameLst>
-                                          <p:attrName>style.visibility</p:attrName>
-                                        </p:attrNameLst>
-                                      </p:cBhvr>
-                                      <p:to>
-                                        <p:strVal val="visible"/>
-                                      </p:to>
-                                    </p:set>
-                                  </p:childTnLst>
-                                </p:cTn>
-                              </p:par>
-                              <p:par>
-                                <p:cTn id="23" presetID="1" presetClass="entr" presetSubtype="0" fill="hold" nodeType="withEffect">
-                                  <p:stCondLst>
-                                    <p:cond delay="0"/>
-                                  </p:stCondLst>
-                                  <p:childTnLst>
-                                    <p:set>
-                                      <p:cBhvr>
-                                        <p:cTn id="24" dur="1" fill="hold">
-                                          <p:stCondLst>
-                                            <p:cond delay="0"/>
-                                          </p:stCondLst>
-                                        </p:cTn>
-                                        <p:tgtEl>
-                                          <p:spTgt spid="11"/>
-                                        </p:tgtEl>
-                                        <p:attrNameLst>
-                                          <p:attrName>style.visibility</p:attrName>
-                                        </p:attrNameLst>
-                                      </p:cBhvr>
-                                      <p:to>
-                                        <p:strVal val="visible"/>
-                                      </p:to>
-                                    </p:set>
-                                  </p:childTnLst>
-                                </p:cTn>
-                              </p:par>
-                              <p:par>
-                                <p:cTn id="25" presetID="1" presetClass="entr" presetSubtype="0" fill="hold" nodeType="withEffect">
-                                  <p:stCondLst>
-                                    <p:cond delay="0"/>
-                                  </p:stCondLst>
-                                  <p:childTnLst>
-                                    <p:set>
-                                      <p:cBhvr>
-                                        <p:cTn id="26" dur="1" fill="hold">
-                                          <p:stCondLst>
-                                            <p:cond delay="0"/>
-                                          </p:stCondLst>
-                                        </p:cTn>
-                                        <p:tgtEl>
-                                          <p:spTgt spid="12"/>
-                                        </p:tgtEl>
-                                        <p:attrNameLst>
-                                          <p:attrName>style.visibility</p:attrName>
-                                        </p:attrNameLst>
-                                      </p:cBhvr>
-                                      <p:to>
-                                        <p:strVal val="visible"/>
-                                      </p:to>
-                                    </p:set>
-                                  </p:childTnLst>
-                                </p:cTn>
-                              </p:par>
-                            </p:childTnLst>
-                          </p:cTn>
-                        </p:par>
-                      </p:childTnLst>
-                    </p:cTn>
-                  </p:par>
-                </p:childTnLst>
-              </p:cTn>
-              <p:prevCondLst>
-                <p:cond evt="onPrev" delay="0">
-                  <p:tgtEl>
-                    <p:sldTgt/>
-                  </p:tgtEl>
-                </p:cond>
-              </p:prevCondLst>
-              <p:nextCondLst>
-                <p:cond evt="onNext" delay="0">
-                  <p:tgtEl>
-                    <p:sldTgt/>
-                  </p:tgtEl>
-                </p:cond>
-              </p:nextCondLst>
-            </p:seq>
-          </p:childTnLst>
-        </p:cTn>
+        <p:cTn xmlns:p14="http://schemas.microsoft.com/office/powerpoint/2010/main" id="1" dur="indefinite" restart="never" nodeType="tmRoot"/>
       </p:par>
     </p:tnLst>
-    <p:bldLst>
-      <p:bldP spid="4" grpId="0"/>
-      <p:bldP spid="6" grpId="0"/>
-      <p:bldP spid="7" grpId="0"/>
-    </p:bldLst>
+  </p:timing>
+</p:sld>
+</file>
+
+<file path=ppt/slides/slide12.xml><?xml version="1.0" encoding="utf-8"?>
+<p:sld xmlns:a="http://schemas.openxmlformats.org/drawingml/2006/main" xmlns:r="http://schemas.openxmlformats.org/officeDocument/2006/relationships" xmlns:p="http://schemas.openxmlformats.org/presentationml/2006/main">
+  <p:cSld>
+    <p:spTree>
+      <p:nvGrpSpPr>
+        <p:cNvPr id="1" name=""/>
+        <p:cNvGrpSpPr/>
+        <p:nvPr/>
+      </p:nvGrpSpPr>
+      <p:grpSpPr>
+        <a:xfrm>
+          <a:off x="0" y="0"/>
+          <a:ext cx="0" cy="0"/>
+          <a:chOff x="0" y="0"/>
+          <a:chExt cx="0" cy="0"/>
+        </a:xfrm>
+      </p:grpSpPr>
+      <p:pic>
+        <p:nvPicPr>
+          <p:cNvPr id="49" name="Content Placeholder 48" descr="ISCTimecourses_ACC.png"/>
+          <p:cNvPicPr>
+            <a:picLocks noGrp="1" noChangeAspect="1"/>
+          </p:cNvPicPr>
+          <p:nvPr>
+            <p:ph idx="1"/>
+          </p:nvPr>
+        </p:nvPicPr>
+        <p:blipFill>
+          <a:blip r:embed="rId2">
+            <a:extLst>
+              <a:ext uri="{28A0092B-C50C-407E-A947-70E740481C1C}">
+                <a14:useLocalDpi xmlns:a14="http://schemas.microsoft.com/office/drawing/2010/main" val="0"/>
+              </a:ext>
+            </a:extLst>
+          </a:blip>
+          <a:srcRect l="3995" r="3995"/>
+          <a:stretch>
+            <a:fillRect/>
+          </a:stretch>
+        </p:blipFill>
+        <p:spPr>
+          <a:xfrm>
+            <a:off x="-653844" y="953978"/>
+            <a:ext cx="10700904" cy="5904022"/>
+          </a:xfrm>
+        </p:spPr>
+      </p:pic>
+      <p:grpSp>
+        <p:nvGrpSpPr>
+          <p:cNvPr id="27" name="Group 26"/>
+          <p:cNvGrpSpPr/>
+          <p:nvPr/>
+        </p:nvGrpSpPr>
+        <p:grpSpPr>
+          <a:xfrm>
+            <a:off x="37354" y="594589"/>
+            <a:ext cx="8422533" cy="5636575"/>
+            <a:chOff x="249028" y="594589"/>
+            <a:chExt cx="8422533" cy="5636575"/>
+          </a:xfrm>
+        </p:grpSpPr>
+        <p:sp>
+          <p:nvSpPr>
+            <p:cNvPr id="28" name="TextBox 27"/>
+            <p:cNvSpPr txBox="1"/>
+            <p:nvPr/>
+          </p:nvSpPr>
+          <p:spPr>
+            <a:xfrm>
+              <a:off x="311286" y="1291907"/>
+              <a:ext cx="290727" cy="369332"/>
+            </a:xfrm>
+            <a:prstGeom prst="rect">
+              <a:avLst/>
+            </a:prstGeom>
+            <a:noFill/>
+          </p:spPr>
+          <p:txBody>
+            <a:bodyPr wrap="none" rtlCol="0">
+              <a:spAutoFit/>
+            </a:bodyPr>
+            <a:lstStyle/>
+            <a:p>
+              <a:r>
+                <a:rPr lang="en-CA" dirty="0" smtClean="0"/>
+                <a:t>S</a:t>
+              </a:r>
+            </a:p>
+          </p:txBody>
+        </p:sp>
+        <p:sp>
+          <p:nvSpPr>
+            <p:cNvPr id="29" name="TextBox 28"/>
+            <p:cNvSpPr txBox="1"/>
+            <p:nvPr/>
+          </p:nvSpPr>
+          <p:spPr>
+            <a:xfrm>
+              <a:off x="314269" y="1867679"/>
+              <a:ext cx="290727" cy="369332"/>
+            </a:xfrm>
+            <a:prstGeom prst="rect">
+              <a:avLst/>
+            </a:prstGeom>
+            <a:noFill/>
+          </p:spPr>
+          <p:txBody>
+            <a:bodyPr wrap="none" rtlCol="0">
+              <a:spAutoFit/>
+            </a:bodyPr>
+            <a:lstStyle/>
+            <a:p>
+              <a:r>
+                <a:rPr lang="en-CA" dirty="0" smtClean="0"/>
+                <a:t>S</a:t>
+              </a:r>
+            </a:p>
+          </p:txBody>
+        </p:sp>
+        <p:sp>
+          <p:nvSpPr>
+            <p:cNvPr id="30" name="TextBox 29"/>
+            <p:cNvSpPr txBox="1"/>
+            <p:nvPr/>
+          </p:nvSpPr>
+          <p:spPr>
+            <a:xfrm>
+              <a:off x="301817" y="2502736"/>
+              <a:ext cx="318229" cy="369332"/>
+            </a:xfrm>
+            <a:prstGeom prst="rect">
+              <a:avLst/>
+            </a:prstGeom>
+            <a:noFill/>
+          </p:spPr>
+          <p:txBody>
+            <a:bodyPr wrap="none" rtlCol="0">
+              <a:spAutoFit/>
+            </a:bodyPr>
+            <a:lstStyle/>
+            <a:p>
+              <a:r>
+                <a:rPr lang="en-CA" dirty="0" smtClean="0"/>
+                <a:t>A</a:t>
+              </a:r>
+            </a:p>
+          </p:txBody>
+        </p:sp>
+        <p:sp>
+          <p:nvSpPr>
+            <p:cNvPr id="31" name="TextBox 30"/>
+            <p:cNvSpPr txBox="1"/>
+            <p:nvPr/>
+          </p:nvSpPr>
+          <p:spPr>
+            <a:xfrm>
+              <a:off x="314267" y="3187602"/>
+              <a:ext cx="318229" cy="369332"/>
+            </a:xfrm>
+            <a:prstGeom prst="rect">
+              <a:avLst/>
+            </a:prstGeom>
+            <a:noFill/>
+          </p:spPr>
+          <p:txBody>
+            <a:bodyPr wrap="none" rtlCol="0">
+              <a:spAutoFit/>
+            </a:bodyPr>
+            <a:lstStyle/>
+            <a:p>
+              <a:r>
+                <a:rPr lang="en-CA" dirty="0" smtClean="0"/>
+                <a:t>A</a:t>
+              </a:r>
+            </a:p>
+          </p:txBody>
+        </p:sp>
+        <p:sp>
+          <p:nvSpPr>
+            <p:cNvPr id="32" name="TextBox 31"/>
+            <p:cNvSpPr txBox="1"/>
+            <p:nvPr/>
+          </p:nvSpPr>
+          <p:spPr>
+            <a:xfrm>
+              <a:off x="289365" y="3835112"/>
+              <a:ext cx="242825" cy="369332"/>
+            </a:xfrm>
+            <a:prstGeom prst="rect">
+              <a:avLst/>
+            </a:prstGeom>
+            <a:noFill/>
+          </p:spPr>
+          <p:txBody>
+            <a:bodyPr wrap="none" rtlCol="0">
+              <a:spAutoFit/>
+            </a:bodyPr>
+            <a:lstStyle/>
+            <a:p>
+              <a:r>
+                <a:rPr lang="en-CA" dirty="0" smtClean="0"/>
+                <a:t>I</a:t>
+              </a:r>
+            </a:p>
+          </p:txBody>
+        </p:sp>
+        <p:sp>
+          <p:nvSpPr>
+            <p:cNvPr id="33" name="TextBox 32"/>
+            <p:cNvSpPr txBox="1"/>
+            <p:nvPr/>
+          </p:nvSpPr>
+          <p:spPr>
+            <a:xfrm>
+              <a:off x="298833" y="4504552"/>
+              <a:ext cx="242825" cy="369332"/>
+            </a:xfrm>
+            <a:prstGeom prst="rect">
+              <a:avLst/>
+            </a:prstGeom>
+            <a:noFill/>
+          </p:spPr>
+          <p:txBody>
+            <a:bodyPr wrap="none" rtlCol="0">
+              <a:spAutoFit/>
+            </a:bodyPr>
+            <a:lstStyle/>
+            <a:p>
+              <a:r>
+                <a:rPr lang="en-CA" dirty="0"/>
+                <a:t>I</a:t>
+              </a:r>
+              <a:endParaRPr lang="en-CA" dirty="0" smtClean="0"/>
+            </a:p>
+          </p:txBody>
+        </p:sp>
+        <p:sp>
+          <p:nvSpPr>
+            <p:cNvPr id="34" name="TextBox 33"/>
+            <p:cNvSpPr txBox="1"/>
+            <p:nvPr/>
+          </p:nvSpPr>
+          <p:spPr>
+            <a:xfrm>
+              <a:off x="249028" y="5189418"/>
+              <a:ext cx="390026" cy="369332"/>
+            </a:xfrm>
+            <a:prstGeom prst="rect">
+              <a:avLst/>
+            </a:prstGeom>
+            <a:noFill/>
+          </p:spPr>
+          <p:txBody>
+            <a:bodyPr wrap="none" rtlCol="0">
+              <a:spAutoFit/>
+            </a:bodyPr>
+            <a:lstStyle/>
+            <a:p>
+              <a:r>
+                <a:rPr lang="en-CA" dirty="0" smtClean="0"/>
+                <a:t>W</a:t>
+              </a:r>
+            </a:p>
+          </p:txBody>
+        </p:sp>
+        <p:sp>
+          <p:nvSpPr>
+            <p:cNvPr id="35" name="TextBox 34"/>
+            <p:cNvSpPr txBox="1"/>
+            <p:nvPr/>
+          </p:nvSpPr>
+          <p:spPr>
+            <a:xfrm>
+              <a:off x="286383" y="5861832"/>
+              <a:ext cx="390026" cy="369332"/>
+            </a:xfrm>
+            <a:prstGeom prst="rect">
+              <a:avLst/>
+            </a:prstGeom>
+            <a:noFill/>
+          </p:spPr>
+          <p:txBody>
+            <a:bodyPr wrap="none" rtlCol="0">
+              <a:spAutoFit/>
+            </a:bodyPr>
+            <a:lstStyle/>
+            <a:p>
+              <a:r>
+                <a:rPr lang="en-CA" dirty="0"/>
+                <a:t>W</a:t>
+              </a:r>
+              <a:endParaRPr lang="en-CA" dirty="0" smtClean="0"/>
+            </a:p>
+          </p:txBody>
+        </p:sp>
+        <p:sp>
+          <p:nvSpPr>
+            <p:cNvPr id="36" name="TextBox 35"/>
+            <p:cNvSpPr txBox="1"/>
+            <p:nvPr/>
+          </p:nvSpPr>
+          <p:spPr>
+            <a:xfrm>
+              <a:off x="1133077" y="694206"/>
+              <a:ext cx="1051302" cy="369332"/>
+            </a:xfrm>
+            <a:prstGeom prst="rect">
+              <a:avLst/>
+            </a:prstGeom>
+            <a:noFill/>
+          </p:spPr>
+          <p:txBody>
+            <a:bodyPr wrap="none" rtlCol="0">
+              <a:spAutoFit/>
+            </a:bodyPr>
+            <a:lstStyle/>
+            <a:p>
+              <a:r>
+                <a:rPr lang="en-CA" dirty="0" smtClean="0"/>
+                <a:t>Session 1</a:t>
+              </a:r>
+              <a:endParaRPr lang="en-CA" dirty="0"/>
+            </a:p>
+          </p:txBody>
+        </p:sp>
+        <p:sp>
+          <p:nvSpPr>
+            <p:cNvPr id="37" name="TextBox 36"/>
+            <p:cNvSpPr txBox="1"/>
+            <p:nvPr/>
+          </p:nvSpPr>
+          <p:spPr>
+            <a:xfrm>
+              <a:off x="4320638" y="594589"/>
+              <a:ext cx="1051302" cy="646331"/>
+            </a:xfrm>
+            <a:prstGeom prst="rect">
+              <a:avLst/>
+            </a:prstGeom>
+            <a:noFill/>
+          </p:spPr>
+          <p:txBody>
+            <a:bodyPr wrap="none" rtlCol="0">
+              <a:spAutoFit/>
+            </a:bodyPr>
+            <a:lstStyle/>
+            <a:p>
+              <a:r>
+                <a:rPr lang="en-CA" dirty="0" smtClean="0"/>
+                <a:t>Session 2 </a:t>
+              </a:r>
+            </a:p>
+            <a:p>
+              <a:r>
+                <a:rPr lang="en-CA" dirty="0" smtClean="0"/>
+                <a:t>Group A</a:t>
+              </a:r>
+              <a:endParaRPr lang="en-CA" dirty="0"/>
+            </a:p>
+          </p:txBody>
+        </p:sp>
+        <p:sp>
+          <p:nvSpPr>
+            <p:cNvPr id="38" name="TextBox 37"/>
+            <p:cNvSpPr txBox="1"/>
+            <p:nvPr/>
+          </p:nvSpPr>
+          <p:spPr>
+            <a:xfrm>
+              <a:off x="7620259" y="594589"/>
+              <a:ext cx="1051302" cy="646331"/>
+            </a:xfrm>
+            <a:prstGeom prst="rect">
+              <a:avLst/>
+            </a:prstGeom>
+            <a:noFill/>
+          </p:spPr>
+          <p:txBody>
+            <a:bodyPr wrap="none" rtlCol="0">
+              <a:spAutoFit/>
+            </a:bodyPr>
+            <a:lstStyle/>
+            <a:p>
+              <a:r>
+                <a:rPr lang="en-CA" dirty="0" smtClean="0"/>
+                <a:t>Session 2 </a:t>
+              </a:r>
+            </a:p>
+            <a:p>
+              <a:r>
+                <a:rPr lang="en-CA" dirty="0" smtClean="0"/>
+                <a:t>Group B</a:t>
+              </a:r>
+              <a:endParaRPr lang="en-CA" dirty="0"/>
+            </a:p>
+          </p:txBody>
+        </p:sp>
+        <p:sp>
+          <p:nvSpPr>
+            <p:cNvPr id="39" name="TextBox 38"/>
+            <p:cNvSpPr txBox="1"/>
+            <p:nvPr/>
+          </p:nvSpPr>
+          <p:spPr>
+            <a:xfrm>
+              <a:off x="3224914" y="1478688"/>
+              <a:ext cx="573094" cy="338554"/>
+            </a:xfrm>
+            <a:prstGeom prst="rect">
+              <a:avLst/>
+            </a:prstGeom>
+            <a:noFill/>
+          </p:spPr>
+          <p:txBody>
+            <a:bodyPr wrap="none" rtlCol="0">
+              <a:spAutoFit/>
+            </a:bodyPr>
+            <a:lstStyle/>
+            <a:p>
+              <a:r>
+                <a:rPr lang="en-CA" sz="1600" dirty="0" smtClean="0"/>
+                <a:t>FAM</a:t>
+              </a:r>
+              <a:endParaRPr lang="en-CA" sz="1600" dirty="0"/>
+            </a:p>
+          </p:txBody>
+        </p:sp>
+        <p:sp>
+          <p:nvSpPr>
+            <p:cNvPr id="40" name="TextBox 39"/>
+            <p:cNvSpPr txBox="1"/>
+            <p:nvPr/>
+          </p:nvSpPr>
+          <p:spPr>
+            <a:xfrm>
+              <a:off x="3277703" y="2664613"/>
+              <a:ext cx="573094" cy="338554"/>
+            </a:xfrm>
+            <a:prstGeom prst="rect">
+              <a:avLst/>
+            </a:prstGeom>
+            <a:noFill/>
+          </p:spPr>
+          <p:txBody>
+            <a:bodyPr wrap="none" rtlCol="0">
+              <a:spAutoFit/>
+            </a:bodyPr>
+            <a:lstStyle/>
+            <a:p>
+              <a:r>
+                <a:rPr lang="en-CA" sz="1600" dirty="0" smtClean="0"/>
+                <a:t>FAM</a:t>
+              </a:r>
+              <a:endParaRPr lang="en-CA" sz="1600" dirty="0"/>
+            </a:p>
+          </p:txBody>
+        </p:sp>
+        <p:sp>
+          <p:nvSpPr>
+            <p:cNvPr id="41" name="TextBox 40"/>
+            <p:cNvSpPr txBox="1"/>
+            <p:nvPr/>
+          </p:nvSpPr>
+          <p:spPr>
+            <a:xfrm>
+              <a:off x="3252798" y="3947180"/>
+              <a:ext cx="573094" cy="338554"/>
+            </a:xfrm>
+            <a:prstGeom prst="rect">
+              <a:avLst/>
+            </a:prstGeom>
+            <a:noFill/>
+          </p:spPr>
+          <p:txBody>
+            <a:bodyPr wrap="none" rtlCol="0">
+              <a:spAutoFit/>
+            </a:bodyPr>
+            <a:lstStyle/>
+            <a:p>
+              <a:r>
+                <a:rPr lang="en-CA" sz="1600" dirty="0" smtClean="0"/>
+                <a:t>FAM</a:t>
+              </a:r>
+              <a:endParaRPr lang="en-CA" sz="1600" dirty="0"/>
+            </a:p>
+          </p:txBody>
+        </p:sp>
+        <p:sp>
+          <p:nvSpPr>
+            <p:cNvPr id="42" name="TextBox 41"/>
+            <p:cNvSpPr txBox="1"/>
+            <p:nvPr/>
+          </p:nvSpPr>
+          <p:spPr>
+            <a:xfrm>
+              <a:off x="3265248" y="5217296"/>
+              <a:ext cx="573094" cy="338554"/>
+            </a:xfrm>
+            <a:prstGeom prst="rect">
+              <a:avLst/>
+            </a:prstGeom>
+            <a:noFill/>
+          </p:spPr>
+          <p:txBody>
+            <a:bodyPr wrap="none" rtlCol="0">
+              <a:spAutoFit/>
+            </a:bodyPr>
+            <a:lstStyle/>
+            <a:p>
+              <a:r>
+                <a:rPr lang="en-CA" sz="1600" dirty="0" smtClean="0"/>
+                <a:t>FAM</a:t>
+              </a:r>
+              <a:endParaRPr lang="en-CA" sz="1600" dirty="0"/>
+            </a:p>
+          </p:txBody>
+        </p:sp>
+        <p:sp>
+          <p:nvSpPr>
+            <p:cNvPr id="43" name="TextBox 42"/>
+            <p:cNvSpPr txBox="1"/>
+            <p:nvPr/>
+          </p:nvSpPr>
+          <p:spPr>
+            <a:xfrm>
+              <a:off x="6477699" y="2091817"/>
+              <a:ext cx="573094" cy="338554"/>
+            </a:xfrm>
+            <a:prstGeom prst="rect">
+              <a:avLst/>
+            </a:prstGeom>
+            <a:noFill/>
+          </p:spPr>
+          <p:txBody>
+            <a:bodyPr wrap="none" rtlCol="0">
+              <a:spAutoFit/>
+            </a:bodyPr>
+            <a:lstStyle/>
+            <a:p>
+              <a:r>
+                <a:rPr lang="en-CA" sz="1600" dirty="0" smtClean="0"/>
+                <a:t>FAM</a:t>
+              </a:r>
+              <a:endParaRPr lang="en-CA" sz="1600" dirty="0"/>
+            </a:p>
+          </p:txBody>
+        </p:sp>
+        <p:sp>
+          <p:nvSpPr>
+            <p:cNvPr id="44" name="TextBox 43"/>
+            <p:cNvSpPr txBox="1"/>
+            <p:nvPr/>
+          </p:nvSpPr>
+          <p:spPr>
+            <a:xfrm>
+              <a:off x="6418425" y="3240386"/>
+              <a:ext cx="573094" cy="338554"/>
+            </a:xfrm>
+            <a:prstGeom prst="rect">
+              <a:avLst/>
+            </a:prstGeom>
+            <a:noFill/>
+          </p:spPr>
+          <p:txBody>
+            <a:bodyPr wrap="none" rtlCol="0">
+              <a:spAutoFit/>
+            </a:bodyPr>
+            <a:lstStyle/>
+            <a:p>
+              <a:r>
+                <a:rPr lang="en-CA" sz="1600" dirty="0" smtClean="0"/>
+                <a:t>FAM</a:t>
+              </a:r>
+              <a:endParaRPr lang="en-CA" sz="1600" dirty="0"/>
+            </a:p>
+          </p:txBody>
+        </p:sp>
+        <p:sp>
+          <p:nvSpPr>
+            <p:cNvPr id="45" name="TextBox 44"/>
+            <p:cNvSpPr txBox="1"/>
+            <p:nvPr/>
+          </p:nvSpPr>
+          <p:spPr>
+            <a:xfrm>
+              <a:off x="6393520" y="4560310"/>
+              <a:ext cx="573094" cy="338554"/>
+            </a:xfrm>
+            <a:prstGeom prst="rect">
+              <a:avLst/>
+            </a:prstGeom>
+            <a:noFill/>
+          </p:spPr>
+          <p:txBody>
+            <a:bodyPr wrap="none" rtlCol="0">
+              <a:spAutoFit/>
+            </a:bodyPr>
+            <a:lstStyle/>
+            <a:p>
+              <a:r>
+                <a:rPr lang="en-CA" sz="1600" dirty="0" smtClean="0"/>
+                <a:t>FAM</a:t>
+              </a:r>
+              <a:endParaRPr lang="en-CA" sz="1600" dirty="0"/>
+            </a:p>
+          </p:txBody>
+        </p:sp>
+        <p:sp>
+          <p:nvSpPr>
+            <p:cNvPr id="46" name="TextBox 45"/>
+            <p:cNvSpPr txBox="1"/>
+            <p:nvPr/>
+          </p:nvSpPr>
+          <p:spPr>
+            <a:xfrm>
+              <a:off x="6393519" y="5867782"/>
+              <a:ext cx="573094" cy="338554"/>
+            </a:xfrm>
+            <a:prstGeom prst="rect">
+              <a:avLst/>
+            </a:prstGeom>
+            <a:noFill/>
+          </p:spPr>
+          <p:txBody>
+            <a:bodyPr wrap="none" rtlCol="0">
+              <a:spAutoFit/>
+            </a:bodyPr>
+            <a:lstStyle/>
+            <a:p>
+              <a:r>
+                <a:rPr lang="en-CA" sz="1600" dirty="0" smtClean="0"/>
+                <a:t>FAM</a:t>
+              </a:r>
+              <a:endParaRPr lang="en-CA" sz="1600" dirty="0"/>
+            </a:p>
+          </p:txBody>
+        </p:sp>
+      </p:grpSp>
+      <p:sp>
+        <p:nvSpPr>
+          <p:cNvPr id="47" name="TextBox 46"/>
+          <p:cNvSpPr txBox="1"/>
+          <p:nvPr/>
+        </p:nvSpPr>
+        <p:spPr>
+          <a:xfrm>
+            <a:off x="2154093" y="186781"/>
+            <a:ext cx="1902497" cy="369332"/>
+          </a:xfrm>
+          <a:prstGeom prst="rect">
+            <a:avLst/>
+          </a:prstGeom>
+          <a:noFill/>
+        </p:spPr>
+        <p:txBody>
+          <a:bodyPr wrap="none" rtlCol="0">
+            <a:spAutoFit/>
+          </a:bodyPr>
+          <a:lstStyle/>
+          <a:p>
+            <a:r>
+              <a:rPr lang="en-CA" dirty="0" smtClean="0"/>
+              <a:t>Anterior Cingulate</a:t>
+            </a:r>
+            <a:endParaRPr lang="en-CA" dirty="0"/>
+          </a:p>
+        </p:txBody>
+      </p:sp>
+    </p:spTree>
+    <p:extLst>
+      <p:ext uri="{BB962C8B-B14F-4D97-AF65-F5344CB8AC3E}">
+        <p14:creationId xmlns:p14="http://schemas.microsoft.com/office/powerpoint/2010/main" val="698160799"/>
+      </p:ext>
+    </p:extLst>
+  </p:cSld>
+  <p:clrMapOvr>
+    <a:masterClrMapping/>
+  </p:clrMapOvr>
+  <p:timing>
+    <p:tnLst>
+      <p:par>
+        <p:cTn xmlns:p14="http://schemas.microsoft.com/office/powerpoint/2010/main" id="1" dur="indefinite" restart="never" nodeType="tmRoot"/>
+      </p:par>
+    </p:tnLst>
+  </p:timing>
+</p:sld>
+</file>
+
+<file path=ppt/slides/slide13.xml><?xml version="1.0" encoding="utf-8"?>
+<p:sld xmlns:a="http://schemas.openxmlformats.org/drawingml/2006/main" xmlns:r="http://schemas.openxmlformats.org/officeDocument/2006/relationships" xmlns:p="http://schemas.openxmlformats.org/presentationml/2006/main">
+  <p:cSld>
+    <p:spTree>
+      <p:nvGrpSpPr>
+        <p:cNvPr id="1" name=""/>
+        <p:cNvGrpSpPr/>
+        <p:nvPr/>
+      </p:nvGrpSpPr>
+      <p:grpSpPr>
+        <a:xfrm>
+          <a:off x="0" y="0"/>
+          <a:ext cx="0" cy="0"/>
+          <a:chOff x="0" y="0"/>
+          <a:chExt cx="0" cy="0"/>
+        </a:xfrm>
+      </p:grpSpPr>
+      <p:pic>
+        <p:nvPicPr>
+          <p:cNvPr id="27" name="Content Placeholder 26" descr="ISCTimecourses_IFG_tri.png"/>
+          <p:cNvPicPr>
+            <a:picLocks noGrp="1" noChangeAspect="1"/>
+          </p:cNvPicPr>
+          <p:nvPr>
+            <p:ph idx="1"/>
+          </p:nvPr>
+        </p:nvPicPr>
+        <p:blipFill>
+          <a:blip r:embed="rId2">
+            <a:extLst>
+              <a:ext uri="{28A0092B-C50C-407E-A947-70E740481C1C}">
+                <a14:useLocalDpi xmlns:a14="http://schemas.microsoft.com/office/drawing/2010/main" val="0"/>
+              </a:ext>
+            </a:extLst>
+          </a:blip>
+          <a:srcRect t="1377" b="1377"/>
+          <a:stretch>
+            <a:fillRect/>
+          </a:stretch>
+        </p:blipFill>
+        <p:spPr>
+          <a:xfrm>
+            <a:off x="-990032" y="841908"/>
+            <a:ext cx="10904028" cy="6016092"/>
+          </a:xfrm>
+        </p:spPr>
+      </p:pic>
+      <p:grpSp>
+        <p:nvGrpSpPr>
+          <p:cNvPr id="5" name="Group 4"/>
+          <p:cNvGrpSpPr/>
+          <p:nvPr/>
+        </p:nvGrpSpPr>
+        <p:grpSpPr>
+          <a:xfrm>
+            <a:off x="37354" y="594589"/>
+            <a:ext cx="8422533" cy="5636575"/>
+            <a:chOff x="249028" y="594589"/>
+            <a:chExt cx="8422533" cy="5636575"/>
+          </a:xfrm>
+        </p:grpSpPr>
+        <p:sp>
+          <p:nvSpPr>
+            <p:cNvPr id="6" name="TextBox 5"/>
+            <p:cNvSpPr txBox="1"/>
+            <p:nvPr/>
+          </p:nvSpPr>
+          <p:spPr>
+            <a:xfrm>
+              <a:off x="311286" y="1291907"/>
+              <a:ext cx="290727" cy="369332"/>
+            </a:xfrm>
+            <a:prstGeom prst="rect">
+              <a:avLst/>
+            </a:prstGeom>
+            <a:noFill/>
+          </p:spPr>
+          <p:txBody>
+            <a:bodyPr wrap="none" rtlCol="0">
+              <a:spAutoFit/>
+            </a:bodyPr>
+            <a:lstStyle/>
+            <a:p>
+              <a:r>
+                <a:rPr lang="en-CA" dirty="0" smtClean="0"/>
+                <a:t>S</a:t>
+              </a:r>
+            </a:p>
+          </p:txBody>
+        </p:sp>
+        <p:sp>
+          <p:nvSpPr>
+            <p:cNvPr id="7" name="TextBox 6"/>
+            <p:cNvSpPr txBox="1"/>
+            <p:nvPr/>
+          </p:nvSpPr>
+          <p:spPr>
+            <a:xfrm>
+              <a:off x="314269" y="1867679"/>
+              <a:ext cx="290727" cy="369332"/>
+            </a:xfrm>
+            <a:prstGeom prst="rect">
+              <a:avLst/>
+            </a:prstGeom>
+            <a:noFill/>
+          </p:spPr>
+          <p:txBody>
+            <a:bodyPr wrap="none" rtlCol="0">
+              <a:spAutoFit/>
+            </a:bodyPr>
+            <a:lstStyle/>
+            <a:p>
+              <a:r>
+                <a:rPr lang="en-CA" dirty="0" smtClean="0"/>
+                <a:t>S</a:t>
+              </a:r>
+            </a:p>
+          </p:txBody>
+        </p:sp>
+        <p:sp>
+          <p:nvSpPr>
+            <p:cNvPr id="8" name="TextBox 7"/>
+            <p:cNvSpPr txBox="1"/>
+            <p:nvPr/>
+          </p:nvSpPr>
+          <p:spPr>
+            <a:xfrm>
+              <a:off x="301817" y="2502736"/>
+              <a:ext cx="318229" cy="369332"/>
+            </a:xfrm>
+            <a:prstGeom prst="rect">
+              <a:avLst/>
+            </a:prstGeom>
+            <a:noFill/>
+          </p:spPr>
+          <p:txBody>
+            <a:bodyPr wrap="none" rtlCol="0">
+              <a:spAutoFit/>
+            </a:bodyPr>
+            <a:lstStyle/>
+            <a:p>
+              <a:r>
+                <a:rPr lang="en-CA" dirty="0" smtClean="0"/>
+                <a:t>A</a:t>
+              </a:r>
+            </a:p>
+          </p:txBody>
+        </p:sp>
+        <p:sp>
+          <p:nvSpPr>
+            <p:cNvPr id="9" name="TextBox 8"/>
+            <p:cNvSpPr txBox="1"/>
+            <p:nvPr/>
+          </p:nvSpPr>
+          <p:spPr>
+            <a:xfrm>
+              <a:off x="314267" y="3187602"/>
+              <a:ext cx="318229" cy="369332"/>
+            </a:xfrm>
+            <a:prstGeom prst="rect">
+              <a:avLst/>
+            </a:prstGeom>
+            <a:noFill/>
+          </p:spPr>
+          <p:txBody>
+            <a:bodyPr wrap="none" rtlCol="0">
+              <a:spAutoFit/>
+            </a:bodyPr>
+            <a:lstStyle/>
+            <a:p>
+              <a:r>
+                <a:rPr lang="en-CA" dirty="0" smtClean="0"/>
+                <a:t>A</a:t>
+              </a:r>
+            </a:p>
+          </p:txBody>
+        </p:sp>
+        <p:sp>
+          <p:nvSpPr>
+            <p:cNvPr id="10" name="TextBox 9"/>
+            <p:cNvSpPr txBox="1"/>
+            <p:nvPr/>
+          </p:nvSpPr>
+          <p:spPr>
+            <a:xfrm>
+              <a:off x="289365" y="3835112"/>
+              <a:ext cx="242825" cy="369332"/>
+            </a:xfrm>
+            <a:prstGeom prst="rect">
+              <a:avLst/>
+            </a:prstGeom>
+            <a:noFill/>
+          </p:spPr>
+          <p:txBody>
+            <a:bodyPr wrap="none" rtlCol="0">
+              <a:spAutoFit/>
+            </a:bodyPr>
+            <a:lstStyle/>
+            <a:p>
+              <a:r>
+                <a:rPr lang="en-CA" dirty="0" smtClean="0"/>
+                <a:t>I</a:t>
+              </a:r>
+            </a:p>
+          </p:txBody>
+        </p:sp>
+        <p:sp>
+          <p:nvSpPr>
+            <p:cNvPr id="11" name="TextBox 10"/>
+            <p:cNvSpPr txBox="1"/>
+            <p:nvPr/>
+          </p:nvSpPr>
+          <p:spPr>
+            <a:xfrm>
+              <a:off x="298833" y="4504552"/>
+              <a:ext cx="242825" cy="369332"/>
+            </a:xfrm>
+            <a:prstGeom prst="rect">
+              <a:avLst/>
+            </a:prstGeom>
+            <a:noFill/>
+          </p:spPr>
+          <p:txBody>
+            <a:bodyPr wrap="none" rtlCol="0">
+              <a:spAutoFit/>
+            </a:bodyPr>
+            <a:lstStyle/>
+            <a:p>
+              <a:r>
+                <a:rPr lang="en-CA" dirty="0"/>
+                <a:t>I</a:t>
+              </a:r>
+              <a:endParaRPr lang="en-CA" dirty="0" smtClean="0"/>
+            </a:p>
+          </p:txBody>
+        </p:sp>
+        <p:sp>
+          <p:nvSpPr>
+            <p:cNvPr id="12" name="TextBox 11"/>
+            <p:cNvSpPr txBox="1"/>
+            <p:nvPr/>
+          </p:nvSpPr>
+          <p:spPr>
+            <a:xfrm>
+              <a:off x="249028" y="5189418"/>
+              <a:ext cx="390026" cy="369332"/>
+            </a:xfrm>
+            <a:prstGeom prst="rect">
+              <a:avLst/>
+            </a:prstGeom>
+            <a:noFill/>
+          </p:spPr>
+          <p:txBody>
+            <a:bodyPr wrap="none" rtlCol="0">
+              <a:spAutoFit/>
+            </a:bodyPr>
+            <a:lstStyle/>
+            <a:p>
+              <a:r>
+                <a:rPr lang="en-CA" dirty="0" smtClean="0"/>
+                <a:t>W</a:t>
+              </a:r>
+            </a:p>
+          </p:txBody>
+        </p:sp>
+        <p:sp>
+          <p:nvSpPr>
+            <p:cNvPr id="13" name="TextBox 12"/>
+            <p:cNvSpPr txBox="1"/>
+            <p:nvPr/>
+          </p:nvSpPr>
+          <p:spPr>
+            <a:xfrm>
+              <a:off x="286383" y="5861832"/>
+              <a:ext cx="390026" cy="369332"/>
+            </a:xfrm>
+            <a:prstGeom prst="rect">
+              <a:avLst/>
+            </a:prstGeom>
+            <a:noFill/>
+          </p:spPr>
+          <p:txBody>
+            <a:bodyPr wrap="none" rtlCol="0">
+              <a:spAutoFit/>
+            </a:bodyPr>
+            <a:lstStyle/>
+            <a:p>
+              <a:r>
+                <a:rPr lang="en-CA" dirty="0"/>
+                <a:t>W</a:t>
+              </a:r>
+              <a:endParaRPr lang="en-CA" dirty="0" smtClean="0"/>
+            </a:p>
+          </p:txBody>
+        </p:sp>
+        <p:sp>
+          <p:nvSpPr>
+            <p:cNvPr id="14" name="TextBox 13"/>
+            <p:cNvSpPr txBox="1"/>
+            <p:nvPr/>
+          </p:nvSpPr>
+          <p:spPr>
+            <a:xfrm>
+              <a:off x="1133077" y="694206"/>
+              <a:ext cx="1051302" cy="369332"/>
+            </a:xfrm>
+            <a:prstGeom prst="rect">
+              <a:avLst/>
+            </a:prstGeom>
+            <a:noFill/>
+          </p:spPr>
+          <p:txBody>
+            <a:bodyPr wrap="none" rtlCol="0">
+              <a:spAutoFit/>
+            </a:bodyPr>
+            <a:lstStyle/>
+            <a:p>
+              <a:r>
+                <a:rPr lang="en-CA" dirty="0" smtClean="0"/>
+                <a:t>Session 1</a:t>
+              </a:r>
+              <a:endParaRPr lang="en-CA" dirty="0"/>
+            </a:p>
+          </p:txBody>
+        </p:sp>
+        <p:sp>
+          <p:nvSpPr>
+            <p:cNvPr id="15" name="TextBox 14"/>
+            <p:cNvSpPr txBox="1"/>
+            <p:nvPr/>
+          </p:nvSpPr>
+          <p:spPr>
+            <a:xfrm>
+              <a:off x="4320638" y="594589"/>
+              <a:ext cx="1051302" cy="646331"/>
+            </a:xfrm>
+            <a:prstGeom prst="rect">
+              <a:avLst/>
+            </a:prstGeom>
+            <a:noFill/>
+          </p:spPr>
+          <p:txBody>
+            <a:bodyPr wrap="none" rtlCol="0">
+              <a:spAutoFit/>
+            </a:bodyPr>
+            <a:lstStyle/>
+            <a:p>
+              <a:r>
+                <a:rPr lang="en-CA" dirty="0" smtClean="0"/>
+                <a:t>Session 2 </a:t>
+              </a:r>
+            </a:p>
+            <a:p>
+              <a:r>
+                <a:rPr lang="en-CA" dirty="0" smtClean="0"/>
+                <a:t>Group A</a:t>
+              </a:r>
+              <a:endParaRPr lang="en-CA" dirty="0"/>
+            </a:p>
+          </p:txBody>
+        </p:sp>
+        <p:sp>
+          <p:nvSpPr>
+            <p:cNvPr id="16" name="TextBox 15"/>
+            <p:cNvSpPr txBox="1"/>
+            <p:nvPr/>
+          </p:nvSpPr>
+          <p:spPr>
+            <a:xfrm>
+              <a:off x="7620259" y="594589"/>
+              <a:ext cx="1051302" cy="646331"/>
+            </a:xfrm>
+            <a:prstGeom prst="rect">
+              <a:avLst/>
+            </a:prstGeom>
+            <a:noFill/>
+          </p:spPr>
+          <p:txBody>
+            <a:bodyPr wrap="none" rtlCol="0">
+              <a:spAutoFit/>
+            </a:bodyPr>
+            <a:lstStyle/>
+            <a:p>
+              <a:r>
+                <a:rPr lang="en-CA" dirty="0" smtClean="0"/>
+                <a:t>Session 2 </a:t>
+              </a:r>
+            </a:p>
+            <a:p>
+              <a:r>
+                <a:rPr lang="en-CA" dirty="0" smtClean="0"/>
+                <a:t>Group B</a:t>
+              </a:r>
+              <a:endParaRPr lang="en-CA" dirty="0"/>
+            </a:p>
+          </p:txBody>
+        </p:sp>
+        <p:sp>
+          <p:nvSpPr>
+            <p:cNvPr id="17" name="TextBox 16"/>
+            <p:cNvSpPr txBox="1"/>
+            <p:nvPr/>
+          </p:nvSpPr>
+          <p:spPr>
+            <a:xfrm>
+              <a:off x="3224914" y="1478688"/>
+              <a:ext cx="573094" cy="338554"/>
+            </a:xfrm>
+            <a:prstGeom prst="rect">
+              <a:avLst/>
+            </a:prstGeom>
+            <a:noFill/>
+          </p:spPr>
+          <p:txBody>
+            <a:bodyPr wrap="none" rtlCol="0">
+              <a:spAutoFit/>
+            </a:bodyPr>
+            <a:lstStyle/>
+            <a:p>
+              <a:r>
+                <a:rPr lang="en-CA" sz="1600" dirty="0" smtClean="0"/>
+                <a:t>FAM</a:t>
+              </a:r>
+              <a:endParaRPr lang="en-CA" sz="1600" dirty="0"/>
+            </a:p>
+          </p:txBody>
+        </p:sp>
+        <p:sp>
+          <p:nvSpPr>
+            <p:cNvPr id="18" name="TextBox 17"/>
+            <p:cNvSpPr txBox="1"/>
+            <p:nvPr/>
+          </p:nvSpPr>
+          <p:spPr>
+            <a:xfrm>
+              <a:off x="3277703" y="2664613"/>
+              <a:ext cx="573094" cy="338554"/>
+            </a:xfrm>
+            <a:prstGeom prst="rect">
+              <a:avLst/>
+            </a:prstGeom>
+            <a:noFill/>
+          </p:spPr>
+          <p:txBody>
+            <a:bodyPr wrap="none" rtlCol="0">
+              <a:spAutoFit/>
+            </a:bodyPr>
+            <a:lstStyle/>
+            <a:p>
+              <a:r>
+                <a:rPr lang="en-CA" sz="1600" dirty="0" smtClean="0"/>
+                <a:t>FAM</a:t>
+              </a:r>
+              <a:endParaRPr lang="en-CA" sz="1600" dirty="0"/>
+            </a:p>
+          </p:txBody>
+        </p:sp>
+        <p:sp>
+          <p:nvSpPr>
+            <p:cNvPr id="19" name="TextBox 18"/>
+            <p:cNvSpPr txBox="1"/>
+            <p:nvPr/>
+          </p:nvSpPr>
+          <p:spPr>
+            <a:xfrm>
+              <a:off x="3252798" y="3947180"/>
+              <a:ext cx="573094" cy="338554"/>
+            </a:xfrm>
+            <a:prstGeom prst="rect">
+              <a:avLst/>
+            </a:prstGeom>
+            <a:noFill/>
+          </p:spPr>
+          <p:txBody>
+            <a:bodyPr wrap="none" rtlCol="0">
+              <a:spAutoFit/>
+            </a:bodyPr>
+            <a:lstStyle/>
+            <a:p>
+              <a:r>
+                <a:rPr lang="en-CA" sz="1600" dirty="0" smtClean="0"/>
+                <a:t>FAM</a:t>
+              </a:r>
+              <a:endParaRPr lang="en-CA" sz="1600" dirty="0"/>
+            </a:p>
+          </p:txBody>
+        </p:sp>
+        <p:sp>
+          <p:nvSpPr>
+            <p:cNvPr id="20" name="TextBox 19"/>
+            <p:cNvSpPr txBox="1"/>
+            <p:nvPr/>
+          </p:nvSpPr>
+          <p:spPr>
+            <a:xfrm>
+              <a:off x="3265248" y="5217296"/>
+              <a:ext cx="573094" cy="338554"/>
+            </a:xfrm>
+            <a:prstGeom prst="rect">
+              <a:avLst/>
+            </a:prstGeom>
+            <a:noFill/>
+          </p:spPr>
+          <p:txBody>
+            <a:bodyPr wrap="none" rtlCol="0">
+              <a:spAutoFit/>
+            </a:bodyPr>
+            <a:lstStyle/>
+            <a:p>
+              <a:r>
+                <a:rPr lang="en-CA" sz="1600" dirty="0" smtClean="0"/>
+                <a:t>FAM</a:t>
+              </a:r>
+              <a:endParaRPr lang="en-CA" sz="1600" dirty="0"/>
+            </a:p>
+          </p:txBody>
+        </p:sp>
+        <p:sp>
+          <p:nvSpPr>
+            <p:cNvPr id="21" name="TextBox 20"/>
+            <p:cNvSpPr txBox="1"/>
+            <p:nvPr/>
+          </p:nvSpPr>
+          <p:spPr>
+            <a:xfrm>
+              <a:off x="6303385" y="2029557"/>
+              <a:ext cx="573094" cy="338554"/>
+            </a:xfrm>
+            <a:prstGeom prst="rect">
+              <a:avLst/>
+            </a:prstGeom>
+            <a:noFill/>
+          </p:spPr>
+          <p:txBody>
+            <a:bodyPr wrap="none" rtlCol="0">
+              <a:spAutoFit/>
+            </a:bodyPr>
+            <a:lstStyle/>
+            <a:p>
+              <a:r>
+                <a:rPr lang="en-CA" sz="1600" dirty="0" smtClean="0"/>
+                <a:t>FAM</a:t>
+              </a:r>
+              <a:endParaRPr lang="en-CA" sz="1600" dirty="0"/>
+            </a:p>
+          </p:txBody>
+        </p:sp>
+        <p:sp>
+          <p:nvSpPr>
+            <p:cNvPr id="22" name="TextBox 21"/>
+            <p:cNvSpPr txBox="1"/>
+            <p:nvPr/>
+          </p:nvSpPr>
+          <p:spPr>
+            <a:xfrm>
+              <a:off x="6244111" y="3178126"/>
+              <a:ext cx="573094" cy="338554"/>
+            </a:xfrm>
+            <a:prstGeom prst="rect">
+              <a:avLst/>
+            </a:prstGeom>
+            <a:noFill/>
+          </p:spPr>
+          <p:txBody>
+            <a:bodyPr wrap="none" rtlCol="0">
+              <a:spAutoFit/>
+            </a:bodyPr>
+            <a:lstStyle/>
+            <a:p>
+              <a:r>
+                <a:rPr lang="en-CA" sz="1600" dirty="0" smtClean="0"/>
+                <a:t>FAM</a:t>
+              </a:r>
+              <a:endParaRPr lang="en-CA" sz="1600" dirty="0"/>
+            </a:p>
+          </p:txBody>
+        </p:sp>
+        <p:sp>
+          <p:nvSpPr>
+            <p:cNvPr id="23" name="TextBox 22"/>
+            <p:cNvSpPr txBox="1"/>
+            <p:nvPr/>
+          </p:nvSpPr>
+          <p:spPr>
+            <a:xfrm>
+              <a:off x="6219206" y="4498050"/>
+              <a:ext cx="573094" cy="338554"/>
+            </a:xfrm>
+            <a:prstGeom prst="rect">
+              <a:avLst/>
+            </a:prstGeom>
+            <a:noFill/>
+          </p:spPr>
+          <p:txBody>
+            <a:bodyPr wrap="none" rtlCol="0">
+              <a:spAutoFit/>
+            </a:bodyPr>
+            <a:lstStyle/>
+            <a:p>
+              <a:r>
+                <a:rPr lang="en-CA" sz="1600" dirty="0" smtClean="0"/>
+                <a:t>FAM</a:t>
+              </a:r>
+              <a:endParaRPr lang="en-CA" sz="1600" dirty="0"/>
+            </a:p>
+          </p:txBody>
+        </p:sp>
+        <p:sp>
+          <p:nvSpPr>
+            <p:cNvPr id="24" name="TextBox 23"/>
+            <p:cNvSpPr txBox="1"/>
+            <p:nvPr/>
+          </p:nvSpPr>
+          <p:spPr>
+            <a:xfrm>
+              <a:off x="6219205" y="5805522"/>
+              <a:ext cx="573094" cy="338554"/>
+            </a:xfrm>
+            <a:prstGeom prst="rect">
+              <a:avLst/>
+            </a:prstGeom>
+            <a:noFill/>
+          </p:spPr>
+          <p:txBody>
+            <a:bodyPr wrap="none" rtlCol="0">
+              <a:spAutoFit/>
+            </a:bodyPr>
+            <a:lstStyle/>
+            <a:p>
+              <a:r>
+                <a:rPr lang="en-CA" sz="1600" dirty="0" smtClean="0"/>
+                <a:t>FAM</a:t>
+              </a:r>
+              <a:endParaRPr lang="en-CA" sz="1600" dirty="0"/>
+            </a:p>
+          </p:txBody>
+        </p:sp>
+      </p:grpSp>
+      <p:sp>
+        <p:nvSpPr>
+          <p:cNvPr id="25" name="TextBox 24"/>
+          <p:cNvSpPr txBox="1"/>
+          <p:nvPr/>
+        </p:nvSpPr>
+        <p:spPr>
+          <a:xfrm>
+            <a:off x="2154093" y="186781"/>
+            <a:ext cx="1729372" cy="369332"/>
+          </a:xfrm>
+          <a:prstGeom prst="rect">
+            <a:avLst/>
+          </a:prstGeom>
+          <a:noFill/>
+        </p:spPr>
+        <p:txBody>
+          <a:bodyPr wrap="none" rtlCol="0">
+            <a:spAutoFit/>
+          </a:bodyPr>
+          <a:lstStyle/>
+          <a:p>
+            <a:r>
+              <a:rPr lang="en-CA" dirty="0" smtClean="0"/>
+              <a:t>IFG - </a:t>
+            </a:r>
+            <a:r>
+              <a:rPr lang="en-CA" dirty="0" err="1" smtClean="0"/>
+              <a:t>triangularis</a:t>
+            </a:r>
+            <a:endParaRPr lang="en-CA" dirty="0"/>
+          </a:p>
+        </p:txBody>
+      </p:sp>
+    </p:spTree>
+    <p:extLst>
+      <p:ext uri="{BB962C8B-B14F-4D97-AF65-F5344CB8AC3E}">
+        <p14:creationId xmlns:p14="http://schemas.microsoft.com/office/powerpoint/2010/main" val="1641579946"/>
+      </p:ext>
+    </p:extLst>
+  </p:cSld>
+  <p:clrMapOvr>
+    <a:masterClrMapping/>
+  </p:clrMapOvr>
+  <p:timing>
+    <p:tnLst>
+      <p:par>
+        <p:cTn xmlns:p14="http://schemas.microsoft.com/office/powerpoint/2010/main" id="1" dur="indefinite" restart="never" nodeType="tmRoot"/>
+      </p:par>
+    </p:tnLst>
+  </p:timing>
+</p:sld>
+</file>
+
+<file path=ppt/slides/slide14.xml><?xml version="1.0" encoding="utf-8"?>
+<p:sld xmlns:a="http://schemas.openxmlformats.org/drawingml/2006/main" xmlns:r="http://schemas.openxmlformats.org/officeDocument/2006/relationships" xmlns:p="http://schemas.openxmlformats.org/presentationml/2006/main">
+  <p:cSld>
+    <p:spTree>
+      <p:nvGrpSpPr>
+        <p:cNvPr id="1" name=""/>
+        <p:cNvGrpSpPr/>
+        <p:nvPr/>
+      </p:nvGrpSpPr>
+      <p:grpSpPr>
+        <a:xfrm>
+          <a:off x="0" y="0"/>
+          <a:ext cx="0" cy="0"/>
+          <a:chOff x="0" y="0"/>
+          <a:chExt cx="0" cy="0"/>
+        </a:xfrm>
+      </p:grpSpPr>
+      <p:sp>
+        <p:nvSpPr>
+          <p:cNvPr id="2" name="Title 1"/>
+          <p:cNvSpPr>
+            <a:spLocks noGrp="1"/>
+          </p:cNvSpPr>
+          <p:nvPr>
+            <p:ph type="title"/>
+          </p:nvPr>
+        </p:nvSpPr>
+        <p:spPr/>
+        <p:txBody>
+          <a:bodyPr/>
+          <a:lstStyle/>
+          <a:p>
+            <a:r>
+              <a:rPr lang="en-US" dirty="0" smtClean="0"/>
+              <a:t>Summary</a:t>
+            </a:r>
+            <a:endParaRPr lang="en-CA" dirty="0"/>
+          </a:p>
+        </p:txBody>
+      </p:sp>
+      <p:sp>
+        <p:nvSpPr>
+          <p:cNvPr id="3" name="Content Placeholder 2"/>
+          <p:cNvSpPr>
+            <a:spLocks noGrp="1"/>
+          </p:cNvSpPr>
+          <p:nvPr>
+            <p:ph idx="1"/>
+          </p:nvPr>
+        </p:nvSpPr>
+        <p:spPr/>
+        <p:txBody>
+          <a:bodyPr/>
+          <a:lstStyle/>
+          <a:p>
+            <a:endParaRPr lang="en-CA"/>
+          </a:p>
+        </p:txBody>
+      </p:sp>
+    </p:spTree>
+    <p:extLst>
+      <p:ext uri="{BB962C8B-B14F-4D97-AF65-F5344CB8AC3E}">
+        <p14:creationId xmlns:p14="http://schemas.microsoft.com/office/powerpoint/2010/main" val="3064615176"/>
+      </p:ext>
+    </p:extLst>
+  </p:cSld>
+  <p:clrMapOvr>
+    <a:masterClrMapping/>
+  </p:clrMapOvr>
+  <p:timing>
+    <p:tnLst>
+      <p:par>
+        <p:cTn xmlns:p14="http://schemas.microsoft.com/office/powerpoint/2010/main" id="1" dur="indefinite" restart="never" nodeType="tmRoot"/>
+      </p:par>
+    </p:tnLst>
+  </p:timing>
+</p:sld>
+</file>
+
+<file path=ppt/slides/slide15.xml><?xml version="1.0" encoding="utf-8"?>
+<p:sld xmlns:a="http://schemas.openxmlformats.org/drawingml/2006/main" xmlns:r="http://schemas.openxmlformats.org/officeDocument/2006/relationships" xmlns:p="http://schemas.openxmlformats.org/presentationml/2006/main">
+  <p:cSld>
+    <p:spTree>
+      <p:nvGrpSpPr>
+        <p:cNvPr id="1" name=""/>
+        <p:cNvGrpSpPr/>
+        <p:nvPr/>
+      </p:nvGrpSpPr>
+      <p:grpSpPr>
+        <a:xfrm>
+          <a:off x="0" y="0"/>
+          <a:ext cx="0" cy="0"/>
+          <a:chOff x="0" y="0"/>
+          <a:chExt cx="0" cy="0"/>
+        </a:xfrm>
+      </p:grpSpPr>
+      <p:sp>
+        <p:nvSpPr>
+          <p:cNvPr id="2" name="Title 1"/>
+          <p:cNvSpPr>
+            <a:spLocks noGrp="1"/>
+          </p:cNvSpPr>
+          <p:nvPr>
+            <p:ph type="title"/>
+          </p:nvPr>
+        </p:nvSpPr>
+        <p:spPr/>
+        <p:txBody>
+          <a:bodyPr/>
+          <a:lstStyle/>
+          <a:p>
+            <a:r>
+              <a:rPr lang="en-US" dirty="0" smtClean="0"/>
+              <a:t>Cognition?</a:t>
+            </a:r>
+            <a:endParaRPr lang="en-CA" dirty="0"/>
+          </a:p>
+        </p:txBody>
+      </p:sp>
+      <p:sp>
+        <p:nvSpPr>
+          <p:cNvPr id="3" name="Content Placeholder 2"/>
+          <p:cNvSpPr>
+            <a:spLocks noGrp="1"/>
+          </p:cNvSpPr>
+          <p:nvPr>
+            <p:ph idx="1"/>
+          </p:nvPr>
+        </p:nvSpPr>
+        <p:spPr/>
+        <p:txBody>
+          <a:bodyPr/>
+          <a:lstStyle/>
+          <a:p>
+            <a:endParaRPr lang="en-CA"/>
+          </a:p>
+        </p:txBody>
+      </p:sp>
+    </p:spTree>
+    <p:extLst>
+      <p:ext uri="{BB962C8B-B14F-4D97-AF65-F5344CB8AC3E}">
+        <p14:creationId xmlns:p14="http://schemas.microsoft.com/office/powerpoint/2010/main" val="1732101624"/>
+      </p:ext>
+    </p:extLst>
+  </p:cSld>
+  <p:clrMapOvr>
+    <a:masterClrMapping/>
+  </p:clrMapOvr>
+  <p:timing>
+    <p:tnLst>
+      <p:par>
+        <p:cTn xmlns:p14="http://schemas.microsoft.com/office/powerpoint/2010/main" id="1" dur="indefinite" restart="never" nodeType="tmRoot"/>
+      </p:par>
+    </p:tnLst>
   </p:timing>
 </p:sld>
 </file>
@@ -5775,18 +7861,18 @@
   <p:clrMapOvr>
     <a:masterClrMapping/>
   </p:clrMapOvr>
-  <mc:AlternateContent xmlns:mc="http://schemas.openxmlformats.org/markup-compatibility/2006" xmlns:p14="http://schemas.microsoft.com/office/powerpoint/2010/main">
-    <mc:Choice Requires="p14">
+  <mc:AlternateContent xmlns:mc="http://schemas.openxmlformats.org/markup-compatibility/2006">
+    <mc:Choice xmlns:p14="http://schemas.microsoft.com/office/powerpoint/2010/main" Requires="p14">
       <p:transition spd="slow" p14:dur="2000"/>
     </mc:Choice>
-    <mc:Fallback xmlns="">
-      <p:transition spd="slow"/>
+    <mc:Fallback>
+      <p:transition xmlns:p14="http://schemas.microsoft.com/office/powerpoint/2010/main" spd="slow"/>
     </mc:Fallback>
   </mc:AlternateContent>
   <p:timing>
     <p:tnLst>
       <p:par>
-        <p:cTn id="1" dur="indefinite" restart="never" nodeType="tmRoot"/>
+        <p:cTn xmlns:p14="http://schemas.microsoft.com/office/powerpoint/2010/main" id="1" dur="indefinite" restart="never" nodeType="tmRoot"/>
       </p:par>
     </p:tnLst>
   </p:timing>
@@ -5845,7 +7931,9 @@
         </p:nvSpPr>
         <p:spPr/>
         <p:txBody>
-          <a:bodyPr/>
+          <a:bodyPr>
+            <a:normAutofit lnSpcReduction="10000"/>
+          </a:bodyPr>
           <a:lstStyle/>
           <a:p>
             <a:r>
@@ -5874,7 +7962,38 @@
             <a:pPr lvl="1"/>
             <a:r>
               <a:rPr lang="en-US" dirty="0" smtClean="0"/>
-              <a:t>GLM and ISC show S &gt;A&gt;W&gt;I (across whole brain)</a:t>
+              <a:t>GLM and ISC show </a:t>
+            </a:r>
+            <a:endParaRPr lang="en-US" dirty="0" smtClean="0"/>
+          </a:p>
+          <a:p>
+            <a:pPr marL="457200" lvl="1" indent="0">
+              <a:buNone/>
+            </a:pPr>
+            <a:r>
+              <a:rPr lang="en-US" dirty="0" smtClean="0"/>
+              <a:t>Spoken &gt; A </a:t>
+            </a:r>
+            <a:r>
+              <a:rPr lang="en-US" dirty="0" err="1" smtClean="0"/>
+              <a:t>capella</a:t>
+            </a:r>
+            <a:r>
+              <a:rPr lang="en-US" dirty="0" smtClean="0"/>
+              <a:t> &gt; Whole &gt; Instrumental</a:t>
+            </a:r>
+          </a:p>
+          <a:p>
+            <a:pPr marL="457200" lvl="1" indent="0">
+              <a:buNone/>
+            </a:pPr>
+            <a:r>
+              <a:rPr lang="en-US" sz="2000" dirty="0" smtClean="0"/>
+              <a:t>(</a:t>
+            </a:r>
+            <a:r>
+              <a:rPr lang="en-US" sz="2000" dirty="0" smtClean="0"/>
+              <a:t>across whole brain)</a:t>
             </a:r>
           </a:p>
           <a:p>
@@ -6069,29 +8188,6 @@
       </p:grpSpPr>
       <p:sp>
         <p:nvSpPr>
-          <p:cNvPr id="2" name="Title 1"/>
-          <p:cNvSpPr>
-            <a:spLocks noGrp="1"/>
-          </p:cNvSpPr>
-          <p:nvPr>
-            <p:ph type="title"/>
-          </p:nvPr>
-        </p:nvSpPr>
-        <p:spPr/>
-        <p:txBody>
-          <a:bodyPr/>
-          <a:lstStyle/>
-          <a:p>
-            <a:r>
-              <a:rPr lang="en-US" dirty="0" smtClean="0"/>
-              <a:t>ISC stats</a:t>
-            </a:r>
-            <a:endParaRPr lang="en-CA" dirty="0"/>
-          </a:p>
-        </p:txBody>
-      </p:sp>
-      <p:sp>
-        <p:nvSpPr>
           <p:cNvPr id="3" name="Content Placeholder 2"/>
           <p:cNvSpPr>
             <a:spLocks noGrp="1"/>
@@ -6100,27 +8196,302 @@
             <p:ph idx="1"/>
           </p:nvPr>
         </p:nvSpPr>
-        <p:spPr/>
-        <p:txBody>
-          <a:bodyPr/>
+        <p:spPr>
+          <a:xfrm>
+            <a:off x="4643885" y="378484"/>
+            <a:ext cx="4321126" cy="2213427"/>
+          </a:xfrm>
+        </p:spPr>
+        <p:txBody>
+          <a:bodyPr>
+            <a:normAutofit fontScale="92500" lnSpcReduction="20000"/>
+          </a:bodyPr>
           <a:lstStyle/>
           <a:p>
             <a:r>
+              <a:rPr lang="en-US" b="1" dirty="0" smtClean="0"/>
+              <a:t>Ignoring </a:t>
+            </a:r>
+            <a:r>
+              <a:rPr lang="en-US" b="1" dirty="0" smtClean="0"/>
+              <a:t>Session</a:t>
+            </a:r>
+            <a:endParaRPr lang="en-US" b="1" dirty="0" smtClean="0"/>
+          </a:p>
+          <a:p>
+            <a:pPr lvl="1"/>
+            <a:r>
               <a:rPr lang="en-US" dirty="0" smtClean="0"/>
-              <a:t>Ignoring Session:</a:t>
+              <a:t>ROIs where ISC </a:t>
+            </a:r>
+            <a:r>
+              <a:rPr lang="en-US" dirty="0" smtClean="0"/>
+              <a:t>differentiate 4 </a:t>
+            </a:r>
+            <a:r>
+              <a:rPr lang="en-US" dirty="0" smtClean="0"/>
+              <a:t>stimuli overlay with GLM results</a:t>
             </a:r>
           </a:p>
           <a:p>
             <a:pPr lvl="1"/>
+            <a:endParaRPr lang="en-US" dirty="0" smtClean="0"/>
+          </a:p>
+          <a:p>
+            <a:pPr lvl="1"/>
             <a:r>
               <a:rPr lang="en-US" dirty="0" smtClean="0"/>
-              <a:t>ROIs that differentiate 4 </a:t>
-            </a:r>
+              <a:t>BLUE: ISC ROIs</a:t>
+            </a:r>
+          </a:p>
+          <a:p>
+            <a:pPr lvl="1"/>
             <a:r>
               <a:rPr lang="en-US" dirty="0" smtClean="0"/>
-              <a:t>stimuli</a:t>
+              <a:t>RED: GLM activation</a:t>
             </a:r>
             <a:endParaRPr lang="en-US" dirty="0" smtClean="0"/>
+          </a:p>
+        </p:txBody>
+      </p:sp>
+      <p:pic>
+        <p:nvPicPr>
+          <p:cNvPr id="4" name="Picture 3" descr="s.png"/>
+          <p:cNvPicPr>
+            <a:picLocks noChangeAspect="1"/>
+          </p:cNvPicPr>
+          <p:nvPr/>
+        </p:nvPicPr>
+        <p:blipFill>
+          <a:blip r:embed="rId2">
+            <a:extLst>
+              <a:ext uri="{28A0092B-C50C-407E-A947-70E740481C1C}">
+                <a14:useLocalDpi xmlns:a14="http://schemas.microsoft.com/office/drawing/2010/main" val="0"/>
+              </a:ext>
+            </a:extLst>
+          </a:blip>
+          <a:stretch>
+            <a:fillRect/>
+          </a:stretch>
+        </p:blipFill>
+        <p:spPr>
+          <a:xfrm>
+            <a:off x="229811" y="143327"/>
+            <a:ext cx="2648856" cy="2703409"/>
+          </a:xfrm>
+          <a:prstGeom prst="rect">
+            <a:avLst/>
+          </a:prstGeom>
+        </p:spPr>
+      </p:pic>
+      <p:pic>
+        <p:nvPicPr>
+          <p:cNvPr id="5" name="Picture 4" descr="a.png"/>
+          <p:cNvPicPr>
+            <a:picLocks noChangeAspect="1"/>
+          </p:cNvPicPr>
+          <p:nvPr/>
+        </p:nvPicPr>
+        <p:blipFill>
+          <a:blip r:embed="rId3">
+            <a:extLst>
+              <a:ext uri="{28A0092B-C50C-407E-A947-70E740481C1C}">
+                <a14:useLocalDpi xmlns:a14="http://schemas.microsoft.com/office/drawing/2010/main" val="0"/>
+              </a:ext>
+            </a:extLst>
+          </a:blip>
+          <a:stretch>
+            <a:fillRect/>
+          </a:stretch>
+        </p:blipFill>
+        <p:spPr>
+          <a:xfrm>
+            <a:off x="2063146" y="1497994"/>
+            <a:ext cx="2678187" cy="2733345"/>
+          </a:xfrm>
+          <a:prstGeom prst="rect">
+            <a:avLst/>
+          </a:prstGeom>
+        </p:spPr>
+      </p:pic>
+      <p:pic>
+        <p:nvPicPr>
+          <p:cNvPr id="6" name="Picture 5" descr="w.png"/>
+          <p:cNvPicPr>
+            <a:picLocks noChangeAspect="1"/>
+          </p:cNvPicPr>
+          <p:nvPr/>
+        </p:nvPicPr>
+        <p:blipFill>
+          <a:blip r:embed="rId4">
+            <a:extLst>
+              <a:ext uri="{28A0092B-C50C-407E-A947-70E740481C1C}">
+                <a14:useLocalDpi xmlns:a14="http://schemas.microsoft.com/office/drawing/2010/main" val="0"/>
+              </a:ext>
+            </a:extLst>
+          </a:blip>
+          <a:stretch>
+            <a:fillRect/>
+          </a:stretch>
+        </p:blipFill>
+        <p:spPr>
+          <a:xfrm>
+            <a:off x="4035432" y="2801671"/>
+            <a:ext cx="2578170" cy="2631267"/>
+          </a:xfrm>
+          <a:prstGeom prst="rect">
+            <a:avLst/>
+          </a:prstGeom>
+        </p:spPr>
+      </p:pic>
+      <p:pic>
+        <p:nvPicPr>
+          <p:cNvPr id="7" name="Picture 6" descr="i.png"/>
+          <p:cNvPicPr>
+            <a:picLocks noChangeAspect="1"/>
+          </p:cNvPicPr>
+          <p:nvPr/>
+        </p:nvPicPr>
+        <p:blipFill>
+          <a:blip r:embed="rId5">
+            <a:extLst>
+              <a:ext uri="{28A0092B-C50C-407E-A947-70E740481C1C}">
+                <a14:useLocalDpi xmlns:a14="http://schemas.microsoft.com/office/drawing/2010/main" val="0"/>
+              </a:ext>
+            </a:extLst>
+          </a:blip>
+          <a:stretch>
+            <a:fillRect/>
+          </a:stretch>
+        </p:blipFill>
+        <p:spPr>
+          <a:xfrm>
+            <a:off x="6108094" y="4129901"/>
+            <a:ext cx="2673048" cy="2728099"/>
+          </a:xfrm>
+          <a:prstGeom prst="rect">
+            <a:avLst/>
+          </a:prstGeom>
+        </p:spPr>
+      </p:pic>
+      <p:sp>
+        <p:nvSpPr>
+          <p:cNvPr id="9" name="TextBox 8"/>
+          <p:cNvSpPr txBox="1"/>
+          <p:nvPr/>
+        </p:nvSpPr>
+        <p:spPr>
+          <a:xfrm>
+            <a:off x="211674" y="2814176"/>
+            <a:ext cx="874796" cy="369332"/>
+          </a:xfrm>
+          <a:prstGeom prst="rect">
+            <a:avLst/>
+          </a:prstGeom>
+          <a:noFill/>
+        </p:spPr>
+        <p:txBody>
+          <a:bodyPr wrap="none" rtlCol="0">
+            <a:spAutoFit/>
+          </a:bodyPr>
+          <a:lstStyle/>
+          <a:p>
+            <a:r>
+              <a:rPr lang="en-CA" dirty="0" smtClean="0"/>
+              <a:t>Spoken</a:t>
+            </a:r>
+          </a:p>
+        </p:txBody>
+      </p:sp>
+      <p:sp>
+        <p:nvSpPr>
+          <p:cNvPr id="10" name="TextBox 9"/>
+          <p:cNvSpPr txBox="1"/>
+          <p:nvPr/>
+        </p:nvSpPr>
+        <p:spPr>
+          <a:xfrm>
+            <a:off x="2069916" y="4199336"/>
+            <a:ext cx="1031239" cy="369332"/>
+          </a:xfrm>
+          <a:prstGeom prst="rect">
+            <a:avLst/>
+          </a:prstGeom>
+          <a:noFill/>
+        </p:spPr>
+        <p:txBody>
+          <a:bodyPr wrap="none" rtlCol="0">
+            <a:spAutoFit/>
+          </a:bodyPr>
+          <a:lstStyle/>
+          <a:p>
+            <a:r>
+              <a:rPr lang="en-CA" dirty="0" smtClean="0"/>
+              <a:t>A </a:t>
+            </a:r>
+            <a:r>
+              <a:rPr lang="en-CA" dirty="0" err="1" smtClean="0"/>
+              <a:t>capella</a:t>
+            </a:r>
+            <a:endParaRPr lang="en-CA" dirty="0" smtClean="0"/>
+          </a:p>
+        </p:txBody>
+      </p:sp>
+      <p:sp>
+        <p:nvSpPr>
+          <p:cNvPr id="11" name="TextBox 10"/>
+          <p:cNvSpPr txBox="1"/>
+          <p:nvPr/>
+        </p:nvSpPr>
+        <p:spPr>
+          <a:xfrm>
+            <a:off x="4027770" y="5385261"/>
+            <a:ext cx="800858" cy="369332"/>
+          </a:xfrm>
+          <a:prstGeom prst="rect">
+            <a:avLst/>
+          </a:prstGeom>
+          <a:noFill/>
+        </p:spPr>
+        <p:txBody>
+          <a:bodyPr wrap="none" rtlCol="0">
+            <a:spAutoFit/>
+          </a:bodyPr>
+          <a:lstStyle/>
+          <a:p>
+            <a:r>
+              <a:rPr lang="en-CA" dirty="0" smtClean="0"/>
+              <a:t>Whole</a:t>
+            </a:r>
+          </a:p>
+        </p:txBody>
+      </p:sp>
+      <p:sp>
+        <p:nvSpPr>
+          <p:cNvPr id="12" name="TextBox 11"/>
+          <p:cNvSpPr txBox="1"/>
+          <p:nvPr/>
+        </p:nvSpPr>
+        <p:spPr>
+          <a:xfrm>
+            <a:off x="4752934" y="6488668"/>
+            <a:ext cx="1394845" cy="369332"/>
+          </a:xfrm>
+          <a:prstGeom prst="rect">
+            <a:avLst/>
+          </a:prstGeom>
+          <a:noFill/>
+        </p:spPr>
+        <p:txBody>
+          <a:bodyPr wrap="none" rtlCol="0">
+            <a:spAutoFit/>
+          </a:bodyPr>
+          <a:lstStyle/>
+          <a:p>
+            <a:r>
+              <a:rPr lang="en-CA" dirty="0" smtClean="0"/>
+              <a:t>Instrumental</a:t>
+            </a:r>
           </a:p>
         </p:txBody>
       </p:sp>
@@ -6156,25 +8527,6 @@
       </p:grpSpPr>
       <p:sp>
         <p:nvSpPr>
-          <p:cNvPr id="2" name="Title 1"/>
-          <p:cNvSpPr>
-            <a:spLocks noGrp="1"/>
-          </p:cNvSpPr>
-          <p:nvPr>
-            <p:ph type="title"/>
-          </p:nvPr>
-        </p:nvSpPr>
-        <p:spPr/>
-        <p:txBody>
-          <a:bodyPr/>
-          <a:lstStyle/>
-          <a:p>
-            <a:endParaRPr lang="en-CA"/>
-          </a:p>
-        </p:txBody>
-      </p:sp>
-      <p:sp>
-        <p:nvSpPr>
           <p:cNvPr id="3" name="Content Placeholder 2"/>
           <p:cNvSpPr>
             <a:spLocks noGrp="1"/>
@@ -6183,40 +8535,318 @@
             <p:ph idx="1"/>
           </p:nvPr>
         </p:nvSpPr>
-        <p:spPr/>
-        <p:txBody>
-          <a:bodyPr/>
+        <p:spPr>
+          <a:xfrm>
+            <a:off x="4643885" y="378484"/>
+            <a:ext cx="4321126" cy="2213427"/>
+          </a:xfrm>
+        </p:spPr>
+        <p:txBody>
+          <a:bodyPr>
+            <a:normAutofit fontScale="92500" lnSpcReduction="20000"/>
+          </a:bodyPr>
           <a:lstStyle/>
           <a:p>
             <a:r>
-              <a:rPr lang="en-US" dirty="0"/>
+              <a:rPr lang="en-US" b="1" dirty="0" smtClean="0"/>
               <a:t>Session 1</a:t>
             </a:r>
+            <a:endParaRPr lang="en-US" b="1" dirty="0" smtClean="0"/>
           </a:p>
           <a:p>
             <a:pPr lvl="1"/>
             <a:r>
-              <a:rPr lang="en-US" dirty="0"/>
-              <a:t>ROIs that differentiate 4 </a:t>
-            </a:r>
-            <a:r>
               <a:rPr lang="en-US" dirty="0" smtClean="0"/>
-              <a:t>stimuli</a:t>
-            </a:r>
-            <a:endParaRPr lang="en-US" dirty="0"/>
-          </a:p>
-        </p:txBody>
-      </p:sp>
+              <a:t>ROIs where ISC </a:t>
+            </a:r>
+            <a:r>
+              <a:rPr lang="en-US" dirty="0" smtClean="0"/>
+              <a:t>differentiate 4 </a:t>
+            </a:r>
+            <a:r>
+              <a:rPr lang="en-US" dirty="0" smtClean="0"/>
+              <a:t>stimuli overlay with GLM results</a:t>
+            </a:r>
+          </a:p>
+          <a:p>
+            <a:pPr lvl="1"/>
+            <a:endParaRPr lang="en-US" dirty="0" smtClean="0"/>
+          </a:p>
+          <a:p>
+            <a:pPr lvl="1"/>
+            <a:r>
+              <a:rPr lang="en-US" dirty="0" smtClean="0"/>
+              <a:t>BLUE: ISC ROIs</a:t>
+            </a:r>
+          </a:p>
+          <a:p>
+            <a:pPr lvl="1"/>
+            <a:r>
+              <a:rPr lang="en-US" dirty="0" smtClean="0"/>
+              <a:t>RED: GLM activation</a:t>
+            </a:r>
+            <a:endParaRPr lang="en-US" dirty="0" smtClean="0"/>
+          </a:p>
+        </p:txBody>
+      </p:sp>
+      <p:sp>
+        <p:nvSpPr>
+          <p:cNvPr id="9" name="TextBox 8"/>
+          <p:cNvSpPr txBox="1"/>
+          <p:nvPr/>
+        </p:nvSpPr>
+        <p:spPr>
+          <a:xfrm>
+            <a:off x="211674" y="3025860"/>
+            <a:ext cx="874796" cy="369332"/>
+          </a:xfrm>
+          <a:prstGeom prst="rect">
+            <a:avLst/>
+          </a:prstGeom>
+          <a:noFill/>
+        </p:spPr>
+        <p:txBody>
+          <a:bodyPr wrap="none" rtlCol="0">
+            <a:spAutoFit/>
+          </a:bodyPr>
+          <a:lstStyle/>
+          <a:p>
+            <a:r>
+              <a:rPr lang="en-CA" dirty="0" smtClean="0"/>
+              <a:t>Spoken</a:t>
+            </a:r>
+          </a:p>
+        </p:txBody>
+      </p:sp>
+      <p:sp>
+        <p:nvSpPr>
+          <p:cNvPr id="10" name="TextBox 9"/>
+          <p:cNvSpPr txBox="1"/>
+          <p:nvPr/>
+        </p:nvSpPr>
+        <p:spPr>
+          <a:xfrm>
+            <a:off x="2069916" y="4249144"/>
+            <a:ext cx="1031239" cy="369332"/>
+          </a:xfrm>
+          <a:prstGeom prst="rect">
+            <a:avLst/>
+          </a:prstGeom>
+          <a:noFill/>
+        </p:spPr>
+        <p:txBody>
+          <a:bodyPr wrap="none" rtlCol="0">
+            <a:spAutoFit/>
+          </a:bodyPr>
+          <a:lstStyle/>
+          <a:p>
+            <a:r>
+              <a:rPr lang="en-CA" dirty="0" smtClean="0"/>
+              <a:t>A </a:t>
+            </a:r>
+            <a:r>
+              <a:rPr lang="en-CA" dirty="0" err="1" smtClean="0"/>
+              <a:t>capella</a:t>
+            </a:r>
+            <a:endParaRPr lang="en-CA" dirty="0" smtClean="0"/>
+          </a:p>
+        </p:txBody>
+      </p:sp>
+      <p:sp>
+        <p:nvSpPr>
+          <p:cNvPr id="11" name="TextBox 10"/>
+          <p:cNvSpPr txBox="1"/>
+          <p:nvPr/>
+        </p:nvSpPr>
+        <p:spPr>
+          <a:xfrm>
+            <a:off x="4027770" y="5410165"/>
+            <a:ext cx="800858" cy="369332"/>
+          </a:xfrm>
+          <a:prstGeom prst="rect">
+            <a:avLst/>
+          </a:prstGeom>
+          <a:noFill/>
+        </p:spPr>
+        <p:txBody>
+          <a:bodyPr wrap="none" rtlCol="0">
+            <a:spAutoFit/>
+          </a:bodyPr>
+          <a:lstStyle/>
+          <a:p>
+            <a:r>
+              <a:rPr lang="en-CA" dirty="0" smtClean="0"/>
+              <a:t>Whole</a:t>
+            </a:r>
+          </a:p>
+        </p:txBody>
+      </p:sp>
+      <p:sp>
+        <p:nvSpPr>
+          <p:cNvPr id="12" name="TextBox 11"/>
+          <p:cNvSpPr txBox="1"/>
+          <p:nvPr/>
+        </p:nvSpPr>
+        <p:spPr>
+          <a:xfrm>
+            <a:off x="4952156" y="6488668"/>
+            <a:ext cx="1394845" cy="369332"/>
+          </a:xfrm>
+          <a:prstGeom prst="rect">
+            <a:avLst/>
+          </a:prstGeom>
+          <a:noFill/>
+        </p:spPr>
+        <p:txBody>
+          <a:bodyPr wrap="none" rtlCol="0">
+            <a:spAutoFit/>
+          </a:bodyPr>
+          <a:lstStyle/>
+          <a:p>
+            <a:r>
+              <a:rPr lang="en-CA" dirty="0" smtClean="0"/>
+              <a:t>Instrumental</a:t>
+            </a:r>
+          </a:p>
+        </p:txBody>
+      </p:sp>
+      <p:pic>
+        <p:nvPicPr>
+          <p:cNvPr id="2" name="Picture 1" descr="s1.png"/>
+          <p:cNvPicPr>
+            <a:picLocks noChangeAspect="1"/>
+          </p:cNvPicPr>
+          <p:nvPr/>
+        </p:nvPicPr>
+        <p:blipFill>
+          <a:blip r:embed="rId2">
+            <a:extLst>
+              <a:ext uri="{28A0092B-C50C-407E-A947-70E740481C1C}">
+                <a14:useLocalDpi xmlns:a14="http://schemas.microsoft.com/office/drawing/2010/main" val="0"/>
+              </a:ext>
+            </a:extLst>
+          </a:blip>
+          <a:stretch>
+            <a:fillRect/>
+          </a:stretch>
+        </p:blipFill>
+        <p:spPr>
+          <a:xfrm>
+            <a:off x="149417" y="136972"/>
+            <a:ext cx="2913627" cy="2973633"/>
+          </a:xfrm>
+          <a:prstGeom prst="rect">
+            <a:avLst/>
+          </a:prstGeom>
+        </p:spPr>
+      </p:pic>
+      <p:pic>
+        <p:nvPicPr>
+          <p:cNvPr id="8" name="Picture 7" descr="a1.png"/>
+          <p:cNvPicPr>
+            <a:picLocks noChangeAspect="1"/>
+          </p:cNvPicPr>
+          <p:nvPr/>
+        </p:nvPicPr>
+        <p:blipFill>
+          <a:blip r:embed="rId3">
+            <a:extLst>
+              <a:ext uri="{28A0092B-C50C-407E-A947-70E740481C1C}">
+                <a14:useLocalDpi xmlns:a14="http://schemas.microsoft.com/office/drawing/2010/main" val="0"/>
+              </a:ext>
+            </a:extLst>
+          </a:blip>
+          <a:stretch>
+            <a:fillRect/>
+          </a:stretch>
+        </p:blipFill>
+        <p:spPr>
+          <a:xfrm>
+            <a:off x="2042031" y="1456896"/>
+            <a:ext cx="2806195" cy="2863988"/>
+          </a:xfrm>
+          <a:prstGeom prst="rect">
+            <a:avLst/>
+          </a:prstGeom>
+        </p:spPr>
+      </p:pic>
+      <p:pic>
+        <p:nvPicPr>
+          <p:cNvPr id="13" name="Picture 12" descr="w1.png"/>
+          <p:cNvPicPr>
+            <a:picLocks noChangeAspect="1"/>
+          </p:cNvPicPr>
+          <p:nvPr/>
+        </p:nvPicPr>
+        <p:blipFill>
+          <a:blip r:embed="rId4">
+            <a:extLst>
+              <a:ext uri="{28A0092B-C50C-407E-A947-70E740481C1C}">
+                <a14:useLocalDpi xmlns:a14="http://schemas.microsoft.com/office/drawing/2010/main" val="0"/>
+              </a:ext>
+            </a:extLst>
+          </a:blip>
+          <a:stretch>
+            <a:fillRect/>
+          </a:stretch>
+        </p:blipFill>
+        <p:spPr>
+          <a:xfrm>
+            <a:off x="4085772" y="2621925"/>
+            <a:ext cx="2774952" cy="2832102"/>
+          </a:xfrm>
+          <a:prstGeom prst="rect">
+            <a:avLst/>
+          </a:prstGeom>
+        </p:spPr>
+      </p:pic>
+      <p:pic>
+        <p:nvPicPr>
+          <p:cNvPr id="14" name="Picture 13" descr="i1.png"/>
+          <p:cNvPicPr>
+            <a:picLocks noChangeAspect="1"/>
+          </p:cNvPicPr>
+          <p:nvPr/>
+        </p:nvPicPr>
+        <p:blipFill>
+          <a:blip r:embed="rId5">
+            <a:extLst>
+              <a:ext uri="{28A0092B-C50C-407E-A947-70E740481C1C}">
+                <a14:useLocalDpi xmlns:a14="http://schemas.microsoft.com/office/drawing/2010/main" val="0"/>
+              </a:ext>
+            </a:extLst>
+          </a:blip>
+          <a:stretch>
+            <a:fillRect/>
+          </a:stretch>
+        </p:blipFill>
+        <p:spPr>
+          <a:xfrm>
+            <a:off x="6339478" y="4100613"/>
+            <a:ext cx="2701745" cy="2757387"/>
+          </a:xfrm>
+          <a:prstGeom prst="rect">
+            <a:avLst/>
+          </a:prstGeom>
+        </p:spPr>
+      </p:pic>
     </p:spTree>
     <p:extLst>
       <p:ext uri="{BB962C8B-B14F-4D97-AF65-F5344CB8AC3E}">
-        <p14:creationId xmlns:p14="http://schemas.microsoft.com/office/powerpoint/2010/main" val="372387389"/>
+        <p14:creationId xmlns:p14="http://schemas.microsoft.com/office/powerpoint/2010/main" val="1805455884"/>
       </p:ext>
     </p:extLst>
   </p:cSld>
   <p:clrMapOvr>
     <a:masterClrMapping/>
   </p:clrMapOvr>
+  <p:timing>
+    <p:tnLst>
+      <p:par>
+        <p:cTn xmlns:p14="http://schemas.microsoft.com/office/powerpoint/2010/main" id="1" dur="indefinite" restart="never" nodeType="tmRoot"/>
+      </p:par>
+    </p:tnLst>
+  </p:timing>
 </p:sld>
 </file>
 
@@ -6239,25 +8869,6 @@
       </p:grpSpPr>
       <p:sp>
         <p:nvSpPr>
-          <p:cNvPr id="2" name="Title 1"/>
-          <p:cNvSpPr>
-            <a:spLocks noGrp="1"/>
-          </p:cNvSpPr>
-          <p:nvPr>
-            <p:ph type="title"/>
-          </p:nvPr>
-        </p:nvSpPr>
-        <p:spPr/>
-        <p:txBody>
-          <a:bodyPr/>
-          <a:lstStyle/>
-          <a:p>
-            <a:endParaRPr lang="en-CA"/>
-          </a:p>
-        </p:txBody>
-      </p:sp>
-      <p:sp>
-        <p:nvSpPr>
           <p:cNvPr id="3" name="Content Placeholder 2"/>
           <p:cNvSpPr>
             <a:spLocks noGrp="1"/>
@@ -6266,42 +8877,317 @@
             <p:ph idx="1"/>
           </p:nvPr>
         </p:nvSpPr>
-        <p:spPr/>
-        <p:txBody>
-          <a:bodyPr/>
+        <p:spPr>
+          <a:xfrm>
+            <a:off x="4643885" y="378484"/>
+            <a:ext cx="4321126" cy="2213427"/>
+          </a:xfrm>
+        </p:spPr>
+        <p:txBody>
+          <a:bodyPr>
+            <a:normAutofit fontScale="92500" lnSpcReduction="20000"/>
+          </a:bodyPr>
           <a:lstStyle/>
           <a:p>
             <a:r>
-              <a:rPr lang="en-US" dirty="0"/>
+              <a:rPr lang="en-US" b="1" dirty="0" smtClean="0"/>
               <a:t>Session 2</a:t>
             </a:r>
           </a:p>
           <a:p>
             <a:pPr lvl="1"/>
             <a:r>
-              <a:rPr lang="en-US" dirty="0"/>
-              <a:t>ROIS that differentiate 4 stimuli</a:t>
-            </a:r>
-            <a:endParaRPr lang="en-CA" dirty="0"/>
-          </a:p>
-          <a:p>
-            <a:endParaRPr lang="en-CA" dirty="0"/>
-          </a:p>
-          <a:p>
-            <a:endParaRPr lang="en-CA" dirty="0"/>
-          </a:p>
-        </p:txBody>
-      </p:sp>
+              <a:rPr lang="en-US" dirty="0" smtClean="0"/>
+              <a:t>ROIs where ISC </a:t>
+            </a:r>
+            <a:r>
+              <a:rPr lang="en-US" dirty="0" smtClean="0"/>
+              <a:t>differentiate 4 </a:t>
+            </a:r>
+            <a:r>
+              <a:rPr lang="en-US" dirty="0" smtClean="0"/>
+              <a:t>stimuli overlay with GLM results</a:t>
+            </a:r>
+          </a:p>
+          <a:p>
+            <a:pPr lvl="1"/>
+            <a:endParaRPr lang="en-US" dirty="0" smtClean="0"/>
+          </a:p>
+          <a:p>
+            <a:pPr lvl="1"/>
+            <a:r>
+              <a:rPr lang="en-US" dirty="0" smtClean="0"/>
+              <a:t>BLUE: ISC ROIs</a:t>
+            </a:r>
+          </a:p>
+          <a:p>
+            <a:pPr lvl="1"/>
+            <a:r>
+              <a:rPr lang="en-US" dirty="0" smtClean="0"/>
+              <a:t>RED: GLM activation</a:t>
+            </a:r>
+            <a:endParaRPr lang="en-US" dirty="0" smtClean="0"/>
+          </a:p>
+        </p:txBody>
+      </p:sp>
+      <p:sp>
+        <p:nvSpPr>
+          <p:cNvPr id="9" name="TextBox 8"/>
+          <p:cNvSpPr txBox="1"/>
+          <p:nvPr/>
+        </p:nvSpPr>
+        <p:spPr>
+          <a:xfrm>
+            <a:off x="211674" y="2814176"/>
+            <a:ext cx="874796" cy="369332"/>
+          </a:xfrm>
+          <a:prstGeom prst="rect">
+            <a:avLst/>
+          </a:prstGeom>
+          <a:noFill/>
+        </p:spPr>
+        <p:txBody>
+          <a:bodyPr wrap="none" rtlCol="0">
+            <a:spAutoFit/>
+          </a:bodyPr>
+          <a:lstStyle/>
+          <a:p>
+            <a:r>
+              <a:rPr lang="en-CA" dirty="0" smtClean="0"/>
+              <a:t>Spoken</a:t>
+            </a:r>
+          </a:p>
+        </p:txBody>
+      </p:sp>
+      <p:sp>
+        <p:nvSpPr>
+          <p:cNvPr id="10" name="TextBox 9"/>
+          <p:cNvSpPr txBox="1"/>
+          <p:nvPr/>
+        </p:nvSpPr>
+        <p:spPr>
+          <a:xfrm>
+            <a:off x="2069916" y="4199336"/>
+            <a:ext cx="1031239" cy="369332"/>
+          </a:xfrm>
+          <a:prstGeom prst="rect">
+            <a:avLst/>
+          </a:prstGeom>
+          <a:noFill/>
+        </p:spPr>
+        <p:txBody>
+          <a:bodyPr wrap="none" rtlCol="0">
+            <a:spAutoFit/>
+          </a:bodyPr>
+          <a:lstStyle/>
+          <a:p>
+            <a:r>
+              <a:rPr lang="en-CA" dirty="0" smtClean="0"/>
+              <a:t>A </a:t>
+            </a:r>
+            <a:r>
+              <a:rPr lang="en-CA" dirty="0" err="1" smtClean="0"/>
+              <a:t>capella</a:t>
+            </a:r>
+            <a:endParaRPr lang="en-CA" dirty="0" smtClean="0"/>
+          </a:p>
+        </p:txBody>
+      </p:sp>
+      <p:sp>
+        <p:nvSpPr>
+          <p:cNvPr id="11" name="TextBox 10"/>
+          <p:cNvSpPr txBox="1"/>
+          <p:nvPr/>
+        </p:nvSpPr>
+        <p:spPr>
+          <a:xfrm>
+            <a:off x="4027770" y="5385261"/>
+            <a:ext cx="800858" cy="369332"/>
+          </a:xfrm>
+          <a:prstGeom prst="rect">
+            <a:avLst/>
+          </a:prstGeom>
+          <a:noFill/>
+        </p:spPr>
+        <p:txBody>
+          <a:bodyPr wrap="none" rtlCol="0">
+            <a:spAutoFit/>
+          </a:bodyPr>
+          <a:lstStyle/>
+          <a:p>
+            <a:r>
+              <a:rPr lang="en-CA" dirty="0" smtClean="0"/>
+              <a:t>Whole</a:t>
+            </a:r>
+          </a:p>
+        </p:txBody>
+      </p:sp>
+      <p:sp>
+        <p:nvSpPr>
+          <p:cNvPr id="12" name="TextBox 11"/>
+          <p:cNvSpPr txBox="1"/>
+          <p:nvPr/>
+        </p:nvSpPr>
+        <p:spPr>
+          <a:xfrm>
+            <a:off x="4752934" y="6488668"/>
+            <a:ext cx="1394845" cy="369332"/>
+          </a:xfrm>
+          <a:prstGeom prst="rect">
+            <a:avLst/>
+          </a:prstGeom>
+          <a:noFill/>
+        </p:spPr>
+        <p:txBody>
+          <a:bodyPr wrap="none" rtlCol="0">
+            <a:spAutoFit/>
+          </a:bodyPr>
+          <a:lstStyle/>
+          <a:p>
+            <a:r>
+              <a:rPr lang="en-CA" dirty="0" smtClean="0"/>
+              <a:t>Instrumental</a:t>
+            </a:r>
+          </a:p>
+        </p:txBody>
+      </p:sp>
+      <p:pic>
+        <p:nvPicPr>
+          <p:cNvPr id="2" name="Picture 1" descr="s2.png"/>
+          <p:cNvPicPr>
+            <a:picLocks noChangeAspect="1"/>
+          </p:cNvPicPr>
+          <p:nvPr/>
+        </p:nvPicPr>
+        <p:blipFill>
+          <a:blip r:embed="rId2">
+            <a:extLst>
+              <a:ext uri="{28A0092B-C50C-407E-A947-70E740481C1C}">
+                <a14:useLocalDpi xmlns:a14="http://schemas.microsoft.com/office/drawing/2010/main" val="0"/>
+              </a:ext>
+            </a:extLst>
+          </a:blip>
+          <a:stretch>
+            <a:fillRect/>
+          </a:stretch>
+        </p:blipFill>
+        <p:spPr>
+          <a:xfrm>
+            <a:off x="273932" y="136973"/>
+            <a:ext cx="2740604" cy="2797046"/>
+          </a:xfrm>
+          <a:prstGeom prst="rect">
+            <a:avLst/>
+          </a:prstGeom>
+        </p:spPr>
+      </p:pic>
+      <p:pic>
+        <p:nvPicPr>
+          <p:cNvPr id="8" name="Picture 7" descr="a2.png"/>
+          <p:cNvPicPr>
+            <a:picLocks noChangeAspect="1"/>
+          </p:cNvPicPr>
+          <p:nvPr/>
+        </p:nvPicPr>
+        <p:blipFill>
+          <a:blip r:embed="rId3">
+            <a:extLst>
+              <a:ext uri="{28A0092B-C50C-407E-A947-70E740481C1C}">
+                <a14:useLocalDpi xmlns:a14="http://schemas.microsoft.com/office/drawing/2010/main" val="0"/>
+              </a:ext>
+            </a:extLst>
+          </a:blip>
+          <a:stretch>
+            <a:fillRect/>
+          </a:stretch>
+        </p:blipFill>
+        <p:spPr>
+          <a:xfrm>
+            <a:off x="2091836" y="1437440"/>
+            <a:ext cx="2764212" cy="2821141"/>
+          </a:xfrm>
+          <a:prstGeom prst="rect">
+            <a:avLst/>
+          </a:prstGeom>
+        </p:spPr>
+      </p:pic>
+      <p:pic>
+        <p:nvPicPr>
+          <p:cNvPr id="13" name="Picture 12" descr="w2.png"/>
+          <p:cNvPicPr>
+            <a:picLocks noChangeAspect="1"/>
+          </p:cNvPicPr>
+          <p:nvPr/>
+        </p:nvPicPr>
+        <p:blipFill>
+          <a:blip r:embed="rId4">
+            <a:extLst>
+              <a:ext uri="{28A0092B-C50C-407E-A947-70E740481C1C}">
+                <a14:useLocalDpi xmlns:a14="http://schemas.microsoft.com/office/drawing/2010/main" val="0"/>
+              </a:ext>
+            </a:extLst>
+          </a:blip>
+          <a:stretch>
+            <a:fillRect/>
+          </a:stretch>
+        </p:blipFill>
+        <p:spPr>
+          <a:xfrm>
+            <a:off x="4158768" y="2660659"/>
+            <a:ext cx="2739310" cy="2795726"/>
+          </a:xfrm>
+          <a:prstGeom prst="rect">
+            <a:avLst/>
+          </a:prstGeom>
+        </p:spPr>
+      </p:pic>
+      <p:pic>
+        <p:nvPicPr>
+          <p:cNvPr id="14" name="Picture 13" descr="i2.png"/>
+          <p:cNvPicPr>
+            <a:picLocks noChangeAspect="1"/>
+          </p:cNvPicPr>
+          <p:nvPr/>
+        </p:nvPicPr>
+        <p:blipFill>
+          <a:blip r:embed="rId5">
+            <a:extLst>
+              <a:ext uri="{28A0092B-C50C-407E-A947-70E740481C1C}">
+                <a14:useLocalDpi xmlns:a14="http://schemas.microsoft.com/office/drawing/2010/main" val="0"/>
+              </a:ext>
+            </a:extLst>
+          </a:blip>
+          <a:stretch>
+            <a:fillRect/>
+          </a:stretch>
+        </p:blipFill>
+        <p:spPr>
+          <a:xfrm>
+            <a:off x="6224024" y="4015148"/>
+            <a:ext cx="2678729" cy="2733897"/>
+          </a:xfrm>
+          <a:prstGeom prst="rect">
+            <a:avLst/>
+          </a:prstGeom>
+        </p:spPr>
+      </p:pic>
     </p:spTree>
     <p:extLst>
       <p:ext uri="{BB962C8B-B14F-4D97-AF65-F5344CB8AC3E}">
-        <p14:creationId xmlns:p14="http://schemas.microsoft.com/office/powerpoint/2010/main" val="1094768388"/>
+        <p14:creationId xmlns:p14="http://schemas.microsoft.com/office/powerpoint/2010/main" val="1805455884"/>
       </p:ext>
     </p:extLst>
   </p:cSld>
   <p:clrMapOvr>
     <a:masterClrMapping/>
   </p:clrMapOvr>
+  <p:timing>
+    <p:tnLst>
+      <p:par>
+        <p:cTn xmlns:p14="http://schemas.microsoft.com/office/powerpoint/2010/main" id="1" dur="indefinite" restart="never" nodeType="tmRoot"/>
+      </p:par>
+    </p:tnLst>
+  </p:timing>
 </p:sld>
 </file>
 
@@ -6338,8 +9224,8 @@
           <a:lstStyle/>
           <a:p>
             <a:r>
-              <a:rPr lang="en-US" dirty="0" smtClean="0"/>
-              <a:t>ISC stats</a:t>
+              <a:rPr lang="en-CA" dirty="0" smtClean="0"/>
+              <a:t>Familiarity</a:t>
             </a:r>
             <a:endParaRPr lang="en-CA" dirty="0"/>
           </a:p>
@@ -6357,9 +9243,7 @@
         </p:nvSpPr>
         <p:spPr/>
         <p:txBody>
-          <a:bodyPr>
-            <a:normAutofit lnSpcReduction="10000"/>
-          </a:bodyPr>
+          <a:bodyPr/>
           <a:lstStyle/>
           <a:p>
             <a:r>
@@ -6372,7 +9256,15 @@
             </a:r>
             <a:r>
               <a:rPr lang="en-US" dirty="0"/>
-              <a:t> x stim type)</a:t>
+              <a:t> x </a:t>
+            </a:r>
+            <a:r>
+              <a:rPr lang="en-US" dirty="0" err="1"/>
+              <a:t>stim</a:t>
+            </a:r>
+            <a:r>
+              <a:rPr lang="en-US" dirty="0"/>
+              <a:t> type)</a:t>
             </a:r>
           </a:p>
           <a:p>
@@ -6383,88 +9275,117 @@
             </a:r>
           </a:p>
           <a:p>
+            <a:endParaRPr lang="en-US" dirty="0" smtClean="0"/>
+          </a:p>
+          <a:p>
             <a:r>
               <a:rPr lang="en-US" dirty="0" smtClean="0"/>
-              <a:t>Within Session 2:</a:t>
-            </a:r>
-          </a:p>
-          <a:p>
-            <a:pPr lvl="1"/>
+              <a:t>T</a:t>
+            </a:r>
+            <a:r>
+              <a:rPr lang="en-US" dirty="0"/>
+              <a:t>-</a:t>
+            </a:r>
             <a:r>
               <a:rPr lang="en-US" dirty="0" smtClean="0"/>
-              <a:t>Familiar stimuli differentiated by Cerebellum 7b_R only</a:t>
-            </a:r>
-          </a:p>
-          <a:p>
-            <a:pPr lvl="1"/>
+              <a:t>tests: no </a:t>
+            </a:r>
+            <a:r>
+              <a:rPr lang="en-US" dirty="0"/>
+              <a:t>difference between synchrony in familiar and unfamiliar </a:t>
+            </a:r>
+            <a:r>
+              <a:rPr lang="en-US" dirty="0" err="1"/>
+              <a:t>stim</a:t>
+            </a:r>
+            <a:r>
+              <a:rPr lang="en-US" dirty="0"/>
+              <a:t> in Session </a:t>
+            </a:r>
             <a:r>
               <a:rPr lang="en-US" dirty="0" smtClean="0"/>
-              <a:t>Unfamiliar stim differentiate by Frontal Operculum only</a:t>
-            </a:r>
-          </a:p>
-          <a:p>
-            <a:pPr lvl="1"/>
+              <a:t>2</a:t>
+            </a:r>
+          </a:p>
+          <a:p>
+            <a:endParaRPr lang="en-US" dirty="0" smtClean="0"/>
+          </a:p>
+          <a:p>
+            <a:r>
+              <a:rPr lang="en-US" dirty="0" smtClean="0"/>
+              <a:t>T</a:t>
+            </a:r>
+            <a:r>
+              <a:rPr lang="en-US" dirty="0"/>
+              <a:t>-</a:t>
+            </a:r>
+            <a:r>
+              <a:rPr lang="en-US" dirty="0" smtClean="0"/>
+              <a:t>tests: some differences </a:t>
+            </a:r>
+            <a:r>
+              <a:rPr lang="en-US" dirty="0"/>
+              <a:t>in some ROIs between </a:t>
+            </a:r>
+            <a:r>
+              <a:rPr lang="en-US" dirty="0" smtClean="0"/>
+              <a:t>ISC in </a:t>
+            </a:r>
+            <a:r>
+              <a:rPr lang="en-US" dirty="0"/>
+              <a:t>familiar </a:t>
+            </a:r>
+            <a:r>
+              <a:rPr lang="en-US" dirty="0" err="1"/>
+              <a:t>stim</a:t>
+            </a:r>
+            <a:r>
+              <a:rPr lang="en-US" dirty="0"/>
+              <a:t> </a:t>
+            </a:r>
+            <a:r>
+              <a:rPr lang="en-US" dirty="0" smtClean="0"/>
+              <a:t>across session with </a:t>
+            </a:r>
+            <a:r>
+              <a:rPr lang="en-US" dirty="0" err="1"/>
+              <a:t>ses</a:t>
+            </a:r>
+            <a:r>
+              <a:rPr lang="en-US" dirty="0"/>
+              <a:t> 1 &gt; </a:t>
+            </a:r>
+            <a:r>
+              <a:rPr lang="en-US" dirty="0" err="1"/>
+              <a:t>ses</a:t>
+            </a:r>
+            <a:r>
+              <a:rPr lang="en-US" dirty="0"/>
+              <a:t> 2</a:t>
+            </a:r>
+          </a:p>
+          <a:p>
             <a:endParaRPr lang="en-US" dirty="0"/>
-          </a:p>
-          <a:p>
-            <a:r>
-              <a:rPr lang="en-US" dirty="0" smtClean="0"/>
-              <a:t>T-tests show no difference between synchrony in familiar and unfamiliar stim in Session 2</a:t>
-            </a:r>
-          </a:p>
-          <a:p>
-            <a:r>
-              <a:rPr lang="en-US" dirty="0" smtClean="0"/>
-              <a:t>T-tests show differences in some ROIs between synchrony in familiar stim between </a:t>
-            </a:r>
-            <a:r>
-              <a:rPr lang="en-US" dirty="0" err="1" smtClean="0"/>
-              <a:t>ses</a:t>
-            </a:r>
-            <a:r>
-              <a:rPr lang="en-US" dirty="0" smtClean="0"/>
-              <a:t> 1 and </a:t>
-            </a:r>
-            <a:r>
-              <a:rPr lang="en-US" dirty="0" err="1" smtClean="0"/>
-              <a:t>ses</a:t>
-            </a:r>
-            <a:r>
-              <a:rPr lang="en-US" dirty="0" smtClean="0"/>
-              <a:t> 2 with </a:t>
-            </a:r>
-            <a:r>
-              <a:rPr lang="en-US" dirty="0" err="1" smtClean="0"/>
-              <a:t>ses</a:t>
-            </a:r>
-            <a:r>
-              <a:rPr lang="en-US" dirty="0" smtClean="0"/>
-              <a:t> 1 &gt; </a:t>
-            </a:r>
-            <a:r>
-              <a:rPr lang="en-US" dirty="0" err="1" smtClean="0"/>
-              <a:t>ses</a:t>
-            </a:r>
-            <a:r>
-              <a:rPr lang="en-US" dirty="0" smtClean="0"/>
-              <a:t> 2</a:t>
-            </a:r>
-          </a:p>
-          <a:p>
-            <a:endParaRPr lang="en-CA" dirty="0"/>
           </a:p>
         </p:txBody>
       </p:sp>
     </p:spTree>
     <p:extLst>
       <p:ext uri="{BB962C8B-B14F-4D97-AF65-F5344CB8AC3E}">
-        <p14:creationId xmlns:p14="http://schemas.microsoft.com/office/powerpoint/2010/main" val="1327257544"/>
+        <p14:creationId xmlns:p14="http://schemas.microsoft.com/office/powerpoint/2010/main" val="1984884737"/>
       </p:ext>
     </p:extLst>
   </p:cSld>
   <p:clrMapOvr>
     <a:masterClrMapping/>
   </p:clrMapOvr>
+  <p:timing>
+    <p:tnLst>
+      <p:par>
+        <p:cTn xmlns:p14="http://schemas.microsoft.com/office/powerpoint/2010/main" id="1" dur="indefinite" restart="never" nodeType="tmRoot"/>
+      </p:par>
+    </p:tnLst>
+  </p:timing>
 </p:sld>
 </file>
 
@@ -6485,58 +9406,682 @@
           <a:chExt cx="0" cy="0"/>
         </a:xfrm>
       </p:grpSpPr>
-      <p:sp>
-        <p:nvSpPr>
-          <p:cNvPr id="2" name="Title 1"/>
-          <p:cNvSpPr>
-            <a:spLocks noGrp="1"/>
-          </p:cNvSpPr>
-          <p:nvPr>
-            <p:ph type="title"/>
-          </p:nvPr>
-        </p:nvSpPr>
-        <p:spPr/>
-        <p:txBody>
-          <a:bodyPr/>
+      <p:grpSp>
+        <p:nvGrpSpPr>
+          <p:cNvPr id="27" name="Group 26"/>
+          <p:cNvGrpSpPr/>
+          <p:nvPr/>
+        </p:nvGrpSpPr>
+        <p:grpSpPr>
+          <a:xfrm>
+            <a:off x="-721936" y="519876"/>
+            <a:ext cx="10571404" cy="6338124"/>
+            <a:chOff x="-721936" y="519876"/>
+            <a:chExt cx="10571404" cy="6338124"/>
+          </a:xfrm>
+        </p:grpSpPr>
+        <p:pic>
+          <p:nvPicPr>
+            <p:cNvPr id="24" name="Picture 23" descr="ISCTimecourses_Heschels (1).png"/>
+            <p:cNvPicPr>
+              <a:picLocks noChangeAspect="1"/>
+            </p:cNvPicPr>
+            <p:nvPr/>
+          </p:nvPicPr>
+          <p:blipFill>
+            <a:blip r:embed="rId2">
+              <a:extLst>
+                <a:ext uri="{28A0092B-C50C-407E-A947-70E740481C1C}">
+                  <a14:useLocalDpi xmlns:a14="http://schemas.microsoft.com/office/drawing/2010/main" val="0"/>
+                </a:ext>
+              </a:extLst>
+            </a:blip>
+            <a:stretch>
+              <a:fillRect/>
+            </a:stretch>
+          </p:blipFill>
+          <p:spPr>
+            <a:xfrm>
+              <a:off x="-721936" y="868535"/>
+              <a:ext cx="10571404" cy="5989465"/>
+            </a:xfrm>
+            <a:prstGeom prst="rect">
+              <a:avLst/>
+            </a:prstGeom>
+          </p:spPr>
+        </p:pic>
+        <p:sp>
+          <p:nvSpPr>
+            <p:cNvPr id="5" name="TextBox 4"/>
+            <p:cNvSpPr txBox="1"/>
+            <p:nvPr/>
+          </p:nvSpPr>
+          <p:spPr>
+            <a:xfrm>
+              <a:off x="311286" y="1291907"/>
+              <a:ext cx="290727" cy="369332"/>
+            </a:xfrm>
+            <a:prstGeom prst="rect">
+              <a:avLst/>
+            </a:prstGeom>
+            <a:noFill/>
+          </p:spPr>
+          <p:txBody>
+            <a:bodyPr wrap="none" rtlCol="0">
+              <a:spAutoFit/>
+            </a:bodyPr>
+            <a:lstStyle/>
+            <a:p>
+              <a:r>
+                <a:rPr lang="en-CA" dirty="0" smtClean="0"/>
+                <a:t>S</a:t>
+              </a:r>
+            </a:p>
+          </p:txBody>
+        </p:sp>
+        <p:sp>
+          <p:nvSpPr>
+            <p:cNvPr id="6" name="TextBox 5"/>
+            <p:cNvSpPr txBox="1"/>
+            <p:nvPr/>
+          </p:nvSpPr>
+          <p:spPr>
+            <a:xfrm>
+              <a:off x="314269" y="1867679"/>
+              <a:ext cx="290727" cy="369332"/>
+            </a:xfrm>
+            <a:prstGeom prst="rect">
+              <a:avLst/>
+            </a:prstGeom>
+            <a:noFill/>
+          </p:spPr>
+          <p:txBody>
+            <a:bodyPr wrap="none" rtlCol="0">
+              <a:spAutoFit/>
+            </a:bodyPr>
+            <a:lstStyle/>
+            <a:p>
+              <a:r>
+                <a:rPr lang="en-CA" dirty="0" smtClean="0"/>
+                <a:t>S</a:t>
+              </a:r>
+            </a:p>
+          </p:txBody>
+        </p:sp>
+        <p:sp>
+          <p:nvSpPr>
+            <p:cNvPr id="7" name="TextBox 6"/>
+            <p:cNvSpPr txBox="1"/>
+            <p:nvPr/>
+          </p:nvSpPr>
+          <p:spPr>
+            <a:xfrm>
+              <a:off x="301817" y="2502736"/>
+              <a:ext cx="318229" cy="369332"/>
+            </a:xfrm>
+            <a:prstGeom prst="rect">
+              <a:avLst/>
+            </a:prstGeom>
+            <a:noFill/>
+          </p:spPr>
+          <p:txBody>
+            <a:bodyPr wrap="none" rtlCol="0">
+              <a:spAutoFit/>
+            </a:bodyPr>
+            <a:lstStyle/>
+            <a:p>
+              <a:r>
+                <a:rPr lang="en-CA" dirty="0" smtClean="0"/>
+                <a:t>A</a:t>
+              </a:r>
+            </a:p>
+          </p:txBody>
+        </p:sp>
+        <p:sp>
+          <p:nvSpPr>
+            <p:cNvPr id="8" name="TextBox 7"/>
+            <p:cNvSpPr txBox="1"/>
+            <p:nvPr/>
+          </p:nvSpPr>
+          <p:spPr>
+            <a:xfrm>
+              <a:off x="314267" y="3187602"/>
+              <a:ext cx="318229" cy="369332"/>
+            </a:xfrm>
+            <a:prstGeom prst="rect">
+              <a:avLst/>
+            </a:prstGeom>
+            <a:noFill/>
+          </p:spPr>
+          <p:txBody>
+            <a:bodyPr wrap="none" rtlCol="0">
+              <a:spAutoFit/>
+            </a:bodyPr>
+            <a:lstStyle/>
+            <a:p>
+              <a:r>
+                <a:rPr lang="en-CA" dirty="0" smtClean="0"/>
+                <a:t>A</a:t>
+              </a:r>
+            </a:p>
+          </p:txBody>
+        </p:sp>
+        <p:sp>
+          <p:nvSpPr>
+            <p:cNvPr id="9" name="TextBox 8"/>
+            <p:cNvSpPr txBox="1"/>
+            <p:nvPr/>
+          </p:nvSpPr>
+          <p:spPr>
+            <a:xfrm>
+              <a:off x="289365" y="3835112"/>
+              <a:ext cx="242825" cy="369332"/>
+            </a:xfrm>
+            <a:prstGeom prst="rect">
+              <a:avLst/>
+            </a:prstGeom>
+            <a:noFill/>
+          </p:spPr>
+          <p:txBody>
+            <a:bodyPr wrap="none" rtlCol="0">
+              <a:spAutoFit/>
+            </a:bodyPr>
+            <a:lstStyle/>
+            <a:p>
+              <a:r>
+                <a:rPr lang="en-CA" dirty="0" smtClean="0"/>
+                <a:t>I</a:t>
+              </a:r>
+            </a:p>
+          </p:txBody>
+        </p:sp>
+        <p:sp>
+          <p:nvSpPr>
+            <p:cNvPr id="10" name="TextBox 9"/>
+            <p:cNvSpPr txBox="1"/>
+            <p:nvPr/>
+          </p:nvSpPr>
+          <p:spPr>
+            <a:xfrm>
+              <a:off x="298833" y="4504552"/>
+              <a:ext cx="242825" cy="369332"/>
+            </a:xfrm>
+            <a:prstGeom prst="rect">
+              <a:avLst/>
+            </a:prstGeom>
+            <a:noFill/>
+          </p:spPr>
+          <p:txBody>
+            <a:bodyPr wrap="none" rtlCol="0">
+              <a:spAutoFit/>
+            </a:bodyPr>
+            <a:lstStyle/>
+            <a:p>
+              <a:r>
+                <a:rPr lang="en-CA" dirty="0"/>
+                <a:t>I</a:t>
+              </a:r>
+              <a:endParaRPr lang="en-CA" dirty="0" smtClean="0"/>
+            </a:p>
+          </p:txBody>
+        </p:sp>
+        <p:sp>
+          <p:nvSpPr>
+            <p:cNvPr id="11" name="TextBox 10"/>
+            <p:cNvSpPr txBox="1"/>
+            <p:nvPr/>
+          </p:nvSpPr>
+          <p:spPr>
+            <a:xfrm>
+              <a:off x="249028" y="5189418"/>
+              <a:ext cx="390026" cy="369332"/>
+            </a:xfrm>
+            <a:prstGeom prst="rect">
+              <a:avLst/>
+            </a:prstGeom>
+            <a:noFill/>
+          </p:spPr>
+          <p:txBody>
+            <a:bodyPr wrap="none" rtlCol="0">
+              <a:spAutoFit/>
+            </a:bodyPr>
+            <a:lstStyle/>
+            <a:p>
+              <a:r>
+                <a:rPr lang="en-CA" dirty="0" smtClean="0"/>
+                <a:t>W</a:t>
+              </a:r>
+            </a:p>
+          </p:txBody>
+        </p:sp>
+        <p:sp>
+          <p:nvSpPr>
+            <p:cNvPr id="12" name="TextBox 11"/>
+            <p:cNvSpPr txBox="1"/>
+            <p:nvPr/>
+          </p:nvSpPr>
+          <p:spPr>
+            <a:xfrm>
+              <a:off x="286383" y="5861832"/>
+              <a:ext cx="390026" cy="369332"/>
+            </a:xfrm>
+            <a:prstGeom prst="rect">
+              <a:avLst/>
+            </a:prstGeom>
+            <a:noFill/>
+          </p:spPr>
+          <p:txBody>
+            <a:bodyPr wrap="none" rtlCol="0">
+              <a:spAutoFit/>
+            </a:bodyPr>
+            <a:lstStyle/>
+            <a:p>
+              <a:r>
+                <a:rPr lang="en-CA" dirty="0"/>
+                <a:t>W</a:t>
+              </a:r>
+              <a:endParaRPr lang="en-CA" dirty="0" smtClean="0"/>
+            </a:p>
+          </p:txBody>
+        </p:sp>
+        <p:sp>
+          <p:nvSpPr>
+            <p:cNvPr id="13" name="TextBox 12"/>
+            <p:cNvSpPr txBox="1"/>
+            <p:nvPr/>
+          </p:nvSpPr>
+          <p:spPr>
+            <a:xfrm>
+              <a:off x="1133077" y="694206"/>
+              <a:ext cx="1051302" cy="369332"/>
+            </a:xfrm>
+            <a:prstGeom prst="rect">
+              <a:avLst/>
+            </a:prstGeom>
+            <a:noFill/>
+          </p:spPr>
+          <p:txBody>
+            <a:bodyPr wrap="none" rtlCol="0">
+              <a:spAutoFit/>
+            </a:bodyPr>
+            <a:lstStyle/>
+            <a:p>
+              <a:r>
+                <a:rPr lang="en-CA" dirty="0" smtClean="0"/>
+                <a:t>Session 1</a:t>
+              </a:r>
+              <a:endParaRPr lang="en-CA" dirty="0"/>
+            </a:p>
+          </p:txBody>
+        </p:sp>
+        <p:sp>
+          <p:nvSpPr>
+            <p:cNvPr id="14" name="TextBox 13"/>
+            <p:cNvSpPr txBox="1"/>
+            <p:nvPr/>
+          </p:nvSpPr>
+          <p:spPr>
+            <a:xfrm>
+              <a:off x="4009353" y="544781"/>
+              <a:ext cx="1051302" cy="646331"/>
+            </a:xfrm>
+            <a:prstGeom prst="rect">
+              <a:avLst/>
+            </a:prstGeom>
+            <a:noFill/>
+          </p:spPr>
+          <p:txBody>
+            <a:bodyPr wrap="none" rtlCol="0">
+              <a:spAutoFit/>
+            </a:bodyPr>
+            <a:lstStyle/>
+            <a:p>
+              <a:r>
+                <a:rPr lang="en-CA" dirty="0" smtClean="0"/>
+                <a:t>Session 2 </a:t>
+              </a:r>
+            </a:p>
+            <a:p>
+              <a:r>
+                <a:rPr lang="en-CA" dirty="0" smtClean="0"/>
+                <a:t>Group A</a:t>
+              </a:r>
+              <a:endParaRPr lang="en-CA" dirty="0"/>
+            </a:p>
+          </p:txBody>
+        </p:sp>
+        <p:sp>
+          <p:nvSpPr>
+            <p:cNvPr id="15" name="TextBox 14"/>
+            <p:cNvSpPr txBox="1"/>
+            <p:nvPr/>
+          </p:nvSpPr>
+          <p:spPr>
+            <a:xfrm>
+              <a:off x="6985238" y="519876"/>
+              <a:ext cx="1051302" cy="646331"/>
+            </a:xfrm>
+            <a:prstGeom prst="rect">
+              <a:avLst/>
+            </a:prstGeom>
+            <a:noFill/>
+          </p:spPr>
+          <p:txBody>
+            <a:bodyPr wrap="none" rtlCol="0">
+              <a:spAutoFit/>
+            </a:bodyPr>
+            <a:lstStyle/>
+            <a:p>
+              <a:r>
+                <a:rPr lang="en-CA" dirty="0" smtClean="0"/>
+                <a:t>Session 2 </a:t>
+              </a:r>
+            </a:p>
+            <a:p>
+              <a:r>
+                <a:rPr lang="en-CA" dirty="0" smtClean="0"/>
+                <a:t>Group B</a:t>
+              </a:r>
+              <a:endParaRPr lang="en-CA" dirty="0"/>
+            </a:p>
+          </p:txBody>
+        </p:sp>
+        <p:sp>
+          <p:nvSpPr>
+            <p:cNvPr id="16" name="TextBox 15"/>
+            <p:cNvSpPr txBox="1"/>
+            <p:nvPr/>
+          </p:nvSpPr>
+          <p:spPr>
+            <a:xfrm>
+              <a:off x="3112852" y="1267003"/>
+              <a:ext cx="573094" cy="338554"/>
+            </a:xfrm>
+            <a:prstGeom prst="rect">
+              <a:avLst/>
+            </a:prstGeom>
+            <a:noFill/>
+          </p:spPr>
+          <p:txBody>
+            <a:bodyPr wrap="none" rtlCol="0">
+              <a:spAutoFit/>
+            </a:bodyPr>
+            <a:lstStyle/>
+            <a:p>
+              <a:r>
+                <a:rPr lang="en-CA" sz="1600" dirty="0" smtClean="0"/>
+                <a:t>FAM</a:t>
+              </a:r>
+              <a:endParaRPr lang="en-CA" sz="1600" dirty="0"/>
+            </a:p>
+          </p:txBody>
+        </p:sp>
+        <p:sp>
+          <p:nvSpPr>
+            <p:cNvPr id="17" name="TextBox 16"/>
+            <p:cNvSpPr txBox="1"/>
+            <p:nvPr/>
+          </p:nvSpPr>
+          <p:spPr>
+            <a:xfrm>
+              <a:off x="3165641" y="2577449"/>
+              <a:ext cx="573094" cy="338554"/>
+            </a:xfrm>
+            <a:prstGeom prst="rect">
+              <a:avLst/>
+            </a:prstGeom>
+            <a:noFill/>
+          </p:spPr>
+          <p:txBody>
+            <a:bodyPr wrap="none" rtlCol="0">
+              <a:spAutoFit/>
+            </a:bodyPr>
+            <a:lstStyle/>
+            <a:p>
+              <a:r>
+                <a:rPr lang="en-CA" sz="1600" dirty="0" smtClean="0"/>
+                <a:t>FAM</a:t>
+              </a:r>
+              <a:endParaRPr lang="en-CA" sz="1600" dirty="0"/>
+            </a:p>
+          </p:txBody>
+        </p:sp>
+        <p:sp>
+          <p:nvSpPr>
+            <p:cNvPr id="18" name="TextBox 17"/>
+            <p:cNvSpPr txBox="1"/>
+            <p:nvPr/>
+          </p:nvSpPr>
+          <p:spPr>
+            <a:xfrm>
+              <a:off x="3140736" y="3897373"/>
+              <a:ext cx="573094" cy="338554"/>
+            </a:xfrm>
+            <a:prstGeom prst="rect">
+              <a:avLst/>
+            </a:prstGeom>
+            <a:noFill/>
+          </p:spPr>
+          <p:txBody>
+            <a:bodyPr wrap="none" rtlCol="0">
+              <a:spAutoFit/>
+            </a:bodyPr>
+            <a:lstStyle/>
+            <a:p>
+              <a:r>
+                <a:rPr lang="en-CA" sz="1600" dirty="0" smtClean="0"/>
+                <a:t>FAM</a:t>
+              </a:r>
+              <a:endParaRPr lang="en-CA" sz="1600" dirty="0"/>
+            </a:p>
+          </p:txBody>
+        </p:sp>
+        <p:sp>
+          <p:nvSpPr>
+            <p:cNvPr id="19" name="TextBox 18"/>
+            <p:cNvSpPr txBox="1"/>
+            <p:nvPr/>
+          </p:nvSpPr>
+          <p:spPr>
+            <a:xfrm>
+              <a:off x="3140735" y="5204845"/>
+              <a:ext cx="573094" cy="338554"/>
+            </a:xfrm>
+            <a:prstGeom prst="rect">
+              <a:avLst/>
+            </a:prstGeom>
+            <a:noFill/>
+          </p:spPr>
+          <p:txBody>
+            <a:bodyPr wrap="none" rtlCol="0">
+              <a:spAutoFit/>
+            </a:bodyPr>
+            <a:lstStyle/>
+            <a:p>
+              <a:r>
+                <a:rPr lang="en-CA" sz="1600" dirty="0" smtClean="0"/>
+                <a:t>FAM</a:t>
+              </a:r>
+              <a:endParaRPr lang="en-CA" sz="1600" dirty="0"/>
+            </a:p>
+          </p:txBody>
+        </p:sp>
+        <p:sp>
+          <p:nvSpPr>
+            <p:cNvPr id="20" name="TextBox 19"/>
+            <p:cNvSpPr txBox="1"/>
+            <p:nvPr/>
+          </p:nvSpPr>
+          <p:spPr>
+            <a:xfrm>
+              <a:off x="5967204" y="1929940"/>
+              <a:ext cx="573094" cy="338554"/>
+            </a:xfrm>
+            <a:prstGeom prst="rect">
+              <a:avLst/>
+            </a:prstGeom>
+            <a:noFill/>
+          </p:spPr>
+          <p:txBody>
+            <a:bodyPr wrap="none" rtlCol="0">
+              <a:spAutoFit/>
+            </a:bodyPr>
+            <a:lstStyle/>
+            <a:p>
+              <a:r>
+                <a:rPr lang="en-CA" sz="1600" dirty="0" smtClean="0"/>
+                <a:t>FAM</a:t>
+              </a:r>
+              <a:endParaRPr lang="en-CA" sz="1600" dirty="0"/>
+            </a:p>
+          </p:txBody>
+        </p:sp>
+        <p:sp>
+          <p:nvSpPr>
+            <p:cNvPr id="21" name="TextBox 20"/>
+            <p:cNvSpPr txBox="1"/>
+            <p:nvPr/>
+          </p:nvSpPr>
+          <p:spPr>
+            <a:xfrm>
+              <a:off x="6019993" y="3240386"/>
+              <a:ext cx="573094" cy="338554"/>
+            </a:xfrm>
+            <a:prstGeom prst="rect">
+              <a:avLst/>
+            </a:prstGeom>
+            <a:noFill/>
+          </p:spPr>
+          <p:txBody>
+            <a:bodyPr wrap="none" rtlCol="0">
+              <a:spAutoFit/>
+            </a:bodyPr>
+            <a:lstStyle/>
+            <a:p>
+              <a:r>
+                <a:rPr lang="en-CA" sz="1600" dirty="0" smtClean="0"/>
+                <a:t>FAM</a:t>
+              </a:r>
+              <a:endParaRPr lang="en-CA" sz="1600" dirty="0"/>
+            </a:p>
+          </p:txBody>
+        </p:sp>
+        <p:sp>
+          <p:nvSpPr>
+            <p:cNvPr id="22" name="TextBox 21"/>
+            <p:cNvSpPr txBox="1"/>
+            <p:nvPr/>
+          </p:nvSpPr>
+          <p:spPr>
+            <a:xfrm>
+              <a:off x="5995088" y="4560310"/>
+              <a:ext cx="573094" cy="338554"/>
+            </a:xfrm>
+            <a:prstGeom prst="rect">
+              <a:avLst/>
+            </a:prstGeom>
+            <a:noFill/>
+          </p:spPr>
+          <p:txBody>
+            <a:bodyPr wrap="none" rtlCol="0">
+              <a:spAutoFit/>
+            </a:bodyPr>
+            <a:lstStyle/>
+            <a:p>
+              <a:r>
+                <a:rPr lang="en-CA" sz="1600" dirty="0" smtClean="0"/>
+                <a:t>FAM</a:t>
+              </a:r>
+              <a:endParaRPr lang="en-CA" sz="1600" dirty="0"/>
+            </a:p>
+          </p:txBody>
+        </p:sp>
+        <p:sp>
+          <p:nvSpPr>
+            <p:cNvPr id="23" name="TextBox 22"/>
+            <p:cNvSpPr txBox="1"/>
+            <p:nvPr/>
+          </p:nvSpPr>
+          <p:spPr>
+            <a:xfrm>
+              <a:off x="5995087" y="5867782"/>
+              <a:ext cx="573094" cy="338554"/>
+            </a:xfrm>
+            <a:prstGeom prst="rect">
+              <a:avLst/>
+            </a:prstGeom>
+            <a:noFill/>
+          </p:spPr>
+          <p:txBody>
+            <a:bodyPr wrap="none" rtlCol="0">
+              <a:spAutoFit/>
+            </a:bodyPr>
+            <a:lstStyle/>
+            <a:p>
+              <a:r>
+                <a:rPr lang="en-CA" sz="1600" dirty="0" smtClean="0"/>
+                <a:t>FAM</a:t>
+              </a:r>
+              <a:endParaRPr lang="en-CA" sz="1600" dirty="0"/>
+            </a:p>
+          </p:txBody>
+        </p:sp>
+      </p:grpSp>
+      <p:sp>
+        <p:nvSpPr>
+          <p:cNvPr id="26" name="TextBox 25"/>
+          <p:cNvSpPr txBox="1"/>
+          <p:nvPr/>
+        </p:nvSpPr>
+        <p:spPr>
+          <a:xfrm>
+            <a:off x="2154093" y="186781"/>
+            <a:ext cx="1662534" cy="369332"/>
+          </a:xfrm>
+          <a:prstGeom prst="rect">
+            <a:avLst/>
+          </a:prstGeom>
+          <a:noFill/>
+        </p:spPr>
+        <p:txBody>
+          <a:bodyPr wrap="none" rtlCol="0">
+            <a:spAutoFit/>
+          </a:bodyPr>
           <a:lstStyle/>
           <a:p>
             <a:r>
-              <a:rPr lang="en-US" dirty="0" smtClean="0"/>
-              <a:t>Summary</a:t>
+              <a:rPr lang="en-CA" dirty="0" err="1" smtClean="0"/>
+              <a:t>Heschel’s</a:t>
+            </a:r>
+            <a:r>
+              <a:rPr lang="en-CA" dirty="0" smtClean="0"/>
+              <a:t> </a:t>
+            </a:r>
+            <a:r>
+              <a:rPr lang="en-CA" dirty="0" err="1" smtClean="0"/>
+              <a:t>Gyrus</a:t>
             </a:r>
             <a:endParaRPr lang="en-CA" dirty="0"/>
-          </a:p>
-        </p:txBody>
-      </p:sp>
-      <p:sp>
-        <p:nvSpPr>
-          <p:cNvPr id="3" name="Content Placeholder 2"/>
-          <p:cNvSpPr>
-            <a:spLocks noGrp="1"/>
-          </p:cNvSpPr>
-          <p:nvPr>
-            <p:ph idx="1"/>
-          </p:nvPr>
-        </p:nvSpPr>
-        <p:spPr/>
-        <p:txBody>
-          <a:bodyPr/>
-          <a:lstStyle/>
-          <a:p>
-            <a:endParaRPr lang="en-CA"/>
           </a:p>
         </p:txBody>
       </p:sp>
     </p:spTree>
     <p:extLst>
       <p:ext uri="{BB962C8B-B14F-4D97-AF65-F5344CB8AC3E}">
-        <p14:creationId xmlns:p14="http://schemas.microsoft.com/office/powerpoint/2010/main" val="3064615176"/>
+        <p14:creationId xmlns:p14="http://schemas.microsoft.com/office/powerpoint/2010/main" val="61544403"/>
       </p:ext>
     </p:extLst>
   </p:cSld>
   <p:clrMapOvr>
     <a:masterClrMapping/>
   </p:clrMapOvr>
+  <p:timing>
+    <p:tnLst>
+      <p:par>
+        <p:cTn xmlns:p14="http://schemas.microsoft.com/office/powerpoint/2010/main" id="1" dur="indefinite" restart="never" nodeType="tmRoot"/>
+      </p:par>
+    </p:tnLst>
+  </p:timing>
 </p:sld>
 </file>
 
@@ -6795,7 +10340,7 @@
   <a:extraClrSchemeLst/>
   <a:extLst>
     <a:ext uri="{05A4C25C-085E-4340-85A3-A5531E510DB2}">
-      <thm15:themeFamily xmlns:thm15="http://schemas.microsoft.com/office/thememl/2012/main" name="Office Theme" id="{62F939B6-93AF-4DB8-9C6B-D6C7DFDC589F}" vid="{4A3C46E8-61CC-4603-A589-7422A47A8E4A}"/>
+      <thm15:themeFamily xmlns:thm15="http://schemas.microsoft.com/office/thememl/2012/main" xmlns="" name="Office Theme" id="{62F939B6-93AF-4DB8-9C6B-D6C7DFDC589F}" vid="{4A3C46E8-61CC-4603-A589-7422A47A8E4A}"/>
     </a:ext>
   </a:extLst>
 </a:theme>
@@ -7056,7 +10601,7 @@
   <a:extraClrSchemeLst/>
   <a:extLst>
     <a:ext uri="{05A4C25C-085E-4340-85A3-A5531E510DB2}">
-      <thm15:themeFamily xmlns:thm15="http://schemas.microsoft.com/office/thememl/2012/main" name="Office Theme" id="{62F939B6-93AF-4DB8-9C6B-D6C7DFDC589F}" vid="{4A3C46E8-61CC-4603-A589-7422A47A8E4A}"/>
+      <thm15:themeFamily xmlns:thm15="http://schemas.microsoft.com/office/thememl/2012/main" xmlns="" name="Office Theme" id="{62F939B6-93AF-4DB8-9C6B-D6C7DFDC589F}" vid="{4A3C46E8-61CC-4603-A589-7422A47A8E4A}"/>
     </a:ext>
   </a:extLst>
 </a:theme>

--- a/Meetings/2019.04.24-ISCSummary-JessAdrianBobbyMeeting.pptx
+++ b/Meetings/2019.04.24-ISCSummary-JessAdrianBobbyMeeting.pptx
@@ -5,24 +5,27 @@
     <p:sldMasterId id="2147483660" r:id="rId1"/>
   </p:sldMasterIdLst>
   <p:notesMasterIdLst>
-    <p:notesMasterId r:id="rId17"/>
+    <p:notesMasterId r:id="rId20"/>
   </p:notesMasterIdLst>
   <p:sldIdLst>
     <p:sldId id="263" r:id="rId2"/>
     <p:sldId id="261" r:id="rId3"/>
-    <p:sldId id="281" r:id="rId4"/>
-    <p:sldId id="276" r:id="rId5"/>
-    <p:sldId id="277" r:id="rId6"/>
-    <p:sldId id="284" r:id="rId7"/>
-    <p:sldId id="285" r:id="rId8"/>
-    <p:sldId id="286" r:id="rId9"/>
-    <p:sldId id="287" r:id="rId10"/>
-    <p:sldId id="288" r:id="rId11"/>
-    <p:sldId id="289" r:id="rId12"/>
-    <p:sldId id="290" r:id="rId13"/>
-    <p:sldId id="291" r:id="rId14"/>
-    <p:sldId id="280" r:id="rId15"/>
-    <p:sldId id="279" r:id="rId16"/>
+    <p:sldId id="292" r:id="rId4"/>
+    <p:sldId id="281" r:id="rId5"/>
+    <p:sldId id="276" r:id="rId6"/>
+    <p:sldId id="277" r:id="rId7"/>
+    <p:sldId id="284" r:id="rId8"/>
+    <p:sldId id="285" r:id="rId9"/>
+    <p:sldId id="293" r:id="rId10"/>
+    <p:sldId id="286" r:id="rId11"/>
+    <p:sldId id="294" r:id="rId12"/>
+    <p:sldId id="287" r:id="rId13"/>
+    <p:sldId id="288" r:id="rId14"/>
+    <p:sldId id="289" r:id="rId15"/>
+    <p:sldId id="290" r:id="rId16"/>
+    <p:sldId id="291" r:id="rId17"/>
+    <p:sldId id="280" r:id="rId18"/>
+    <p:sldId id="279" r:id="rId19"/>
   </p:sldIdLst>
   <p:sldSz cx="9144000" cy="6858000" type="screen4x3"/>
   <p:notesSz cx="6858000" cy="9144000"/>
@@ -123,7 +126,7 @@
   </p:defaultTextStyle>
   <p:extLst>
     <p:ext uri="{EFAFB233-063F-42B5-8137-9DF3F51BA10A}">
-      <p15:sldGuideLst xmlns:p15="http://schemas.microsoft.com/office/powerpoint/2012/main" xmlns="">
+      <p15:sldGuideLst xmlns:p15="http://schemas.microsoft.com/office/powerpoint/2012/main">
         <p15:guide id="1" orient="horz" pos="2160">
           <p15:clr>
             <a:srgbClr val="A4A3A4"/>
@@ -222,7 +225,7 @@
           <a:p>
             <a:fld id="{EA3C5DAC-6FE6-4316-87B7-6031F2D95D9A}" type="datetimeFigureOut">
               <a:rPr lang="en-CA" smtClean="0"/>
-              <a:t>19-04-19</a:t>
+              <a:t>2019-04-23</a:t>
             </a:fld>
             <a:endParaRPr lang="en-CA"/>
           </a:p>
@@ -574,6 +577,90 @@
 </p:notes>
 </file>
 
+<file path=ppt/notesSlides/notesSlide2.xml><?xml version="1.0" encoding="utf-8"?>
+<p:notes xmlns:a="http://schemas.openxmlformats.org/drawingml/2006/main" xmlns:r="http://schemas.openxmlformats.org/officeDocument/2006/relationships" xmlns:p="http://schemas.openxmlformats.org/presentationml/2006/main">
+  <p:cSld>
+    <p:spTree>
+      <p:nvGrpSpPr>
+        <p:cNvPr id="1" name=""/>
+        <p:cNvGrpSpPr/>
+        <p:nvPr/>
+      </p:nvGrpSpPr>
+      <p:grpSpPr>
+        <a:xfrm>
+          <a:off x="0" y="0"/>
+          <a:ext cx="0" cy="0"/>
+          <a:chOff x="0" y="0"/>
+          <a:chExt cx="0" cy="0"/>
+        </a:xfrm>
+      </p:grpSpPr>
+      <p:sp>
+        <p:nvSpPr>
+          <p:cNvPr id="2" name="Slide Image Placeholder 1"/>
+          <p:cNvSpPr>
+            <a:spLocks noGrp="1" noRot="1" noChangeAspect="1"/>
+          </p:cNvSpPr>
+          <p:nvPr>
+            <p:ph type="sldImg"/>
+          </p:nvPr>
+        </p:nvSpPr>
+        <p:spPr/>
+      </p:sp>
+      <p:sp>
+        <p:nvSpPr>
+          <p:cNvPr id="3" name="Notes Placeholder 2"/>
+          <p:cNvSpPr>
+            <a:spLocks noGrp="1"/>
+          </p:cNvSpPr>
+          <p:nvPr>
+            <p:ph type="body" idx="1"/>
+          </p:nvPr>
+        </p:nvSpPr>
+        <p:spPr/>
+        <p:txBody>
+          <a:bodyPr/>
+          <a:lstStyle/>
+          <a:p>
+            <a:endParaRPr lang="en-CA" dirty="0"/>
+          </a:p>
+        </p:txBody>
+      </p:sp>
+      <p:sp>
+        <p:nvSpPr>
+          <p:cNvPr id="4" name="Slide Number Placeholder 3"/>
+          <p:cNvSpPr>
+            <a:spLocks noGrp="1"/>
+          </p:cNvSpPr>
+          <p:nvPr>
+            <p:ph type="sldNum" sz="quarter" idx="10"/>
+          </p:nvPr>
+        </p:nvSpPr>
+        <p:spPr/>
+        <p:txBody>
+          <a:bodyPr/>
+          <a:lstStyle/>
+          <a:p>
+            <a:fld id="{3BA6BF10-2DA0-4528-8D81-019658A32DBE}" type="slidenum">
+              <a:rPr lang="en-CA" smtClean="0"/>
+              <a:t>7</a:t>
+            </a:fld>
+            <a:endParaRPr lang="en-CA"/>
+          </a:p>
+        </p:txBody>
+      </p:sp>
+    </p:spTree>
+    <p:extLst>
+      <p:ext uri="{BB962C8B-B14F-4D97-AF65-F5344CB8AC3E}">
+        <p14:creationId xmlns:p14="http://schemas.microsoft.com/office/powerpoint/2010/main" val="1425342281"/>
+      </p:ext>
+    </p:extLst>
+  </p:cSld>
+  <p:clrMapOvr>
+    <a:masterClrMapping/>
+  </p:clrMapOvr>
+</p:notes>
+</file>
+
 <file path=ppt/slideLayouts/slideLayout1.xml><?xml version="1.0" encoding="utf-8"?>
 <p:sldLayout xmlns:a="http://schemas.openxmlformats.org/drawingml/2006/main" xmlns:r="http://schemas.openxmlformats.org/officeDocument/2006/relationships" xmlns:p="http://schemas.openxmlformats.org/presentationml/2006/main" type="title" preserve="1">
   <p:cSld name="Title Slide">
@@ -705,7 +792,7 @@
           <a:p>
             <a:fld id="{C2FC7127-3C0D-4B0F-A0B9-42504EB5A386}" type="datetimeFigureOut">
               <a:rPr lang="en-CA" smtClean="0"/>
-              <a:t>19-04-19</a:t>
+              <a:t>2019-04-23</a:t>
             </a:fld>
             <a:endParaRPr lang="en-CA"/>
           </a:p>
@@ -875,7 +962,7 @@
           <a:p>
             <a:fld id="{C2FC7127-3C0D-4B0F-A0B9-42504EB5A386}" type="datetimeFigureOut">
               <a:rPr lang="en-CA" smtClean="0"/>
-              <a:t>19-04-19</a:t>
+              <a:t>2019-04-23</a:t>
             </a:fld>
             <a:endParaRPr lang="en-CA"/>
           </a:p>
@@ -1055,7 +1142,7 @@
           <a:p>
             <a:fld id="{C2FC7127-3C0D-4B0F-A0B9-42504EB5A386}" type="datetimeFigureOut">
               <a:rPr lang="en-CA" smtClean="0"/>
-              <a:t>19-04-19</a:t>
+              <a:t>2019-04-23</a:t>
             </a:fld>
             <a:endParaRPr lang="en-CA"/>
           </a:p>
@@ -1225,7 +1312,7 @@
           <a:p>
             <a:fld id="{C2FC7127-3C0D-4B0F-A0B9-42504EB5A386}" type="datetimeFigureOut">
               <a:rPr lang="en-CA" smtClean="0"/>
-              <a:t>19-04-19</a:t>
+              <a:t>2019-04-23</a:t>
             </a:fld>
             <a:endParaRPr lang="en-CA"/>
           </a:p>
@@ -1469,7 +1556,7 @@
           <a:p>
             <a:fld id="{C2FC7127-3C0D-4B0F-A0B9-42504EB5A386}" type="datetimeFigureOut">
               <a:rPr lang="en-CA" smtClean="0"/>
-              <a:t>19-04-19</a:t>
+              <a:t>2019-04-23</a:t>
             </a:fld>
             <a:endParaRPr lang="en-CA"/>
           </a:p>
@@ -1701,7 +1788,7 @@
           <a:p>
             <a:fld id="{C2FC7127-3C0D-4B0F-A0B9-42504EB5A386}" type="datetimeFigureOut">
               <a:rPr lang="en-CA" smtClean="0"/>
-              <a:t>19-04-19</a:t>
+              <a:t>2019-04-23</a:t>
             </a:fld>
             <a:endParaRPr lang="en-CA"/>
           </a:p>
@@ -2068,7 +2155,7 @@
           <a:p>
             <a:fld id="{C2FC7127-3C0D-4B0F-A0B9-42504EB5A386}" type="datetimeFigureOut">
               <a:rPr lang="en-CA" smtClean="0"/>
-              <a:t>19-04-19</a:t>
+              <a:t>2019-04-23</a:t>
             </a:fld>
             <a:endParaRPr lang="en-CA"/>
           </a:p>
@@ -2186,7 +2273,7 @@
           <a:p>
             <a:fld id="{C2FC7127-3C0D-4B0F-A0B9-42504EB5A386}" type="datetimeFigureOut">
               <a:rPr lang="en-CA" smtClean="0"/>
-              <a:t>19-04-19</a:t>
+              <a:t>2019-04-23</a:t>
             </a:fld>
             <a:endParaRPr lang="en-CA"/>
           </a:p>
@@ -2281,7 +2368,7 @@
           <a:p>
             <a:fld id="{C2FC7127-3C0D-4B0F-A0B9-42504EB5A386}" type="datetimeFigureOut">
               <a:rPr lang="en-CA" smtClean="0"/>
-              <a:t>19-04-19</a:t>
+              <a:t>2019-04-23</a:t>
             </a:fld>
             <a:endParaRPr lang="en-CA"/>
           </a:p>
@@ -2558,7 +2645,7 @@
           <a:p>
             <a:fld id="{C2FC7127-3C0D-4B0F-A0B9-42504EB5A386}" type="datetimeFigureOut">
               <a:rPr lang="en-CA" smtClean="0"/>
-              <a:t>19-04-19</a:t>
+              <a:t>2019-04-23</a:t>
             </a:fld>
             <a:endParaRPr lang="en-CA"/>
           </a:p>
@@ -2815,7 +2902,7 @@
           <a:p>
             <a:fld id="{C2FC7127-3C0D-4B0F-A0B9-42504EB5A386}" type="datetimeFigureOut">
               <a:rPr lang="en-CA" smtClean="0"/>
-              <a:t>19-04-19</a:t>
+              <a:t>2019-04-23</a:t>
             </a:fld>
             <a:endParaRPr lang="en-CA"/>
           </a:p>
@@ -3028,7 +3115,7 @@
           <a:p>
             <a:fld id="{C2FC7127-3C0D-4B0F-A0B9-42504EB5A386}" type="datetimeFigureOut">
               <a:rPr lang="en-CA" smtClean="0"/>
-              <a:t>19-04-19</a:t>
+              <a:t>2019-04-23</a:t>
             </a:fld>
             <a:endParaRPr lang="en-CA"/>
           </a:p>
@@ -4329,7 +4416,7 @@
   <p:timing>
     <p:tnLst>
       <p:par>
-        <p:cTn xmlns:p14="http://schemas.microsoft.com/office/powerpoint/2010/main" id="1" dur="indefinite" restart="never" nodeType="tmRoot">
+        <p:cTn id="1" dur="indefinite" restart="never" nodeType="tmRoot">
           <p:childTnLst>
             <p:seq concurrent="1" nextAc="seek">
               <p:cTn id="2" dur="indefinite" nodeType="mainSeq">
@@ -4861,6 +4948,1782 @@
 </file>
 
 <file path=ppt/slides/slide10.xml><?xml version="1.0" encoding="utf-8"?>
+<p:sld xmlns:a="http://schemas.openxmlformats.org/drawingml/2006/main" xmlns:r="http://schemas.openxmlformats.org/officeDocument/2006/relationships" xmlns:p="http://schemas.openxmlformats.org/presentationml/2006/main">
+  <p:cSld>
+    <p:spTree>
+      <p:nvGrpSpPr>
+        <p:cNvPr id="1" name=""/>
+        <p:cNvGrpSpPr/>
+        <p:nvPr/>
+      </p:nvGrpSpPr>
+      <p:grpSpPr>
+        <a:xfrm>
+          <a:off x="0" y="0"/>
+          <a:ext cx="0" cy="0"/>
+          <a:chOff x="0" y="0"/>
+          <a:chExt cx="0" cy="0"/>
+        </a:xfrm>
+      </p:grpSpPr>
+      <p:sp>
+        <p:nvSpPr>
+          <p:cNvPr id="2" name="Title 1"/>
+          <p:cNvSpPr>
+            <a:spLocks noGrp="1"/>
+          </p:cNvSpPr>
+          <p:nvPr>
+            <p:ph type="title"/>
+          </p:nvPr>
+        </p:nvSpPr>
+        <p:spPr/>
+        <p:txBody>
+          <a:bodyPr/>
+          <a:lstStyle/>
+          <a:p>
+            <a:r>
+              <a:rPr lang="en-CA" dirty="0" smtClean="0"/>
+              <a:t>Familiarity</a:t>
+            </a:r>
+            <a:endParaRPr lang="en-CA" dirty="0"/>
+          </a:p>
+        </p:txBody>
+      </p:sp>
+      <p:sp>
+        <p:nvSpPr>
+          <p:cNvPr id="3" name="Content Placeholder 2"/>
+          <p:cNvSpPr>
+            <a:spLocks noGrp="1"/>
+          </p:cNvSpPr>
+          <p:nvPr>
+            <p:ph idx="1"/>
+          </p:nvPr>
+        </p:nvSpPr>
+        <p:spPr/>
+        <p:txBody>
+          <a:bodyPr/>
+          <a:lstStyle/>
+          <a:p>
+            <a:r>
+              <a:rPr lang="en-US" dirty="0"/>
+              <a:t>2x4 ANOVA (</a:t>
+            </a:r>
+            <a:r>
+              <a:rPr lang="en-US" dirty="0" err="1"/>
+              <a:t>ses</a:t>
+            </a:r>
+            <a:r>
+              <a:rPr lang="en-US" dirty="0"/>
+              <a:t> x </a:t>
+            </a:r>
+            <a:r>
+              <a:rPr lang="en-US" dirty="0" err="1"/>
+              <a:t>stim</a:t>
+            </a:r>
+            <a:r>
+              <a:rPr lang="en-US" dirty="0"/>
+              <a:t> type)</a:t>
+            </a:r>
+          </a:p>
+          <a:p>
+            <a:pPr lvl="1"/>
+            <a:r>
+              <a:rPr lang="en-US" dirty="0"/>
+              <a:t>No interactions between type and session</a:t>
+            </a:r>
+          </a:p>
+          <a:p>
+            <a:endParaRPr lang="en-US" dirty="0" smtClean="0"/>
+          </a:p>
+          <a:p>
+            <a:r>
+              <a:rPr lang="en-US" dirty="0" smtClean="0"/>
+              <a:t>T</a:t>
+            </a:r>
+            <a:r>
+              <a:rPr lang="en-US" dirty="0"/>
+              <a:t>-</a:t>
+            </a:r>
+            <a:r>
+              <a:rPr lang="en-US" dirty="0" smtClean="0"/>
+              <a:t>tests: no </a:t>
+            </a:r>
+            <a:r>
+              <a:rPr lang="en-US" dirty="0"/>
+              <a:t>difference between </a:t>
+            </a:r>
+            <a:r>
+              <a:rPr lang="en-US" dirty="0" smtClean="0"/>
+              <a:t>synchrony (or BOLD) </a:t>
+            </a:r>
+            <a:r>
+              <a:rPr lang="en-US" dirty="0"/>
+              <a:t>in familiar and unfamiliar stim in Session </a:t>
+            </a:r>
+            <a:r>
+              <a:rPr lang="en-US" dirty="0" smtClean="0"/>
+              <a:t>2</a:t>
+            </a:r>
+          </a:p>
+          <a:p>
+            <a:endParaRPr lang="en-US" dirty="0" smtClean="0"/>
+          </a:p>
+          <a:p>
+            <a:r>
+              <a:rPr lang="en-US" dirty="0" smtClean="0"/>
+              <a:t>T</a:t>
+            </a:r>
+            <a:r>
+              <a:rPr lang="en-US" dirty="0"/>
+              <a:t>-</a:t>
+            </a:r>
+            <a:r>
+              <a:rPr lang="en-US" dirty="0" smtClean="0"/>
+              <a:t>tests: some differences </a:t>
+            </a:r>
+            <a:r>
+              <a:rPr lang="en-US" dirty="0"/>
+              <a:t>in some ROIs between </a:t>
+            </a:r>
+            <a:r>
+              <a:rPr lang="en-US" dirty="0" smtClean="0"/>
+              <a:t>ISC in </a:t>
+            </a:r>
+            <a:r>
+              <a:rPr lang="en-US" dirty="0"/>
+              <a:t>familiar </a:t>
+            </a:r>
+            <a:r>
+              <a:rPr lang="en-US" dirty="0" err="1"/>
+              <a:t>stim</a:t>
+            </a:r>
+            <a:r>
+              <a:rPr lang="en-US" dirty="0"/>
+              <a:t> </a:t>
+            </a:r>
+            <a:r>
+              <a:rPr lang="en-US" dirty="0" smtClean="0"/>
+              <a:t>across session with </a:t>
+            </a:r>
+            <a:r>
+              <a:rPr lang="en-US" dirty="0" err="1"/>
+              <a:t>ses</a:t>
+            </a:r>
+            <a:r>
+              <a:rPr lang="en-US" dirty="0"/>
+              <a:t> 1 &gt; </a:t>
+            </a:r>
+            <a:r>
+              <a:rPr lang="en-US" dirty="0" err="1"/>
+              <a:t>ses</a:t>
+            </a:r>
+            <a:r>
+              <a:rPr lang="en-US" dirty="0"/>
+              <a:t> 2</a:t>
+            </a:r>
+          </a:p>
+          <a:p>
+            <a:endParaRPr lang="en-US" dirty="0"/>
+          </a:p>
+        </p:txBody>
+      </p:sp>
+    </p:spTree>
+    <p:extLst>
+      <p:ext uri="{BB962C8B-B14F-4D97-AF65-F5344CB8AC3E}">
+        <p14:creationId xmlns:p14="http://schemas.microsoft.com/office/powerpoint/2010/main" val="1984884737"/>
+      </p:ext>
+    </p:extLst>
+  </p:cSld>
+  <p:clrMapOvr>
+    <a:masterClrMapping/>
+  </p:clrMapOvr>
+  <p:timing>
+    <p:tnLst>
+      <p:par>
+        <p:cTn id="1" dur="indefinite" restart="never" nodeType="tmRoot">
+          <p:childTnLst>
+            <p:seq concurrent="1" nextAc="seek">
+              <p:cTn id="2" dur="indefinite" nodeType="mainSeq">
+                <p:childTnLst>
+                  <p:par>
+                    <p:cTn id="3" fill="hold">
+                      <p:stCondLst>
+                        <p:cond delay="indefinite"/>
+                      </p:stCondLst>
+                      <p:childTnLst>
+                        <p:par>
+                          <p:cTn id="4" fill="hold">
+                            <p:stCondLst>
+                              <p:cond delay="0"/>
+                            </p:stCondLst>
+                            <p:childTnLst>
+                              <p:par>
+                                <p:cTn id="5" presetID="1" presetClass="entr" presetSubtype="0" fill="hold" nodeType="clickEffect">
+                                  <p:stCondLst>
+                                    <p:cond delay="0"/>
+                                  </p:stCondLst>
+                                  <p:childTnLst>
+                                    <p:set>
+                                      <p:cBhvr>
+                                        <p:cTn id="6" dur="1" fill="hold">
+                                          <p:stCondLst>
+                                            <p:cond delay="0"/>
+                                          </p:stCondLst>
+                                        </p:cTn>
+                                        <p:tgtEl>
+                                          <p:spTgt spid="3">
+                                            <p:txEl>
+                                              <p:pRg st="3" end="3"/>
+                                            </p:txEl>
+                                          </p:spTgt>
+                                        </p:tgtEl>
+                                        <p:attrNameLst>
+                                          <p:attrName>style.visibility</p:attrName>
+                                        </p:attrNameLst>
+                                      </p:cBhvr>
+                                      <p:to>
+                                        <p:strVal val="visible"/>
+                                      </p:to>
+                                    </p:set>
+                                  </p:childTnLst>
+                                </p:cTn>
+                              </p:par>
+                            </p:childTnLst>
+                          </p:cTn>
+                        </p:par>
+                      </p:childTnLst>
+                    </p:cTn>
+                  </p:par>
+                  <p:par>
+                    <p:cTn id="7" fill="hold">
+                      <p:stCondLst>
+                        <p:cond delay="indefinite"/>
+                      </p:stCondLst>
+                      <p:childTnLst>
+                        <p:par>
+                          <p:cTn id="8" fill="hold">
+                            <p:stCondLst>
+                              <p:cond delay="0"/>
+                            </p:stCondLst>
+                            <p:childTnLst>
+                              <p:par>
+                                <p:cTn id="9" presetID="1" presetClass="entr" presetSubtype="0" fill="hold" nodeType="clickEffect">
+                                  <p:stCondLst>
+                                    <p:cond delay="0"/>
+                                  </p:stCondLst>
+                                  <p:childTnLst>
+                                    <p:set>
+                                      <p:cBhvr>
+                                        <p:cTn id="10" dur="1" fill="hold">
+                                          <p:stCondLst>
+                                            <p:cond delay="0"/>
+                                          </p:stCondLst>
+                                        </p:cTn>
+                                        <p:tgtEl>
+                                          <p:spTgt spid="3">
+                                            <p:txEl>
+                                              <p:pRg st="5" end="5"/>
+                                            </p:txEl>
+                                          </p:spTgt>
+                                        </p:tgtEl>
+                                        <p:attrNameLst>
+                                          <p:attrName>style.visibility</p:attrName>
+                                        </p:attrNameLst>
+                                      </p:cBhvr>
+                                      <p:to>
+                                        <p:strVal val="visible"/>
+                                      </p:to>
+                                    </p:set>
+                                  </p:childTnLst>
+                                </p:cTn>
+                              </p:par>
+                            </p:childTnLst>
+                          </p:cTn>
+                        </p:par>
+                      </p:childTnLst>
+                    </p:cTn>
+                  </p:par>
+                </p:childTnLst>
+              </p:cTn>
+              <p:prevCondLst>
+                <p:cond evt="onPrev" delay="0">
+                  <p:tgtEl>
+                    <p:sldTgt/>
+                  </p:tgtEl>
+                </p:cond>
+              </p:prevCondLst>
+              <p:nextCondLst>
+                <p:cond evt="onNext" delay="0">
+                  <p:tgtEl>
+                    <p:sldTgt/>
+                  </p:tgtEl>
+                </p:cond>
+              </p:nextCondLst>
+            </p:seq>
+          </p:childTnLst>
+        </p:cTn>
+      </p:par>
+    </p:tnLst>
+  </p:timing>
+</p:sld>
+</file>
+
+<file path=ppt/slides/slide11.xml><?xml version="1.0" encoding="utf-8"?>
+<p:sld xmlns:a="http://schemas.openxmlformats.org/drawingml/2006/main" xmlns:r="http://schemas.openxmlformats.org/officeDocument/2006/relationships" xmlns:p="http://schemas.openxmlformats.org/presentationml/2006/main">
+  <p:cSld>
+    <p:spTree>
+      <p:nvGrpSpPr>
+        <p:cNvPr id="1" name=""/>
+        <p:cNvGrpSpPr/>
+        <p:nvPr/>
+      </p:nvGrpSpPr>
+      <p:grpSpPr>
+        <a:xfrm>
+          <a:off x="0" y="0"/>
+          <a:ext cx="0" cy="0"/>
+          <a:chOff x="0" y="0"/>
+          <a:chExt cx="0" cy="0"/>
+        </a:xfrm>
+      </p:grpSpPr>
+      <p:sp>
+        <p:nvSpPr>
+          <p:cNvPr id="2" name="Title 1"/>
+          <p:cNvSpPr>
+            <a:spLocks noGrp="1"/>
+          </p:cNvSpPr>
+          <p:nvPr>
+            <p:ph type="title"/>
+          </p:nvPr>
+        </p:nvSpPr>
+        <p:spPr/>
+        <p:txBody>
+          <a:bodyPr/>
+          <a:lstStyle/>
+          <a:p>
+            <a:r>
+              <a:rPr lang="en-US" dirty="0" smtClean="0"/>
+              <a:t>Explore the synchrony stim effect	</a:t>
+            </a:r>
+            <a:endParaRPr lang="en-CA" dirty="0"/>
+          </a:p>
+        </p:txBody>
+      </p:sp>
+      <p:sp>
+        <p:nvSpPr>
+          <p:cNvPr id="3" name="Content Placeholder 2"/>
+          <p:cNvSpPr>
+            <a:spLocks noGrp="1"/>
+          </p:cNvSpPr>
+          <p:nvPr>
+            <p:ph idx="1"/>
+          </p:nvPr>
+        </p:nvSpPr>
+        <p:spPr/>
+        <p:txBody>
+          <a:bodyPr>
+            <a:normAutofit lnSpcReduction="10000"/>
+          </a:bodyPr>
+          <a:lstStyle/>
+          <a:p>
+            <a:r>
+              <a:rPr lang="en-US" dirty="0" smtClean="0"/>
+              <a:t>Spoken &gt; a </a:t>
+            </a:r>
+            <a:r>
+              <a:rPr lang="en-US" dirty="0" err="1" smtClean="0"/>
+              <a:t>capella</a:t>
+            </a:r>
+            <a:r>
+              <a:rPr lang="en-US" dirty="0" smtClean="0"/>
+              <a:t> &gt;  whole &gt; instrumental</a:t>
+            </a:r>
+          </a:p>
+          <a:p>
+            <a:endParaRPr lang="en-US" dirty="0"/>
+          </a:p>
+          <a:p>
+            <a:r>
+              <a:rPr lang="en-US" dirty="0" smtClean="0"/>
+              <a:t>Example ROIS:</a:t>
+            </a:r>
+          </a:p>
+          <a:p>
+            <a:pPr lvl="1"/>
+            <a:r>
+              <a:rPr lang="en-US" dirty="0" smtClean="0"/>
+              <a:t>Auditory</a:t>
+            </a:r>
+          </a:p>
+          <a:p>
+            <a:pPr lvl="2"/>
+            <a:r>
+              <a:rPr lang="en-US" dirty="0" err="1" smtClean="0"/>
+              <a:t>Heschel’s</a:t>
+            </a:r>
+            <a:r>
+              <a:rPr lang="en-US" dirty="0" smtClean="0"/>
+              <a:t> gyrus</a:t>
+            </a:r>
+          </a:p>
+          <a:p>
+            <a:pPr lvl="2"/>
+            <a:r>
+              <a:rPr lang="en-US" dirty="0" smtClean="0"/>
+              <a:t>Anterior STG</a:t>
+            </a:r>
+          </a:p>
+          <a:p>
+            <a:pPr lvl="2"/>
+            <a:r>
+              <a:rPr lang="en-US" dirty="0" smtClean="0"/>
+              <a:t>Posterior STG </a:t>
+            </a:r>
+          </a:p>
+          <a:p>
+            <a:pPr lvl="1"/>
+            <a:r>
+              <a:rPr lang="en-US" dirty="0" smtClean="0"/>
+              <a:t>Cingulate</a:t>
+            </a:r>
+          </a:p>
+          <a:p>
+            <a:pPr lvl="2"/>
+            <a:r>
+              <a:rPr lang="en-US" dirty="0" smtClean="0"/>
+              <a:t>Anterior</a:t>
+            </a:r>
+          </a:p>
+          <a:p>
+            <a:pPr lvl="1"/>
+            <a:r>
+              <a:rPr lang="en-US" dirty="0" smtClean="0"/>
+              <a:t>Frontal</a:t>
+            </a:r>
+          </a:p>
+          <a:p>
+            <a:pPr lvl="2"/>
+            <a:r>
+              <a:rPr lang="en-US" dirty="0" smtClean="0"/>
+              <a:t>IFG – pars </a:t>
+            </a:r>
+            <a:r>
+              <a:rPr lang="en-US" dirty="0" err="1" smtClean="0"/>
+              <a:t>triangularis</a:t>
+            </a:r>
+            <a:endParaRPr lang="en-CA" dirty="0"/>
+          </a:p>
+        </p:txBody>
+      </p:sp>
+      <p:sp>
+        <p:nvSpPr>
+          <p:cNvPr id="4" name="TextBox 3"/>
+          <p:cNvSpPr txBox="1"/>
+          <p:nvPr/>
+        </p:nvSpPr>
+        <p:spPr>
+          <a:xfrm>
+            <a:off x="5105400" y="3757136"/>
+            <a:ext cx="3667125" cy="1754326"/>
+          </a:xfrm>
+          <a:prstGeom prst="rect">
+            <a:avLst/>
+          </a:prstGeom>
+          <a:noFill/>
+        </p:spPr>
+        <p:txBody>
+          <a:bodyPr wrap="square" rtlCol="0">
+            <a:spAutoFit/>
+          </a:bodyPr>
+          <a:lstStyle/>
+          <a:p>
+            <a:r>
+              <a:rPr lang="en-US" dirty="0" smtClean="0"/>
+              <a:t>ANOVAs say synchrony to 4 stim is significantly different in these ROIS both when session is ignored and in session 1</a:t>
+            </a:r>
+          </a:p>
+          <a:p>
+            <a:endParaRPr lang="en-US" dirty="0"/>
+          </a:p>
+          <a:p>
+            <a:r>
+              <a:rPr lang="en-US" dirty="0" smtClean="0"/>
+              <a:t>not in session 2</a:t>
+            </a:r>
+            <a:endParaRPr lang="en-CA" dirty="0"/>
+          </a:p>
+        </p:txBody>
+      </p:sp>
+      <p:sp>
+        <p:nvSpPr>
+          <p:cNvPr id="5" name="Right Brace 4"/>
+          <p:cNvSpPr/>
+          <p:nvPr/>
+        </p:nvSpPr>
+        <p:spPr>
+          <a:xfrm>
+            <a:off x="4086225" y="3209925"/>
+            <a:ext cx="695325" cy="2571750"/>
+          </a:xfrm>
+          <a:prstGeom prst="rightBrace">
+            <a:avLst/>
+          </a:prstGeom>
+          <a:ln w="38100">
+            <a:solidFill>
+              <a:schemeClr val="tx1"/>
+            </a:solidFill>
+          </a:ln>
+        </p:spPr>
+        <p:style>
+          <a:lnRef idx="1">
+            <a:schemeClr val="accent1"/>
+          </a:lnRef>
+          <a:fillRef idx="0">
+            <a:schemeClr val="accent1"/>
+          </a:fillRef>
+          <a:effectRef idx="0">
+            <a:schemeClr val="accent1"/>
+          </a:effectRef>
+          <a:fontRef idx="minor">
+            <a:schemeClr val="tx1"/>
+          </a:fontRef>
+        </p:style>
+        <p:txBody>
+          <a:bodyPr rtlCol="0" anchor="ctr"/>
+          <a:lstStyle/>
+          <a:p>
+            <a:pPr algn="ctr"/>
+            <a:endParaRPr lang="en-CA"/>
+          </a:p>
+        </p:txBody>
+      </p:sp>
+    </p:spTree>
+    <p:extLst>
+      <p:ext uri="{BB962C8B-B14F-4D97-AF65-F5344CB8AC3E}">
+        <p14:creationId xmlns:p14="http://schemas.microsoft.com/office/powerpoint/2010/main" val="2589792191"/>
+      </p:ext>
+    </p:extLst>
+  </p:cSld>
+  <p:clrMapOvr>
+    <a:masterClrMapping/>
+  </p:clrMapOvr>
+  <p:timing>
+    <p:tnLst>
+      <p:par>
+        <p:cTn id="1" dur="indefinite" restart="never" nodeType="tmRoot">
+          <p:childTnLst>
+            <p:seq concurrent="1" nextAc="seek">
+              <p:cTn id="2" dur="indefinite" nodeType="mainSeq">
+                <p:childTnLst>
+                  <p:par>
+                    <p:cTn id="3" fill="hold">
+                      <p:stCondLst>
+                        <p:cond delay="indefinite"/>
+                      </p:stCondLst>
+                      <p:childTnLst>
+                        <p:par>
+                          <p:cTn id="4" fill="hold">
+                            <p:stCondLst>
+                              <p:cond delay="0"/>
+                            </p:stCondLst>
+                            <p:childTnLst>
+                              <p:par>
+                                <p:cTn id="5" presetID="1" presetClass="entr" presetSubtype="0" fill="hold" nodeType="clickEffect">
+                                  <p:stCondLst>
+                                    <p:cond delay="0"/>
+                                  </p:stCondLst>
+                                  <p:childTnLst>
+                                    <p:set>
+                                      <p:cBhvr>
+                                        <p:cTn id="6" dur="1" fill="hold">
+                                          <p:stCondLst>
+                                            <p:cond delay="0"/>
+                                          </p:stCondLst>
+                                        </p:cTn>
+                                        <p:tgtEl>
+                                          <p:spTgt spid="3">
+                                            <p:txEl>
+                                              <p:pRg st="2" end="2"/>
+                                            </p:txEl>
+                                          </p:spTgt>
+                                        </p:tgtEl>
+                                        <p:attrNameLst>
+                                          <p:attrName>style.visibility</p:attrName>
+                                        </p:attrNameLst>
+                                      </p:cBhvr>
+                                      <p:to>
+                                        <p:strVal val="visible"/>
+                                      </p:to>
+                                    </p:set>
+                                  </p:childTnLst>
+                                </p:cTn>
+                              </p:par>
+                              <p:par>
+                                <p:cTn id="7" presetID="1" presetClass="entr" presetSubtype="0" fill="hold" nodeType="withEffect">
+                                  <p:stCondLst>
+                                    <p:cond delay="0"/>
+                                  </p:stCondLst>
+                                  <p:childTnLst>
+                                    <p:set>
+                                      <p:cBhvr>
+                                        <p:cTn id="8" dur="1" fill="hold">
+                                          <p:stCondLst>
+                                            <p:cond delay="0"/>
+                                          </p:stCondLst>
+                                        </p:cTn>
+                                        <p:tgtEl>
+                                          <p:spTgt spid="3">
+                                            <p:txEl>
+                                              <p:pRg st="3" end="3"/>
+                                            </p:txEl>
+                                          </p:spTgt>
+                                        </p:tgtEl>
+                                        <p:attrNameLst>
+                                          <p:attrName>style.visibility</p:attrName>
+                                        </p:attrNameLst>
+                                      </p:cBhvr>
+                                      <p:to>
+                                        <p:strVal val="visible"/>
+                                      </p:to>
+                                    </p:set>
+                                  </p:childTnLst>
+                                </p:cTn>
+                              </p:par>
+                              <p:par>
+                                <p:cTn id="9" presetID="1" presetClass="entr" presetSubtype="0" fill="hold" nodeType="withEffect">
+                                  <p:stCondLst>
+                                    <p:cond delay="0"/>
+                                  </p:stCondLst>
+                                  <p:childTnLst>
+                                    <p:set>
+                                      <p:cBhvr>
+                                        <p:cTn id="10" dur="1" fill="hold">
+                                          <p:stCondLst>
+                                            <p:cond delay="0"/>
+                                          </p:stCondLst>
+                                        </p:cTn>
+                                        <p:tgtEl>
+                                          <p:spTgt spid="3">
+                                            <p:txEl>
+                                              <p:pRg st="4" end="4"/>
+                                            </p:txEl>
+                                          </p:spTgt>
+                                        </p:tgtEl>
+                                        <p:attrNameLst>
+                                          <p:attrName>style.visibility</p:attrName>
+                                        </p:attrNameLst>
+                                      </p:cBhvr>
+                                      <p:to>
+                                        <p:strVal val="visible"/>
+                                      </p:to>
+                                    </p:set>
+                                  </p:childTnLst>
+                                </p:cTn>
+                              </p:par>
+                              <p:par>
+                                <p:cTn id="11" presetID="1" presetClass="entr" presetSubtype="0" fill="hold" nodeType="withEffect">
+                                  <p:stCondLst>
+                                    <p:cond delay="0"/>
+                                  </p:stCondLst>
+                                  <p:childTnLst>
+                                    <p:set>
+                                      <p:cBhvr>
+                                        <p:cTn id="12" dur="1" fill="hold">
+                                          <p:stCondLst>
+                                            <p:cond delay="0"/>
+                                          </p:stCondLst>
+                                        </p:cTn>
+                                        <p:tgtEl>
+                                          <p:spTgt spid="3">
+                                            <p:txEl>
+                                              <p:pRg st="5" end="5"/>
+                                            </p:txEl>
+                                          </p:spTgt>
+                                        </p:tgtEl>
+                                        <p:attrNameLst>
+                                          <p:attrName>style.visibility</p:attrName>
+                                        </p:attrNameLst>
+                                      </p:cBhvr>
+                                      <p:to>
+                                        <p:strVal val="visible"/>
+                                      </p:to>
+                                    </p:set>
+                                  </p:childTnLst>
+                                </p:cTn>
+                              </p:par>
+                              <p:par>
+                                <p:cTn id="13" presetID="1" presetClass="entr" presetSubtype="0" fill="hold" nodeType="withEffect">
+                                  <p:stCondLst>
+                                    <p:cond delay="0"/>
+                                  </p:stCondLst>
+                                  <p:childTnLst>
+                                    <p:set>
+                                      <p:cBhvr>
+                                        <p:cTn id="14" dur="1" fill="hold">
+                                          <p:stCondLst>
+                                            <p:cond delay="0"/>
+                                          </p:stCondLst>
+                                        </p:cTn>
+                                        <p:tgtEl>
+                                          <p:spTgt spid="3">
+                                            <p:txEl>
+                                              <p:pRg st="6" end="6"/>
+                                            </p:txEl>
+                                          </p:spTgt>
+                                        </p:tgtEl>
+                                        <p:attrNameLst>
+                                          <p:attrName>style.visibility</p:attrName>
+                                        </p:attrNameLst>
+                                      </p:cBhvr>
+                                      <p:to>
+                                        <p:strVal val="visible"/>
+                                      </p:to>
+                                    </p:set>
+                                  </p:childTnLst>
+                                </p:cTn>
+                              </p:par>
+                              <p:par>
+                                <p:cTn id="15" presetID="1" presetClass="entr" presetSubtype="0" fill="hold" nodeType="withEffect">
+                                  <p:stCondLst>
+                                    <p:cond delay="0"/>
+                                  </p:stCondLst>
+                                  <p:childTnLst>
+                                    <p:set>
+                                      <p:cBhvr>
+                                        <p:cTn id="16" dur="1" fill="hold">
+                                          <p:stCondLst>
+                                            <p:cond delay="0"/>
+                                          </p:stCondLst>
+                                        </p:cTn>
+                                        <p:tgtEl>
+                                          <p:spTgt spid="3">
+                                            <p:txEl>
+                                              <p:pRg st="7" end="7"/>
+                                            </p:txEl>
+                                          </p:spTgt>
+                                        </p:tgtEl>
+                                        <p:attrNameLst>
+                                          <p:attrName>style.visibility</p:attrName>
+                                        </p:attrNameLst>
+                                      </p:cBhvr>
+                                      <p:to>
+                                        <p:strVal val="visible"/>
+                                      </p:to>
+                                    </p:set>
+                                  </p:childTnLst>
+                                </p:cTn>
+                              </p:par>
+                              <p:par>
+                                <p:cTn id="17" presetID="1" presetClass="entr" presetSubtype="0" fill="hold" nodeType="withEffect">
+                                  <p:stCondLst>
+                                    <p:cond delay="0"/>
+                                  </p:stCondLst>
+                                  <p:childTnLst>
+                                    <p:set>
+                                      <p:cBhvr>
+                                        <p:cTn id="18" dur="1" fill="hold">
+                                          <p:stCondLst>
+                                            <p:cond delay="0"/>
+                                          </p:stCondLst>
+                                        </p:cTn>
+                                        <p:tgtEl>
+                                          <p:spTgt spid="3">
+                                            <p:txEl>
+                                              <p:pRg st="8" end="8"/>
+                                            </p:txEl>
+                                          </p:spTgt>
+                                        </p:tgtEl>
+                                        <p:attrNameLst>
+                                          <p:attrName>style.visibility</p:attrName>
+                                        </p:attrNameLst>
+                                      </p:cBhvr>
+                                      <p:to>
+                                        <p:strVal val="visible"/>
+                                      </p:to>
+                                    </p:set>
+                                  </p:childTnLst>
+                                </p:cTn>
+                              </p:par>
+                              <p:par>
+                                <p:cTn id="19" presetID="1" presetClass="entr" presetSubtype="0" fill="hold" nodeType="withEffect">
+                                  <p:stCondLst>
+                                    <p:cond delay="0"/>
+                                  </p:stCondLst>
+                                  <p:childTnLst>
+                                    <p:set>
+                                      <p:cBhvr>
+                                        <p:cTn id="20" dur="1" fill="hold">
+                                          <p:stCondLst>
+                                            <p:cond delay="0"/>
+                                          </p:stCondLst>
+                                        </p:cTn>
+                                        <p:tgtEl>
+                                          <p:spTgt spid="3">
+                                            <p:txEl>
+                                              <p:pRg st="9" end="9"/>
+                                            </p:txEl>
+                                          </p:spTgt>
+                                        </p:tgtEl>
+                                        <p:attrNameLst>
+                                          <p:attrName>style.visibility</p:attrName>
+                                        </p:attrNameLst>
+                                      </p:cBhvr>
+                                      <p:to>
+                                        <p:strVal val="visible"/>
+                                      </p:to>
+                                    </p:set>
+                                  </p:childTnLst>
+                                </p:cTn>
+                              </p:par>
+                              <p:par>
+                                <p:cTn id="21" presetID="1" presetClass="entr" presetSubtype="0" fill="hold" nodeType="withEffect">
+                                  <p:stCondLst>
+                                    <p:cond delay="0"/>
+                                  </p:stCondLst>
+                                  <p:childTnLst>
+                                    <p:set>
+                                      <p:cBhvr>
+                                        <p:cTn id="22" dur="1" fill="hold">
+                                          <p:stCondLst>
+                                            <p:cond delay="0"/>
+                                          </p:stCondLst>
+                                        </p:cTn>
+                                        <p:tgtEl>
+                                          <p:spTgt spid="3">
+                                            <p:txEl>
+                                              <p:pRg st="10" end="10"/>
+                                            </p:txEl>
+                                          </p:spTgt>
+                                        </p:tgtEl>
+                                        <p:attrNameLst>
+                                          <p:attrName>style.visibility</p:attrName>
+                                        </p:attrNameLst>
+                                      </p:cBhvr>
+                                      <p:to>
+                                        <p:strVal val="visible"/>
+                                      </p:to>
+                                    </p:set>
+                                  </p:childTnLst>
+                                </p:cTn>
+                              </p:par>
+                            </p:childTnLst>
+                          </p:cTn>
+                        </p:par>
+                      </p:childTnLst>
+                    </p:cTn>
+                  </p:par>
+                  <p:par>
+                    <p:cTn id="23" fill="hold">
+                      <p:stCondLst>
+                        <p:cond delay="indefinite"/>
+                      </p:stCondLst>
+                      <p:childTnLst>
+                        <p:par>
+                          <p:cTn id="24" fill="hold">
+                            <p:stCondLst>
+                              <p:cond delay="0"/>
+                            </p:stCondLst>
+                            <p:childTnLst>
+                              <p:par>
+                                <p:cTn id="25" presetID="1" presetClass="entr" presetSubtype="0" fill="hold" grpId="0" nodeType="clickEffect">
+                                  <p:stCondLst>
+                                    <p:cond delay="0"/>
+                                  </p:stCondLst>
+                                  <p:childTnLst>
+                                    <p:set>
+                                      <p:cBhvr>
+                                        <p:cTn id="26" dur="1" fill="hold">
+                                          <p:stCondLst>
+                                            <p:cond delay="0"/>
+                                          </p:stCondLst>
+                                        </p:cTn>
+                                        <p:tgtEl>
+                                          <p:spTgt spid="4"/>
+                                        </p:tgtEl>
+                                        <p:attrNameLst>
+                                          <p:attrName>style.visibility</p:attrName>
+                                        </p:attrNameLst>
+                                      </p:cBhvr>
+                                      <p:to>
+                                        <p:strVal val="visible"/>
+                                      </p:to>
+                                    </p:set>
+                                  </p:childTnLst>
+                                </p:cTn>
+                              </p:par>
+                              <p:par>
+                                <p:cTn id="27" presetID="1" presetClass="entr" presetSubtype="0" fill="hold" grpId="0" nodeType="withEffect">
+                                  <p:stCondLst>
+                                    <p:cond delay="0"/>
+                                  </p:stCondLst>
+                                  <p:childTnLst>
+                                    <p:set>
+                                      <p:cBhvr>
+                                        <p:cTn id="28" dur="1" fill="hold">
+                                          <p:stCondLst>
+                                            <p:cond delay="0"/>
+                                          </p:stCondLst>
+                                        </p:cTn>
+                                        <p:tgtEl>
+                                          <p:spTgt spid="5"/>
+                                        </p:tgtEl>
+                                        <p:attrNameLst>
+                                          <p:attrName>style.visibility</p:attrName>
+                                        </p:attrNameLst>
+                                      </p:cBhvr>
+                                      <p:to>
+                                        <p:strVal val="visible"/>
+                                      </p:to>
+                                    </p:set>
+                                  </p:childTnLst>
+                                </p:cTn>
+                              </p:par>
+                            </p:childTnLst>
+                          </p:cTn>
+                        </p:par>
+                      </p:childTnLst>
+                    </p:cTn>
+                  </p:par>
+                </p:childTnLst>
+              </p:cTn>
+              <p:prevCondLst>
+                <p:cond evt="onPrev" delay="0">
+                  <p:tgtEl>
+                    <p:sldTgt/>
+                  </p:tgtEl>
+                </p:cond>
+              </p:prevCondLst>
+              <p:nextCondLst>
+                <p:cond evt="onNext" delay="0">
+                  <p:tgtEl>
+                    <p:sldTgt/>
+                  </p:tgtEl>
+                </p:cond>
+              </p:nextCondLst>
+            </p:seq>
+          </p:childTnLst>
+        </p:cTn>
+      </p:par>
+    </p:tnLst>
+    <p:bldLst>
+      <p:bldP spid="4" grpId="0"/>
+      <p:bldP spid="5" grpId="0" animBg="1"/>
+    </p:bldLst>
+  </p:timing>
+</p:sld>
+</file>
+
+<file path=ppt/slides/slide12.xml><?xml version="1.0" encoding="utf-8"?>
+<p:sld xmlns:a="http://schemas.openxmlformats.org/drawingml/2006/main" xmlns:r="http://schemas.openxmlformats.org/officeDocument/2006/relationships" xmlns:p="http://schemas.openxmlformats.org/presentationml/2006/main">
+  <p:cSld>
+    <p:spTree>
+      <p:nvGrpSpPr>
+        <p:cNvPr id="1" name=""/>
+        <p:cNvGrpSpPr/>
+        <p:nvPr/>
+      </p:nvGrpSpPr>
+      <p:grpSpPr>
+        <a:xfrm>
+          <a:off x="0" y="0"/>
+          <a:ext cx="0" cy="0"/>
+          <a:chOff x="0" y="0"/>
+          <a:chExt cx="0" cy="0"/>
+        </a:xfrm>
+      </p:grpSpPr>
+      <p:grpSp>
+        <p:nvGrpSpPr>
+          <p:cNvPr id="27" name="Group 26"/>
+          <p:cNvGrpSpPr/>
+          <p:nvPr/>
+        </p:nvGrpSpPr>
+        <p:grpSpPr>
+          <a:xfrm>
+            <a:off x="-721936" y="519876"/>
+            <a:ext cx="10571404" cy="6338124"/>
+            <a:chOff x="-721936" y="519876"/>
+            <a:chExt cx="10571404" cy="6338124"/>
+          </a:xfrm>
+        </p:grpSpPr>
+        <p:pic>
+          <p:nvPicPr>
+            <p:cNvPr id="24" name="Picture 23" descr="ISCTimecourses_Heschels (1).png"/>
+            <p:cNvPicPr>
+              <a:picLocks noChangeAspect="1"/>
+            </p:cNvPicPr>
+            <p:nvPr/>
+          </p:nvPicPr>
+          <p:blipFill>
+            <a:blip r:embed="rId2">
+              <a:extLst>
+                <a:ext uri="{28A0092B-C50C-407E-A947-70E740481C1C}">
+                  <a14:useLocalDpi xmlns:a14="http://schemas.microsoft.com/office/drawing/2010/main" val="0"/>
+                </a:ext>
+              </a:extLst>
+            </a:blip>
+            <a:stretch>
+              <a:fillRect/>
+            </a:stretch>
+          </p:blipFill>
+          <p:spPr>
+            <a:xfrm>
+              <a:off x="-721936" y="868535"/>
+              <a:ext cx="10571404" cy="5989465"/>
+            </a:xfrm>
+            <a:prstGeom prst="rect">
+              <a:avLst/>
+            </a:prstGeom>
+          </p:spPr>
+        </p:pic>
+        <p:sp>
+          <p:nvSpPr>
+            <p:cNvPr id="5" name="TextBox 4"/>
+            <p:cNvSpPr txBox="1"/>
+            <p:nvPr/>
+          </p:nvSpPr>
+          <p:spPr>
+            <a:xfrm>
+              <a:off x="311286" y="1291907"/>
+              <a:ext cx="290727" cy="369332"/>
+            </a:xfrm>
+            <a:prstGeom prst="rect">
+              <a:avLst/>
+            </a:prstGeom>
+            <a:noFill/>
+          </p:spPr>
+          <p:txBody>
+            <a:bodyPr wrap="none" rtlCol="0">
+              <a:spAutoFit/>
+            </a:bodyPr>
+            <a:lstStyle/>
+            <a:p>
+              <a:r>
+                <a:rPr lang="en-CA" dirty="0" smtClean="0"/>
+                <a:t>S</a:t>
+              </a:r>
+            </a:p>
+          </p:txBody>
+        </p:sp>
+        <p:sp>
+          <p:nvSpPr>
+            <p:cNvPr id="6" name="TextBox 5"/>
+            <p:cNvSpPr txBox="1"/>
+            <p:nvPr/>
+          </p:nvSpPr>
+          <p:spPr>
+            <a:xfrm>
+              <a:off x="314269" y="1867679"/>
+              <a:ext cx="290727" cy="369332"/>
+            </a:xfrm>
+            <a:prstGeom prst="rect">
+              <a:avLst/>
+            </a:prstGeom>
+            <a:noFill/>
+          </p:spPr>
+          <p:txBody>
+            <a:bodyPr wrap="none" rtlCol="0">
+              <a:spAutoFit/>
+            </a:bodyPr>
+            <a:lstStyle/>
+            <a:p>
+              <a:r>
+                <a:rPr lang="en-CA" dirty="0" smtClean="0"/>
+                <a:t>S</a:t>
+              </a:r>
+            </a:p>
+          </p:txBody>
+        </p:sp>
+        <p:sp>
+          <p:nvSpPr>
+            <p:cNvPr id="7" name="TextBox 6"/>
+            <p:cNvSpPr txBox="1"/>
+            <p:nvPr/>
+          </p:nvSpPr>
+          <p:spPr>
+            <a:xfrm>
+              <a:off x="301817" y="2502736"/>
+              <a:ext cx="318229" cy="369332"/>
+            </a:xfrm>
+            <a:prstGeom prst="rect">
+              <a:avLst/>
+            </a:prstGeom>
+            <a:noFill/>
+          </p:spPr>
+          <p:txBody>
+            <a:bodyPr wrap="none" rtlCol="0">
+              <a:spAutoFit/>
+            </a:bodyPr>
+            <a:lstStyle/>
+            <a:p>
+              <a:r>
+                <a:rPr lang="en-CA" dirty="0" smtClean="0"/>
+                <a:t>A</a:t>
+              </a:r>
+            </a:p>
+          </p:txBody>
+        </p:sp>
+        <p:sp>
+          <p:nvSpPr>
+            <p:cNvPr id="8" name="TextBox 7"/>
+            <p:cNvSpPr txBox="1"/>
+            <p:nvPr/>
+          </p:nvSpPr>
+          <p:spPr>
+            <a:xfrm>
+              <a:off x="314267" y="3187602"/>
+              <a:ext cx="318229" cy="369332"/>
+            </a:xfrm>
+            <a:prstGeom prst="rect">
+              <a:avLst/>
+            </a:prstGeom>
+            <a:noFill/>
+          </p:spPr>
+          <p:txBody>
+            <a:bodyPr wrap="none" rtlCol="0">
+              <a:spAutoFit/>
+            </a:bodyPr>
+            <a:lstStyle/>
+            <a:p>
+              <a:r>
+                <a:rPr lang="en-CA" dirty="0" smtClean="0"/>
+                <a:t>A</a:t>
+              </a:r>
+            </a:p>
+          </p:txBody>
+        </p:sp>
+        <p:sp>
+          <p:nvSpPr>
+            <p:cNvPr id="9" name="TextBox 8"/>
+            <p:cNvSpPr txBox="1"/>
+            <p:nvPr/>
+          </p:nvSpPr>
+          <p:spPr>
+            <a:xfrm>
+              <a:off x="289365" y="3835112"/>
+              <a:ext cx="242825" cy="369332"/>
+            </a:xfrm>
+            <a:prstGeom prst="rect">
+              <a:avLst/>
+            </a:prstGeom>
+            <a:noFill/>
+          </p:spPr>
+          <p:txBody>
+            <a:bodyPr wrap="none" rtlCol="0">
+              <a:spAutoFit/>
+            </a:bodyPr>
+            <a:lstStyle/>
+            <a:p>
+              <a:r>
+                <a:rPr lang="en-CA" dirty="0" smtClean="0"/>
+                <a:t>I</a:t>
+              </a:r>
+            </a:p>
+          </p:txBody>
+        </p:sp>
+        <p:sp>
+          <p:nvSpPr>
+            <p:cNvPr id="10" name="TextBox 9"/>
+            <p:cNvSpPr txBox="1"/>
+            <p:nvPr/>
+          </p:nvSpPr>
+          <p:spPr>
+            <a:xfrm>
+              <a:off x="298833" y="4504552"/>
+              <a:ext cx="242825" cy="369332"/>
+            </a:xfrm>
+            <a:prstGeom prst="rect">
+              <a:avLst/>
+            </a:prstGeom>
+            <a:noFill/>
+          </p:spPr>
+          <p:txBody>
+            <a:bodyPr wrap="none" rtlCol="0">
+              <a:spAutoFit/>
+            </a:bodyPr>
+            <a:lstStyle/>
+            <a:p>
+              <a:r>
+                <a:rPr lang="en-CA" dirty="0"/>
+                <a:t>I</a:t>
+              </a:r>
+              <a:endParaRPr lang="en-CA" dirty="0" smtClean="0"/>
+            </a:p>
+          </p:txBody>
+        </p:sp>
+        <p:sp>
+          <p:nvSpPr>
+            <p:cNvPr id="11" name="TextBox 10"/>
+            <p:cNvSpPr txBox="1"/>
+            <p:nvPr/>
+          </p:nvSpPr>
+          <p:spPr>
+            <a:xfrm>
+              <a:off x="249028" y="5189418"/>
+              <a:ext cx="390026" cy="369332"/>
+            </a:xfrm>
+            <a:prstGeom prst="rect">
+              <a:avLst/>
+            </a:prstGeom>
+            <a:noFill/>
+          </p:spPr>
+          <p:txBody>
+            <a:bodyPr wrap="none" rtlCol="0">
+              <a:spAutoFit/>
+            </a:bodyPr>
+            <a:lstStyle/>
+            <a:p>
+              <a:r>
+                <a:rPr lang="en-CA" dirty="0" smtClean="0"/>
+                <a:t>W</a:t>
+              </a:r>
+            </a:p>
+          </p:txBody>
+        </p:sp>
+        <p:sp>
+          <p:nvSpPr>
+            <p:cNvPr id="12" name="TextBox 11"/>
+            <p:cNvSpPr txBox="1"/>
+            <p:nvPr/>
+          </p:nvSpPr>
+          <p:spPr>
+            <a:xfrm>
+              <a:off x="286383" y="5861832"/>
+              <a:ext cx="390026" cy="369332"/>
+            </a:xfrm>
+            <a:prstGeom prst="rect">
+              <a:avLst/>
+            </a:prstGeom>
+            <a:noFill/>
+          </p:spPr>
+          <p:txBody>
+            <a:bodyPr wrap="none" rtlCol="0">
+              <a:spAutoFit/>
+            </a:bodyPr>
+            <a:lstStyle/>
+            <a:p>
+              <a:r>
+                <a:rPr lang="en-CA" dirty="0"/>
+                <a:t>W</a:t>
+              </a:r>
+              <a:endParaRPr lang="en-CA" dirty="0" smtClean="0"/>
+            </a:p>
+          </p:txBody>
+        </p:sp>
+        <p:sp>
+          <p:nvSpPr>
+            <p:cNvPr id="13" name="TextBox 12"/>
+            <p:cNvSpPr txBox="1"/>
+            <p:nvPr/>
+          </p:nvSpPr>
+          <p:spPr>
+            <a:xfrm>
+              <a:off x="1133077" y="694206"/>
+              <a:ext cx="1051302" cy="369332"/>
+            </a:xfrm>
+            <a:prstGeom prst="rect">
+              <a:avLst/>
+            </a:prstGeom>
+            <a:noFill/>
+          </p:spPr>
+          <p:txBody>
+            <a:bodyPr wrap="none" rtlCol="0">
+              <a:spAutoFit/>
+            </a:bodyPr>
+            <a:lstStyle/>
+            <a:p>
+              <a:r>
+                <a:rPr lang="en-CA" dirty="0" smtClean="0"/>
+                <a:t>Session 1</a:t>
+              </a:r>
+              <a:endParaRPr lang="en-CA" dirty="0"/>
+            </a:p>
+          </p:txBody>
+        </p:sp>
+        <p:sp>
+          <p:nvSpPr>
+            <p:cNvPr id="14" name="TextBox 13"/>
+            <p:cNvSpPr txBox="1"/>
+            <p:nvPr/>
+          </p:nvSpPr>
+          <p:spPr>
+            <a:xfrm>
+              <a:off x="4009353" y="544781"/>
+              <a:ext cx="1051302" cy="646331"/>
+            </a:xfrm>
+            <a:prstGeom prst="rect">
+              <a:avLst/>
+            </a:prstGeom>
+            <a:noFill/>
+          </p:spPr>
+          <p:txBody>
+            <a:bodyPr wrap="none" rtlCol="0">
+              <a:spAutoFit/>
+            </a:bodyPr>
+            <a:lstStyle/>
+            <a:p>
+              <a:r>
+                <a:rPr lang="en-CA" dirty="0" smtClean="0"/>
+                <a:t>Session 2 </a:t>
+              </a:r>
+            </a:p>
+            <a:p>
+              <a:r>
+                <a:rPr lang="en-CA" dirty="0" smtClean="0"/>
+                <a:t>Group A</a:t>
+              </a:r>
+              <a:endParaRPr lang="en-CA" dirty="0"/>
+            </a:p>
+          </p:txBody>
+        </p:sp>
+        <p:sp>
+          <p:nvSpPr>
+            <p:cNvPr id="15" name="TextBox 14"/>
+            <p:cNvSpPr txBox="1"/>
+            <p:nvPr/>
+          </p:nvSpPr>
+          <p:spPr>
+            <a:xfrm>
+              <a:off x="6985238" y="519876"/>
+              <a:ext cx="1051302" cy="646331"/>
+            </a:xfrm>
+            <a:prstGeom prst="rect">
+              <a:avLst/>
+            </a:prstGeom>
+            <a:noFill/>
+          </p:spPr>
+          <p:txBody>
+            <a:bodyPr wrap="none" rtlCol="0">
+              <a:spAutoFit/>
+            </a:bodyPr>
+            <a:lstStyle/>
+            <a:p>
+              <a:r>
+                <a:rPr lang="en-CA" dirty="0" smtClean="0"/>
+                <a:t>Session 2 </a:t>
+              </a:r>
+            </a:p>
+            <a:p>
+              <a:r>
+                <a:rPr lang="en-CA" dirty="0" smtClean="0"/>
+                <a:t>Group B</a:t>
+              </a:r>
+              <a:endParaRPr lang="en-CA" dirty="0"/>
+            </a:p>
+          </p:txBody>
+        </p:sp>
+        <p:sp>
+          <p:nvSpPr>
+            <p:cNvPr id="16" name="TextBox 15"/>
+            <p:cNvSpPr txBox="1"/>
+            <p:nvPr/>
+          </p:nvSpPr>
+          <p:spPr>
+            <a:xfrm>
+              <a:off x="3112852" y="1267003"/>
+              <a:ext cx="573094" cy="338554"/>
+            </a:xfrm>
+            <a:prstGeom prst="rect">
+              <a:avLst/>
+            </a:prstGeom>
+            <a:noFill/>
+          </p:spPr>
+          <p:txBody>
+            <a:bodyPr wrap="none" rtlCol="0">
+              <a:spAutoFit/>
+            </a:bodyPr>
+            <a:lstStyle/>
+            <a:p>
+              <a:r>
+                <a:rPr lang="en-CA" sz="1600" dirty="0" smtClean="0"/>
+                <a:t>FAM</a:t>
+              </a:r>
+              <a:endParaRPr lang="en-CA" sz="1600" dirty="0"/>
+            </a:p>
+          </p:txBody>
+        </p:sp>
+        <p:sp>
+          <p:nvSpPr>
+            <p:cNvPr id="17" name="TextBox 16"/>
+            <p:cNvSpPr txBox="1"/>
+            <p:nvPr/>
+          </p:nvSpPr>
+          <p:spPr>
+            <a:xfrm>
+              <a:off x="3165641" y="2577449"/>
+              <a:ext cx="573094" cy="338554"/>
+            </a:xfrm>
+            <a:prstGeom prst="rect">
+              <a:avLst/>
+            </a:prstGeom>
+            <a:noFill/>
+          </p:spPr>
+          <p:txBody>
+            <a:bodyPr wrap="none" rtlCol="0">
+              <a:spAutoFit/>
+            </a:bodyPr>
+            <a:lstStyle/>
+            <a:p>
+              <a:r>
+                <a:rPr lang="en-CA" sz="1600" dirty="0" smtClean="0"/>
+                <a:t>FAM</a:t>
+              </a:r>
+              <a:endParaRPr lang="en-CA" sz="1600" dirty="0"/>
+            </a:p>
+          </p:txBody>
+        </p:sp>
+        <p:sp>
+          <p:nvSpPr>
+            <p:cNvPr id="18" name="TextBox 17"/>
+            <p:cNvSpPr txBox="1"/>
+            <p:nvPr/>
+          </p:nvSpPr>
+          <p:spPr>
+            <a:xfrm>
+              <a:off x="3140736" y="3897373"/>
+              <a:ext cx="573094" cy="338554"/>
+            </a:xfrm>
+            <a:prstGeom prst="rect">
+              <a:avLst/>
+            </a:prstGeom>
+            <a:noFill/>
+          </p:spPr>
+          <p:txBody>
+            <a:bodyPr wrap="none" rtlCol="0">
+              <a:spAutoFit/>
+            </a:bodyPr>
+            <a:lstStyle/>
+            <a:p>
+              <a:r>
+                <a:rPr lang="en-CA" sz="1600" dirty="0" smtClean="0"/>
+                <a:t>FAM</a:t>
+              </a:r>
+              <a:endParaRPr lang="en-CA" sz="1600" dirty="0"/>
+            </a:p>
+          </p:txBody>
+        </p:sp>
+        <p:sp>
+          <p:nvSpPr>
+            <p:cNvPr id="19" name="TextBox 18"/>
+            <p:cNvSpPr txBox="1"/>
+            <p:nvPr/>
+          </p:nvSpPr>
+          <p:spPr>
+            <a:xfrm>
+              <a:off x="3140735" y="5204845"/>
+              <a:ext cx="573094" cy="338554"/>
+            </a:xfrm>
+            <a:prstGeom prst="rect">
+              <a:avLst/>
+            </a:prstGeom>
+            <a:noFill/>
+          </p:spPr>
+          <p:txBody>
+            <a:bodyPr wrap="none" rtlCol="0">
+              <a:spAutoFit/>
+            </a:bodyPr>
+            <a:lstStyle/>
+            <a:p>
+              <a:r>
+                <a:rPr lang="en-CA" sz="1600" dirty="0" smtClean="0"/>
+                <a:t>FAM</a:t>
+              </a:r>
+              <a:endParaRPr lang="en-CA" sz="1600" dirty="0"/>
+            </a:p>
+          </p:txBody>
+        </p:sp>
+        <p:sp>
+          <p:nvSpPr>
+            <p:cNvPr id="20" name="TextBox 19"/>
+            <p:cNvSpPr txBox="1"/>
+            <p:nvPr/>
+          </p:nvSpPr>
+          <p:spPr>
+            <a:xfrm>
+              <a:off x="5967204" y="1929940"/>
+              <a:ext cx="573094" cy="338554"/>
+            </a:xfrm>
+            <a:prstGeom prst="rect">
+              <a:avLst/>
+            </a:prstGeom>
+            <a:noFill/>
+          </p:spPr>
+          <p:txBody>
+            <a:bodyPr wrap="none" rtlCol="0">
+              <a:spAutoFit/>
+            </a:bodyPr>
+            <a:lstStyle/>
+            <a:p>
+              <a:r>
+                <a:rPr lang="en-CA" sz="1600" dirty="0" smtClean="0"/>
+                <a:t>FAM</a:t>
+              </a:r>
+              <a:endParaRPr lang="en-CA" sz="1600" dirty="0"/>
+            </a:p>
+          </p:txBody>
+        </p:sp>
+        <p:sp>
+          <p:nvSpPr>
+            <p:cNvPr id="21" name="TextBox 20"/>
+            <p:cNvSpPr txBox="1"/>
+            <p:nvPr/>
+          </p:nvSpPr>
+          <p:spPr>
+            <a:xfrm>
+              <a:off x="6019993" y="3240386"/>
+              <a:ext cx="573094" cy="338554"/>
+            </a:xfrm>
+            <a:prstGeom prst="rect">
+              <a:avLst/>
+            </a:prstGeom>
+            <a:noFill/>
+          </p:spPr>
+          <p:txBody>
+            <a:bodyPr wrap="none" rtlCol="0">
+              <a:spAutoFit/>
+            </a:bodyPr>
+            <a:lstStyle/>
+            <a:p>
+              <a:r>
+                <a:rPr lang="en-CA" sz="1600" dirty="0" smtClean="0"/>
+                <a:t>FAM</a:t>
+              </a:r>
+              <a:endParaRPr lang="en-CA" sz="1600" dirty="0"/>
+            </a:p>
+          </p:txBody>
+        </p:sp>
+        <p:sp>
+          <p:nvSpPr>
+            <p:cNvPr id="22" name="TextBox 21"/>
+            <p:cNvSpPr txBox="1"/>
+            <p:nvPr/>
+          </p:nvSpPr>
+          <p:spPr>
+            <a:xfrm>
+              <a:off x="5995088" y="4560310"/>
+              <a:ext cx="573094" cy="338554"/>
+            </a:xfrm>
+            <a:prstGeom prst="rect">
+              <a:avLst/>
+            </a:prstGeom>
+            <a:noFill/>
+          </p:spPr>
+          <p:txBody>
+            <a:bodyPr wrap="none" rtlCol="0">
+              <a:spAutoFit/>
+            </a:bodyPr>
+            <a:lstStyle/>
+            <a:p>
+              <a:r>
+                <a:rPr lang="en-CA" sz="1600" dirty="0" smtClean="0"/>
+                <a:t>FAM</a:t>
+              </a:r>
+              <a:endParaRPr lang="en-CA" sz="1600" dirty="0"/>
+            </a:p>
+          </p:txBody>
+        </p:sp>
+        <p:sp>
+          <p:nvSpPr>
+            <p:cNvPr id="23" name="TextBox 22"/>
+            <p:cNvSpPr txBox="1"/>
+            <p:nvPr/>
+          </p:nvSpPr>
+          <p:spPr>
+            <a:xfrm>
+              <a:off x="5995087" y="5867782"/>
+              <a:ext cx="573094" cy="338554"/>
+            </a:xfrm>
+            <a:prstGeom prst="rect">
+              <a:avLst/>
+            </a:prstGeom>
+            <a:noFill/>
+          </p:spPr>
+          <p:txBody>
+            <a:bodyPr wrap="none" rtlCol="0">
+              <a:spAutoFit/>
+            </a:bodyPr>
+            <a:lstStyle/>
+            <a:p>
+              <a:r>
+                <a:rPr lang="en-CA" sz="1600" dirty="0" smtClean="0"/>
+                <a:t>FAM</a:t>
+              </a:r>
+              <a:endParaRPr lang="en-CA" sz="1600" dirty="0"/>
+            </a:p>
+          </p:txBody>
+        </p:sp>
+      </p:grpSp>
+      <p:sp>
+        <p:nvSpPr>
+          <p:cNvPr id="26" name="TextBox 25"/>
+          <p:cNvSpPr txBox="1"/>
+          <p:nvPr/>
+        </p:nvSpPr>
+        <p:spPr>
+          <a:xfrm>
+            <a:off x="2154093" y="186781"/>
+            <a:ext cx="1662534" cy="369332"/>
+          </a:xfrm>
+          <a:prstGeom prst="rect">
+            <a:avLst/>
+          </a:prstGeom>
+          <a:noFill/>
+        </p:spPr>
+        <p:txBody>
+          <a:bodyPr wrap="none" rtlCol="0">
+            <a:spAutoFit/>
+          </a:bodyPr>
+          <a:lstStyle/>
+          <a:p>
+            <a:r>
+              <a:rPr lang="en-CA" dirty="0" err="1" smtClean="0"/>
+              <a:t>Heschel’s</a:t>
+            </a:r>
+            <a:r>
+              <a:rPr lang="en-CA" dirty="0" smtClean="0"/>
+              <a:t> </a:t>
+            </a:r>
+            <a:r>
+              <a:rPr lang="en-CA" dirty="0" err="1" smtClean="0"/>
+              <a:t>Gyrus</a:t>
+            </a:r>
+            <a:endParaRPr lang="en-CA" dirty="0"/>
+          </a:p>
+        </p:txBody>
+      </p:sp>
+      <p:sp>
+        <p:nvSpPr>
+          <p:cNvPr id="2" name="Rectangle 1"/>
+          <p:cNvSpPr/>
+          <p:nvPr/>
+        </p:nvSpPr>
+        <p:spPr>
+          <a:xfrm>
+            <a:off x="3165641" y="556113"/>
+            <a:ext cx="5900538" cy="6019785"/>
+          </a:xfrm>
+          <a:prstGeom prst="rect">
+            <a:avLst/>
+          </a:prstGeom>
+          <a:solidFill>
+            <a:schemeClr val="bg1"/>
+          </a:solidFill>
+          <a:ln>
+            <a:noFill/>
+          </a:ln>
+        </p:spPr>
+        <p:style>
+          <a:lnRef idx="2">
+            <a:schemeClr val="accent1">
+              <a:shade val="50000"/>
+            </a:schemeClr>
+          </a:lnRef>
+          <a:fillRef idx="1">
+            <a:schemeClr val="accent1"/>
+          </a:fillRef>
+          <a:effectRef idx="0">
+            <a:schemeClr val="accent1"/>
+          </a:effectRef>
+          <a:fontRef idx="minor">
+            <a:schemeClr val="lt1"/>
+          </a:fontRef>
+        </p:style>
+        <p:txBody>
+          <a:bodyPr rtlCol="0" anchor="ctr"/>
+          <a:lstStyle/>
+          <a:p>
+            <a:pPr algn="ctr"/>
+            <a:endParaRPr lang="en-CA"/>
+          </a:p>
+        </p:txBody>
+      </p:sp>
+    </p:spTree>
+    <p:extLst>
+      <p:ext uri="{BB962C8B-B14F-4D97-AF65-F5344CB8AC3E}">
+        <p14:creationId xmlns:p14="http://schemas.microsoft.com/office/powerpoint/2010/main" val="61544403"/>
+      </p:ext>
+    </p:extLst>
+  </p:cSld>
+  <p:clrMapOvr>
+    <a:masterClrMapping/>
+  </p:clrMapOvr>
+  <p:timing>
+    <p:tnLst>
+      <p:par>
+        <p:cTn id="1" dur="indefinite" restart="never" nodeType="tmRoot">
+          <p:childTnLst>
+            <p:seq concurrent="1" nextAc="seek">
+              <p:cTn id="2" dur="indefinite" nodeType="mainSeq">
+                <p:childTnLst>
+                  <p:par>
+                    <p:cTn id="3" fill="hold">
+                      <p:stCondLst>
+                        <p:cond delay="indefinite"/>
+                      </p:stCondLst>
+                      <p:childTnLst>
+                        <p:par>
+                          <p:cTn id="4" fill="hold">
+                            <p:stCondLst>
+                              <p:cond delay="0"/>
+                            </p:stCondLst>
+                            <p:childTnLst>
+                              <p:par>
+                                <p:cTn id="5" presetID="1" presetClass="exit" presetSubtype="0" fill="hold" grpId="0" nodeType="clickEffect">
+                                  <p:stCondLst>
+                                    <p:cond delay="0"/>
+                                  </p:stCondLst>
+                                  <p:childTnLst>
+                                    <p:set>
+                                      <p:cBhvr>
+                                        <p:cTn id="6" dur="1" fill="hold">
+                                          <p:stCondLst>
+                                            <p:cond delay="0"/>
+                                          </p:stCondLst>
+                                        </p:cTn>
+                                        <p:tgtEl>
+                                          <p:spTgt spid="2"/>
+                                        </p:tgtEl>
+                                        <p:attrNameLst>
+                                          <p:attrName>style.visibility</p:attrName>
+                                        </p:attrNameLst>
+                                      </p:cBhvr>
+                                      <p:to>
+                                        <p:strVal val="hidden"/>
+                                      </p:to>
+                                    </p:set>
+                                  </p:childTnLst>
+                                </p:cTn>
+                              </p:par>
+                            </p:childTnLst>
+                          </p:cTn>
+                        </p:par>
+                      </p:childTnLst>
+                    </p:cTn>
+                  </p:par>
+                </p:childTnLst>
+              </p:cTn>
+              <p:prevCondLst>
+                <p:cond evt="onPrev" delay="0">
+                  <p:tgtEl>
+                    <p:sldTgt/>
+                  </p:tgtEl>
+                </p:cond>
+              </p:prevCondLst>
+              <p:nextCondLst>
+                <p:cond evt="onNext" delay="0">
+                  <p:tgtEl>
+                    <p:sldTgt/>
+                  </p:tgtEl>
+                </p:cond>
+              </p:nextCondLst>
+            </p:seq>
+          </p:childTnLst>
+        </p:cTn>
+      </p:par>
+    </p:tnLst>
+    <p:bldLst>
+      <p:bldP spid="2" grpId="0" animBg="1"/>
+    </p:bldLst>
+  </p:timing>
+</p:sld>
+</file>
+
+<file path=ppt/slides/slide13.xml><?xml version="1.0" encoding="utf-8"?>
 <p:sld xmlns:a="http://schemas.openxmlformats.org/drawingml/2006/main" xmlns:r="http://schemas.openxmlformats.org/officeDocument/2006/relationships" xmlns:p="http://schemas.openxmlformats.org/presentationml/2006/main">
   <p:cSld>
     <p:spTree>
@@ -5541,14 +7404,14 @@
   <p:timing>
     <p:tnLst>
       <p:par>
-        <p:cTn xmlns:p14="http://schemas.microsoft.com/office/powerpoint/2010/main" id="1" dur="indefinite" restart="never" nodeType="tmRoot"/>
+        <p:cTn id="1" dur="indefinite" restart="never" nodeType="tmRoot"/>
       </p:par>
     </p:tnLst>
   </p:timing>
 </p:sld>
 </file>
 
-<file path=ppt/slides/slide11.xml><?xml version="1.0" encoding="utf-8"?>
+<file path=ppt/slides/slide14.xml><?xml version="1.0" encoding="utf-8"?>
 <p:sld xmlns:a="http://schemas.openxmlformats.org/drawingml/2006/main" xmlns:r="http://schemas.openxmlformats.org/officeDocument/2006/relationships" xmlns:p="http://schemas.openxmlformats.org/presentationml/2006/main">
   <p:cSld>
     <p:spTree>
@@ -6229,14 +8092,14 @@
   <p:timing>
     <p:tnLst>
       <p:par>
-        <p:cTn xmlns:p14="http://schemas.microsoft.com/office/powerpoint/2010/main" id="1" dur="indefinite" restart="never" nodeType="tmRoot"/>
+        <p:cTn id="1" dur="indefinite" restart="never" nodeType="tmRoot"/>
       </p:par>
     </p:tnLst>
   </p:timing>
 </p:sld>
 </file>
 
-<file path=ppt/slides/slide12.xml><?xml version="1.0" encoding="utf-8"?>
+<file path=ppt/slides/slide15.xml><?xml version="1.0" encoding="utf-8"?>
 <p:sld xmlns:a="http://schemas.openxmlformats.org/drawingml/2006/main" xmlns:r="http://schemas.openxmlformats.org/officeDocument/2006/relationships" xmlns:p="http://schemas.openxmlformats.org/presentationml/2006/main">
   <p:cSld>
     <p:spTree>
@@ -6917,14 +8780,14 @@
   <p:timing>
     <p:tnLst>
       <p:par>
-        <p:cTn xmlns:p14="http://schemas.microsoft.com/office/powerpoint/2010/main" id="1" dur="indefinite" restart="never" nodeType="tmRoot"/>
+        <p:cTn id="1" dur="indefinite" restart="never" nodeType="tmRoot"/>
       </p:par>
     </p:tnLst>
   </p:timing>
 </p:sld>
 </file>
 
-<file path=ppt/slides/slide13.xml><?xml version="1.0" encoding="utf-8"?>
+<file path=ppt/slides/slide16.xml><?xml version="1.0" encoding="utf-8"?>
 <p:sld xmlns:a="http://schemas.openxmlformats.org/drawingml/2006/main" xmlns:r="http://schemas.openxmlformats.org/officeDocument/2006/relationships" xmlns:p="http://schemas.openxmlformats.org/presentationml/2006/main">
   <p:cSld>
     <p:spTree>
@@ -7609,14 +9472,14 @@
   <p:timing>
     <p:tnLst>
       <p:par>
-        <p:cTn xmlns:p14="http://schemas.microsoft.com/office/powerpoint/2010/main" id="1" dur="indefinite" restart="never" nodeType="tmRoot"/>
+        <p:cTn id="1" dur="indefinite" restart="never" nodeType="tmRoot"/>
       </p:par>
     </p:tnLst>
   </p:timing>
 </p:sld>
 </file>
 
-<file path=ppt/slides/slide14.xml><?xml version="1.0" encoding="utf-8"?>
+<file path=ppt/slides/slide17.xml><?xml version="1.0" encoding="utf-8"?>
 <p:sld xmlns:a="http://schemas.openxmlformats.org/drawingml/2006/main" xmlns:r="http://schemas.openxmlformats.org/officeDocument/2006/relationships" xmlns:p="http://schemas.openxmlformats.org/presentationml/2006/main">
   <p:cSld>
     <p:spTree>
@@ -7671,7 +9534,33 @@
           <a:bodyPr/>
           <a:lstStyle/>
           <a:p>
-            <a:endParaRPr lang="en-CA"/>
+            <a:r>
+              <a:rPr lang="en-US" dirty="0" smtClean="0"/>
+              <a:t>In session 1: Synchrony to 4 stim types differ, but not as expected</a:t>
+            </a:r>
+          </a:p>
+          <a:p>
+            <a:endParaRPr lang="en-US" dirty="0"/>
+          </a:p>
+          <a:p>
+            <a:r>
+              <a:rPr lang="en-US" dirty="0" smtClean="0"/>
+              <a:t>Expected synchrony to change as a result of familiarity</a:t>
+            </a:r>
+          </a:p>
+          <a:p>
+            <a:pPr lvl="1"/>
+            <a:r>
+              <a:rPr lang="en-US" dirty="0" smtClean="0"/>
+              <a:t>This doesn’t happen, and can’t be teased apart from a session effect of familiarity in the scanner</a:t>
+            </a:r>
+          </a:p>
+          <a:p>
+            <a:pPr lvl="1"/>
+            <a:r>
+              <a:rPr lang="en-US" dirty="0" smtClean="0"/>
+              <a:t>Overall more synchrony in session 1 than session 2 </a:t>
+            </a:r>
           </a:p>
         </p:txBody>
       </p:sp>
@@ -7688,14 +9577,14 @@
   <p:timing>
     <p:tnLst>
       <p:par>
-        <p:cTn xmlns:p14="http://schemas.microsoft.com/office/powerpoint/2010/main" id="1" dur="indefinite" restart="never" nodeType="tmRoot"/>
+        <p:cTn id="1" dur="indefinite" restart="never" nodeType="tmRoot"/>
       </p:par>
     </p:tnLst>
   </p:timing>
 </p:sld>
 </file>
 
-<file path=ppt/slides/slide15.xml><?xml version="1.0" encoding="utf-8"?>
+<file path=ppt/slides/slide18.xml><?xml version="1.0" encoding="utf-8"?>
 <p:sld xmlns:a="http://schemas.openxmlformats.org/drawingml/2006/main" xmlns:r="http://schemas.openxmlformats.org/officeDocument/2006/relationships" xmlns:p="http://schemas.openxmlformats.org/presentationml/2006/main">
   <p:cSld>
     <p:spTree>
@@ -7729,7 +9618,7 @@
           <a:p>
             <a:r>
               <a:rPr lang="en-US" dirty="0" smtClean="0"/>
-              <a:t>Cognition?</a:t>
+              <a:t>Also working on…</a:t>
             </a:r>
             <a:endParaRPr lang="en-CA" dirty="0"/>
           </a:p>
@@ -7750,7 +9639,34 @@
           <a:bodyPr/>
           <a:lstStyle/>
           <a:p>
-            <a:endParaRPr lang="en-CA"/>
+            <a:r>
+              <a:rPr lang="en-US" dirty="0" smtClean="0"/>
+              <a:t>Pattern analyses in the data from the short clips </a:t>
+            </a:r>
+          </a:p>
+          <a:p>
+            <a:endParaRPr lang="en-US" dirty="0" smtClean="0"/>
+          </a:p>
+          <a:p>
+            <a:r>
+              <a:rPr lang="en-US" dirty="0" smtClean="0"/>
+              <a:t>Relationship between cognition and synchrony</a:t>
+            </a:r>
+          </a:p>
+          <a:p>
+            <a:pPr lvl="1"/>
+            <a:r>
+              <a:rPr lang="en-US" dirty="0" smtClean="0"/>
+              <a:t>Started, but unclear how to interpret</a:t>
+            </a:r>
+          </a:p>
+          <a:p>
+            <a:pPr lvl="1"/>
+            <a:r>
+              <a:rPr lang="en-US" dirty="0" smtClean="0"/>
+              <a:t>Might wait until the older adult data is in to compare how older and young adults differ</a:t>
+            </a:r>
+            <a:endParaRPr lang="en-CA" dirty="0"/>
           </a:p>
         </p:txBody>
       </p:sp>
@@ -7767,7 +9683,7 @@
   <p:timing>
     <p:tnLst>
       <p:par>
-        <p:cTn xmlns:p14="http://schemas.microsoft.com/office/powerpoint/2010/main" id="1" dur="indefinite" restart="never" nodeType="tmRoot"/>
+        <p:cTn id="1" dur="indefinite" restart="never" nodeType="tmRoot"/>
       </p:par>
     </p:tnLst>
   </p:timing>
@@ -7861,18 +9777,18 @@
   <p:clrMapOvr>
     <a:masterClrMapping/>
   </p:clrMapOvr>
-  <mc:AlternateContent xmlns:mc="http://schemas.openxmlformats.org/markup-compatibility/2006">
-    <mc:Choice xmlns:p14="http://schemas.microsoft.com/office/powerpoint/2010/main" Requires="p14">
+  <mc:AlternateContent xmlns:mc="http://schemas.openxmlformats.org/markup-compatibility/2006" xmlns:p14="http://schemas.microsoft.com/office/powerpoint/2010/main">
+    <mc:Choice Requires="p14">
       <p:transition spd="slow" p14:dur="2000"/>
     </mc:Choice>
-    <mc:Fallback>
+    <mc:Fallback xmlns="">
       <p:transition xmlns:p14="http://schemas.microsoft.com/office/powerpoint/2010/main" spd="slow"/>
     </mc:Fallback>
   </mc:AlternateContent>
   <p:timing>
     <p:tnLst>
       <p:par>
-        <p:cTn xmlns:p14="http://schemas.microsoft.com/office/powerpoint/2010/main" id="1" dur="indefinite" restart="never" nodeType="tmRoot"/>
+        <p:cTn id="1" dur="indefinite" restart="never" nodeType="tmRoot"/>
       </p:par>
     </p:tnLst>
   </p:timing>
@@ -7913,7 +9829,7 @@
           <a:p>
             <a:r>
               <a:rPr lang="en-US" dirty="0" smtClean="0"/>
-              <a:t>GLM vs ISC results</a:t>
+              <a:t>Stim presented two ways</a:t>
             </a:r>
             <a:endParaRPr lang="en-CA" dirty="0"/>
           </a:p>
@@ -7931,131 +9847,64 @@
         </p:nvSpPr>
         <p:spPr/>
         <p:txBody>
-          <a:bodyPr>
-            <a:normAutofit lnSpcReduction="10000"/>
-          </a:bodyPr>
+          <a:bodyPr/>
           <a:lstStyle/>
           <a:p>
             <a:r>
               <a:rPr lang="en-US" dirty="0" smtClean="0"/>
-              <a:t>No systematic differences based on familiarity</a:t>
+              <a:t>Short clips of 10secs each (BOLD)</a:t>
             </a:r>
           </a:p>
           <a:p>
             <a:pPr lvl="1"/>
             <a:r>
               <a:rPr lang="en-US" dirty="0" smtClean="0"/>
-              <a:t>In GLM or ISC</a:t>
+              <a:t>10 per song</a:t>
             </a:r>
           </a:p>
           <a:p>
             <a:pPr lvl="1"/>
+            <a:r>
+              <a:rPr lang="en-US" dirty="0" smtClean="0"/>
+              <a:t>8 songs</a:t>
+            </a:r>
+          </a:p>
+          <a:p>
             <a:endParaRPr lang="en-US" dirty="0"/>
           </a:p>
           <a:p>
             <a:r>
               <a:rPr lang="en-US" dirty="0" smtClean="0"/>
-              <a:t>Stim type differences</a:t>
+              <a:t>Full Songs (ISC)</a:t>
             </a:r>
           </a:p>
           <a:p>
             <a:pPr lvl="1"/>
             <a:r>
               <a:rPr lang="en-US" dirty="0" smtClean="0"/>
-              <a:t>GLM and ISC show </a:t>
-            </a:r>
-            <a:endParaRPr lang="en-US" dirty="0" smtClean="0"/>
-          </a:p>
-          <a:p>
-            <a:pPr marL="457200" lvl="1" indent="0">
-              <a:buNone/>
-            </a:pPr>
-            <a:r>
-              <a:rPr lang="en-US" dirty="0" smtClean="0"/>
-              <a:t>Spoken &gt; A </a:t>
-            </a:r>
-            <a:r>
-              <a:rPr lang="en-US" dirty="0" err="1" smtClean="0"/>
-              <a:t>capella</a:t>
-            </a:r>
-            <a:r>
-              <a:rPr lang="en-US" dirty="0" smtClean="0"/>
-              <a:t> &gt; Whole &gt; Instrumental</a:t>
-            </a:r>
-          </a:p>
-          <a:p>
-            <a:pPr marL="457200" lvl="1" indent="0">
-              <a:buNone/>
-            </a:pPr>
-            <a:r>
-              <a:rPr lang="en-US" sz="2000" dirty="0" smtClean="0"/>
-              <a:t>(</a:t>
-            </a:r>
-            <a:r>
-              <a:rPr lang="en-US" sz="2000" dirty="0" smtClean="0"/>
-              <a:t>across whole brain)</a:t>
-            </a:r>
-          </a:p>
-          <a:p>
-            <a:endParaRPr lang="en-US" dirty="0"/>
-          </a:p>
-          <a:p>
-            <a:r>
-              <a:rPr lang="en-US" sz="2400" dirty="0" smtClean="0">
-                <a:solidFill>
-                  <a:schemeClr val="bg2">
-                    <a:lumMod val="75000"/>
-                  </a:schemeClr>
-                </a:solidFill>
-              </a:rPr>
-              <a:t>Pattern analysis to differentiate stim</a:t>
-            </a:r>
-          </a:p>
-          <a:p>
-            <a:pPr lvl="1"/>
-            <a:r>
-              <a:rPr lang="en-US" sz="2000" dirty="0" smtClean="0">
-                <a:solidFill>
-                  <a:schemeClr val="bg2">
-                    <a:lumMod val="75000"/>
-                  </a:schemeClr>
-                </a:solidFill>
-              </a:rPr>
-              <a:t>Does MVPA show different areas beyond GLM/ISC?</a:t>
-            </a:r>
-          </a:p>
-          <a:p>
-            <a:pPr lvl="1"/>
-            <a:r>
-              <a:rPr lang="en-US" sz="2000" dirty="0" smtClean="0">
-                <a:solidFill>
-                  <a:schemeClr val="bg2">
-                    <a:lumMod val="75000"/>
-                  </a:schemeClr>
-                </a:solidFill>
-              </a:rPr>
-              <a:t>still working on this</a:t>
-            </a:r>
-            <a:endParaRPr lang="en-US" sz="2000" dirty="0">
-              <a:solidFill>
-                <a:schemeClr val="bg2">
-                  <a:lumMod val="75000"/>
-                </a:schemeClr>
-              </a:solidFill>
-            </a:endParaRPr>
+              <a:t>8 songs</a:t>
+            </a:r>
+            <a:endParaRPr lang="en-CA" dirty="0"/>
           </a:p>
         </p:txBody>
       </p:sp>
     </p:spTree>
     <p:extLst>
       <p:ext uri="{BB962C8B-B14F-4D97-AF65-F5344CB8AC3E}">
-        <p14:creationId xmlns:p14="http://schemas.microsoft.com/office/powerpoint/2010/main" val="2736446539"/>
+        <p14:creationId xmlns:p14="http://schemas.microsoft.com/office/powerpoint/2010/main" val="676000600"/>
       </p:ext>
     </p:extLst>
   </p:cSld>
   <p:clrMapOvr>
     <a:masterClrMapping/>
   </p:clrMapOvr>
+  <p:timing>
+    <p:tnLst>
+      <p:par>
+        <p:cTn id="1" dur="indefinite" restart="never" nodeType="tmRoot"/>
+      </p:par>
+    </p:tnLst>
+  </p:timing>
 </p:sld>
 </file>
 
@@ -8092,12 +9941,12 @@
           <a:lstStyle/>
           <a:p>
             <a:r>
-              <a:rPr lang="en-US" dirty="0" err="1" smtClean="0"/>
-              <a:t>Intersubject</a:t>
-            </a:r>
-            <a:r>
               <a:rPr lang="en-US" dirty="0" smtClean="0"/>
-              <a:t> synchrony in ROIs</a:t>
+              <a:t>BOLD </a:t>
+            </a:r>
+            <a:r>
+              <a:rPr lang="en-US" dirty="0" smtClean="0"/>
+              <a:t>vs ISC results</a:t>
             </a:r>
             <a:endParaRPr lang="en-CA" dirty="0"/>
           </a:p>
@@ -8115,57 +9964,145 @@
         </p:nvSpPr>
         <p:spPr/>
         <p:txBody>
-          <a:bodyPr/>
+          <a:bodyPr>
+            <a:normAutofit lnSpcReduction="10000"/>
+          </a:bodyPr>
           <a:lstStyle/>
           <a:p>
             <a:r>
               <a:rPr lang="en-US" dirty="0" smtClean="0"/>
-              <a:t>Frontal, Auditory, Cingulate, Basal Ganglia, Cerebellum</a:t>
-            </a:r>
-          </a:p>
-          <a:p>
-            <a:endParaRPr lang="en-US" dirty="0" smtClean="0"/>
-          </a:p>
-          <a:p>
+              <a:t>No systematic differences based on familiarity</a:t>
+            </a:r>
+          </a:p>
+          <a:p>
+            <a:pPr lvl="1"/>
             <a:r>
               <a:rPr lang="en-US" dirty="0" smtClean="0"/>
-              <a:t>Method:</a:t>
+              <a:t>In </a:t>
+            </a:r>
+            <a:r>
+              <a:rPr lang="en-US" dirty="0" smtClean="0"/>
+              <a:t>BOLD </a:t>
+            </a:r>
+            <a:r>
+              <a:rPr lang="en-US" dirty="0" smtClean="0"/>
+              <a:t>or ISC</a:t>
             </a:r>
           </a:p>
           <a:p>
             <a:pPr lvl="1"/>
+            <a:endParaRPr lang="en-US" dirty="0"/>
+          </a:p>
+          <a:p>
             <a:r>
               <a:rPr lang="en-US" dirty="0" smtClean="0"/>
-              <a:t>Extract mean synchrony value from each ROI, for each participant</a:t>
+              <a:t>Stim type differences</a:t>
             </a:r>
           </a:p>
           <a:p>
             <a:pPr lvl="1"/>
             <a:r>
               <a:rPr lang="en-US" dirty="0" smtClean="0"/>
-              <a:t>‘how synchronized was the activity in this participant’s ROI to everyone else’s activity’</a:t>
+              <a:t>BOLD </a:t>
+            </a:r>
+            <a:r>
+              <a:rPr lang="en-US" dirty="0" smtClean="0"/>
+              <a:t>and ISC show </a:t>
+            </a:r>
+          </a:p>
+          <a:p>
+            <a:pPr marL="457200" lvl="1" indent="0">
+              <a:buNone/>
+            </a:pPr>
+            <a:r>
+              <a:rPr lang="en-US" b="1" dirty="0" smtClean="0"/>
+              <a:t>Spoken &gt; A </a:t>
+            </a:r>
+            <a:r>
+              <a:rPr lang="en-US" b="1" dirty="0" err="1" smtClean="0"/>
+              <a:t>capella</a:t>
+            </a:r>
+            <a:r>
+              <a:rPr lang="en-US" b="1" dirty="0" smtClean="0"/>
+              <a:t> &gt; Whole &gt; Instrumental</a:t>
+            </a:r>
+          </a:p>
+          <a:p>
+            <a:pPr marL="457200" lvl="1" indent="0">
+              <a:buNone/>
+            </a:pPr>
+            <a:r>
+              <a:rPr lang="en-US" sz="2000" dirty="0" smtClean="0"/>
+              <a:t>(across whole brain)</a:t>
+            </a:r>
+          </a:p>
+          <a:p>
+            <a:endParaRPr lang="en-US" dirty="0"/>
+          </a:p>
+          <a:p>
+            <a:r>
+              <a:rPr lang="en-US" sz="2400" dirty="0" smtClean="0">
+                <a:solidFill>
+                  <a:schemeClr val="bg2">
+                    <a:lumMod val="75000"/>
+                  </a:schemeClr>
+                </a:solidFill>
+              </a:rPr>
+              <a:t>Pattern analysis to differentiate stim</a:t>
             </a:r>
           </a:p>
           <a:p>
             <a:pPr lvl="1"/>
             <a:r>
-              <a:rPr lang="en-US" dirty="0" smtClean="0"/>
-              <a:t>Ran stats on the mean values</a:t>
-            </a:r>
-            <a:endParaRPr lang="en-CA" dirty="0"/>
+              <a:rPr lang="en-US" sz="2000" dirty="0" smtClean="0">
+                <a:solidFill>
+                  <a:schemeClr val="bg2">
+                    <a:lumMod val="75000"/>
+                  </a:schemeClr>
+                </a:solidFill>
+              </a:rPr>
+              <a:t>Does MVPA show different areas beyond GLM/ISC?</a:t>
+            </a:r>
+          </a:p>
+          <a:p>
+            <a:pPr lvl="1"/>
+            <a:r>
+              <a:rPr lang="en-US" sz="2000" dirty="0" smtClean="0">
+                <a:solidFill>
+                  <a:schemeClr val="bg2">
+                    <a:lumMod val="75000"/>
+                  </a:schemeClr>
+                </a:solidFill>
+              </a:rPr>
+              <a:t>still working on this</a:t>
+            </a:r>
+            <a:endParaRPr lang="en-US" sz="2000" dirty="0">
+              <a:solidFill>
+                <a:schemeClr val="bg2">
+                  <a:lumMod val="75000"/>
+                </a:schemeClr>
+              </a:solidFill>
+            </a:endParaRPr>
           </a:p>
         </p:txBody>
       </p:sp>
     </p:spTree>
     <p:extLst>
       <p:ext uri="{BB962C8B-B14F-4D97-AF65-F5344CB8AC3E}">
-        <p14:creationId xmlns:p14="http://schemas.microsoft.com/office/powerpoint/2010/main" val="2164063355"/>
+        <p14:creationId xmlns:p14="http://schemas.microsoft.com/office/powerpoint/2010/main" val="2736446539"/>
       </p:ext>
     </p:extLst>
   </p:cSld>
   <p:clrMapOvr>
     <a:masterClrMapping/>
   </p:clrMapOvr>
+  <p:timing>
+    <p:tnLst>
+      <p:par>
+        <p:cTn id="1" dur="indefinite" restart="never" nodeType="tmRoot"/>
+      </p:par>
+    </p:tnLst>
+  </p:timing>
 </p:sld>
 </file>
 
@@ -8188,6 +10125,33 @@
       </p:grpSpPr>
       <p:sp>
         <p:nvSpPr>
+          <p:cNvPr id="2" name="Title 1"/>
+          <p:cNvSpPr>
+            <a:spLocks noGrp="1"/>
+          </p:cNvSpPr>
+          <p:nvPr>
+            <p:ph type="title"/>
+          </p:nvPr>
+        </p:nvSpPr>
+        <p:spPr/>
+        <p:txBody>
+          <a:bodyPr/>
+          <a:lstStyle/>
+          <a:p>
+            <a:r>
+              <a:rPr lang="en-US" dirty="0" err="1" smtClean="0"/>
+              <a:t>Intersubject</a:t>
+            </a:r>
+            <a:r>
+              <a:rPr lang="en-US" dirty="0" smtClean="0"/>
+              <a:t> synchrony in ROIs</a:t>
+            </a:r>
+            <a:endParaRPr lang="en-CA" dirty="0"/>
+          </a:p>
+        </p:txBody>
+      </p:sp>
+      <p:sp>
+        <p:nvSpPr>
           <p:cNvPr id="3" name="Content Placeholder 2"/>
           <p:cNvSpPr>
             <a:spLocks noGrp="1"/>
@@ -8196,6 +10160,96 @@
             <p:ph idx="1"/>
           </p:nvPr>
         </p:nvSpPr>
+        <p:spPr/>
+        <p:txBody>
+          <a:bodyPr/>
+          <a:lstStyle/>
+          <a:p>
+            <a:r>
+              <a:rPr lang="en-US" dirty="0" smtClean="0"/>
+              <a:t>Frontal, Auditory, Cingulate, Basal Ganglia, Cerebellum</a:t>
+            </a:r>
+          </a:p>
+          <a:p>
+            <a:endParaRPr lang="en-US" dirty="0" smtClean="0"/>
+          </a:p>
+          <a:p>
+            <a:r>
+              <a:rPr lang="en-US" dirty="0" smtClean="0"/>
+              <a:t>Method:</a:t>
+            </a:r>
+          </a:p>
+          <a:p>
+            <a:pPr lvl="1"/>
+            <a:r>
+              <a:rPr lang="en-US" dirty="0" smtClean="0"/>
+              <a:t>Extract mean synchrony value from each ROI, for each participant</a:t>
+            </a:r>
+          </a:p>
+          <a:p>
+            <a:pPr lvl="1"/>
+            <a:r>
+              <a:rPr lang="en-US" dirty="0" smtClean="0"/>
+              <a:t>‘how synchronized was the activity in this participant’s ROI to everyone else’s activity’</a:t>
+            </a:r>
+          </a:p>
+          <a:p>
+            <a:pPr lvl="1"/>
+            <a:r>
+              <a:rPr lang="en-US" dirty="0" smtClean="0"/>
+              <a:t>Ran stats on the mean values</a:t>
+            </a:r>
+            <a:endParaRPr lang="en-CA" dirty="0"/>
+          </a:p>
+        </p:txBody>
+      </p:sp>
+    </p:spTree>
+    <p:extLst>
+      <p:ext uri="{BB962C8B-B14F-4D97-AF65-F5344CB8AC3E}">
+        <p14:creationId xmlns:p14="http://schemas.microsoft.com/office/powerpoint/2010/main" val="2164063355"/>
+      </p:ext>
+    </p:extLst>
+  </p:cSld>
+  <p:clrMapOvr>
+    <a:masterClrMapping/>
+  </p:clrMapOvr>
+  <p:timing>
+    <p:tnLst>
+      <p:par>
+        <p:cTn id="1" dur="indefinite" restart="never" nodeType="tmRoot"/>
+      </p:par>
+    </p:tnLst>
+  </p:timing>
+</p:sld>
+</file>
+
+<file path=ppt/slides/slide6.xml><?xml version="1.0" encoding="utf-8"?>
+<p:sld xmlns:a="http://schemas.openxmlformats.org/drawingml/2006/main" xmlns:r="http://schemas.openxmlformats.org/officeDocument/2006/relationships" xmlns:p="http://schemas.openxmlformats.org/presentationml/2006/main">
+  <p:cSld>
+    <p:spTree>
+      <p:nvGrpSpPr>
+        <p:cNvPr id="1" name=""/>
+        <p:cNvGrpSpPr/>
+        <p:nvPr/>
+      </p:nvGrpSpPr>
+      <p:grpSpPr>
+        <a:xfrm>
+          <a:off x="0" y="0"/>
+          <a:ext cx="0" cy="0"/>
+          <a:chOff x="0" y="0"/>
+          <a:chExt cx="0" cy="0"/>
+        </a:xfrm>
+      </p:grpSpPr>
+      <p:sp>
+        <p:nvSpPr>
+          <p:cNvPr id="3" name="Content Placeholder 2"/>
+          <p:cNvSpPr>
+            <a:spLocks noGrp="1"/>
+          </p:cNvSpPr>
+          <p:nvPr>
+            <p:ph idx="1"/>
+          </p:nvPr>
+        </p:nvSpPr>
         <p:spPr>
           <a:xfrm>
             <a:off x="4643885" y="378484"/>
@@ -8210,28 +10264,24 @@
           <a:p>
             <a:r>
               <a:rPr lang="en-US" b="1" dirty="0" smtClean="0"/>
-              <a:t>Ignoring </a:t>
-            </a:r>
-            <a:r>
-              <a:rPr lang="en-US" b="1" dirty="0" smtClean="0"/>
-              <a:t>Session</a:t>
-            </a:r>
-            <a:endParaRPr lang="en-US" b="1" dirty="0" smtClean="0"/>
+              <a:t>Ignoring Session</a:t>
+            </a:r>
           </a:p>
           <a:p>
             <a:pPr lvl="1"/>
             <a:r>
               <a:rPr lang="en-US" dirty="0" smtClean="0"/>
-              <a:t>ROIs where ISC </a:t>
+              <a:t>ROIs where ISC differentiate 4 stimuli overlay with GLM </a:t>
             </a:r>
             <a:r>
               <a:rPr lang="en-US" dirty="0" smtClean="0"/>
-              <a:t>differentiate 4 </a:t>
-            </a:r>
-            <a:r>
-              <a:rPr lang="en-US" dirty="0" smtClean="0"/>
-              <a:t>stimuli overlay with GLM results</a:t>
-            </a:r>
+              <a:t>results </a:t>
+            </a:r>
+            <a:r>
+              <a:rPr lang="en-US" sz="1700" dirty="0" smtClean="0"/>
+              <a:t>(ANOVA results)</a:t>
+            </a:r>
+            <a:endParaRPr lang="en-US" sz="1700" dirty="0" smtClean="0"/>
           </a:p>
           <a:p>
             <a:pPr lvl="1"/>
@@ -8248,9 +10298,16 @@
             <a:pPr lvl="1"/>
             <a:r>
               <a:rPr lang="en-US" dirty="0" smtClean="0"/>
-              <a:t>RED: GLM activation</a:t>
-            </a:r>
-            <a:endParaRPr lang="en-US" dirty="0" smtClean="0"/>
+              <a:t>RED: </a:t>
+            </a:r>
+            <a:r>
+              <a:rPr lang="en-US" dirty="0" smtClean="0"/>
+              <a:t>BOLD </a:t>
+            </a:r>
+            <a:r>
+              <a:rPr lang="en-US" dirty="0" smtClean="0"/>
+              <a:t>activation</a:t>
+            </a:r>
           </a:p>
         </p:txBody>
       </p:sp>
@@ -8495,6 +10552,66 @@
           </a:p>
         </p:txBody>
       </p:sp>
+      <p:sp>
+        <p:nvSpPr>
+          <p:cNvPr id="2" name="TextBox 1"/>
+          <p:cNvSpPr txBox="1"/>
+          <p:nvPr/>
+        </p:nvSpPr>
+        <p:spPr>
+          <a:xfrm>
+            <a:off x="7038975" y="1762125"/>
+            <a:ext cx="2042419" cy="338554"/>
+          </a:xfrm>
+          <a:prstGeom prst="rect">
+            <a:avLst/>
+          </a:prstGeom>
+          <a:noFill/>
+        </p:spPr>
+        <p:txBody>
+          <a:bodyPr wrap="none" rtlCol="0">
+            <a:spAutoFit/>
+          </a:bodyPr>
+          <a:lstStyle/>
+          <a:p>
+            <a:r>
+              <a:rPr lang="en-US" sz="1600" dirty="0" smtClean="0"/>
+              <a:t>(same across all 4 figs)</a:t>
+            </a:r>
+            <a:endParaRPr lang="en-CA" sz="1600" dirty="0"/>
+          </a:p>
+        </p:txBody>
+      </p:sp>
+      <p:sp>
+        <p:nvSpPr>
+          <p:cNvPr id="13" name="TextBox 12"/>
+          <p:cNvSpPr txBox="1"/>
+          <p:nvPr/>
+        </p:nvSpPr>
+        <p:spPr>
+          <a:xfrm>
+            <a:off x="6506551" y="2244908"/>
+            <a:ext cx="1870320" cy="338554"/>
+          </a:xfrm>
+          <a:prstGeom prst="rect">
+            <a:avLst/>
+          </a:prstGeom>
+          <a:noFill/>
+        </p:spPr>
+        <p:txBody>
+          <a:bodyPr wrap="none" rtlCol="0">
+            <a:spAutoFit/>
+          </a:bodyPr>
+          <a:lstStyle/>
+          <a:p>
+            <a:r>
+              <a:rPr lang="en-US" sz="1600" dirty="0" smtClean="0"/>
+              <a:t>(different for 4 stim)</a:t>
+            </a:r>
+            <a:endParaRPr lang="en-CA" sz="1600" dirty="0"/>
+          </a:p>
+        </p:txBody>
+      </p:sp>
     </p:spTree>
     <p:extLst>
       <p:ext uri="{BB962C8B-B14F-4D97-AF65-F5344CB8AC3E}">
@@ -8505,10 +10622,281 @@
   <p:clrMapOvr>
     <a:masterClrMapping/>
   </p:clrMapOvr>
+  <p:timing>
+    <p:tnLst>
+      <p:par>
+        <p:cTn id="1" dur="indefinite" restart="never" nodeType="tmRoot">
+          <p:childTnLst>
+            <p:seq concurrent="1" nextAc="seek">
+              <p:cTn id="2" dur="indefinite" nodeType="mainSeq">
+                <p:childTnLst>
+                  <p:par>
+                    <p:cTn id="3" fill="hold">
+                      <p:stCondLst>
+                        <p:cond delay="indefinite"/>
+                      </p:stCondLst>
+                      <p:childTnLst>
+                        <p:par>
+                          <p:cTn id="4" fill="hold">
+                            <p:stCondLst>
+                              <p:cond delay="0"/>
+                            </p:stCondLst>
+                            <p:childTnLst>
+                              <p:par>
+                                <p:cTn id="5" presetID="1" presetClass="entr" presetSubtype="0" fill="hold" nodeType="clickEffect">
+                                  <p:stCondLst>
+                                    <p:cond delay="0"/>
+                                  </p:stCondLst>
+                                  <p:childTnLst>
+                                    <p:set>
+                                      <p:cBhvr>
+                                        <p:cTn id="6" dur="1" fill="hold">
+                                          <p:stCondLst>
+                                            <p:cond delay="0"/>
+                                          </p:stCondLst>
+                                        </p:cTn>
+                                        <p:tgtEl>
+                                          <p:spTgt spid="5"/>
+                                        </p:tgtEl>
+                                        <p:attrNameLst>
+                                          <p:attrName>style.visibility</p:attrName>
+                                        </p:attrNameLst>
+                                      </p:cBhvr>
+                                      <p:to>
+                                        <p:strVal val="visible"/>
+                                      </p:to>
+                                    </p:set>
+                                  </p:childTnLst>
+                                </p:cTn>
+                              </p:par>
+                              <p:par>
+                                <p:cTn id="7" presetID="1" presetClass="entr" presetSubtype="0" fill="hold" nodeType="withEffect">
+                                  <p:stCondLst>
+                                    <p:cond delay="0"/>
+                                  </p:stCondLst>
+                                  <p:childTnLst>
+                                    <p:set>
+                                      <p:cBhvr>
+                                        <p:cTn id="8" dur="1" fill="hold">
+                                          <p:stCondLst>
+                                            <p:cond delay="0"/>
+                                          </p:stCondLst>
+                                        </p:cTn>
+                                        <p:tgtEl>
+                                          <p:spTgt spid="6"/>
+                                        </p:tgtEl>
+                                        <p:attrNameLst>
+                                          <p:attrName>style.visibility</p:attrName>
+                                        </p:attrNameLst>
+                                      </p:cBhvr>
+                                      <p:to>
+                                        <p:strVal val="visible"/>
+                                      </p:to>
+                                    </p:set>
+                                  </p:childTnLst>
+                                </p:cTn>
+                              </p:par>
+                              <p:par>
+                                <p:cTn id="9" presetID="1" presetClass="entr" presetSubtype="0" fill="hold" nodeType="withEffect">
+                                  <p:stCondLst>
+                                    <p:cond delay="0"/>
+                                  </p:stCondLst>
+                                  <p:childTnLst>
+                                    <p:set>
+                                      <p:cBhvr>
+                                        <p:cTn id="10" dur="1" fill="hold">
+                                          <p:stCondLst>
+                                            <p:cond delay="0"/>
+                                          </p:stCondLst>
+                                        </p:cTn>
+                                        <p:tgtEl>
+                                          <p:spTgt spid="7"/>
+                                        </p:tgtEl>
+                                        <p:attrNameLst>
+                                          <p:attrName>style.visibility</p:attrName>
+                                        </p:attrNameLst>
+                                      </p:cBhvr>
+                                      <p:to>
+                                        <p:strVal val="visible"/>
+                                      </p:to>
+                                    </p:set>
+                                  </p:childTnLst>
+                                </p:cTn>
+                              </p:par>
+                              <p:par>
+                                <p:cTn id="11" presetID="1" presetClass="entr" presetSubtype="0" fill="hold" grpId="0" nodeType="withEffect">
+                                  <p:stCondLst>
+                                    <p:cond delay="0"/>
+                                  </p:stCondLst>
+                                  <p:childTnLst>
+                                    <p:set>
+                                      <p:cBhvr>
+                                        <p:cTn id="12" dur="1" fill="hold">
+                                          <p:stCondLst>
+                                            <p:cond delay="0"/>
+                                          </p:stCondLst>
+                                        </p:cTn>
+                                        <p:tgtEl>
+                                          <p:spTgt spid="12"/>
+                                        </p:tgtEl>
+                                        <p:attrNameLst>
+                                          <p:attrName>style.visibility</p:attrName>
+                                        </p:attrNameLst>
+                                      </p:cBhvr>
+                                      <p:to>
+                                        <p:strVal val="visible"/>
+                                      </p:to>
+                                    </p:set>
+                                  </p:childTnLst>
+                                </p:cTn>
+                              </p:par>
+                              <p:par>
+                                <p:cTn id="13" presetID="1" presetClass="entr" presetSubtype="0" fill="hold" grpId="0" nodeType="withEffect">
+                                  <p:stCondLst>
+                                    <p:cond delay="0"/>
+                                  </p:stCondLst>
+                                  <p:childTnLst>
+                                    <p:set>
+                                      <p:cBhvr>
+                                        <p:cTn id="14" dur="1" fill="hold">
+                                          <p:stCondLst>
+                                            <p:cond delay="0"/>
+                                          </p:stCondLst>
+                                        </p:cTn>
+                                        <p:tgtEl>
+                                          <p:spTgt spid="11"/>
+                                        </p:tgtEl>
+                                        <p:attrNameLst>
+                                          <p:attrName>style.visibility</p:attrName>
+                                        </p:attrNameLst>
+                                      </p:cBhvr>
+                                      <p:to>
+                                        <p:strVal val="visible"/>
+                                      </p:to>
+                                    </p:set>
+                                  </p:childTnLst>
+                                </p:cTn>
+                              </p:par>
+                              <p:par>
+                                <p:cTn id="15" presetID="1" presetClass="entr" presetSubtype="0" fill="hold" grpId="0" nodeType="withEffect">
+                                  <p:stCondLst>
+                                    <p:cond delay="0"/>
+                                  </p:stCondLst>
+                                  <p:childTnLst>
+                                    <p:set>
+                                      <p:cBhvr>
+                                        <p:cTn id="16" dur="1" fill="hold">
+                                          <p:stCondLst>
+                                            <p:cond delay="0"/>
+                                          </p:stCondLst>
+                                        </p:cTn>
+                                        <p:tgtEl>
+                                          <p:spTgt spid="10"/>
+                                        </p:tgtEl>
+                                        <p:attrNameLst>
+                                          <p:attrName>style.visibility</p:attrName>
+                                        </p:attrNameLst>
+                                      </p:cBhvr>
+                                      <p:to>
+                                        <p:strVal val="visible"/>
+                                      </p:to>
+                                    </p:set>
+                                  </p:childTnLst>
+                                </p:cTn>
+                              </p:par>
+                              <p:par>
+                                <p:cTn id="17" presetID="1" presetClass="entr" presetSubtype="0" fill="hold" grpId="0" nodeType="withEffect">
+                                  <p:stCondLst>
+                                    <p:cond delay="0"/>
+                                  </p:stCondLst>
+                                  <p:childTnLst>
+                                    <p:set>
+                                      <p:cBhvr>
+                                        <p:cTn id="18" dur="1" fill="hold">
+                                          <p:stCondLst>
+                                            <p:cond delay="0"/>
+                                          </p:stCondLst>
+                                        </p:cTn>
+                                        <p:tgtEl>
+                                          <p:spTgt spid="2"/>
+                                        </p:tgtEl>
+                                        <p:attrNameLst>
+                                          <p:attrName>style.visibility</p:attrName>
+                                        </p:attrNameLst>
+                                      </p:cBhvr>
+                                      <p:to>
+                                        <p:strVal val="visible"/>
+                                      </p:to>
+                                    </p:set>
+                                  </p:childTnLst>
+                                </p:cTn>
+                              </p:par>
+                              <p:par>
+                                <p:cTn id="19" presetID="1" presetClass="entr" presetSubtype="0" fill="hold" grpId="0" nodeType="withEffect">
+                                  <p:stCondLst>
+                                    <p:cond delay="0"/>
+                                  </p:stCondLst>
+                                  <p:childTnLst>
+                                    <p:set>
+                                      <p:cBhvr>
+                                        <p:cTn id="20" dur="1" fill="hold">
+                                          <p:stCondLst>
+                                            <p:cond delay="0"/>
+                                          </p:stCondLst>
+                                        </p:cTn>
+                                        <p:tgtEl>
+                                          <p:spTgt spid="13"/>
+                                        </p:tgtEl>
+                                        <p:attrNameLst>
+                                          <p:attrName>style.visibility</p:attrName>
+                                        </p:attrNameLst>
+                                      </p:cBhvr>
+                                      <p:to>
+                                        <p:strVal val="visible"/>
+                                      </p:to>
+                                    </p:set>
+                                  </p:childTnLst>
+                                </p:cTn>
+                              </p:par>
+                            </p:childTnLst>
+                          </p:cTn>
+                        </p:par>
+                      </p:childTnLst>
+                    </p:cTn>
+                  </p:par>
+                </p:childTnLst>
+              </p:cTn>
+              <p:prevCondLst>
+                <p:cond evt="onPrev" delay="0">
+                  <p:tgtEl>
+                    <p:sldTgt/>
+                  </p:tgtEl>
+                </p:cond>
+              </p:prevCondLst>
+              <p:nextCondLst>
+                <p:cond evt="onNext" delay="0">
+                  <p:tgtEl>
+                    <p:sldTgt/>
+                  </p:tgtEl>
+                </p:cond>
+              </p:nextCondLst>
+            </p:seq>
+          </p:childTnLst>
+        </p:cTn>
+      </p:par>
+    </p:tnLst>
+    <p:bldLst>
+      <p:bldP spid="10" grpId="0"/>
+      <p:bldP spid="11" grpId="0"/>
+      <p:bldP spid="12" grpId="0"/>
+      <p:bldP spid="2" grpId="0"/>
+      <p:bldP spid="13" grpId="0"/>
+    </p:bldLst>
+  </p:timing>
 </p:sld>
 </file>
 
-<file path=ppt/slides/slide6.xml><?xml version="1.0" encoding="utf-8"?>
+<file path=ppt/slides/slide7.xml><?xml version="1.0" encoding="utf-8"?>
 <p:sld xmlns:a="http://schemas.openxmlformats.org/drawingml/2006/main" xmlns:r="http://schemas.openxmlformats.org/officeDocument/2006/relationships" xmlns:p="http://schemas.openxmlformats.org/presentationml/2006/main">
   <p:cSld>
     <p:spTree>
@@ -8551,22 +10939,22 @@
               <a:rPr lang="en-US" b="1" dirty="0" smtClean="0"/>
               <a:t>Session 1</a:t>
             </a:r>
-            <a:endParaRPr lang="en-US" b="1" dirty="0" smtClean="0"/>
           </a:p>
           <a:p>
             <a:pPr lvl="1"/>
             <a:r>
               <a:rPr lang="en-US" dirty="0" smtClean="0"/>
-              <a:t>ROIs where ISC </a:t>
-            </a:r>
-            <a:r>
-              <a:rPr lang="en-US" dirty="0" smtClean="0"/>
-              <a:t>differentiate 4 </a:t>
-            </a:r>
-            <a:r>
-              <a:rPr lang="en-US" dirty="0" smtClean="0"/>
-              <a:t>stimuli overlay with GLM results</a:t>
-            </a:r>
+              <a:t>ROIs where ISC differentiate 4 stimuli overlay with GLM results </a:t>
+            </a:r>
+            <a:r>
+              <a:rPr lang="en-US" sz="1900" dirty="0"/>
+              <a:t>(ANOVA results</a:t>
+            </a:r>
+            <a:r>
+              <a:rPr lang="en-US" sz="1900" dirty="0" smtClean="0"/>
+              <a:t>)</a:t>
+            </a:r>
+            <a:endParaRPr lang="en-US" sz="1900" dirty="0" smtClean="0"/>
           </a:p>
           <a:p>
             <a:pPr lvl="1"/>
@@ -8576,16 +10964,28 @@
             <a:pPr lvl="1"/>
             <a:r>
               <a:rPr lang="en-US" dirty="0" smtClean="0"/>
-              <a:t>BLUE: ISC ROIs</a:t>
-            </a:r>
+              <a:t>BLUE: ISC </a:t>
+            </a:r>
+            <a:r>
+              <a:rPr lang="en-US" dirty="0" smtClean="0"/>
+              <a:t>ROIs</a:t>
+            </a:r>
+            <a:endParaRPr lang="en-US" dirty="0" smtClean="0"/>
           </a:p>
           <a:p>
             <a:pPr lvl="1"/>
             <a:r>
               <a:rPr lang="en-US" dirty="0" smtClean="0"/>
-              <a:t>RED: GLM activation</a:t>
-            </a:r>
-            <a:endParaRPr lang="en-US" dirty="0" smtClean="0"/>
+              <a:t>RED: </a:t>
+            </a:r>
+            <a:r>
+              <a:rPr lang="en-US" dirty="0" smtClean="0"/>
+              <a:t>BOLD </a:t>
+            </a:r>
+            <a:r>
+              <a:rPr lang="en-US" dirty="0" smtClean="0"/>
+              <a:t>activation</a:t>
+            </a:r>
           </a:p>
         </p:txBody>
       </p:sp>
@@ -8719,7 +11119,7 @@
           <p:nvPr/>
         </p:nvPicPr>
         <p:blipFill>
-          <a:blip r:embed="rId2">
+          <a:blip r:embed="rId3">
             <a:extLst>
               <a:ext uri="{28A0092B-C50C-407E-A947-70E740481C1C}">
                 <a14:useLocalDpi xmlns:a14="http://schemas.microsoft.com/office/drawing/2010/main" val="0"/>
@@ -8749,7 +11149,7 @@
           <p:nvPr/>
         </p:nvPicPr>
         <p:blipFill>
-          <a:blip r:embed="rId3">
+          <a:blip r:embed="rId4">
             <a:extLst>
               <a:ext uri="{28A0092B-C50C-407E-A947-70E740481C1C}">
                 <a14:useLocalDpi xmlns:a14="http://schemas.microsoft.com/office/drawing/2010/main" val="0"/>
@@ -8779,7 +11179,7 @@
           <p:nvPr/>
         </p:nvPicPr>
         <p:blipFill>
-          <a:blip r:embed="rId4">
+          <a:blip r:embed="rId5">
             <a:extLst>
               <a:ext uri="{28A0092B-C50C-407E-A947-70E740481C1C}">
                 <a14:useLocalDpi xmlns:a14="http://schemas.microsoft.com/office/drawing/2010/main" val="0"/>
@@ -8809,7 +11209,7 @@
           <p:nvPr/>
         </p:nvPicPr>
         <p:blipFill>
-          <a:blip r:embed="rId5">
+          <a:blip r:embed="rId6">
             <a:extLst>
               <a:ext uri="{28A0092B-C50C-407E-A947-70E740481C1C}">
                 <a14:useLocalDpi xmlns:a14="http://schemas.microsoft.com/office/drawing/2010/main" val="0"/>
@@ -8830,6 +11230,66 @@
           </a:prstGeom>
         </p:spPr>
       </p:pic>
+      <p:sp>
+        <p:nvSpPr>
+          <p:cNvPr id="16" name="TextBox 15"/>
+          <p:cNvSpPr txBox="1"/>
+          <p:nvPr/>
+        </p:nvSpPr>
+        <p:spPr>
+          <a:xfrm>
+            <a:off x="7038975" y="1762125"/>
+            <a:ext cx="2042419" cy="338554"/>
+          </a:xfrm>
+          <a:prstGeom prst="rect">
+            <a:avLst/>
+          </a:prstGeom>
+          <a:noFill/>
+        </p:spPr>
+        <p:txBody>
+          <a:bodyPr wrap="none" rtlCol="0">
+            <a:spAutoFit/>
+          </a:bodyPr>
+          <a:lstStyle/>
+          <a:p>
+            <a:r>
+              <a:rPr lang="en-US" sz="1600" dirty="0" smtClean="0"/>
+              <a:t>(same across all 4 figs)</a:t>
+            </a:r>
+            <a:endParaRPr lang="en-CA" sz="1600" dirty="0"/>
+          </a:p>
+        </p:txBody>
+      </p:sp>
+      <p:sp>
+        <p:nvSpPr>
+          <p:cNvPr id="17" name="TextBox 16"/>
+          <p:cNvSpPr txBox="1"/>
+          <p:nvPr/>
+        </p:nvSpPr>
+        <p:spPr>
+          <a:xfrm>
+            <a:off x="6506551" y="2244908"/>
+            <a:ext cx="1870320" cy="338554"/>
+          </a:xfrm>
+          <a:prstGeom prst="rect">
+            <a:avLst/>
+          </a:prstGeom>
+          <a:noFill/>
+        </p:spPr>
+        <p:txBody>
+          <a:bodyPr wrap="none" rtlCol="0">
+            <a:spAutoFit/>
+          </a:bodyPr>
+          <a:lstStyle/>
+          <a:p>
+            <a:r>
+              <a:rPr lang="en-US" sz="1600" dirty="0" smtClean="0"/>
+              <a:t>(different for 4 stim)</a:t>
+            </a:r>
+            <a:endParaRPr lang="en-CA" sz="1600" dirty="0"/>
+          </a:p>
+        </p:txBody>
+      </p:sp>
     </p:spTree>
     <p:extLst>
       <p:ext uri="{BB962C8B-B14F-4D97-AF65-F5344CB8AC3E}">
@@ -8843,14 +11303,278 @@
   <p:timing>
     <p:tnLst>
       <p:par>
-        <p:cTn xmlns:p14="http://schemas.microsoft.com/office/powerpoint/2010/main" id="1" dur="indefinite" restart="never" nodeType="tmRoot"/>
+        <p:cTn id="1" dur="indefinite" restart="never" nodeType="tmRoot">
+          <p:childTnLst>
+            <p:seq concurrent="1" nextAc="seek">
+              <p:cTn id="2" dur="indefinite" nodeType="mainSeq">
+                <p:childTnLst>
+                  <p:par>
+                    <p:cTn id="3" fill="hold">
+                      <p:stCondLst>
+                        <p:cond delay="indefinite"/>
+                      </p:stCondLst>
+                      <p:childTnLst>
+                        <p:par>
+                          <p:cTn id="4" fill="hold">
+                            <p:stCondLst>
+                              <p:cond delay="0"/>
+                            </p:stCondLst>
+                            <p:childTnLst>
+                              <p:par>
+                                <p:cTn id="5" presetID="1" presetClass="entr" presetSubtype="0" fill="hold" grpId="0" nodeType="clickEffect">
+                                  <p:stCondLst>
+                                    <p:cond delay="0"/>
+                                  </p:stCondLst>
+                                  <p:childTnLst>
+                                    <p:set>
+                                      <p:cBhvr>
+                                        <p:cTn id="6" dur="1" fill="hold">
+                                          <p:stCondLst>
+                                            <p:cond delay="0"/>
+                                          </p:stCondLst>
+                                        </p:cTn>
+                                        <p:tgtEl>
+                                          <p:spTgt spid="16"/>
+                                        </p:tgtEl>
+                                        <p:attrNameLst>
+                                          <p:attrName>style.visibility</p:attrName>
+                                        </p:attrNameLst>
+                                      </p:cBhvr>
+                                      <p:to>
+                                        <p:strVal val="visible"/>
+                                      </p:to>
+                                    </p:set>
+                                  </p:childTnLst>
+                                </p:cTn>
+                              </p:par>
+                              <p:par>
+                                <p:cTn id="7" presetID="1" presetClass="entr" presetSubtype="0" fill="hold" grpId="0" nodeType="withEffect">
+                                  <p:stCondLst>
+                                    <p:cond delay="0"/>
+                                  </p:stCondLst>
+                                  <p:childTnLst>
+                                    <p:set>
+                                      <p:cBhvr>
+                                        <p:cTn id="8" dur="1" fill="hold">
+                                          <p:stCondLst>
+                                            <p:cond delay="0"/>
+                                          </p:stCondLst>
+                                        </p:cTn>
+                                        <p:tgtEl>
+                                          <p:spTgt spid="17"/>
+                                        </p:tgtEl>
+                                        <p:attrNameLst>
+                                          <p:attrName>style.visibility</p:attrName>
+                                        </p:attrNameLst>
+                                      </p:cBhvr>
+                                      <p:to>
+                                        <p:strVal val="visible"/>
+                                      </p:to>
+                                    </p:set>
+                                  </p:childTnLst>
+                                </p:cTn>
+                              </p:par>
+                              <p:par>
+                                <p:cTn id="9" presetID="1" presetClass="entr" presetSubtype="0" fill="hold" nodeType="withEffect">
+                                  <p:stCondLst>
+                                    <p:cond delay="0"/>
+                                  </p:stCondLst>
+                                  <p:childTnLst>
+                                    <p:set>
+                                      <p:cBhvr>
+                                        <p:cTn id="10" dur="1" fill="hold">
+                                          <p:stCondLst>
+                                            <p:cond delay="0"/>
+                                          </p:stCondLst>
+                                        </p:cTn>
+                                        <p:tgtEl>
+                                          <p:spTgt spid="8"/>
+                                        </p:tgtEl>
+                                        <p:attrNameLst>
+                                          <p:attrName>style.visibility</p:attrName>
+                                        </p:attrNameLst>
+                                      </p:cBhvr>
+                                      <p:to>
+                                        <p:strVal val="visible"/>
+                                      </p:to>
+                                    </p:set>
+                                  </p:childTnLst>
+                                </p:cTn>
+                              </p:par>
+                              <p:par>
+                                <p:cTn id="11" presetID="1" presetClass="entr" presetSubtype="0" fill="hold" nodeType="withEffect">
+                                  <p:stCondLst>
+                                    <p:cond delay="0"/>
+                                  </p:stCondLst>
+                                  <p:childTnLst>
+                                    <p:set>
+                                      <p:cBhvr>
+                                        <p:cTn id="12" dur="1" fill="hold">
+                                          <p:stCondLst>
+                                            <p:cond delay="0"/>
+                                          </p:stCondLst>
+                                        </p:cTn>
+                                        <p:tgtEl>
+                                          <p:spTgt spid="13"/>
+                                        </p:tgtEl>
+                                        <p:attrNameLst>
+                                          <p:attrName>style.visibility</p:attrName>
+                                        </p:attrNameLst>
+                                      </p:cBhvr>
+                                      <p:to>
+                                        <p:strVal val="visible"/>
+                                      </p:to>
+                                    </p:set>
+                                  </p:childTnLst>
+                                </p:cTn>
+                              </p:par>
+                              <p:par>
+                                <p:cTn id="13" presetID="1" presetClass="entr" presetSubtype="0" fill="hold" nodeType="withEffect">
+                                  <p:stCondLst>
+                                    <p:cond delay="0"/>
+                                  </p:stCondLst>
+                                  <p:childTnLst>
+                                    <p:set>
+                                      <p:cBhvr>
+                                        <p:cTn id="14" dur="1" fill="hold">
+                                          <p:stCondLst>
+                                            <p:cond delay="0"/>
+                                          </p:stCondLst>
+                                        </p:cTn>
+                                        <p:tgtEl>
+                                          <p:spTgt spid="14"/>
+                                        </p:tgtEl>
+                                        <p:attrNameLst>
+                                          <p:attrName>style.visibility</p:attrName>
+                                        </p:attrNameLst>
+                                      </p:cBhvr>
+                                      <p:to>
+                                        <p:strVal val="visible"/>
+                                      </p:to>
+                                    </p:set>
+                                  </p:childTnLst>
+                                </p:cTn>
+                              </p:par>
+                              <p:par>
+                                <p:cTn id="15" presetID="1" presetClass="entr" presetSubtype="0" fill="hold" grpId="0" nodeType="withEffect">
+                                  <p:stCondLst>
+                                    <p:cond delay="0"/>
+                                  </p:stCondLst>
+                                  <p:childTnLst>
+                                    <p:set>
+                                      <p:cBhvr>
+                                        <p:cTn id="16" dur="1" fill="hold">
+                                          <p:stCondLst>
+                                            <p:cond delay="0"/>
+                                          </p:stCondLst>
+                                        </p:cTn>
+                                        <p:tgtEl>
+                                          <p:spTgt spid="12"/>
+                                        </p:tgtEl>
+                                        <p:attrNameLst>
+                                          <p:attrName>style.visibility</p:attrName>
+                                        </p:attrNameLst>
+                                      </p:cBhvr>
+                                      <p:to>
+                                        <p:strVal val="visible"/>
+                                      </p:to>
+                                    </p:set>
+                                  </p:childTnLst>
+                                </p:cTn>
+                              </p:par>
+                              <p:par>
+                                <p:cTn id="17" presetID="1" presetClass="entr" presetSubtype="0" fill="hold" grpId="0" nodeType="withEffect">
+                                  <p:stCondLst>
+                                    <p:cond delay="0"/>
+                                  </p:stCondLst>
+                                  <p:childTnLst>
+                                    <p:set>
+                                      <p:cBhvr>
+                                        <p:cTn id="18" dur="1" fill="hold">
+                                          <p:stCondLst>
+                                            <p:cond delay="0"/>
+                                          </p:stCondLst>
+                                        </p:cTn>
+                                        <p:tgtEl>
+                                          <p:spTgt spid="11"/>
+                                        </p:tgtEl>
+                                        <p:attrNameLst>
+                                          <p:attrName>style.visibility</p:attrName>
+                                        </p:attrNameLst>
+                                      </p:cBhvr>
+                                      <p:to>
+                                        <p:strVal val="visible"/>
+                                      </p:to>
+                                    </p:set>
+                                  </p:childTnLst>
+                                </p:cTn>
+                              </p:par>
+                              <p:par>
+                                <p:cTn id="19" presetID="1" presetClass="entr" presetSubtype="0" fill="hold" grpId="0" nodeType="withEffect">
+                                  <p:stCondLst>
+                                    <p:cond delay="0"/>
+                                  </p:stCondLst>
+                                  <p:childTnLst>
+                                    <p:set>
+                                      <p:cBhvr>
+                                        <p:cTn id="20" dur="1" fill="hold">
+                                          <p:stCondLst>
+                                            <p:cond delay="0"/>
+                                          </p:stCondLst>
+                                        </p:cTn>
+                                        <p:tgtEl>
+                                          <p:spTgt spid="10"/>
+                                        </p:tgtEl>
+                                        <p:attrNameLst>
+                                          <p:attrName>style.visibility</p:attrName>
+                                        </p:attrNameLst>
+                                      </p:cBhvr>
+                                      <p:to>
+                                        <p:strVal val="visible"/>
+                                      </p:to>
+                                    </p:set>
+                                  </p:childTnLst>
+                                </p:cTn>
+                              </p:par>
+                            </p:childTnLst>
+                          </p:cTn>
+                        </p:par>
+                      </p:childTnLst>
+                    </p:cTn>
+                  </p:par>
+                </p:childTnLst>
+              </p:cTn>
+              <p:prevCondLst>
+                <p:cond evt="onPrev" delay="0">
+                  <p:tgtEl>
+                    <p:sldTgt/>
+                  </p:tgtEl>
+                </p:cond>
+              </p:prevCondLst>
+              <p:nextCondLst>
+                <p:cond evt="onNext" delay="0">
+                  <p:tgtEl>
+                    <p:sldTgt/>
+                  </p:tgtEl>
+                </p:cond>
+              </p:nextCondLst>
+            </p:seq>
+          </p:childTnLst>
+        </p:cTn>
       </p:par>
     </p:tnLst>
+    <p:bldLst>
+      <p:bldP spid="10" grpId="0"/>
+      <p:bldP spid="11" grpId="0"/>
+      <p:bldP spid="12" grpId="0"/>
+      <p:bldP spid="16" grpId="0"/>
+      <p:bldP spid="17" grpId="0"/>
+    </p:bldLst>
   </p:timing>
 </p:sld>
 </file>
 
-<file path=ppt/slides/slide7.xml><?xml version="1.0" encoding="utf-8"?>
+<file path=ppt/slides/slide8.xml><?xml version="1.0" encoding="utf-8"?>
 <p:sld xmlns:a="http://schemas.openxmlformats.org/drawingml/2006/main" xmlns:r="http://schemas.openxmlformats.org/officeDocument/2006/relationships" xmlns:p="http://schemas.openxmlformats.org/presentationml/2006/main">
   <p:cSld>
     <p:spTree>
@@ -8898,16 +11622,17 @@
             <a:pPr lvl="1"/>
             <a:r>
               <a:rPr lang="en-US" dirty="0" smtClean="0"/>
-              <a:t>ROIs where ISC </a:t>
+              <a:t>ROIs where ISC differentiate 4 stimuli overlay with GLM </a:t>
             </a:r>
             <a:r>
               <a:rPr lang="en-US" dirty="0" smtClean="0"/>
-              <a:t>differentiate 4 </a:t>
-            </a:r>
-            <a:r>
-              <a:rPr lang="en-US" dirty="0" smtClean="0"/>
-              <a:t>stimuli overlay with GLM results</a:t>
-            </a:r>
+              <a:t>results </a:t>
+            </a:r>
+            <a:r>
+              <a:rPr lang="en-US" sz="1900" dirty="0" smtClean="0"/>
+              <a:t>(ANOVA)</a:t>
+            </a:r>
+            <a:endParaRPr lang="en-US" sz="1900" dirty="0" smtClean="0"/>
           </a:p>
           <a:p>
             <a:pPr lvl="1"/>
@@ -8924,9 +11649,16 @@
             <a:pPr lvl="1"/>
             <a:r>
               <a:rPr lang="en-US" dirty="0" smtClean="0"/>
-              <a:t>RED: GLM activation</a:t>
-            </a:r>
-            <a:endParaRPr lang="en-US" dirty="0" smtClean="0"/>
+              <a:t>RED: </a:t>
+            </a:r>
+            <a:r>
+              <a:rPr lang="en-US" dirty="0" smtClean="0"/>
+              <a:t>BOLD </a:t>
+            </a:r>
+            <a:r>
+              <a:rPr lang="en-US" dirty="0" smtClean="0"/>
+              <a:t>activation</a:t>
+            </a:r>
           </a:p>
         </p:txBody>
       </p:sp>
@@ -9171,6 +11903,66 @@
           </a:prstGeom>
         </p:spPr>
       </p:pic>
+      <p:sp>
+        <p:nvSpPr>
+          <p:cNvPr id="15" name="TextBox 14"/>
+          <p:cNvSpPr txBox="1"/>
+          <p:nvPr/>
+        </p:nvSpPr>
+        <p:spPr>
+          <a:xfrm>
+            <a:off x="7038975" y="1762125"/>
+            <a:ext cx="2042419" cy="338554"/>
+          </a:xfrm>
+          <a:prstGeom prst="rect">
+            <a:avLst/>
+          </a:prstGeom>
+          <a:noFill/>
+        </p:spPr>
+        <p:txBody>
+          <a:bodyPr wrap="none" rtlCol="0">
+            <a:spAutoFit/>
+          </a:bodyPr>
+          <a:lstStyle/>
+          <a:p>
+            <a:r>
+              <a:rPr lang="en-US" sz="1600" dirty="0" smtClean="0"/>
+              <a:t>(same across all 4 figs)</a:t>
+            </a:r>
+            <a:endParaRPr lang="en-CA" sz="1600" dirty="0"/>
+          </a:p>
+        </p:txBody>
+      </p:sp>
+      <p:sp>
+        <p:nvSpPr>
+          <p:cNvPr id="16" name="TextBox 15"/>
+          <p:cNvSpPr txBox="1"/>
+          <p:nvPr/>
+        </p:nvSpPr>
+        <p:spPr>
+          <a:xfrm>
+            <a:off x="6506551" y="2244908"/>
+            <a:ext cx="1870320" cy="338554"/>
+          </a:xfrm>
+          <a:prstGeom prst="rect">
+            <a:avLst/>
+          </a:prstGeom>
+          <a:noFill/>
+        </p:spPr>
+        <p:txBody>
+          <a:bodyPr wrap="none" rtlCol="0">
+            <a:spAutoFit/>
+          </a:bodyPr>
+          <a:lstStyle/>
+          <a:p>
+            <a:r>
+              <a:rPr lang="en-US" sz="1600" dirty="0" smtClean="0"/>
+              <a:t>(different for 4 stim)</a:t>
+            </a:r>
+            <a:endParaRPr lang="en-CA" sz="1600" dirty="0"/>
+          </a:p>
+        </p:txBody>
+      </p:sp>
     </p:spTree>
     <p:extLst>
       <p:ext uri="{BB962C8B-B14F-4D97-AF65-F5344CB8AC3E}">
@@ -9184,205 +11976,7 @@
   <p:timing>
     <p:tnLst>
       <p:par>
-        <p:cTn xmlns:p14="http://schemas.microsoft.com/office/powerpoint/2010/main" id="1" dur="indefinite" restart="never" nodeType="tmRoot"/>
-      </p:par>
-    </p:tnLst>
-  </p:timing>
-</p:sld>
-</file>
-
-<file path=ppt/slides/slide8.xml><?xml version="1.0" encoding="utf-8"?>
-<p:sld xmlns:a="http://schemas.openxmlformats.org/drawingml/2006/main" xmlns:r="http://schemas.openxmlformats.org/officeDocument/2006/relationships" xmlns:p="http://schemas.openxmlformats.org/presentationml/2006/main">
-  <p:cSld>
-    <p:spTree>
-      <p:nvGrpSpPr>
-        <p:cNvPr id="1" name=""/>
-        <p:cNvGrpSpPr/>
-        <p:nvPr/>
-      </p:nvGrpSpPr>
-      <p:grpSpPr>
-        <a:xfrm>
-          <a:off x="0" y="0"/>
-          <a:ext cx="0" cy="0"/>
-          <a:chOff x="0" y="0"/>
-          <a:chExt cx="0" cy="0"/>
-        </a:xfrm>
-      </p:grpSpPr>
-      <p:sp>
-        <p:nvSpPr>
-          <p:cNvPr id="2" name="Title 1"/>
-          <p:cNvSpPr>
-            <a:spLocks noGrp="1"/>
-          </p:cNvSpPr>
-          <p:nvPr>
-            <p:ph type="title"/>
-          </p:nvPr>
-        </p:nvSpPr>
-        <p:spPr/>
-        <p:txBody>
-          <a:bodyPr/>
-          <a:lstStyle/>
-          <a:p>
-            <a:r>
-              <a:rPr lang="en-CA" dirty="0" smtClean="0"/>
-              <a:t>Familiarity</a:t>
-            </a:r>
-            <a:endParaRPr lang="en-CA" dirty="0"/>
-          </a:p>
-        </p:txBody>
-      </p:sp>
-      <p:sp>
-        <p:nvSpPr>
-          <p:cNvPr id="3" name="Content Placeholder 2"/>
-          <p:cNvSpPr>
-            <a:spLocks noGrp="1"/>
-          </p:cNvSpPr>
-          <p:nvPr>
-            <p:ph idx="1"/>
-          </p:nvPr>
-        </p:nvSpPr>
-        <p:spPr/>
-        <p:txBody>
-          <a:bodyPr/>
-          <a:lstStyle/>
-          <a:p>
-            <a:r>
-              <a:rPr lang="en-US" dirty="0"/>
-              <a:t>2x4 ANOVA (</a:t>
-            </a:r>
-            <a:r>
-              <a:rPr lang="en-US" dirty="0" err="1"/>
-              <a:t>ses</a:t>
-            </a:r>
-            <a:r>
-              <a:rPr lang="en-US" dirty="0"/>
-              <a:t> x </a:t>
-            </a:r>
-            <a:r>
-              <a:rPr lang="en-US" dirty="0" err="1"/>
-              <a:t>stim</a:t>
-            </a:r>
-            <a:r>
-              <a:rPr lang="en-US" dirty="0"/>
-              <a:t> type)</a:t>
-            </a:r>
-          </a:p>
-          <a:p>
-            <a:pPr lvl="1"/>
-            <a:r>
-              <a:rPr lang="en-US" dirty="0"/>
-              <a:t>No interactions between type and session</a:t>
-            </a:r>
-          </a:p>
-          <a:p>
-            <a:endParaRPr lang="en-US" dirty="0" smtClean="0"/>
-          </a:p>
-          <a:p>
-            <a:r>
-              <a:rPr lang="en-US" dirty="0" smtClean="0"/>
-              <a:t>T</a:t>
-            </a:r>
-            <a:r>
-              <a:rPr lang="en-US" dirty="0"/>
-              <a:t>-</a:t>
-            </a:r>
-            <a:r>
-              <a:rPr lang="en-US" dirty="0" smtClean="0"/>
-              <a:t>tests: no </a:t>
-            </a:r>
-            <a:r>
-              <a:rPr lang="en-US" dirty="0"/>
-              <a:t>difference between synchrony in familiar and unfamiliar </a:t>
-            </a:r>
-            <a:r>
-              <a:rPr lang="en-US" dirty="0" err="1"/>
-              <a:t>stim</a:t>
-            </a:r>
-            <a:r>
-              <a:rPr lang="en-US" dirty="0"/>
-              <a:t> in Session </a:t>
-            </a:r>
-            <a:r>
-              <a:rPr lang="en-US" dirty="0" smtClean="0"/>
-              <a:t>2</a:t>
-            </a:r>
-          </a:p>
-          <a:p>
-            <a:endParaRPr lang="en-US" dirty="0" smtClean="0"/>
-          </a:p>
-          <a:p>
-            <a:r>
-              <a:rPr lang="en-US" dirty="0" smtClean="0"/>
-              <a:t>T</a:t>
-            </a:r>
-            <a:r>
-              <a:rPr lang="en-US" dirty="0"/>
-              <a:t>-</a:t>
-            </a:r>
-            <a:r>
-              <a:rPr lang="en-US" dirty="0" smtClean="0"/>
-              <a:t>tests: some differences </a:t>
-            </a:r>
-            <a:r>
-              <a:rPr lang="en-US" dirty="0"/>
-              <a:t>in some ROIs between </a:t>
-            </a:r>
-            <a:r>
-              <a:rPr lang="en-US" dirty="0" smtClean="0"/>
-              <a:t>ISC in </a:t>
-            </a:r>
-            <a:r>
-              <a:rPr lang="en-US" dirty="0"/>
-              <a:t>familiar </a:t>
-            </a:r>
-            <a:r>
-              <a:rPr lang="en-US" dirty="0" err="1"/>
-              <a:t>stim</a:t>
-            </a:r>
-            <a:r>
-              <a:rPr lang="en-US" dirty="0"/>
-              <a:t> </a:t>
-            </a:r>
-            <a:r>
-              <a:rPr lang="en-US" dirty="0" smtClean="0"/>
-              <a:t>across session with </a:t>
-            </a:r>
-            <a:r>
-              <a:rPr lang="en-US" dirty="0" err="1"/>
-              <a:t>ses</a:t>
-            </a:r>
-            <a:r>
-              <a:rPr lang="en-US" dirty="0"/>
-              <a:t> 1 &gt; </a:t>
-            </a:r>
-            <a:r>
-              <a:rPr lang="en-US" dirty="0" err="1"/>
-              <a:t>ses</a:t>
-            </a:r>
-            <a:r>
-              <a:rPr lang="en-US" dirty="0"/>
-              <a:t> 2</a:t>
-            </a:r>
-          </a:p>
-          <a:p>
-            <a:endParaRPr lang="en-US" dirty="0"/>
-          </a:p>
-        </p:txBody>
-      </p:sp>
-    </p:spTree>
-    <p:extLst>
-      <p:ext uri="{BB962C8B-B14F-4D97-AF65-F5344CB8AC3E}">
-        <p14:creationId xmlns:p14="http://schemas.microsoft.com/office/powerpoint/2010/main" val="1984884737"/>
-      </p:ext>
-    </p:extLst>
-  </p:cSld>
-  <p:clrMapOvr>
-    <a:masterClrMapping/>
-  </p:clrMapOvr>
-  <p:timing>
-    <p:tnLst>
-      <p:par>
-        <p:cTn xmlns:p14="http://schemas.microsoft.com/office/powerpoint/2010/main" id="1" dur="indefinite" restart="never" nodeType="tmRoot"/>
+        <p:cTn id="1" dur="indefinite" restart="never" nodeType="tmRoot"/>
       </p:par>
     </p:tnLst>
   </p:timing>
@@ -9406,660 +12000,56 @@
           <a:chExt cx="0" cy="0"/>
         </a:xfrm>
       </p:grpSpPr>
-      <p:grpSp>
-        <p:nvGrpSpPr>
-          <p:cNvPr id="27" name="Group 26"/>
-          <p:cNvGrpSpPr/>
-          <p:nvPr/>
-        </p:nvGrpSpPr>
-        <p:grpSpPr>
-          <a:xfrm>
-            <a:off x="-721936" y="519876"/>
-            <a:ext cx="10571404" cy="6338124"/>
-            <a:chOff x="-721936" y="519876"/>
-            <a:chExt cx="10571404" cy="6338124"/>
-          </a:xfrm>
-        </p:grpSpPr>
-        <p:pic>
-          <p:nvPicPr>
-            <p:cNvPr id="24" name="Picture 23" descr="ISCTimecourses_Heschels (1).png"/>
-            <p:cNvPicPr>
-              <a:picLocks noChangeAspect="1"/>
-            </p:cNvPicPr>
-            <p:nvPr/>
-          </p:nvPicPr>
-          <p:blipFill>
-            <a:blip r:embed="rId2">
-              <a:extLst>
-                <a:ext uri="{28A0092B-C50C-407E-A947-70E740481C1C}">
-                  <a14:useLocalDpi xmlns:a14="http://schemas.microsoft.com/office/drawing/2010/main" val="0"/>
-                </a:ext>
-              </a:extLst>
-            </a:blip>
-            <a:stretch>
-              <a:fillRect/>
-            </a:stretch>
-          </p:blipFill>
-          <p:spPr>
-            <a:xfrm>
-              <a:off x="-721936" y="868535"/>
-              <a:ext cx="10571404" cy="5989465"/>
-            </a:xfrm>
-            <a:prstGeom prst="rect">
-              <a:avLst/>
-            </a:prstGeom>
-          </p:spPr>
-        </p:pic>
-        <p:sp>
-          <p:nvSpPr>
-            <p:cNvPr id="5" name="TextBox 4"/>
-            <p:cNvSpPr txBox="1"/>
-            <p:nvPr/>
-          </p:nvSpPr>
-          <p:spPr>
-            <a:xfrm>
-              <a:off x="311286" y="1291907"/>
-              <a:ext cx="290727" cy="369332"/>
-            </a:xfrm>
-            <a:prstGeom prst="rect">
-              <a:avLst/>
-            </a:prstGeom>
-            <a:noFill/>
-          </p:spPr>
-          <p:txBody>
-            <a:bodyPr wrap="none" rtlCol="0">
-              <a:spAutoFit/>
-            </a:bodyPr>
-            <a:lstStyle/>
-            <a:p>
-              <a:r>
-                <a:rPr lang="en-CA" dirty="0" smtClean="0"/>
-                <a:t>S</a:t>
-              </a:r>
-            </a:p>
-          </p:txBody>
-        </p:sp>
-        <p:sp>
-          <p:nvSpPr>
-            <p:cNvPr id="6" name="TextBox 5"/>
-            <p:cNvSpPr txBox="1"/>
-            <p:nvPr/>
-          </p:nvSpPr>
-          <p:spPr>
-            <a:xfrm>
-              <a:off x="314269" y="1867679"/>
-              <a:ext cx="290727" cy="369332"/>
-            </a:xfrm>
-            <a:prstGeom prst="rect">
-              <a:avLst/>
-            </a:prstGeom>
-            <a:noFill/>
-          </p:spPr>
-          <p:txBody>
-            <a:bodyPr wrap="none" rtlCol="0">
-              <a:spAutoFit/>
-            </a:bodyPr>
-            <a:lstStyle/>
-            <a:p>
-              <a:r>
-                <a:rPr lang="en-CA" dirty="0" smtClean="0"/>
-                <a:t>S</a:t>
-              </a:r>
-            </a:p>
-          </p:txBody>
-        </p:sp>
-        <p:sp>
-          <p:nvSpPr>
-            <p:cNvPr id="7" name="TextBox 6"/>
-            <p:cNvSpPr txBox="1"/>
-            <p:nvPr/>
-          </p:nvSpPr>
-          <p:spPr>
-            <a:xfrm>
-              <a:off x="301817" y="2502736"/>
-              <a:ext cx="318229" cy="369332"/>
-            </a:xfrm>
-            <a:prstGeom prst="rect">
-              <a:avLst/>
-            </a:prstGeom>
-            <a:noFill/>
-          </p:spPr>
-          <p:txBody>
-            <a:bodyPr wrap="none" rtlCol="0">
-              <a:spAutoFit/>
-            </a:bodyPr>
-            <a:lstStyle/>
-            <a:p>
-              <a:r>
-                <a:rPr lang="en-CA" dirty="0" smtClean="0"/>
-                <a:t>A</a:t>
-              </a:r>
-            </a:p>
-          </p:txBody>
-        </p:sp>
-        <p:sp>
-          <p:nvSpPr>
-            <p:cNvPr id="8" name="TextBox 7"/>
-            <p:cNvSpPr txBox="1"/>
-            <p:nvPr/>
-          </p:nvSpPr>
-          <p:spPr>
-            <a:xfrm>
-              <a:off x="314267" y="3187602"/>
-              <a:ext cx="318229" cy="369332"/>
-            </a:xfrm>
-            <a:prstGeom prst="rect">
-              <a:avLst/>
-            </a:prstGeom>
-            <a:noFill/>
-          </p:spPr>
-          <p:txBody>
-            <a:bodyPr wrap="none" rtlCol="0">
-              <a:spAutoFit/>
-            </a:bodyPr>
-            <a:lstStyle/>
-            <a:p>
-              <a:r>
-                <a:rPr lang="en-CA" dirty="0" smtClean="0"/>
-                <a:t>A</a:t>
-              </a:r>
-            </a:p>
-          </p:txBody>
-        </p:sp>
-        <p:sp>
-          <p:nvSpPr>
-            <p:cNvPr id="9" name="TextBox 8"/>
-            <p:cNvSpPr txBox="1"/>
-            <p:nvPr/>
-          </p:nvSpPr>
-          <p:spPr>
-            <a:xfrm>
-              <a:off x="289365" y="3835112"/>
-              <a:ext cx="242825" cy="369332"/>
-            </a:xfrm>
-            <a:prstGeom prst="rect">
-              <a:avLst/>
-            </a:prstGeom>
-            <a:noFill/>
-          </p:spPr>
-          <p:txBody>
-            <a:bodyPr wrap="none" rtlCol="0">
-              <a:spAutoFit/>
-            </a:bodyPr>
-            <a:lstStyle/>
-            <a:p>
-              <a:r>
-                <a:rPr lang="en-CA" dirty="0" smtClean="0"/>
-                <a:t>I</a:t>
-              </a:r>
-            </a:p>
-          </p:txBody>
-        </p:sp>
-        <p:sp>
-          <p:nvSpPr>
-            <p:cNvPr id="10" name="TextBox 9"/>
-            <p:cNvSpPr txBox="1"/>
-            <p:nvPr/>
-          </p:nvSpPr>
-          <p:spPr>
-            <a:xfrm>
-              <a:off x="298833" y="4504552"/>
-              <a:ext cx="242825" cy="369332"/>
-            </a:xfrm>
-            <a:prstGeom prst="rect">
-              <a:avLst/>
-            </a:prstGeom>
-            <a:noFill/>
-          </p:spPr>
-          <p:txBody>
-            <a:bodyPr wrap="none" rtlCol="0">
-              <a:spAutoFit/>
-            </a:bodyPr>
-            <a:lstStyle/>
-            <a:p>
-              <a:r>
-                <a:rPr lang="en-CA" dirty="0"/>
-                <a:t>I</a:t>
-              </a:r>
-              <a:endParaRPr lang="en-CA" dirty="0" smtClean="0"/>
-            </a:p>
-          </p:txBody>
-        </p:sp>
-        <p:sp>
-          <p:nvSpPr>
-            <p:cNvPr id="11" name="TextBox 10"/>
-            <p:cNvSpPr txBox="1"/>
-            <p:nvPr/>
-          </p:nvSpPr>
-          <p:spPr>
-            <a:xfrm>
-              <a:off x="249028" y="5189418"/>
-              <a:ext cx="390026" cy="369332"/>
-            </a:xfrm>
-            <a:prstGeom prst="rect">
-              <a:avLst/>
-            </a:prstGeom>
-            <a:noFill/>
-          </p:spPr>
-          <p:txBody>
-            <a:bodyPr wrap="none" rtlCol="0">
-              <a:spAutoFit/>
-            </a:bodyPr>
-            <a:lstStyle/>
-            <a:p>
-              <a:r>
-                <a:rPr lang="en-CA" dirty="0" smtClean="0"/>
-                <a:t>W</a:t>
-              </a:r>
-            </a:p>
-          </p:txBody>
-        </p:sp>
-        <p:sp>
-          <p:nvSpPr>
-            <p:cNvPr id="12" name="TextBox 11"/>
-            <p:cNvSpPr txBox="1"/>
-            <p:nvPr/>
-          </p:nvSpPr>
-          <p:spPr>
-            <a:xfrm>
-              <a:off x="286383" y="5861832"/>
-              <a:ext cx="390026" cy="369332"/>
-            </a:xfrm>
-            <a:prstGeom prst="rect">
-              <a:avLst/>
-            </a:prstGeom>
-            <a:noFill/>
-          </p:spPr>
-          <p:txBody>
-            <a:bodyPr wrap="none" rtlCol="0">
-              <a:spAutoFit/>
-            </a:bodyPr>
-            <a:lstStyle/>
-            <a:p>
-              <a:r>
-                <a:rPr lang="en-CA" dirty="0"/>
-                <a:t>W</a:t>
-              </a:r>
-              <a:endParaRPr lang="en-CA" dirty="0" smtClean="0"/>
-            </a:p>
-          </p:txBody>
-        </p:sp>
-        <p:sp>
-          <p:nvSpPr>
-            <p:cNvPr id="13" name="TextBox 12"/>
-            <p:cNvSpPr txBox="1"/>
-            <p:nvPr/>
-          </p:nvSpPr>
-          <p:spPr>
-            <a:xfrm>
-              <a:off x="1133077" y="694206"/>
-              <a:ext cx="1051302" cy="369332"/>
-            </a:xfrm>
-            <a:prstGeom prst="rect">
-              <a:avLst/>
-            </a:prstGeom>
-            <a:noFill/>
-          </p:spPr>
-          <p:txBody>
-            <a:bodyPr wrap="none" rtlCol="0">
-              <a:spAutoFit/>
-            </a:bodyPr>
-            <a:lstStyle/>
-            <a:p>
-              <a:r>
-                <a:rPr lang="en-CA" dirty="0" smtClean="0"/>
-                <a:t>Session 1</a:t>
-              </a:r>
-              <a:endParaRPr lang="en-CA" dirty="0"/>
-            </a:p>
-          </p:txBody>
-        </p:sp>
-        <p:sp>
-          <p:nvSpPr>
-            <p:cNvPr id="14" name="TextBox 13"/>
-            <p:cNvSpPr txBox="1"/>
-            <p:nvPr/>
-          </p:nvSpPr>
-          <p:spPr>
-            <a:xfrm>
-              <a:off x="4009353" y="544781"/>
-              <a:ext cx="1051302" cy="646331"/>
-            </a:xfrm>
-            <a:prstGeom prst="rect">
-              <a:avLst/>
-            </a:prstGeom>
-            <a:noFill/>
-          </p:spPr>
-          <p:txBody>
-            <a:bodyPr wrap="none" rtlCol="0">
-              <a:spAutoFit/>
-            </a:bodyPr>
-            <a:lstStyle/>
-            <a:p>
-              <a:r>
-                <a:rPr lang="en-CA" dirty="0" smtClean="0"/>
-                <a:t>Session 2 </a:t>
-              </a:r>
-            </a:p>
-            <a:p>
-              <a:r>
-                <a:rPr lang="en-CA" dirty="0" smtClean="0"/>
-                <a:t>Group A</a:t>
-              </a:r>
-              <a:endParaRPr lang="en-CA" dirty="0"/>
-            </a:p>
-          </p:txBody>
-        </p:sp>
-        <p:sp>
-          <p:nvSpPr>
-            <p:cNvPr id="15" name="TextBox 14"/>
-            <p:cNvSpPr txBox="1"/>
-            <p:nvPr/>
-          </p:nvSpPr>
-          <p:spPr>
-            <a:xfrm>
-              <a:off x="6985238" y="519876"/>
-              <a:ext cx="1051302" cy="646331"/>
-            </a:xfrm>
-            <a:prstGeom prst="rect">
-              <a:avLst/>
-            </a:prstGeom>
-            <a:noFill/>
-          </p:spPr>
-          <p:txBody>
-            <a:bodyPr wrap="none" rtlCol="0">
-              <a:spAutoFit/>
-            </a:bodyPr>
-            <a:lstStyle/>
-            <a:p>
-              <a:r>
-                <a:rPr lang="en-CA" dirty="0" smtClean="0"/>
-                <a:t>Session 2 </a:t>
-              </a:r>
-            </a:p>
-            <a:p>
-              <a:r>
-                <a:rPr lang="en-CA" dirty="0" smtClean="0"/>
-                <a:t>Group B</a:t>
-              </a:r>
-              <a:endParaRPr lang="en-CA" dirty="0"/>
-            </a:p>
-          </p:txBody>
-        </p:sp>
-        <p:sp>
-          <p:nvSpPr>
-            <p:cNvPr id="16" name="TextBox 15"/>
-            <p:cNvSpPr txBox="1"/>
-            <p:nvPr/>
-          </p:nvSpPr>
-          <p:spPr>
-            <a:xfrm>
-              <a:off x="3112852" y="1267003"/>
-              <a:ext cx="573094" cy="338554"/>
-            </a:xfrm>
-            <a:prstGeom prst="rect">
-              <a:avLst/>
-            </a:prstGeom>
-            <a:noFill/>
-          </p:spPr>
-          <p:txBody>
-            <a:bodyPr wrap="none" rtlCol="0">
-              <a:spAutoFit/>
-            </a:bodyPr>
-            <a:lstStyle/>
-            <a:p>
-              <a:r>
-                <a:rPr lang="en-CA" sz="1600" dirty="0" smtClean="0"/>
-                <a:t>FAM</a:t>
-              </a:r>
-              <a:endParaRPr lang="en-CA" sz="1600" dirty="0"/>
-            </a:p>
-          </p:txBody>
-        </p:sp>
-        <p:sp>
-          <p:nvSpPr>
-            <p:cNvPr id="17" name="TextBox 16"/>
-            <p:cNvSpPr txBox="1"/>
-            <p:nvPr/>
-          </p:nvSpPr>
-          <p:spPr>
-            <a:xfrm>
-              <a:off x="3165641" y="2577449"/>
-              <a:ext cx="573094" cy="338554"/>
-            </a:xfrm>
-            <a:prstGeom prst="rect">
-              <a:avLst/>
-            </a:prstGeom>
-            <a:noFill/>
-          </p:spPr>
-          <p:txBody>
-            <a:bodyPr wrap="none" rtlCol="0">
-              <a:spAutoFit/>
-            </a:bodyPr>
-            <a:lstStyle/>
-            <a:p>
-              <a:r>
-                <a:rPr lang="en-CA" sz="1600" dirty="0" smtClean="0"/>
-                <a:t>FAM</a:t>
-              </a:r>
-              <a:endParaRPr lang="en-CA" sz="1600" dirty="0"/>
-            </a:p>
-          </p:txBody>
-        </p:sp>
-        <p:sp>
-          <p:nvSpPr>
-            <p:cNvPr id="18" name="TextBox 17"/>
-            <p:cNvSpPr txBox="1"/>
-            <p:nvPr/>
-          </p:nvSpPr>
-          <p:spPr>
-            <a:xfrm>
-              <a:off x="3140736" y="3897373"/>
-              <a:ext cx="573094" cy="338554"/>
-            </a:xfrm>
-            <a:prstGeom prst="rect">
-              <a:avLst/>
-            </a:prstGeom>
-            <a:noFill/>
-          </p:spPr>
-          <p:txBody>
-            <a:bodyPr wrap="none" rtlCol="0">
-              <a:spAutoFit/>
-            </a:bodyPr>
-            <a:lstStyle/>
-            <a:p>
-              <a:r>
-                <a:rPr lang="en-CA" sz="1600" dirty="0" smtClean="0"/>
-                <a:t>FAM</a:t>
-              </a:r>
-              <a:endParaRPr lang="en-CA" sz="1600" dirty="0"/>
-            </a:p>
-          </p:txBody>
-        </p:sp>
-        <p:sp>
-          <p:nvSpPr>
-            <p:cNvPr id="19" name="TextBox 18"/>
-            <p:cNvSpPr txBox="1"/>
-            <p:nvPr/>
-          </p:nvSpPr>
-          <p:spPr>
-            <a:xfrm>
-              <a:off x="3140735" y="5204845"/>
-              <a:ext cx="573094" cy="338554"/>
-            </a:xfrm>
-            <a:prstGeom prst="rect">
-              <a:avLst/>
-            </a:prstGeom>
-            <a:noFill/>
-          </p:spPr>
-          <p:txBody>
-            <a:bodyPr wrap="none" rtlCol="0">
-              <a:spAutoFit/>
-            </a:bodyPr>
-            <a:lstStyle/>
-            <a:p>
-              <a:r>
-                <a:rPr lang="en-CA" sz="1600" dirty="0" smtClean="0"/>
-                <a:t>FAM</a:t>
-              </a:r>
-              <a:endParaRPr lang="en-CA" sz="1600" dirty="0"/>
-            </a:p>
-          </p:txBody>
-        </p:sp>
-        <p:sp>
-          <p:nvSpPr>
-            <p:cNvPr id="20" name="TextBox 19"/>
-            <p:cNvSpPr txBox="1"/>
-            <p:nvPr/>
-          </p:nvSpPr>
-          <p:spPr>
-            <a:xfrm>
-              <a:off x="5967204" y="1929940"/>
-              <a:ext cx="573094" cy="338554"/>
-            </a:xfrm>
-            <a:prstGeom prst="rect">
-              <a:avLst/>
-            </a:prstGeom>
-            <a:noFill/>
-          </p:spPr>
-          <p:txBody>
-            <a:bodyPr wrap="none" rtlCol="0">
-              <a:spAutoFit/>
-            </a:bodyPr>
-            <a:lstStyle/>
-            <a:p>
-              <a:r>
-                <a:rPr lang="en-CA" sz="1600" dirty="0" smtClean="0"/>
-                <a:t>FAM</a:t>
-              </a:r>
-              <a:endParaRPr lang="en-CA" sz="1600" dirty="0"/>
-            </a:p>
-          </p:txBody>
-        </p:sp>
-        <p:sp>
-          <p:nvSpPr>
-            <p:cNvPr id="21" name="TextBox 20"/>
-            <p:cNvSpPr txBox="1"/>
-            <p:nvPr/>
-          </p:nvSpPr>
-          <p:spPr>
-            <a:xfrm>
-              <a:off x="6019993" y="3240386"/>
-              <a:ext cx="573094" cy="338554"/>
-            </a:xfrm>
-            <a:prstGeom prst="rect">
-              <a:avLst/>
-            </a:prstGeom>
-            <a:noFill/>
-          </p:spPr>
-          <p:txBody>
-            <a:bodyPr wrap="none" rtlCol="0">
-              <a:spAutoFit/>
-            </a:bodyPr>
-            <a:lstStyle/>
-            <a:p>
-              <a:r>
-                <a:rPr lang="en-CA" sz="1600" dirty="0" smtClean="0"/>
-                <a:t>FAM</a:t>
-              </a:r>
-              <a:endParaRPr lang="en-CA" sz="1600" dirty="0"/>
-            </a:p>
-          </p:txBody>
-        </p:sp>
-        <p:sp>
-          <p:nvSpPr>
-            <p:cNvPr id="22" name="TextBox 21"/>
-            <p:cNvSpPr txBox="1"/>
-            <p:nvPr/>
-          </p:nvSpPr>
-          <p:spPr>
-            <a:xfrm>
-              <a:off x="5995088" y="4560310"/>
-              <a:ext cx="573094" cy="338554"/>
-            </a:xfrm>
-            <a:prstGeom prst="rect">
-              <a:avLst/>
-            </a:prstGeom>
-            <a:noFill/>
-          </p:spPr>
-          <p:txBody>
-            <a:bodyPr wrap="none" rtlCol="0">
-              <a:spAutoFit/>
-            </a:bodyPr>
-            <a:lstStyle/>
-            <a:p>
-              <a:r>
-                <a:rPr lang="en-CA" sz="1600" dirty="0" smtClean="0"/>
-                <a:t>FAM</a:t>
-              </a:r>
-              <a:endParaRPr lang="en-CA" sz="1600" dirty="0"/>
-            </a:p>
-          </p:txBody>
-        </p:sp>
-        <p:sp>
-          <p:nvSpPr>
-            <p:cNvPr id="23" name="TextBox 22"/>
-            <p:cNvSpPr txBox="1"/>
-            <p:nvPr/>
-          </p:nvSpPr>
-          <p:spPr>
-            <a:xfrm>
-              <a:off x="5995087" y="5867782"/>
-              <a:ext cx="573094" cy="338554"/>
-            </a:xfrm>
-            <a:prstGeom prst="rect">
-              <a:avLst/>
-            </a:prstGeom>
-            <a:noFill/>
-          </p:spPr>
-          <p:txBody>
-            <a:bodyPr wrap="none" rtlCol="0">
-              <a:spAutoFit/>
-            </a:bodyPr>
-            <a:lstStyle/>
-            <a:p>
-              <a:r>
-                <a:rPr lang="en-CA" sz="1600" dirty="0" smtClean="0"/>
-                <a:t>FAM</a:t>
-              </a:r>
-              <a:endParaRPr lang="en-CA" sz="1600" dirty="0"/>
-            </a:p>
-          </p:txBody>
-        </p:sp>
-      </p:grpSp>
-      <p:sp>
-        <p:nvSpPr>
-          <p:cNvPr id="26" name="TextBox 25"/>
-          <p:cNvSpPr txBox="1"/>
-          <p:nvPr/>
-        </p:nvSpPr>
-        <p:spPr>
-          <a:xfrm>
-            <a:off x="2154093" y="186781"/>
-            <a:ext cx="1662534" cy="369332"/>
-          </a:xfrm>
-          <a:prstGeom prst="rect">
-            <a:avLst/>
-          </a:prstGeom>
-          <a:noFill/>
-        </p:spPr>
-        <p:txBody>
-          <a:bodyPr wrap="none" rtlCol="0">
-            <a:spAutoFit/>
-          </a:bodyPr>
+      <p:sp>
+        <p:nvSpPr>
+          <p:cNvPr id="2" name="Title 1"/>
+          <p:cNvSpPr>
+            <a:spLocks noGrp="1"/>
+          </p:cNvSpPr>
+          <p:nvPr>
+            <p:ph type="title"/>
+          </p:nvPr>
+        </p:nvSpPr>
+        <p:spPr/>
+        <p:txBody>
+          <a:bodyPr/>
           <a:lstStyle/>
           <a:p>
             <a:r>
-              <a:rPr lang="en-CA" dirty="0" err="1" smtClean="0"/>
-              <a:t>Heschel’s</a:t>
-            </a:r>
-            <a:r>
-              <a:rPr lang="en-CA" dirty="0" smtClean="0"/>
-              <a:t> </a:t>
-            </a:r>
-            <a:r>
-              <a:rPr lang="en-CA" dirty="0" err="1" smtClean="0"/>
-              <a:t>Gyrus</a:t>
+              <a:rPr lang="en-US" dirty="0" smtClean="0"/>
+              <a:t>Summary</a:t>
+            </a:r>
+            <a:endParaRPr lang="en-CA" dirty="0"/>
+          </a:p>
+        </p:txBody>
+      </p:sp>
+      <p:sp>
+        <p:nvSpPr>
+          <p:cNvPr id="3" name="Content Placeholder 2"/>
+          <p:cNvSpPr>
+            <a:spLocks noGrp="1"/>
+          </p:cNvSpPr>
+          <p:nvPr>
+            <p:ph idx="1"/>
+          </p:nvPr>
+        </p:nvSpPr>
+        <p:spPr/>
+        <p:txBody>
+          <a:bodyPr/>
+          <a:lstStyle/>
+          <a:p>
+            <a:r>
+              <a:rPr lang="en-US" dirty="0" smtClean="0"/>
+              <a:t>Some overlap between BOLD results and ISC – mostly in auditory areas</a:t>
+            </a:r>
+          </a:p>
+          <a:p>
+            <a:endParaRPr lang="en-US" dirty="0"/>
+          </a:p>
+          <a:p>
+            <a:r>
+              <a:rPr lang="en-US" dirty="0" smtClean="0"/>
+              <a:t>What happens when we include familiarity ?</a:t>
             </a:r>
             <a:endParaRPr lang="en-CA" dirty="0"/>
           </a:p>
@@ -10068,7 +12058,7 @@
     </p:spTree>
     <p:extLst>
       <p:ext uri="{BB962C8B-B14F-4D97-AF65-F5344CB8AC3E}">
-        <p14:creationId xmlns:p14="http://schemas.microsoft.com/office/powerpoint/2010/main" val="61544403"/>
+        <p14:creationId xmlns:p14="http://schemas.microsoft.com/office/powerpoint/2010/main" val="681794035"/>
       </p:ext>
     </p:extLst>
   </p:cSld>
@@ -10078,7 +12068,7 @@
   <p:timing>
     <p:tnLst>
       <p:par>
-        <p:cTn xmlns:p14="http://schemas.microsoft.com/office/powerpoint/2010/main" id="1" dur="indefinite" restart="never" nodeType="tmRoot"/>
+        <p:cTn id="1" dur="indefinite" restart="never" nodeType="tmRoot"/>
       </p:par>
     </p:tnLst>
   </p:timing>
@@ -10340,7 +12330,7 @@
   <a:extraClrSchemeLst/>
   <a:extLst>
     <a:ext uri="{05A4C25C-085E-4340-85A3-A5531E510DB2}">
-      <thm15:themeFamily xmlns:thm15="http://schemas.microsoft.com/office/thememl/2012/main" xmlns="" name="Office Theme" id="{62F939B6-93AF-4DB8-9C6B-D6C7DFDC589F}" vid="{4A3C46E8-61CC-4603-A589-7422A47A8E4A}"/>
+      <thm15:themeFamily xmlns:thm15="http://schemas.microsoft.com/office/thememl/2012/main" name="Office Theme" id="{62F939B6-93AF-4DB8-9C6B-D6C7DFDC589F}" vid="{4A3C46E8-61CC-4603-A589-7422A47A8E4A}"/>
     </a:ext>
   </a:extLst>
 </a:theme>
@@ -10601,7 +12591,7 @@
   <a:extraClrSchemeLst/>
   <a:extLst>
     <a:ext uri="{05A4C25C-085E-4340-85A3-A5531E510DB2}">
-      <thm15:themeFamily xmlns:thm15="http://schemas.microsoft.com/office/thememl/2012/main" xmlns="" name="Office Theme" id="{62F939B6-93AF-4DB8-9C6B-D6C7DFDC589F}" vid="{4A3C46E8-61CC-4603-A589-7422A47A8E4A}"/>
+      <thm15:themeFamily xmlns:thm15="http://schemas.microsoft.com/office/thememl/2012/main" name="Office Theme" id="{62F939B6-93AF-4DB8-9C6B-D6C7DFDC589F}" vid="{4A3C46E8-61CC-4603-A589-7422A47A8E4A}"/>
     </a:ext>
   </a:extLst>
 </a:theme>

--- a/Meetings/2019.04.24-ISCSummary-JessAdrianBobbyMeeting.pptx
+++ b/Meetings/2019.04.24-ISCSummary-JessAdrianBobbyMeeting.pptx
@@ -126,7 +126,7 @@
   </p:defaultTextStyle>
   <p:extLst>
     <p:ext uri="{EFAFB233-063F-42B5-8137-9DF3F51BA10A}">
-      <p15:sldGuideLst xmlns:p15="http://schemas.microsoft.com/office/powerpoint/2012/main">
+      <p15:sldGuideLst xmlns="" xmlns:p15="http://schemas.microsoft.com/office/powerpoint/2012/main">
         <p15:guide id="1" orient="horz" pos="2160">
           <p15:clr>
             <a:srgbClr val="A4A3A4"/>
@@ -225,7 +225,7 @@
           <a:p>
             <a:fld id="{EA3C5DAC-6FE6-4316-87B7-6031F2D95D9A}" type="datetimeFigureOut">
               <a:rPr lang="en-CA" smtClean="0"/>
-              <a:t>2019-04-23</a:t>
+              <a:t>19-04-29</a:t>
             </a:fld>
             <a:endParaRPr lang="en-CA"/>
           </a:p>
@@ -792,7 +792,7 @@
           <a:p>
             <a:fld id="{C2FC7127-3C0D-4B0F-A0B9-42504EB5A386}" type="datetimeFigureOut">
               <a:rPr lang="en-CA" smtClean="0"/>
-              <a:t>2019-04-23</a:t>
+              <a:t>19-04-29</a:t>
             </a:fld>
             <a:endParaRPr lang="en-CA"/>
           </a:p>
@@ -962,7 +962,7 @@
           <a:p>
             <a:fld id="{C2FC7127-3C0D-4B0F-A0B9-42504EB5A386}" type="datetimeFigureOut">
               <a:rPr lang="en-CA" smtClean="0"/>
-              <a:t>2019-04-23</a:t>
+              <a:t>19-04-29</a:t>
             </a:fld>
             <a:endParaRPr lang="en-CA"/>
           </a:p>
@@ -1142,7 +1142,7 @@
           <a:p>
             <a:fld id="{C2FC7127-3C0D-4B0F-A0B9-42504EB5A386}" type="datetimeFigureOut">
               <a:rPr lang="en-CA" smtClean="0"/>
-              <a:t>2019-04-23</a:t>
+              <a:t>19-04-29</a:t>
             </a:fld>
             <a:endParaRPr lang="en-CA"/>
           </a:p>
@@ -1312,7 +1312,7 @@
           <a:p>
             <a:fld id="{C2FC7127-3C0D-4B0F-A0B9-42504EB5A386}" type="datetimeFigureOut">
               <a:rPr lang="en-CA" smtClean="0"/>
-              <a:t>2019-04-23</a:t>
+              <a:t>19-04-29</a:t>
             </a:fld>
             <a:endParaRPr lang="en-CA"/>
           </a:p>
@@ -1556,7 +1556,7 @@
           <a:p>
             <a:fld id="{C2FC7127-3C0D-4B0F-A0B9-42504EB5A386}" type="datetimeFigureOut">
               <a:rPr lang="en-CA" smtClean="0"/>
-              <a:t>2019-04-23</a:t>
+              <a:t>19-04-29</a:t>
             </a:fld>
             <a:endParaRPr lang="en-CA"/>
           </a:p>
@@ -1788,7 +1788,7 @@
           <a:p>
             <a:fld id="{C2FC7127-3C0D-4B0F-A0B9-42504EB5A386}" type="datetimeFigureOut">
               <a:rPr lang="en-CA" smtClean="0"/>
-              <a:t>2019-04-23</a:t>
+              <a:t>19-04-29</a:t>
             </a:fld>
             <a:endParaRPr lang="en-CA"/>
           </a:p>
@@ -2155,7 +2155,7 @@
           <a:p>
             <a:fld id="{C2FC7127-3C0D-4B0F-A0B9-42504EB5A386}" type="datetimeFigureOut">
               <a:rPr lang="en-CA" smtClean="0"/>
-              <a:t>2019-04-23</a:t>
+              <a:t>19-04-29</a:t>
             </a:fld>
             <a:endParaRPr lang="en-CA"/>
           </a:p>
@@ -2273,7 +2273,7 @@
           <a:p>
             <a:fld id="{C2FC7127-3C0D-4B0F-A0B9-42504EB5A386}" type="datetimeFigureOut">
               <a:rPr lang="en-CA" smtClean="0"/>
-              <a:t>2019-04-23</a:t>
+              <a:t>19-04-29</a:t>
             </a:fld>
             <a:endParaRPr lang="en-CA"/>
           </a:p>
@@ -2368,7 +2368,7 @@
           <a:p>
             <a:fld id="{C2FC7127-3C0D-4B0F-A0B9-42504EB5A386}" type="datetimeFigureOut">
               <a:rPr lang="en-CA" smtClean="0"/>
-              <a:t>2019-04-23</a:t>
+              <a:t>19-04-29</a:t>
             </a:fld>
             <a:endParaRPr lang="en-CA"/>
           </a:p>
@@ -2645,7 +2645,7 @@
           <a:p>
             <a:fld id="{C2FC7127-3C0D-4B0F-A0B9-42504EB5A386}" type="datetimeFigureOut">
               <a:rPr lang="en-CA" smtClean="0"/>
-              <a:t>2019-04-23</a:t>
+              <a:t>19-04-29</a:t>
             </a:fld>
             <a:endParaRPr lang="en-CA"/>
           </a:p>
@@ -2902,7 +2902,7 @@
           <a:p>
             <a:fld id="{C2FC7127-3C0D-4B0F-A0B9-42504EB5A386}" type="datetimeFigureOut">
               <a:rPr lang="en-CA" smtClean="0"/>
-              <a:t>2019-04-23</a:t>
+              <a:t>19-04-29</a:t>
             </a:fld>
             <a:endParaRPr lang="en-CA"/>
           </a:p>
@@ -3115,7 +3115,7 @@
           <a:p>
             <a:fld id="{C2FC7127-3C0D-4B0F-A0B9-42504EB5A386}" type="datetimeFigureOut">
               <a:rPr lang="en-CA" smtClean="0"/>
-              <a:t>2019-04-23</a:t>
+              <a:t>19-04-29</a:t>
             </a:fld>
             <a:endParaRPr lang="en-CA"/>
           </a:p>
@@ -4416,7 +4416,7 @@
   <p:timing>
     <p:tnLst>
       <p:par>
-        <p:cTn id="1" dur="indefinite" restart="never" nodeType="tmRoot">
+        <p:cTn xmlns:p14="http://schemas.microsoft.com/office/powerpoint/2010/main" id="1" dur="indefinite" restart="never" nodeType="tmRoot">
           <p:childTnLst>
             <p:seq concurrent="1" nextAc="seek">
               <p:cTn id="2" dur="indefinite" nodeType="mainSeq">
@@ -5138,7 +5138,7 @@
   <p:timing>
     <p:tnLst>
       <p:par>
-        <p:cTn id="1" dur="indefinite" restart="never" nodeType="tmRoot">
+        <p:cTn xmlns:p14="http://schemas.microsoft.com/office/powerpoint/2010/main" id="1" dur="indefinite" restart="never" nodeType="tmRoot">
           <p:childTnLst>
             <p:seq concurrent="1" nextAc="seek">
               <p:cTn id="2" dur="indefinite" nodeType="mainSeq">
@@ -5507,7 +5507,7 @@
   <p:timing>
     <p:tnLst>
       <p:par>
-        <p:cTn id="1" dur="indefinite" restart="never" nodeType="tmRoot">
+        <p:cTn xmlns:p14="http://schemas.microsoft.com/office/powerpoint/2010/main" id="1" dur="indefinite" restart="never" nodeType="tmRoot">
           <p:childTnLst>
             <p:seq concurrent="1" nextAc="seek">
               <p:cTn id="2" dur="indefinite" nodeType="mainSeq">
@@ -6096,7 +6096,7 @@
           <p:spPr>
             <a:xfrm>
               <a:off x="289365" y="3835112"/>
-              <a:ext cx="242825" cy="369332"/>
+              <a:ext cx="390026" cy="369332"/>
             </a:xfrm>
             <a:prstGeom prst="rect">
               <a:avLst/>
@@ -6111,7 +6111,7 @@
             <a:p>
               <a:r>
                 <a:rPr lang="en-CA" dirty="0" smtClean="0"/>
-                <a:t>I</a:t>
+                <a:t>W</a:t>
               </a:r>
             </a:p>
           </p:txBody>
@@ -6125,6 +6125,36 @@
           <p:spPr>
             <a:xfrm>
               <a:off x="298833" y="4504552"/>
+              <a:ext cx="390026" cy="369332"/>
+            </a:xfrm>
+            <a:prstGeom prst="rect">
+              <a:avLst/>
+            </a:prstGeom>
+            <a:noFill/>
+          </p:spPr>
+          <p:txBody>
+            <a:bodyPr wrap="none" rtlCol="0">
+              <a:spAutoFit/>
+            </a:bodyPr>
+            <a:lstStyle/>
+            <a:p>
+              <a:r>
+                <a:rPr lang="en-CA" dirty="0" smtClean="0"/>
+                <a:t>W</a:t>
+              </a:r>
+              <a:endParaRPr lang="en-CA" dirty="0" smtClean="0"/>
+            </a:p>
+          </p:txBody>
+        </p:sp>
+        <p:sp>
+          <p:nvSpPr>
+            <p:cNvPr id="11" name="TextBox 10"/>
+            <p:cNvSpPr txBox="1"/>
+            <p:nvPr/>
+          </p:nvSpPr>
+          <p:spPr>
+            <a:xfrm>
+              <a:off x="323734" y="5189418"/>
               <a:ext cx="242825" cy="369332"/>
             </a:xfrm>
             <a:prstGeom prst="rect">
@@ -6148,14 +6178,14 @@
         </p:sp>
         <p:sp>
           <p:nvSpPr>
-            <p:cNvPr id="11" name="TextBox 10"/>
+            <p:cNvPr id="12" name="TextBox 11"/>
             <p:cNvSpPr txBox="1"/>
             <p:nvPr/>
           </p:nvSpPr>
           <p:spPr>
             <a:xfrm>
-              <a:off x="249028" y="5189418"/>
-              <a:ext cx="390026" cy="369332"/>
+              <a:off x="323736" y="5836928"/>
+              <a:ext cx="242825" cy="369332"/>
             </a:xfrm>
             <a:prstGeom prst="rect">
               <a:avLst/>
@@ -6170,36 +6200,7 @@
             <a:p>
               <a:r>
                 <a:rPr lang="en-CA" dirty="0" smtClean="0"/>
-                <a:t>W</a:t>
-              </a:r>
-            </a:p>
-          </p:txBody>
-        </p:sp>
-        <p:sp>
-          <p:nvSpPr>
-            <p:cNvPr id="12" name="TextBox 11"/>
-            <p:cNvSpPr txBox="1"/>
-            <p:nvPr/>
-          </p:nvSpPr>
-          <p:spPr>
-            <a:xfrm>
-              <a:off x="286383" y="5861832"/>
-              <a:ext cx="390026" cy="369332"/>
-            </a:xfrm>
-            <a:prstGeom prst="rect">
-              <a:avLst/>
-            </a:prstGeom>
-            <a:noFill/>
-          </p:spPr>
-          <p:txBody>
-            <a:bodyPr wrap="none" rtlCol="0">
-              <a:spAutoFit/>
-            </a:bodyPr>
-            <a:lstStyle/>
-            <a:p>
-              <a:r>
-                <a:rPr lang="en-CA" dirty="0"/>
-                <a:t>W</a:t>
+                <a:t>I</a:t>
               </a:r>
               <a:endParaRPr lang="en-CA" dirty="0" smtClean="0"/>
             </a:p>
@@ -6645,7 +6646,7 @@
   <p:timing>
     <p:tnLst>
       <p:par>
-        <p:cTn id="1" dur="indefinite" restart="never" nodeType="tmRoot">
+        <p:cTn xmlns:p14="http://schemas.microsoft.com/office/powerpoint/2010/main" id="1" dur="indefinite" restart="never" nodeType="tmRoot">
           <p:childTnLst>
             <p:seq concurrent="1" nextAc="seek">
               <p:cTn id="2" dur="indefinite" nodeType="mainSeq">
@@ -6778,10 +6779,10 @@
         </p:nvGrpSpPr>
         <p:grpSpPr>
           <a:xfrm>
-            <a:off x="37354" y="519876"/>
-            <a:ext cx="7787512" cy="5711288"/>
-            <a:chOff x="249028" y="519876"/>
-            <a:chExt cx="7787512" cy="5711288"/>
+            <a:off x="74709" y="519876"/>
+            <a:ext cx="7750157" cy="5711288"/>
+            <a:chOff x="286383" y="519876"/>
+            <a:chExt cx="7750157" cy="5711288"/>
           </a:xfrm>
         </p:grpSpPr>
         <p:sp>
@@ -6909,6 +6910,66 @@
           <p:spPr>
             <a:xfrm>
               <a:off x="289365" y="3835112"/>
+              <a:ext cx="390026" cy="369332"/>
+            </a:xfrm>
+            <a:prstGeom prst="rect">
+              <a:avLst/>
+            </a:prstGeom>
+            <a:noFill/>
+          </p:spPr>
+          <p:txBody>
+            <a:bodyPr wrap="none" rtlCol="0">
+              <a:spAutoFit/>
+            </a:bodyPr>
+            <a:lstStyle/>
+            <a:p>
+              <a:r>
+                <a:rPr lang="en-CA" dirty="0" smtClean="0"/>
+                <a:t>W</a:t>
+              </a:r>
+              <a:endParaRPr lang="en-CA" dirty="0" smtClean="0"/>
+            </a:p>
+          </p:txBody>
+        </p:sp>
+        <p:sp>
+          <p:nvSpPr>
+            <p:cNvPr id="9" name="TextBox 8"/>
+            <p:cNvSpPr txBox="1"/>
+            <p:nvPr/>
+          </p:nvSpPr>
+          <p:spPr>
+            <a:xfrm>
+              <a:off x="298833" y="4504552"/>
+              <a:ext cx="390026" cy="369332"/>
+            </a:xfrm>
+            <a:prstGeom prst="rect">
+              <a:avLst/>
+            </a:prstGeom>
+            <a:noFill/>
+          </p:spPr>
+          <p:txBody>
+            <a:bodyPr wrap="none" rtlCol="0">
+              <a:spAutoFit/>
+            </a:bodyPr>
+            <a:lstStyle/>
+            <a:p>
+              <a:r>
+                <a:rPr lang="en-CA" dirty="0" smtClean="0"/>
+                <a:t>W</a:t>
+              </a:r>
+              <a:endParaRPr lang="en-CA" dirty="0" smtClean="0"/>
+            </a:p>
+          </p:txBody>
+        </p:sp>
+        <p:sp>
+          <p:nvSpPr>
+            <p:cNvPr id="10" name="TextBox 9"/>
+            <p:cNvSpPr txBox="1"/>
+            <p:nvPr/>
+          </p:nvSpPr>
+          <p:spPr>
+            <a:xfrm>
+              <a:off x="323734" y="5189418"/>
               <a:ext cx="242825" cy="369332"/>
             </a:xfrm>
             <a:prstGeom prst="rect">
@@ -6926,18 +6987,19 @@
                 <a:rPr lang="en-CA" dirty="0" smtClean="0"/>
                 <a:t>I</a:t>
               </a:r>
+              <a:endParaRPr lang="en-CA" dirty="0" smtClean="0"/>
             </a:p>
           </p:txBody>
         </p:sp>
         <p:sp>
           <p:nvSpPr>
-            <p:cNvPr id="9" name="TextBox 8"/>
+            <p:cNvPr id="11" name="TextBox 10"/>
             <p:cNvSpPr txBox="1"/>
             <p:nvPr/>
           </p:nvSpPr>
           <p:spPr>
             <a:xfrm>
-              <a:off x="298833" y="4504552"/>
+              <a:off x="286383" y="5861832"/>
               <a:ext cx="242825" cy="369332"/>
             </a:xfrm>
             <a:prstGeom prst="rect">
@@ -6952,67 +7014,8 @@
             <a:lstStyle/>
             <a:p>
               <a:r>
-                <a:rPr lang="en-CA" dirty="0"/>
+                <a:rPr lang="en-CA" dirty="0" smtClean="0"/>
                 <a:t>I</a:t>
-              </a:r>
-              <a:endParaRPr lang="en-CA" dirty="0" smtClean="0"/>
-            </a:p>
-          </p:txBody>
-        </p:sp>
-        <p:sp>
-          <p:nvSpPr>
-            <p:cNvPr id="10" name="TextBox 9"/>
-            <p:cNvSpPr txBox="1"/>
-            <p:nvPr/>
-          </p:nvSpPr>
-          <p:spPr>
-            <a:xfrm>
-              <a:off x="249028" y="5189418"/>
-              <a:ext cx="390026" cy="369332"/>
-            </a:xfrm>
-            <a:prstGeom prst="rect">
-              <a:avLst/>
-            </a:prstGeom>
-            <a:noFill/>
-          </p:spPr>
-          <p:txBody>
-            <a:bodyPr wrap="none" rtlCol="0">
-              <a:spAutoFit/>
-            </a:bodyPr>
-            <a:lstStyle/>
-            <a:p>
-              <a:r>
-                <a:rPr lang="en-CA" dirty="0" smtClean="0"/>
-                <a:t>W</a:t>
-              </a:r>
-            </a:p>
-          </p:txBody>
-        </p:sp>
-        <p:sp>
-          <p:nvSpPr>
-            <p:cNvPr id="11" name="TextBox 10"/>
-            <p:cNvSpPr txBox="1"/>
-            <p:nvPr/>
-          </p:nvSpPr>
-          <p:spPr>
-            <a:xfrm>
-              <a:off x="286383" y="5861832"/>
-              <a:ext cx="390026" cy="369332"/>
-            </a:xfrm>
-            <a:prstGeom prst="rect">
-              <a:avLst/>
-            </a:prstGeom>
-            <a:noFill/>
-          </p:spPr>
-          <p:txBody>
-            <a:bodyPr wrap="none" rtlCol="0">
-              <a:spAutoFit/>
-            </a:bodyPr>
-            <a:lstStyle/>
-            <a:p>
-              <a:r>
-                <a:rPr lang="en-CA" dirty="0"/>
-                <a:t>W</a:t>
               </a:r>
               <a:endParaRPr lang="en-CA" dirty="0" smtClean="0"/>
             </a:p>
@@ -7404,7 +7407,7 @@
   <p:timing>
     <p:tnLst>
       <p:par>
-        <p:cTn id="1" dur="indefinite" restart="never" nodeType="tmRoot"/>
+        <p:cTn xmlns:p14="http://schemas.microsoft.com/office/powerpoint/2010/main" id="1" dur="indefinite" restart="never" nodeType="tmRoot"/>
       </p:par>
     </p:tnLst>
   </p:timing>
@@ -7466,10 +7469,10 @@
         </p:nvGrpSpPr>
         <p:grpSpPr>
           <a:xfrm>
-            <a:off x="37354" y="519876"/>
-            <a:ext cx="7787512" cy="5711288"/>
-            <a:chOff x="249028" y="519876"/>
-            <a:chExt cx="7787512" cy="5711288"/>
+            <a:off x="74709" y="519876"/>
+            <a:ext cx="7750157" cy="5711288"/>
+            <a:chOff x="286383" y="519876"/>
+            <a:chExt cx="7750157" cy="5711288"/>
           </a:xfrm>
         </p:grpSpPr>
         <p:sp>
@@ -7597,7 +7600,7 @@
           <p:spPr>
             <a:xfrm>
               <a:off x="289365" y="3835112"/>
-              <a:ext cx="242825" cy="369332"/>
+              <a:ext cx="390026" cy="369332"/>
             </a:xfrm>
             <a:prstGeom prst="rect">
               <a:avLst/>
@@ -7612,8 +7615,9 @@
             <a:p>
               <a:r>
                 <a:rPr lang="en-CA" dirty="0" smtClean="0"/>
-                <a:t>I</a:t>
+                <a:t>W</a:t>
               </a:r>
+              <a:endParaRPr lang="en-CA" dirty="0" smtClean="0"/>
             </a:p>
           </p:txBody>
         </p:sp>
@@ -7626,6 +7630,36 @@
           <p:spPr>
             <a:xfrm>
               <a:off x="298833" y="4504552"/>
+              <a:ext cx="390026" cy="369332"/>
+            </a:xfrm>
+            <a:prstGeom prst="rect">
+              <a:avLst/>
+            </a:prstGeom>
+            <a:noFill/>
+          </p:spPr>
+          <p:txBody>
+            <a:bodyPr wrap="none" rtlCol="0">
+              <a:spAutoFit/>
+            </a:bodyPr>
+            <a:lstStyle/>
+            <a:p>
+              <a:r>
+                <a:rPr lang="en-CA" dirty="0" smtClean="0"/>
+                <a:t>W</a:t>
+              </a:r>
+              <a:endParaRPr lang="en-CA" dirty="0" smtClean="0"/>
+            </a:p>
+          </p:txBody>
+        </p:sp>
+        <p:sp>
+          <p:nvSpPr>
+            <p:cNvPr id="12" name="TextBox 11"/>
+            <p:cNvSpPr txBox="1"/>
+            <p:nvPr/>
+          </p:nvSpPr>
+          <p:spPr>
+            <a:xfrm>
+              <a:off x="323734" y="5189418"/>
               <a:ext cx="242825" cy="369332"/>
             </a:xfrm>
             <a:prstGeom prst="rect">
@@ -7649,35 +7683,6 @@
         </p:sp>
         <p:sp>
           <p:nvSpPr>
-            <p:cNvPr id="12" name="TextBox 11"/>
-            <p:cNvSpPr txBox="1"/>
-            <p:nvPr/>
-          </p:nvSpPr>
-          <p:spPr>
-            <a:xfrm>
-              <a:off x="249028" y="5189418"/>
-              <a:ext cx="390026" cy="369332"/>
-            </a:xfrm>
-            <a:prstGeom prst="rect">
-              <a:avLst/>
-            </a:prstGeom>
-            <a:noFill/>
-          </p:spPr>
-          <p:txBody>
-            <a:bodyPr wrap="none" rtlCol="0">
-              <a:spAutoFit/>
-            </a:bodyPr>
-            <a:lstStyle/>
-            <a:p>
-              <a:r>
-                <a:rPr lang="en-CA" dirty="0" smtClean="0"/>
-                <a:t>W</a:t>
-              </a:r>
-            </a:p>
-          </p:txBody>
-        </p:sp>
-        <p:sp>
-          <p:nvSpPr>
             <p:cNvPr id="13" name="TextBox 12"/>
             <p:cNvSpPr txBox="1"/>
             <p:nvPr/>
@@ -7685,7 +7690,7 @@
           <p:spPr>
             <a:xfrm>
               <a:off x="286383" y="5861832"/>
-              <a:ext cx="390026" cy="369332"/>
+              <a:ext cx="242825" cy="369332"/>
             </a:xfrm>
             <a:prstGeom prst="rect">
               <a:avLst/>
@@ -7700,7 +7705,7 @@
             <a:p>
               <a:r>
                 <a:rPr lang="en-CA" dirty="0"/>
-                <a:t>W</a:t>
+                <a:t>I</a:t>
               </a:r>
               <a:endParaRPr lang="en-CA" dirty="0" smtClean="0"/>
             </a:p>
@@ -8092,7 +8097,7 @@
   <p:timing>
     <p:tnLst>
       <p:par>
-        <p:cTn id="1" dur="indefinite" restart="never" nodeType="tmRoot"/>
+        <p:cTn xmlns:p14="http://schemas.microsoft.com/office/powerpoint/2010/main" id="1" dur="indefinite" restart="never" nodeType="tmRoot"/>
       </p:par>
     </p:tnLst>
   </p:timing>
@@ -8285,6 +8290,66 @@
           <p:spPr>
             <a:xfrm>
               <a:off x="289365" y="3835112"/>
+              <a:ext cx="390026" cy="369332"/>
+            </a:xfrm>
+            <a:prstGeom prst="rect">
+              <a:avLst/>
+            </a:prstGeom>
+            <a:noFill/>
+          </p:spPr>
+          <p:txBody>
+            <a:bodyPr wrap="none" rtlCol="0">
+              <a:spAutoFit/>
+            </a:bodyPr>
+            <a:lstStyle/>
+            <a:p>
+              <a:r>
+                <a:rPr lang="en-CA" dirty="0" smtClean="0"/>
+                <a:t>W</a:t>
+              </a:r>
+              <a:endParaRPr lang="en-CA" dirty="0" smtClean="0"/>
+            </a:p>
+          </p:txBody>
+        </p:sp>
+        <p:sp>
+          <p:nvSpPr>
+            <p:cNvPr id="33" name="TextBox 32"/>
+            <p:cNvSpPr txBox="1"/>
+            <p:nvPr/>
+          </p:nvSpPr>
+          <p:spPr>
+            <a:xfrm>
+              <a:off x="298833" y="4504552"/>
+              <a:ext cx="390026" cy="369332"/>
+            </a:xfrm>
+            <a:prstGeom prst="rect">
+              <a:avLst/>
+            </a:prstGeom>
+            <a:noFill/>
+          </p:spPr>
+          <p:txBody>
+            <a:bodyPr wrap="none" rtlCol="0">
+              <a:spAutoFit/>
+            </a:bodyPr>
+            <a:lstStyle/>
+            <a:p>
+              <a:r>
+                <a:rPr lang="en-CA" dirty="0" smtClean="0"/>
+                <a:t>W</a:t>
+              </a:r>
+              <a:endParaRPr lang="en-CA" dirty="0" smtClean="0"/>
+            </a:p>
+          </p:txBody>
+        </p:sp>
+        <p:sp>
+          <p:nvSpPr>
+            <p:cNvPr id="34" name="TextBox 33"/>
+            <p:cNvSpPr txBox="1"/>
+            <p:nvPr/>
+          </p:nvSpPr>
+          <p:spPr>
+            <a:xfrm>
+              <a:off x="249028" y="5189418"/>
               <a:ext cx="242825" cy="369332"/>
             </a:xfrm>
             <a:prstGeom prst="rect">
@@ -8302,18 +8367,19 @@
                 <a:rPr lang="en-CA" dirty="0" smtClean="0"/>
                 <a:t>I</a:t>
               </a:r>
+              <a:endParaRPr lang="en-CA" dirty="0" smtClean="0"/>
             </a:p>
           </p:txBody>
         </p:sp>
         <p:sp>
           <p:nvSpPr>
-            <p:cNvPr id="33" name="TextBox 32"/>
+            <p:cNvPr id="35" name="TextBox 34"/>
             <p:cNvSpPr txBox="1"/>
             <p:nvPr/>
           </p:nvSpPr>
           <p:spPr>
             <a:xfrm>
-              <a:off x="298833" y="4504552"/>
+              <a:off x="286383" y="5861832"/>
               <a:ext cx="242825" cy="369332"/>
             </a:xfrm>
             <a:prstGeom prst="rect">
@@ -8328,67 +8394,8 @@
             <a:lstStyle/>
             <a:p>
               <a:r>
-                <a:rPr lang="en-CA" dirty="0"/>
+                <a:rPr lang="en-CA" dirty="0" smtClean="0"/>
                 <a:t>I</a:t>
-              </a:r>
-              <a:endParaRPr lang="en-CA" dirty="0" smtClean="0"/>
-            </a:p>
-          </p:txBody>
-        </p:sp>
-        <p:sp>
-          <p:nvSpPr>
-            <p:cNvPr id="34" name="TextBox 33"/>
-            <p:cNvSpPr txBox="1"/>
-            <p:nvPr/>
-          </p:nvSpPr>
-          <p:spPr>
-            <a:xfrm>
-              <a:off x="249028" y="5189418"/>
-              <a:ext cx="390026" cy="369332"/>
-            </a:xfrm>
-            <a:prstGeom prst="rect">
-              <a:avLst/>
-            </a:prstGeom>
-            <a:noFill/>
-          </p:spPr>
-          <p:txBody>
-            <a:bodyPr wrap="none" rtlCol="0">
-              <a:spAutoFit/>
-            </a:bodyPr>
-            <a:lstStyle/>
-            <a:p>
-              <a:r>
-                <a:rPr lang="en-CA" dirty="0" smtClean="0"/>
-                <a:t>W</a:t>
-              </a:r>
-            </a:p>
-          </p:txBody>
-        </p:sp>
-        <p:sp>
-          <p:nvSpPr>
-            <p:cNvPr id="35" name="TextBox 34"/>
-            <p:cNvSpPr txBox="1"/>
-            <p:nvPr/>
-          </p:nvSpPr>
-          <p:spPr>
-            <a:xfrm>
-              <a:off x="286383" y="5861832"/>
-              <a:ext cx="390026" cy="369332"/>
-            </a:xfrm>
-            <a:prstGeom prst="rect">
-              <a:avLst/>
-            </a:prstGeom>
-            <a:noFill/>
-          </p:spPr>
-          <p:txBody>
-            <a:bodyPr wrap="none" rtlCol="0">
-              <a:spAutoFit/>
-            </a:bodyPr>
-            <a:lstStyle/>
-            <a:p>
-              <a:r>
-                <a:rPr lang="en-CA" dirty="0"/>
-                <a:t>W</a:t>
               </a:r>
               <a:endParaRPr lang="en-CA" dirty="0" smtClean="0"/>
             </a:p>
@@ -8780,7 +8787,7 @@
   <p:timing>
     <p:tnLst>
       <p:par>
-        <p:cTn id="1" dur="indefinite" restart="never" nodeType="tmRoot"/>
+        <p:cTn xmlns:p14="http://schemas.microsoft.com/office/powerpoint/2010/main" id="1" dur="indefinite" restart="never" nodeType="tmRoot"/>
       </p:par>
     </p:tnLst>
   </p:timing>
@@ -8973,6 +8980,66 @@
           <p:spPr>
             <a:xfrm>
               <a:off x="289365" y="3835112"/>
+              <a:ext cx="390026" cy="369332"/>
+            </a:xfrm>
+            <a:prstGeom prst="rect">
+              <a:avLst/>
+            </a:prstGeom>
+            <a:noFill/>
+          </p:spPr>
+          <p:txBody>
+            <a:bodyPr wrap="none" rtlCol="0">
+              <a:spAutoFit/>
+            </a:bodyPr>
+            <a:lstStyle/>
+            <a:p>
+              <a:r>
+                <a:rPr lang="en-CA" dirty="0" smtClean="0"/>
+                <a:t>W</a:t>
+              </a:r>
+              <a:endParaRPr lang="en-CA" dirty="0" smtClean="0"/>
+            </a:p>
+          </p:txBody>
+        </p:sp>
+        <p:sp>
+          <p:nvSpPr>
+            <p:cNvPr id="11" name="TextBox 10"/>
+            <p:cNvSpPr txBox="1"/>
+            <p:nvPr/>
+          </p:nvSpPr>
+          <p:spPr>
+            <a:xfrm>
+              <a:off x="298833" y="4504552"/>
+              <a:ext cx="390026" cy="369332"/>
+            </a:xfrm>
+            <a:prstGeom prst="rect">
+              <a:avLst/>
+            </a:prstGeom>
+            <a:noFill/>
+          </p:spPr>
+          <p:txBody>
+            <a:bodyPr wrap="none" rtlCol="0">
+              <a:spAutoFit/>
+            </a:bodyPr>
+            <a:lstStyle/>
+            <a:p>
+              <a:r>
+                <a:rPr lang="en-CA" dirty="0"/>
+                <a:t>W</a:t>
+              </a:r>
+              <a:endParaRPr lang="en-CA" dirty="0" smtClean="0"/>
+            </a:p>
+          </p:txBody>
+        </p:sp>
+        <p:sp>
+          <p:nvSpPr>
+            <p:cNvPr id="12" name="TextBox 11"/>
+            <p:cNvSpPr txBox="1"/>
+            <p:nvPr/>
+          </p:nvSpPr>
+          <p:spPr>
+            <a:xfrm>
+              <a:off x="249028" y="5189418"/>
               <a:ext cx="242825" cy="369332"/>
             </a:xfrm>
             <a:prstGeom prst="rect">
@@ -8990,18 +9057,19 @@
                 <a:rPr lang="en-CA" dirty="0" smtClean="0"/>
                 <a:t>I</a:t>
               </a:r>
+              <a:endParaRPr lang="en-CA" dirty="0" smtClean="0"/>
             </a:p>
           </p:txBody>
         </p:sp>
         <p:sp>
           <p:nvSpPr>
-            <p:cNvPr id="11" name="TextBox 10"/>
+            <p:cNvPr id="13" name="TextBox 12"/>
             <p:cNvSpPr txBox="1"/>
             <p:nvPr/>
           </p:nvSpPr>
           <p:spPr>
             <a:xfrm>
-              <a:off x="298833" y="4504552"/>
+              <a:off x="286383" y="5861832"/>
               <a:ext cx="242825" cy="369332"/>
             </a:xfrm>
             <a:prstGeom prst="rect">
@@ -9018,65 +9086,6 @@
               <a:r>
                 <a:rPr lang="en-CA" dirty="0"/>
                 <a:t>I</a:t>
-              </a:r>
-              <a:endParaRPr lang="en-CA" dirty="0" smtClean="0"/>
-            </a:p>
-          </p:txBody>
-        </p:sp>
-        <p:sp>
-          <p:nvSpPr>
-            <p:cNvPr id="12" name="TextBox 11"/>
-            <p:cNvSpPr txBox="1"/>
-            <p:nvPr/>
-          </p:nvSpPr>
-          <p:spPr>
-            <a:xfrm>
-              <a:off x="249028" y="5189418"/>
-              <a:ext cx="390026" cy="369332"/>
-            </a:xfrm>
-            <a:prstGeom prst="rect">
-              <a:avLst/>
-            </a:prstGeom>
-            <a:noFill/>
-          </p:spPr>
-          <p:txBody>
-            <a:bodyPr wrap="none" rtlCol="0">
-              <a:spAutoFit/>
-            </a:bodyPr>
-            <a:lstStyle/>
-            <a:p>
-              <a:r>
-                <a:rPr lang="en-CA" dirty="0" smtClean="0"/>
-                <a:t>W</a:t>
-              </a:r>
-            </a:p>
-          </p:txBody>
-        </p:sp>
-        <p:sp>
-          <p:nvSpPr>
-            <p:cNvPr id="13" name="TextBox 12"/>
-            <p:cNvSpPr txBox="1"/>
-            <p:nvPr/>
-          </p:nvSpPr>
-          <p:spPr>
-            <a:xfrm>
-              <a:off x="286383" y="5861832"/>
-              <a:ext cx="390026" cy="369332"/>
-            </a:xfrm>
-            <a:prstGeom prst="rect">
-              <a:avLst/>
-            </a:prstGeom>
-            <a:noFill/>
-          </p:spPr>
-          <p:txBody>
-            <a:bodyPr wrap="none" rtlCol="0">
-              <a:spAutoFit/>
-            </a:bodyPr>
-            <a:lstStyle/>
-            <a:p>
-              <a:r>
-                <a:rPr lang="en-CA" dirty="0"/>
-                <a:t>W</a:t>
               </a:r>
               <a:endParaRPr lang="en-CA" dirty="0" smtClean="0"/>
             </a:p>
@@ -9472,7 +9481,7 @@
   <p:timing>
     <p:tnLst>
       <p:par>
-        <p:cTn id="1" dur="indefinite" restart="never" nodeType="tmRoot"/>
+        <p:cTn xmlns:p14="http://schemas.microsoft.com/office/powerpoint/2010/main" id="1" dur="indefinite" restart="never" nodeType="tmRoot"/>
       </p:par>
     </p:tnLst>
   </p:timing>
@@ -9577,7 +9586,7 @@
   <p:timing>
     <p:tnLst>
       <p:par>
-        <p:cTn id="1" dur="indefinite" restart="never" nodeType="tmRoot"/>
+        <p:cTn xmlns:p14="http://schemas.microsoft.com/office/powerpoint/2010/main" id="1" dur="indefinite" restart="never" nodeType="tmRoot"/>
       </p:par>
     </p:tnLst>
   </p:timing>
@@ -9683,7 +9692,7 @@
   <p:timing>
     <p:tnLst>
       <p:par>
-        <p:cTn id="1" dur="indefinite" restart="never" nodeType="tmRoot"/>
+        <p:cTn xmlns:p14="http://schemas.microsoft.com/office/powerpoint/2010/main" id="1" dur="indefinite" restart="never" nodeType="tmRoot"/>
       </p:par>
     </p:tnLst>
   </p:timing>
@@ -9777,18 +9786,18 @@
   <p:clrMapOvr>
     <a:masterClrMapping/>
   </p:clrMapOvr>
-  <mc:AlternateContent xmlns:mc="http://schemas.openxmlformats.org/markup-compatibility/2006" xmlns:p14="http://schemas.microsoft.com/office/powerpoint/2010/main">
-    <mc:Choice Requires="p14">
+  <mc:AlternateContent xmlns:mc="http://schemas.openxmlformats.org/markup-compatibility/2006">
+    <mc:Choice xmlns:p14="http://schemas.microsoft.com/office/powerpoint/2010/main" Requires="p14">
       <p:transition spd="slow" p14:dur="2000"/>
     </mc:Choice>
-    <mc:Fallback xmlns="">
+    <mc:Fallback>
       <p:transition xmlns:p14="http://schemas.microsoft.com/office/powerpoint/2010/main" spd="slow"/>
     </mc:Fallback>
   </mc:AlternateContent>
   <p:timing>
     <p:tnLst>
       <p:par>
-        <p:cTn id="1" dur="indefinite" restart="never" nodeType="tmRoot"/>
+        <p:cTn xmlns:p14="http://schemas.microsoft.com/office/powerpoint/2010/main" id="1" dur="indefinite" restart="never" nodeType="tmRoot"/>
       </p:par>
     </p:tnLst>
   </p:timing>
@@ -9901,7 +9910,7 @@
   <p:timing>
     <p:tnLst>
       <p:par>
-        <p:cTn id="1" dur="indefinite" restart="never" nodeType="tmRoot"/>
+        <p:cTn xmlns:p14="http://schemas.microsoft.com/office/powerpoint/2010/main" id="1" dur="indefinite" restart="never" nodeType="tmRoot"/>
       </p:par>
     </p:tnLst>
   </p:timing>
@@ -9942,11 +9951,7 @@
           <a:p>
             <a:r>
               <a:rPr lang="en-US" dirty="0" smtClean="0"/>
-              <a:t>BOLD </a:t>
-            </a:r>
-            <a:r>
-              <a:rPr lang="en-US" dirty="0" smtClean="0"/>
-              <a:t>vs ISC results</a:t>
+              <a:t>BOLD vs ISC results</a:t>
             </a:r>
             <a:endParaRPr lang="en-CA" dirty="0"/>
           </a:p>
@@ -9965,7 +9970,7 @@
         <p:spPr/>
         <p:txBody>
           <a:bodyPr>
-            <a:normAutofit lnSpcReduction="10000"/>
+            <a:normAutofit/>
           </a:bodyPr>
           <a:lstStyle/>
           <a:p>
@@ -9978,15 +9983,7 @@
             <a:pPr lvl="1"/>
             <a:r>
               <a:rPr lang="en-US" dirty="0" smtClean="0"/>
-              <a:t>In </a:t>
-            </a:r>
-            <a:r>
-              <a:rPr lang="en-US" dirty="0" smtClean="0"/>
-              <a:t>BOLD </a:t>
-            </a:r>
-            <a:r>
-              <a:rPr lang="en-US" dirty="0" smtClean="0"/>
-              <a:t>or ISC</a:t>
+              <a:t>In BOLD or ISC</a:t>
             </a:r>
           </a:p>
           <a:p>
@@ -10003,11 +10000,7 @@
             <a:pPr lvl="1"/>
             <a:r>
               <a:rPr lang="en-US" dirty="0" smtClean="0"/>
-              <a:t>BOLD </a:t>
-            </a:r>
-            <a:r>
-              <a:rPr lang="en-US" dirty="0" smtClean="0"/>
-              <a:t>and ISC show </a:t>
+              <a:t>BOLD and ISC show </a:t>
             </a:r>
           </a:p>
           <a:p>
@@ -10037,52 +10030,10 @@
             </a:r>
           </a:p>
           <a:p>
+            <a:pPr marL="0" indent="0">
+              <a:buNone/>
+            </a:pPr>
             <a:endParaRPr lang="en-US" dirty="0"/>
-          </a:p>
-          <a:p>
-            <a:r>
-              <a:rPr lang="en-US" sz="2400" dirty="0" smtClean="0">
-                <a:solidFill>
-                  <a:schemeClr val="bg2">
-                    <a:lumMod val="75000"/>
-                  </a:schemeClr>
-                </a:solidFill>
-              </a:rPr>
-              <a:t>Pattern analysis to differentiate stim</a:t>
-            </a:r>
-          </a:p>
-          <a:p>
-            <a:pPr lvl="1"/>
-            <a:r>
-              <a:rPr lang="en-US" sz="2000" dirty="0" smtClean="0">
-                <a:solidFill>
-                  <a:schemeClr val="bg2">
-                    <a:lumMod val="75000"/>
-                  </a:schemeClr>
-                </a:solidFill>
-              </a:rPr>
-              <a:t>Does MVPA show different areas beyond GLM/ISC?</a:t>
-            </a:r>
-          </a:p>
-          <a:p>
-            <a:pPr lvl="1"/>
-            <a:r>
-              <a:rPr lang="en-US" sz="2000" dirty="0" smtClean="0">
-                <a:solidFill>
-                  <a:schemeClr val="bg2">
-                    <a:lumMod val="75000"/>
-                  </a:schemeClr>
-                </a:solidFill>
-              </a:rPr>
-              <a:t>still working on this</a:t>
-            </a:r>
-            <a:endParaRPr lang="en-US" sz="2000" dirty="0">
-              <a:solidFill>
-                <a:schemeClr val="bg2">
-                  <a:lumMod val="75000"/>
-                </a:schemeClr>
-              </a:solidFill>
-            </a:endParaRPr>
           </a:p>
         </p:txBody>
       </p:sp>
@@ -10099,7 +10050,7 @@
   <p:timing>
     <p:tnLst>
       <p:par>
-        <p:cTn id="1" dur="indefinite" restart="never" nodeType="tmRoot"/>
+        <p:cTn xmlns:p14="http://schemas.microsoft.com/office/powerpoint/2010/main" id="1" dur="indefinite" restart="never" nodeType="tmRoot"/>
       </p:par>
     </p:tnLst>
   </p:timing>
@@ -10216,7 +10167,7 @@
   <p:timing>
     <p:tnLst>
       <p:par>
-        <p:cTn id="1" dur="indefinite" restart="never" nodeType="tmRoot"/>
+        <p:cTn xmlns:p14="http://schemas.microsoft.com/office/powerpoint/2010/main" id="1" dur="indefinite" restart="never" nodeType="tmRoot"/>
       </p:par>
     </p:tnLst>
   </p:timing>
@@ -10258,7 +10209,7 @@
         </p:spPr>
         <p:txBody>
           <a:bodyPr>
-            <a:normAutofit fontScale="92500" lnSpcReduction="20000"/>
+            <a:normAutofit/>
           </a:bodyPr>
           <a:lstStyle/>
           <a:p>
@@ -10271,42 +10222,26 @@
             <a:pPr lvl="1"/>
             <a:r>
               <a:rPr lang="en-US" dirty="0" smtClean="0"/>
-              <a:t>ROIs where ISC differentiate 4 stimuli overlay with GLM </a:t>
-            </a:r>
-            <a:r>
-              <a:rPr lang="en-US" dirty="0" smtClean="0"/>
-              <a:t>results </a:t>
+              <a:t>BLUE: ROIs where ISC differs for 4 stimuli </a:t>
             </a:r>
             <a:r>
               <a:rPr lang="en-US" sz="1700" dirty="0" smtClean="0"/>
               <a:t>(ANOVA results)</a:t>
             </a:r>
-            <a:endParaRPr lang="en-US" sz="1700" dirty="0" smtClean="0"/>
           </a:p>
           <a:p>
             <a:pPr lvl="1"/>
-            <a:endParaRPr lang="en-US" dirty="0" smtClean="0"/>
-          </a:p>
-          <a:p>
-            <a:pPr lvl="1"/>
             <a:r>
               <a:rPr lang="en-US" dirty="0" smtClean="0"/>
-              <a:t>BLUE: ISC ROIs</a:t>
-            </a:r>
-          </a:p>
-          <a:p>
-            <a:pPr lvl="1"/>
+              <a:t>RED: BOLD activation to each </a:t>
+            </a:r>
+            <a:r>
+              <a:rPr lang="en-US" dirty="0" err="1" smtClean="0"/>
+              <a:t>stim</a:t>
+            </a:r>
             <a:r>
               <a:rPr lang="en-US" dirty="0" smtClean="0"/>
-              <a:t>RED: </a:t>
-            </a:r>
-            <a:r>
-              <a:rPr lang="en-US" dirty="0" smtClean="0"/>
-              <a:t>BOLD </a:t>
-            </a:r>
-            <a:r>
-              <a:rPr lang="en-US" dirty="0" smtClean="0"/>
-              <a:t>activation</a:t>
+              <a:t> type</a:t>
             </a:r>
           </a:p>
         </p:txBody>
@@ -10552,66 +10487,6 @@
           </a:p>
         </p:txBody>
       </p:sp>
-      <p:sp>
-        <p:nvSpPr>
-          <p:cNvPr id="2" name="TextBox 1"/>
-          <p:cNvSpPr txBox="1"/>
-          <p:nvPr/>
-        </p:nvSpPr>
-        <p:spPr>
-          <a:xfrm>
-            <a:off x="7038975" y="1762125"/>
-            <a:ext cx="2042419" cy="338554"/>
-          </a:xfrm>
-          <a:prstGeom prst="rect">
-            <a:avLst/>
-          </a:prstGeom>
-          <a:noFill/>
-        </p:spPr>
-        <p:txBody>
-          <a:bodyPr wrap="none" rtlCol="0">
-            <a:spAutoFit/>
-          </a:bodyPr>
-          <a:lstStyle/>
-          <a:p>
-            <a:r>
-              <a:rPr lang="en-US" sz="1600" dirty="0" smtClean="0"/>
-              <a:t>(same across all 4 figs)</a:t>
-            </a:r>
-            <a:endParaRPr lang="en-CA" sz="1600" dirty="0"/>
-          </a:p>
-        </p:txBody>
-      </p:sp>
-      <p:sp>
-        <p:nvSpPr>
-          <p:cNvPr id="13" name="TextBox 12"/>
-          <p:cNvSpPr txBox="1"/>
-          <p:nvPr/>
-        </p:nvSpPr>
-        <p:spPr>
-          <a:xfrm>
-            <a:off x="6506551" y="2244908"/>
-            <a:ext cx="1870320" cy="338554"/>
-          </a:xfrm>
-          <a:prstGeom prst="rect">
-            <a:avLst/>
-          </a:prstGeom>
-          <a:noFill/>
-        </p:spPr>
-        <p:txBody>
-          <a:bodyPr wrap="none" rtlCol="0">
-            <a:spAutoFit/>
-          </a:bodyPr>
-          <a:lstStyle/>
-          <a:p>
-            <a:r>
-              <a:rPr lang="en-US" sz="1600" dirty="0" smtClean="0"/>
-              <a:t>(different for 4 stim)</a:t>
-            </a:r>
-            <a:endParaRPr lang="en-CA" sz="1600" dirty="0"/>
-          </a:p>
-        </p:txBody>
-      </p:sp>
     </p:spTree>
     <p:extLst>
       <p:ext uri="{BB962C8B-B14F-4D97-AF65-F5344CB8AC3E}">
@@ -10625,7 +10500,7 @@
   <p:timing>
     <p:tnLst>
       <p:par>
-        <p:cTn id="1" dur="indefinite" restart="never" nodeType="tmRoot">
+        <p:cTn xmlns:p14="http://schemas.microsoft.com/office/powerpoint/2010/main" id="1" dur="indefinite" restart="never" nodeType="tmRoot">
           <p:childTnLst>
             <p:seq concurrent="1" nextAc="seek">
               <p:cTn id="2" dur="indefinite" nodeType="mainSeq">
@@ -10804,60 +10679,6 @@
                                   </p:childTnLst>
                                 </p:cTn>
                               </p:par>
-                              <p:par>
-                                <p:cTn id="17" presetID="1" presetClass="entr" presetSubtype="0" fill="hold" grpId="0" nodeType="withEffect">
-                                  <p:stCondLst>
-                                    <p:cond delay="0"/>
-                                  </p:stCondLst>
-                                  <p:childTnLst>
-                                    <p:set>
-                                      <p:cBhvr>
-                                        <p:cTn id="18" dur="1" fill="hold">
-                                          <p:stCondLst>
-                                            <p:cond delay="0"/>
-                                          </p:stCondLst>
-                                        </p:cTn>
-                                        <p:tgtEl>
-                                          <p:spTgt spid="2"/>
-                                        </p:tgtEl>
-                                        <p:attrNameLst>
-                                          <p:attrName>style.visibility</p:attrName>
-                                        </p:attrNameLst>
-                                      </p:cBhvr>
-                                      <p:to>
-                                        <p:strVal val="visible"/>
-                                      </p:to>
-                                    </p:set>
-                                  </p:childTnLst>
-                                </p:cTn>
-                              </p:par>
-                              <p:par>
-                                <p:cTn id="19" presetID="1" presetClass="entr" presetSubtype="0" fill="hold" grpId="0" nodeType="withEffect">
-                                  <p:stCondLst>
-                                    <p:cond delay="0"/>
-                                  </p:stCondLst>
-                                  <p:childTnLst>
-                                    <p:set>
-                                      <p:cBhvr>
-                                        <p:cTn id="20" dur="1" fill="hold">
-                                          <p:stCondLst>
-                                            <p:cond delay="0"/>
-                                          </p:stCondLst>
-                                        </p:cTn>
-                                        <p:tgtEl>
-                                          <p:spTgt spid="13"/>
-                                        </p:tgtEl>
-                                        <p:attrNameLst>
-                                          <p:attrName>style.visibility</p:attrName>
-                                        </p:attrNameLst>
-                                      </p:cBhvr>
-                                      <p:to>
-                                        <p:strVal val="visible"/>
-                                      </p:to>
-                                    </p:set>
-                                  </p:childTnLst>
-                                </p:cTn>
-                              </p:par>
                             </p:childTnLst>
                           </p:cTn>
                         </p:par>
@@ -10889,8 +10710,6 @@
       <p:bldP spid="10" grpId="0"/>
       <p:bldP spid="11" grpId="0"/>
       <p:bldP spid="12" grpId="0"/>
-      <p:bldP spid="2" grpId="0"/>
-      <p:bldP spid="13" grpId="0"/>
     </p:bldLst>
   </p:timing>
 </p:sld>
@@ -10931,7 +10750,7 @@
         </p:spPr>
         <p:txBody>
           <a:bodyPr>
-            <a:normAutofit fontScale="92500" lnSpcReduction="20000"/>
+            <a:normAutofit/>
           </a:bodyPr>
           <a:lstStyle/>
           <a:p>
@@ -10943,49 +10762,29 @@
           <a:p>
             <a:pPr lvl="1"/>
             <a:r>
-              <a:rPr lang="en-US" dirty="0" smtClean="0"/>
-              <a:t>ROIs where ISC differentiate 4 stimuli overlay with GLM results </a:t>
-            </a:r>
-            <a:r>
-              <a:rPr lang="en-US" sz="1900" dirty="0"/>
-              <a:t>(ANOVA results</a:t>
-            </a:r>
-            <a:r>
-              <a:rPr lang="en-US" sz="1900" dirty="0" smtClean="0"/>
-              <a:t>)</a:t>
-            </a:r>
-            <a:endParaRPr lang="en-US" sz="1900" dirty="0" smtClean="0"/>
+              <a:rPr lang="en-US" dirty="0"/>
+              <a:t>BLUE: ROIs where ISC differs for 4 stimuli </a:t>
+            </a:r>
+            <a:r>
+              <a:rPr lang="en-US" sz="1700" dirty="0"/>
+              <a:t>(ANOVA results)</a:t>
+            </a:r>
           </a:p>
           <a:p>
             <a:pPr lvl="1"/>
+            <a:r>
+              <a:rPr lang="en-US" dirty="0"/>
+              <a:t>RED: BOLD activation to each </a:t>
+            </a:r>
+            <a:r>
+              <a:rPr lang="en-US" dirty="0" err="1"/>
+              <a:t>stim</a:t>
+            </a:r>
+            <a:r>
+              <a:rPr lang="en-US" dirty="0"/>
+              <a:t> type</a:t>
+            </a:r>
             <a:endParaRPr lang="en-US" dirty="0" smtClean="0"/>
-          </a:p>
-          <a:p>
-            <a:pPr lvl="1"/>
-            <a:r>
-              <a:rPr lang="en-US" dirty="0" smtClean="0"/>
-              <a:t>BLUE: ISC </a:t>
-            </a:r>
-            <a:r>
-              <a:rPr lang="en-US" dirty="0" smtClean="0"/>
-              <a:t>ROIs</a:t>
-            </a:r>
-            <a:endParaRPr lang="en-US" dirty="0" smtClean="0"/>
-          </a:p>
-          <a:p>
-            <a:pPr lvl="1"/>
-            <a:r>
-              <a:rPr lang="en-US" dirty="0" smtClean="0"/>
-              <a:t>RED: </a:t>
-            </a:r>
-            <a:r>
-              <a:rPr lang="en-US" dirty="0" smtClean="0"/>
-              <a:t>BOLD </a:t>
-            </a:r>
-            <a:r>
-              <a:rPr lang="en-US" dirty="0" smtClean="0"/>
-              <a:t>activation</a:t>
-            </a:r>
           </a:p>
         </p:txBody>
       </p:sp>
@@ -11230,66 +11029,6 @@
           </a:prstGeom>
         </p:spPr>
       </p:pic>
-      <p:sp>
-        <p:nvSpPr>
-          <p:cNvPr id="16" name="TextBox 15"/>
-          <p:cNvSpPr txBox="1"/>
-          <p:nvPr/>
-        </p:nvSpPr>
-        <p:spPr>
-          <a:xfrm>
-            <a:off x="7038975" y="1762125"/>
-            <a:ext cx="2042419" cy="338554"/>
-          </a:xfrm>
-          <a:prstGeom prst="rect">
-            <a:avLst/>
-          </a:prstGeom>
-          <a:noFill/>
-        </p:spPr>
-        <p:txBody>
-          <a:bodyPr wrap="none" rtlCol="0">
-            <a:spAutoFit/>
-          </a:bodyPr>
-          <a:lstStyle/>
-          <a:p>
-            <a:r>
-              <a:rPr lang="en-US" sz="1600" dirty="0" smtClean="0"/>
-              <a:t>(same across all 4 figs)</a:t>
-            </a:r>
-            <a:endParaRPr lang="en-CA" sz="1600" dirty="0"/>
-          </a:p>
-        </p:txBody>
-      </p:sp>
-      <p:sp>
-        <p:nvSpPr>
-          <p:cNvPr id="17" name="TextBox 16"/>
-          <p:cNvSpPr txBox="1"/>
-          <p:nvPr/>
-        </p:nvSpPr>
-        <p:spPr>
-          <a:xfrm>
-            <a:off x="6506551" y="2244908"/>
-            <a:ext cx="1870320" cy="338554"/>
-          </a:xfrm>
-          <a:prstGeom prst="rect">
-            <a:avLst/>
-          </a:prstGeom>
-          <a:noFill/>
-        </p:spPr>
-        <p:txBody>
-          <a:bodyPr wrap="none" rtlCol="0">
-            <a:spAutoFit/>
-          </a:bodyPr>
-          <a:lstStyle/>
-          <a:p>
-            <a:r>
-              <a:rPr lang="en-US" sz="1600" dirty="0" smtClean="0"/>
-              <a:t>(different for 4 stim)</a:t>
-            </a:r>
-            <a:endParaRPr lang="en-CA" sz="1600" dirty="0"/>
-          </a:p>
-        </p:txBody>
-      </p:sp>
     </p:spTree>
     <p:extLst>
       <p:ext uri="{BB962C8B-B14F-4D97-AF65-F5344CB8AC3E}">
@@ -11303,7 +11042,7 @@
   <p:timing>
     <p:tnLst>
       <p:par>
-        <p:cTn id="1" dur="indefinite" restart="never" nodeType="tmRoot">
+        <p:cTn xmlns:p14="http://schemas.microsoft.com/office/powerpoint/2010/main" id="1" dur="indefinite" restart="never" nodeType="tmRoot">
           <p:childTnLst>
             <p:seq concurrent="1" nextAc="seek">
               <p:cTn id="2" dur="indefinite" nodeType="mainSeq">
@@ -11312,6 +11051,9 @@
                     <p:cTn id="3" fill="hold">
                       <p:stCondLst>
                         <p:cond delay="indefinite"/>
+                        <p:cond evt="onBegin" delay="0">
+                          <p:tn val="2"/>
+                        </p:cond>
                       </p:stCondLst>
                       <p:childTnLst>
                         <p:par>
@@ -11321,7 +11063,7 @@
                             </p:stCondLst>
                             <p:childTnLst>
                               <p:par>
-                                <p:cTn id="5" presetID="1" presetClass="entr" presetSubtype="0" fill="hold" grpId="0" nodeType="clickEffect">
+                                <p:cTn id="5" presetID="1" presetClass="entr" presetSubtype="0" fill="hold" nodeType="withEffect">
                                   <p:stCondLst>
                                     <p:cond delay="0"/>
                                   </p:stCondLst>
@@ -11334,7 +11076,7 @@
                                           </p:stCondLst>
                                         </p:cTn>
                                         <p:tgtEl>
-                                          <p:spTgt spid="16"/>
+                                          <p:spTgt spid="8"/>
                                         </p:tgtEl>
                                         <p:attrNameLst>
                                           <p:attrName>style.visibility</p:attrName>
@@ -11348,7 +11090,7 @@
                                 </p:cTn>
                               </p:par>
                               <p:par>
-                                <p:cTn id="7" presetID="1" presetClass="entr" presetSubtype="0" fill="hold" grpId="0" nodeType="withEffect">
+                                <p:cTn id="7" presetID="1" presetClass="entr" presetSubtype="0" fill="hold" nodeType="withEffect">
                                   <p:stCondLst>
                                     <p:cond delay="0"/>
                                   </p:stCondLst>
@@ -11361,7 +11103,7 @@
                                           </p:stCondLst>
                                         </p:cTn>
                                         <p:tgtEl>
-                                          <p:spTgt spid="17"/>
+                                          <p:spTgt spid="13"/>
                                         </p:tgtEl>
                                         <p:attrNameLst>
                                           <p:attrName>style.visibility</p:attrName>
@@ -11388,7 +11130,7 @@
                                           </p:stCondLst>
                                         </p:cTn>
                                         <p:tgtEl>
-                                          <p:spTgt spid="8"/>
+                                          <p:spTgt spid="14"/>
                                         </p:tgtEl>
                                         <p:attrNameLst>
                                           <p:attrName>style.visibility</p:attrName>
@@ -11402,7 +11144,7 @@
                                 </p:cTn>
                               </p:par>
                               <p:par>
-                                <p:cTn id="11" presetID="1" presetClass="entr" presetSubtype="0" fill="hold" nodeType="withEffect">
+                                <p:cTn id="11" presetID="1" presetClass="entr" presetSubtype="0" fill="hold" grpId="0" nodeType="withEffect">
                                   <p:stCondLst>
                                     <p:cond delay="0"/>
                                   </p:stCondLst>
@@ -11415,7 +11157,7 @@
                                           </p:stCondLst>
                                         </p:cTn>
                                         <p:tgtEl>
-                                          <p:spTgt spid="13"/>
+                                          <p:spTgt spid="12"/>
                                         </p:tgtEl>
                                         <p:attrNameLst>
                                           <p:attrName>style.visibility</p:attrName>
@@ -11429,7 +11171,7 @@
                                 </p:cTn>
                               </p:par>
                               <p:par>
-                                <p:cTn id="13" presetID="1" presetClass="entr" presetSubtype="0" fill="hold" nodeType="withEffect">
+                                <p:cTn id="13" presetID="1" presetClass="entr" presetSubtype="0" fill="hold" grpId="0" nodeType="withEffect">
                                   <p:stCondLst>
                                     <p:cond delay="0"/>
                                   </p:stCondLst>
@@ -11442,7 +11184,7 @@
                                           </p:stCondLst>
                                         </p:cTn>
                                         <p:tgtEl>
-                                          <p:spTgt spid="14"/>
+                                          <p:spTgt spid="11"/>
                                         </p:tgtEl>
                                         <p:attrNameLst>
                                           <p:attrName>style.visibility</p:attrName>
@@ -11464,60 +11206,6 @@
                                     <p:set>
                                       <p:cBhvr>
                                         <p:cTn id="16" dur="1" fill="hold">
-                                          <p:stCondLst>
-                                            <p:cond delay="0"/>
-                                          </p:stCondLst>
-                                        </p:cTn>
-                                        <p:tgtEl>
-                                          <p:spTgt spid="12"/>
-                                        </p:tgtEl>
-                                        <p:attrNameLst>
-                                          <p:attrName>style.visibility</p:attrName>
-                                        </p:attrNameLst>
-                                      </p:cBhvr>
-                                      <p:to>
-                                        <p:strVal val="visible"/>
-                                      </p:to>
-                                    </p:set>
-                                  </p:childTnLst>
-                                </p:cTn>
-                              </p:par>
-                              <p:par>
-                                <p:cTn id="17" presetID="1" presetClass="entr" presetSubtype="0" fill="hold" grpId="0" nodeType="withEffect">
-                                  <p:stCondLst>
-                                    <p:cond delay="0"/>
-                                  </p:stCondLst>
-                                  <p:childTnLst>
-                                    <p:set>
-                                      <p:cBhvr>
-                                        <p:cTn id="18" dur="1" fill="hold">
-                                          <p:stCondLst>
-                                            <p:cond delay="0"/>
-                                          </p:stCondLst>
-                                        </p:cTn>
-                                        <p:tgtEl>
-                                          <p:spTgt spid="11"/>
-                                        </p:tgtEl>
-                                        <p:attrNameLst>
-                                          <p:attrName>style.visibility</p:attrName>
-                                        </p:attrNameLst>
-                                      </p:cBhvr>
-                                      <p:to>
-                                        <p:strVal val="visible"/>
-                                      </p:to>
-                                    </p:set>
-                                  </p:childTnLst>
-                                </p:cTn>
-                              </p:par>
-                              <p:par>
-                                <p:cTn id="19" presetID="1" presetClass="entr" presetSubtype="0" fill="hold" grpId="0" nodeType="withEffect">
-                                  <p:stCondLst>
-                                    <p:cond delay="0"/>
-                                  </p:stCondLst>
-                                  <p:childTnLst>
-                                    <p:set>
-                                      <p:cBhvr>
-                                        <p:cTn id="20" dur="1" fill="hold">
                                           <p:stCondLst>
                                             <p:cond delay="0"/>
                                           </p:stCondLst>
@@ -11567,8 +11255,6 @@
       <p:bldP spid="10" grpId="0"/>
       <p:bldP spid="11" grpId="0"/>
       <p:bldP spid="12" grpId="0"/>
-      <p:bldP spid="16" grpId="0"/>
-      <p:bldP spid="17" grpId="0"/>
     </p:bldLst>
   </p:timing>
 </p:sld>
@@ -11609,7 +11295,7 @@
         </p:spPr>
         <p:txBody>
           <a:bodyPr>
-            <a:normAutofit fontScale="92500" lnSpcReduction="20000"/>
+            <a:normAutofit/>
           </a:bodyPr>
           <a:lstStyle/>
           <a:p>
@@ -11621,44 +11307,29 @@
           <a:p>
             <a:pPr lvl="1"/>
             <a:r>
-              <a:rPr lang="en-US" dirty="0" smtClean="0"/>
-              <a:t>ROIs where ISC differentiate 4 stimuli overlay with GLM </a:t>
-            </a:r>
-            <a:r>
-              <a:rPr lang="en-US" dirty="0" smtClean="0"/>
-              <a:t>results </a:t>
-            </a:r>
-            <a:r>
-              <a:rPr lang="en-US" sz="1900" dirty="0" smtClean="0"/>
-              <a:t>(ANOVA)</a:t>
-            </a:r>
-            <a:endParaRPr lang="en-US" sz="1900" dirty="0" smtClean="0"/>
+              <a:rPr lang="en-US" dirty="0"/>
+              <a:t>BLUE: ROIs where ISC differs for 4 stimuli </a:t>
+            </a:r>
+            <a:r>
+              <a:rPr lang="en-US" sz="1700" dirty="0"/>
+              <a:t>(ANOVA results)</a:t>
+            </a:r>
           </a:p>
           <a:p>
             <a:pPr lvl="1"/>
+            <a:r>
+              <a:rPr lang="en-US" dirty="0"/>
+              <a:t>RED: BOLD activation to each </a:t>
+            </a:r>
+            <a:r>
+              <a:rPr lang="en-US" dirty="0" err="1"/>
+              <a:t>stim</a:t>
+            </a:r>
+            <a:r>
+              <a:rPr lang="en-US" dirty="0"/>
+              <a:t> type</a:t>
+            </a:r>
             <a:endParaRPr lang="en-US" dirty="0" smtClean="0"/>
-          </a:p>
-          <a:p>
-            <a:pPr lvl="1"/>
-            <a:r>
-              <a:rPr lang="en-US" dirty="0" smtClean="0"/>
-              <a:t>BLUE: ISC ROIs</a:t>
-            </a:r>
-          </a:p>
-          <a:p>
-            <a:pPr lvl="1"/>
-            <a:r>
-              <a:rPr lang="en-US" dirty="0" smtClean="0"/>
-              <a:t>RED: </a:t>
-            </a:r>
-            <a:r>
-              <a:rPr lang="en-US" dirty="0" smtClean="0"/>
-              <a:t>BOLD </a:t>
-            </a:r>
-            <a:r>
-              <a:rPr lang="en-US" dirty="0" smtClean="0"/>
-              <a:t>activation</a:t>
-            </a:r>
           </a:p>
         </p:txBody>
       </p:sp>
@@ -11903,66 +11574,6 @@
           </a:prstGeom>
         </p:spPr>
       </p:pic>
-      <p:sp>
-        <p:nvSpPr>
-          <p:cNvPr id="15" name="TextBox 14"/>
-          <p:cNvSpPr txBox="1"/>
-          <p:nvPr/>
-        </p:nvSpPr>
-        <p:spPr>
-          <a:xfrm>
-            <a:off x="7038975" y="1762125"/>
-            <a:ext cx="2042419" cy="338554"/>
-          </a:xfrm>
-          <a:prstGeom prst="rect">
-            <a:avLst/>
-          </a:prstGeom>
-          <a:noFill/>
-        </p:spPr>
-        <p:txBody>
-          <a:bodyPr wrap="none" rtlCol="0">
-            <a:spAutoFit/>
-          </a:bodyPr>
-          <a:lstStyle/>
-          <a:p>
-            <a:r>
-              <a:rPr lang="en-US" sz="1600" dirty="0" smtClean="0"/>
-              <a:t>(same across all 4 figs)</a:t>
-            </a:r>
-            <a:endParaRPr lang="en-CA" sz="1600" dirty="0"/>
-          </a:p>
-        </p:txBody>
-      </p:sp>
-      <p:sp>
-        <p:nvSpPr>
-          <p:cNvPr id="16" name="TextBox 15"/>
-          <p:cNvSpPr txBox="1"/>
-          <p:nvPr/>
-        </p:nvSpPr>
-        <p:spPr>
-          <a:xfrm>
-            <a:off x="6506551" y="2244908"/>
-            <a:ext cx="1870320" cy="338554"/>
-          </a:xfrm>
-          <a:prstGeom prst="rect">
-            <a:avLst/>
-          </a:prstGeom>
-          <a:noFill/>
-        </p:spPr>
-        <p:txBody>
-          <a:bodyPr wrap="none" rtlCol="0">
-            <a:spAutoFit/>
-          </a:bodyPr>
-          <a:lstStyle/>
-          <a:p>
-            <a:r>
-              <a:rPr lang="en-US" sz="1600" dirty="0" smtClean="0"/>
-              <a:t>(different for 4 stim)</a:t>
-            </a:r>
-            <a:endParaRPr lang="en-CA" sz="1600" dirty="0"/>
-          </a:p>
-        </p:txBody>
-      </p:sp>
     </p:spTree>
     <p:extLst>
       <p:ext uri="{BB962C8B-B14F-4D97-AF65-F5344CB8AC3E}">
@@ -11976,7 +11587,7 @@
   <p:timing>
     <p:tnLst>
       <p:par>
-        <p:cTn id="1" dur="indefinite" restart="never" nodeType="tmRoot"/>
+        <p:cTn xmlns:p14="http://schemas.microsoft.com/office/powerpoint/2010/main" id="1" dur="indefinite" restart="never" nodeType="tmRoot"/>
       </p:par>
     </p:tnLst>
   </p:timing>
@@ -12068,7 +11679,7 @@
   <p:timing>
     <p:tnLst>
       <p:par>
-        <p:cTn id="1" dur="indefinite" restart="never" nodeType="tmRoot"/>
+        <p:cTn xmlns:p14="http://schemas.microsoft.com/office/powerpoint/2010/main" id="1" dur="indefinite" restart="never" nodeType="tmRoot"/>
       </p:par>
     </p:tnLst>
   </p:timing>
@@ -12330,7 +11941,7 @@
   <a:extraClrSchemeLst/>
   <a:extLst>
     <a:ext uri="{05A4C25C-085E-4340-85A3-A5531E510DB2}">
-      <thm15:themeFamily xmlns:thm15="http://schemas.microsoft.com/office/thememl/2012/main" name="Office Theme" id="{62F939B6-93AF-4DB8-9C6B-D6C7DFDC589F}" vid="{4A3C46E8-61CC-4603-A589-7422A47A8E4A}"/>
+      <thm15:themeFamily xmlns="" xmlns:thm15="http://schemas.microsoft.com/office/thememl/2012/main" name="Office Theme" id="{62F939B6-93AF-4DB8-9C6B-D6C7DFDC589F}" vid="{4A3C46E8-61CC-4603-A589-7422A47A8E4A}"/>
     </a:ext>
   </a:extLst>
 </a:theme>
@@ -12591,7 +12202,7 @@
   <a:extraClrSchemeLst/>
   <a:extLst>
     <a:ext uri="{05A4C25C-085E-4340-85A3-A5531E510DB2}">
-      <thm15:themeFamily xmlns:thm15="http://schemas.microsoft.com/office/thememl/2012/main" name="Office Theme" id="{62F939B6-93AF-4DB8-9C6B-D6C7DFDC589F}" vid="{4A3C46E8-61CC-4603-A589-7422A47A8E4A}"/>
+      <thm15:themeFamily xmlns="" xmlns:thm15="http://schemas.microsoft.com/office/thememl/2012/main" name="Office Theme" id="{62F939B6-93AF-4DB8-9C6B-D6C7DFDC589F}" vid="{4A3C46E8-61CC-4603-A589-7422A47A8E4A}"/>
     </a:ext>
   </a:extLst>
 </a:theme>
